--- a/Resources/Sleeper_Cities_Analysis.pptx
+++ b/Resources/Sleeper_Cities_Analysis.pptx
@@ -11,6 +11,10 @@
     <p:sldId id="256" r:id="rId6"/>
     <p:sldId id="257" r:id="rId7"/>
     <p:sldId id="258" r:id="rId8"/>
+    <p:sldId id="259" r:id="rId9"/>
+    <p:sldId id="260" r:id="rId10"/>
+    <p:sldId id="261" r:id="rId11"/>
+    <p:sldId id="262" r:id="rId12"/>
   </p:sldIdLst>
   <p:sldSz cy="5143500" cx="9144000"/>
   <p:notesSz cx="6858000" cy="9144000"/>
@@ -905,7 +909,7 @@
       </p:grpSpPr>
       <p:sp>
         <p:nvSpPr>
-          <p:cNvPr id="146" name="Google Shape;146;ge5cc1d5d61_0_139:notes"/>
+          <p:cNvPr id="146" name="Google Shape;146;ge75080c5ba_0_1:notes"/>
           <p:cNvSpPr/>
           <p:nvPr>
             <p:ph idx="2" type="sldImg"/>
@@ -940,7 +944,403 @@
       </p:sp>
       <p:sp>
         <p:nvSpPr>
-          <p:cNvPr id="147" name="Google Shape;147;ge5cc1d5d61_0_139:notes"/>
+          <p:cNvPr id="147" name="Google Shape;147;ge75080c5ba_0_1:notes"/>
+          <p:cNvSpPr txBox="1"/>
+          <p:nvPr>
+            <p:ph idx="1" type="body"/>
+          </p:nvPr>
+        </p:nvSpPr>
+        <p:spPr>
+          <a:xfrm>
+            <a:off x="685800" y="4343400"/>
+            <a:ext cx="5486400" cy="4114800"/>
+          </a:xfrm>
+          <a:prstGeom prst="rect">
+            <a:avLst/>
+          </a:prstGeom>
+        </p:spPr>
+        <p:txBody>
+          <a:bodyPr anchorCtr="0" anchor="t" bIns="91425" lIns="91425" spcFirstLastPara="1" rIns="91425" wrap="square" tIns="91425">
+            <a:noAutofit/>
+          </a:bodyPr>
+          <a:lstStyle/>
+          <a:p>
+            <a:pPr indent="0" lvl="0" marL="0" rtl="0" algn="l">
+              <a:spcBef>
+                <a:spcPts val="0"/>
+              </a:spcBef>
+              <a:spcAft>
+                <a:spcPts val="0"/>
+              </a:spcAft>
+              <a:buNone/>
+            </a:pPr>
+            <a:r>
+              <a:t/>
+            </a:r>
+            <a:endParaRPr/>
+          </a:p>
+        </p:txBody>
+      </p:sp>
+    </p:spTree>
+  </p:cSld>
+  <p:clrMapOvr>
+    <a:masterClrMapping/>
+  </p:clrMapOvr>
+</p:notes>
+</file>
+
+<file path=ppt/notesSlides/notesSlide4.xml><?xml version="1.0" encoding="utf-8"?>
+<p:notes xmlns:a="http://schemas.openxmlformats.org/drawingml/2006/main" xmlns:r="http://schemas.openxmlformats.org/officeDocument/2006/relationships" xmlns:mc="http://schemas.openxmlformats.org/markup-compatibility/2006" xmlns:mv="urn:schemas-microsoft-com:mac:vml" xmlns:p="http://schemas.openxmlformats.org/presentationml/2006/main" xmlns:c="http://schemas.openxmlformats.org/drawingml/2006/chart" xmlns:dgm="http://schemas.openxmlformats.org/drawingml/2006/diagram" xmlns:o="urn:schemas-microsoft-com:office:office" xmlns:v="urn:schemas-microsoft-com:vml" xmlns:pvml="urn:schemas-microsoft-com:office:powerpoint" xmlns:com="http://schemas.openxmlformats.org/drawingml/2006/compatibility" xmlns:p14="http://schemas.microsoft.com/office/powerpoint/2010/main" xmlns:p15="http://schemas.microsoft.com/office/powerpoint/2012/main" xmlns:ahyp="http://schemas.microsoft.com/office/drawing/2018/hyperlinkcolor" showMasterPhAnim="0" showMasterSp="0">
+  <p:cSld>
+    <p:spTree>
+      <p:nvGrpSpPr>
+        <p:cNvPr id="151" name="Shape 151"/>
+        <p:cNvGrpSpPr/>
+        <p:nvPr/>
+      </p:nvGrpSpPr>
+      <p:grpSpPr>
+        <a:xfrm>
+          <a:off x="0" y="0"/>
+          <a:ext cx="0" cy="0"/>
+          <a:chOff x="0" y="0"/>
+          <a:chExt cx="0" cy="0"/>
+        </a:xfrm>
+      </p:grpSpPr>
+      <p:sp>
+        <p:nvSpPr>
+          <p:cNvPr id="152" name="Google Shape;152;ge75080c5ba_0_6:notes"/>
+          <p:cNvSpPr/>
+          <p:nvPr>
+            <p:ph idx="2" type="sldImg"/>
+          </p:nvPr>
+        </p:nvSpPr>
+        <p:spPr>
+          <a:xfrm>
+            <a:off x="381300" y="685800"/>
+            <a:ext cx="6096000" cy="3429000"/>
+          </a:xfrm>
+          <a:custGeom>
+            <a:rect b="b" l="l" r="r" t="t"/>
+            <a:pathLst>
+              <a:path extrusionOk="0" h="120000" w="120000">
+                <a:moveTo>
+                  <a:pt x="0" y="0"/>
+                </a:moveTo>
+                <a:lnTo>
+                  <a:pt x="120000" y="0"/>
+                </a:lnTo>
+                <a:lnTo>
+                  <a:pt x="120000" y="120000"/>
+                </a:lnTo>
+                <a:lnTo>
+                  <a:pt x="0" y="120000"/>
+                </a:lnTo>
+                <a:close/>
+              </a:path>
+            </a:pathLst>
+          </a:custGeom>
+        </p:spPr>
+      </p:sp>
+      <p:sp>
+        <p:nvSpPr>
+          <p:cNvPr id="153" name="Google Shape;153;ge75080c5ba_0_6:notes"/>
+          <p:cNvSpPr txBox="1"/>
+          <p:nvPr>
+            <p:ph idx="1" type="body"/>
+          </p:nvPr>
+        </p:nvSpPr>
+        <p:spPr>
+          <a:xfrm>
+            <a:off x="685800" y="4343400"/>
+            <a:ext cx="5486400" cy="4114800"/>
+          </a:xfrm>
+          <a:prstGeom prst="rect">
+            <a:avLst/>
+          </a:prstGeom>
+        </p:spPr>
+        <p:txBody>
+          <a:bodyPr anchorCtr="0" anchor="t" bIns="91425" lIns="91425" spcFirstLastPara="1" rIns="91425" wrap="square" tIns="91425">
+            <a:noAutofit/>
+          </a:bodyPr>
+          <a:lstStyle/>
+          <a:p>
+            <a:pPr indent="0" lvl="0" marL="0" rtl="0" algn="l">
+              <a:spcBef>
+                <a:spcPts val="0"/>
+              </a:spcBef>
+              <a:spcAft>
+                <a:spcPts val="0"/>
+              </a:spcAft>
+              <a:buNone/>
+            </a:pPr>
+            <a:r>
+              <a:t/>
+            </a:r>
+            <a:endParaRPr/>
+          </a:p>
+        </p:txBody>
+      </p:sp>
+    </p:spTree>
+  </p:cSld>
+  <p:clrMapOvr>
+    <a:masterClrMapping/>
+  </p:clrMapOvr>
+</p:notes>
+</file>
+
+<file path=ppt/notesSlides/notesSlide5.xml><?xml version="1.0" encoding="utf-8"?>
+<p:notes xmlns:a="http://schemas.openxmlformats.org/drawingml/2006/main" xmlns:r="http://schemas.openxmlformats.org/officeDocument/2006/relationships" xmlns:mc="http://schemas.openxmlformats.org/markup-compatibility/2006" xmlns:mv="urn:schemas-microsoft-com:mac:vml" xmlns:p="http://schemas.openxmlformats.org/presentationml/2006/main" xmlns:c="http://schemas.openxmlformats.org/drawingml/2006/chart" xmlns:dgm="http://schemas.openxmlformats.org/drawingml/2006/diagram" xmlns:o="urn:schemas-microsoft-com:office:office" xmlns:v="urn:schemas-microsoft-com:vml" xmlns:pvml="urn:schemas-microsoft-com:office:powerpoint" xmlns:com="http://schemas.openxmlformats.org/drawingml/2006/compatibility" xmlns:p14="http://schemas.microsoft.com/office/powerpoint/2010/main" xmlns:p15="http://schemas.microsoft.com/office/powerpoint/2012/main" xmlns:ahyp="http://schemas.microsoft.com/office/drawing/2018/hyperlinkcolor" showMasterPhAnim="0" showMasterSp="0">
+  <p:cSld>
+    <p:spTree>
+      <p:nvGrpSpPr>
+        <p:cNvPr id="157" name="Shape 157"/>
+        <p:cNvGrpSpPr/>
+        <p:nvPr/>
+      </p:nvGrpSpPr>
+      <p:grpSpPr>
+        <a:xfrm>
+          <a:off x="0" y="0"/>
+          <a:ext cx="0" cy="0"/>
+          <a:chOff x="0" y="0"/>
+          <a:chExt cx="0" cy="0"/>
+        </a:xfrm>
+      </p:grpSpPr>
+      <p:sp>
+        <p:nvSpPr>
+          <p:cNvPr id="158" name="Google Shape;158;ge5cc1d5d61_0_139:notes"/>
+          <p:cNvSpPr/>
+          <p:nvPr>
+            <p:ph idx="2" type="sldImg"/>
+          </p:nvPr>
+        </p:nvSpPr>
+        <p:spPr>
+          <a:xfrm>
+            <a:off x="381300" y="685800"/>
+            <a:ext cx="6096000" cy="3429000"/>
+          </a:xfrm>
+          <a:custGeom>
+            <a:rect b="b" l="l" r="r" t="t"/>
+            <a:pathLst>
+              <a:path extrusionOk="0" h="120000" w="120000">
+                <a:moveTo>
+                  <a:pt x="0" y="0"/>
+                </a:moveTo>
+                <a:lnTo>
+                  <a:pt x="120000" y="0"/>
+                </a:lnTo>
+                <a:lnTo>
+                  <a:pt x="120000" y="120000"/>
+                </a:lnTo>
+                <a:lnTo>
+                  <a:pt x="0" y="120000"/>
+                </a:lnTo>
+                <a:close/>
+              </a:path>
+            </a:pathLst>
+          </a:custGeom>
+        </p:spPr>
+      </p:sp>
+      <p:sp>
+        <p:nvSpPr>
+          <p:cNvPr id="159" name="Google Shape;159;ge5cc1d5d61_0_139:notes"/>
+          <p:cNvSpPr txBox="1"/>
+          <p:nvPr>
+            <p:ph idx="1" type="body"/>
+          </p:nvPr>
+        </p:nvSpPr>
+        <p:spPr>
+          <a:xfrm>
+            <a:off x="685800" y="4343400"/>
+            <a:ext cx="5486400" cy="4114800"/>
+          </a:xfrm>
+          <a:prstGeom prst="rect">
+            <a:avLst/>
+          </a:prstGeom>
+        </p:spPr>
+        <p:txBody>
+          <a:bodyPr anchorCtr="0" anchor="t" bIns="91425" lIns="91425" spcFirstLastPara="1" rIns="91425" wrap="square" tIns="91425">
+            <a:noAutofit/>
+          </a:bodyPr>
+          <a:lstStyle/>
+          <a:p>
+            <a:pPr indent="0" lvl="0" marL="0" rtl="0" algn="l">
+              <a:spcBef>
+                <a:spcPts val="0"/>
+              </a:spcBef>
+              <a:spcAft>
+                <a:spcPts val="0"/>
+              </a:spcAft>
+              <a:buNone/>
+            </a:pPr>
+            <a:r>
+              <a:t/>
+            </a:r>
+            <a:endParaRPr/>
+          </a:p>
+        </p:txBody>
+      </p:sp>
+    </p:spTree>
+  </p:cSld>
+  <p:clrMapOvr>
+    <a:masterClrMapping/>
+  </p:clrMapOvr>
+</p:notes>
+</file>
+
+<file path=ppt/notesSlides/notesSlide6.xml><?xml version="1.0" encoding="utf-8"?>
+<p:notes xmlns:a="http://schemas.openxmlformats.org/drawingml/2006/main" xmlns:r="http://schemas.openxmlformats.org/officeDocument/2006/relationships" xmlns:mc="http://schemas.openxmlformats.org/markup-compatibility/2006" xmlns:mv="urn:schemas-microsoft-com:mac:vml" xmlns:p="http://schemas.openxmlformats.org/presentationml/2006/main" xmlns:c="http://schemas.openxmlformats.org/drawingml/2006/chart" xmlns:dgm="http://schemas.openxmlformats.org/drawingml/2006/diagram" xmlns:o="urn:schemas-microsoft-com:office:office" xmlns:v="urn:schemas-microsoft-com:vml" xmlns:pvml="urn:schemas-microsoft-com:office:powerpoint" xmlns:com="http://schemas.openxmlformats.org/drawingml/2006/compatibility" xmlns:p14="http://schemas.microsoft.com/office/powerpoint/2010/main" xmlns:p15="http://schemas.microsoft.com/office/powerpoint/2012/main" xmlns:ahyp="http://schemas.microsoft.com/office/drawing/2018/hyperlinkcolor" showMasterPhAnim="0" showMasterSp="0">
+  <p:cSld>
+    <p:spTree>
+      <p:nvGrpSpPr>
+        <p:cNvPr id="193" name="Shape 193"/>
+        <p:cNvGrpSpPr/>
+        <p:nvPr/>
+      </p:nvGrpSpPr>
+      <p:grpSpPr>
+        <a:xfrm>
+          <a:off x="0" y="0"/>
+          <a:ext cx="0" cy="0"/>
+          <a:chOff x="0" y="0"/>
+          <a:chExt cx="0" cy="0"/>
+        </a:xfrm>
+      </p:grpSpPr>
+      <p:sp>
+        <p:nvSpPr>
+          <p:cNvPr id="194" name="Google Shape;194;ge65aef04d1_0_14:notes"/>
+          <p:cNvSpPr/>
+          <p:nvPr>
+            <p:ph idx="2" type="sldImg"/>
+          </p:nvPr>
+        </p:nvSpPr>
+        <p:spPr>
+          <a:xfrm>
+            <a:off x="381300" y="685800"/>
+            <a:ext cx="6096000" cy="3429000"/>
+          </a:xfrm>
+          <a:custGeom>
+            <a:rect b="b" l="l" r="r" t="t"/>
+            <a:pathLst>
+              <a:path extrusionOk="0" h="120000" w="120000">
+                <a:moveTo>
+                  <a:pt x="0" y="0"/>
+                </a:moveTo>
+                <a:lnTo>
+                  <a:pt x="120000" y="0"/>
+                </a:lnTo>
+                <a:lnTo>
+                  <a:pt x="120000" y="120000"/>
+                </a:lnTo>
+                <a:lnTo>
+                  <a:pt x="0" y="120000"/>
+                </a:lnTo>
+                <a:close/>
+              </a:path>
+            </a:pathLst>
+          </a:custGeom>
+        </p:spPr>
+      </p:sp>
+      <p:sp>
+        <p:nvSpPr>
+          <p:cNvPr id="195" name="Google Shape;195;ge65aef04d1_0_14:notes"/>
+          <p:cNvSpPr txBox="1"/>
+          <p:nvPr>
+            <p:ph idx="1" type="body"/>
+          </p:nvPr>
+        </p:nvSpPr>
+        <p:spPr>
+          <a:xfrm>
+            <a:off x="685800" y="4343400"/>
+            <a:ext cx="5486400" cy="4114800"/>
+          </a:xfrm>
+          <a:prstGeom prst="rect">
+            <a:avLst/>
+          </a:prstGeom>
+        </p:spPr>
+        <p:txBody>
+          <a:bodyPr anchorCtr="0" anchor="t" bIns="91425" lIns="91425" spcFirstLastPara="1" rIns="91425" wrap="square" tIns="91425">
+            <a:noAutofit/>
+          </a:bodyPr>
+          <a:lstStyle/>
+          <a:p>
+            <a:pPr indent="0" lvl="0" marL="0" rtl="0" algn="l">
+              <a:spcBef>
+                <a:spcPts val="0"/>
+              </a:spcBef>
+              <a:spcAft>
+                <a:spcPts val="0"/>
+              </a:spcAft>
+              <a:buNone/>
+            </a:pPr>
+            <a:r>
+              <a:t/>
+            </a:r>
+            <a:endParaRPr/>
+          </a:p>
+        </p:txBody>
+      </p:sp>
+    </p:spTree>
+  </p:cSld>
+  <p:clrMapOvr>
+    <a:masterClrMapping/>
+  </p:clrMapOvr>
+</p:notes>
+</file>
+
+<file path=ppt/notesSlides/notesSlide7.xml><?xml version="1.0" encoding="utf-8"?>
+<p:notes xmlns:a="http://schemas.openxmlformats.org/drawingml/2006/main" xmlns:r="http://schemas.openxmlformats.org/officeDocument/2006/relationships" xmlns:mc="http://schemas.openxmlformats.org/markup-compatibility/2006" xmlns:mv="urn:schemas-microsoft-com:mac:vml" xmlns:p="http://schemas.openxmlformats.org/presentationml/2006/main" xmlns:c="http://schemas.openxmlformats.org/drawingml/2006/chart" xmlns:dgm="http://schemas.openxmlformats.org/drawingml/2006/diagram" xmlns:o="urn:schemas-microsoft-com:office:office" xmlns:v="urn:schemas-microsoft-com:vml" xmlns:pvml="urn:schemas-microsoft-com:office:powerpoint" xmlns:com="http://schemas.openxmlformats.org/drawingml/2006/compatibility" xmlns:p14="http://schemas.microsoft.com/office/powerpoint/2010/main" xmlns:p15="http://schemas.microsoft.com/office/powerpoint/2012/main" xmlns:ahyp="http://schemas.microsoft.com/office/drawing/2018/hyperlinkcolor" showMasterPhAnim="0" showMasterSp="0">
+  <p:cSld>
+    <p:spTree>
+      <p:nvGrpSpPr>
+        <p:cNvPr id="207" name="Shape 207"/>
+        <p:cNvGrpSpPr/>
+        <p:nvPr/>
+      </p:nvGrpSpPr>
+      <p:grpSpPr>
+        <a:xfrm>
+          <a:off x="0" y="0"/>
+          <a:ext cx="0" cy="0"/>
+          <a:chOff x="0" y="0"/>
+          <a:chExt cx="0" cy="0"/>
+        </a:xfrm>
+      </p:grpSpPr>
+      <p:sp>
+        <p:nvSpPr>
+          <p:cNvPr id="208" name="Google Shape;208;ge65aef04d1_0_0:notes"/>
+          <p:cNvSpPr/>
+          <p:nvPr>
+            <p:ph idx="2" type="sldImg"/>
+          </p:nvPr>
+        </p:nvSpPr>
+        <p:spPr>
+          <a:xfrm>
+            <a:off x="381300" y="685800"/>
+            <a:ext cx="6096000" cy="3429000"/>
+          </a:xfrm>
+          <a:custGeom>
+            <a:rect b="b" l="l" r="r" t="t"/>
+            <a:pathLst>
+              <a:path extrusionOk="0" h="120000" w="120000">
+                <a:moveTo>
+                  <a:pt x="0" y="0"/>
+                </a:moveTo>
+                <a:lnTo>
+                  <a:pt x="120000" y="0"/>
+                </a:lnTo>
+                <a:lnTo>
+                  <a:pt x="120000" y="120000"/>
+                </a:lnTo>
+                <a:lnTo>
+                  <a:pt x="0" y="120000"/>
+                </a:lnTo>
+                <a:close/>
+              </a:path>
+            </a:pathLst>
+          </a:custGeom>
+        </p:spPr>
+      </p:sp>
+      <p:sp>
+        <p:nvSpPr>
+          <p:cNvPr id="209" name="Google Shape;209;ge65aef04d1_0_0:notes"/>
           <p:cNvSpPr txBox="1"/>
           <p:nvPr>
             <p:ph idx="1" type="body"/>
@@ -9503,8 +9903,8 @@
         </p:nvSpPr>
         <p:spPr>
           <a:xfrm>
-            <a:off x="520850" y="1721550"/>
-            <a:ext cx="5040300" cy="2879700"/>
+            <a:off x="520850" y="1437725"/>
+            <a:ext cx="5287500" cy="3163500"/>
           </a:xfrm>
           <a:prstGeom prst="rect">
             <a:avLst/>
@@ -9773,9 +10173,28 @@
                   <a:schemeClr val="dk2"/>
                 </a:solidFill>
               </a:rPr>
-              <a:t>	Census.gov, Realtor.com, &amp; more...</a:t>
-            </a:r>
-            <a:endParaRPr sz="1000">
+              <a:t>	Census.gov, Realtor.com, &amp; more…</a:t>
+            </a:r>
+            <a:endParaRPr b="1" sz="1000">
+              <a:solidFill>
+                <a:schemeClr val="dk2"/>
+              </a:solidFill>
+            </a:endParaRPr>
+          </a:p>
+          <a:p>
+            <a:pPr indent="0" lvl="0" marL="0" rtl="0" algn="l">
+              <a:spcBef>
+                <a:spcPts val="0"/>
+              </a:spcBef>
+              <a:spcAft>
+                <a:spcPts val="0"/>
+              </a:spcAft>
+              <a:buNone/>
+            </a:pPr>
+            <a:r>
+              <a:t/>
+            </a:r>
+            <a:endParaRPr b="1" sz="1000">
               <a:solidFill>
                 <a:schemeClr val="dk2"/>
               </a:solidFill>
@@ -9959,6 +10378,1043 @@
             </a:pPr>
             <a:r>
               <a:rPr lang="en"/>
+              <a:t>Presentation </a:t>
+            </a:r>
+            <a:endParaRPr/>
+          </a:p>
+          <a:p>
+            <a:pPr indent="0" lvl="0" marL="0" rtl="0" algn="l">
+              <a:spcBef>
+                <a:spcPts val="0"/>
+              </a:spcBef>
+              <a:spcAft>
+                <a:spcPts val="0"/>
+              </a:spcAft>
+              <a:buNone/>
+            </a:pPr>
+            <a:r>
+              <a:rPr lang="en" sz="1288">
+                <a:solidFill>
+                  <a:srgbClr val="B7B7B7"/>
+                </a:solidFill>
+              </a:rPr>
+              <a:t>Data Exploration</a:t>
+            </a:r>
+            <a:endParaRPr sz="1288">
+              <a:solidFill>
+                <a:srgbClr val="B7B7B7"/>
+              </a:solidFill>
+            </a:endParaRPr>
+          </a:p>
+        </p:txBody>
+      </p:sp>
+      <p:sp>
+        <p:nvSpPr>
+          <p:cNvPr id="150" name="Google Shape;150;p15"/>
+          <p:cNvSpPr txBox="1"/>
+          <p:nvPr>
+            <p:ph idx="1" type="body"/>
+          </p:nvPr>
+        </p:nvSpPr>
+        <p:spPr>
+          <a:xfrm>
+            <a:off x="448975" y="1394125"/>
+            <a:ext cx="7142400" cy="3623700"/>
+          </a:xfrm>
+          <a:prstGeom prst="rect">
+            <a:avLst/>
+          </a:prstGeom>
+          <a:ln cap="flat" cmpd="sng" w="9525">
+            <a:solidFill>
+              <a:schemeClr val="lt1"/>
+            </a:solidFill>
+            <a:prstDash val="solid"/>
+            <a:round/>
+            <a:headEnd len="sm" w="sm" type="none"/>
+            <a:tailEnd len="sm" w="sm" type="none"/>
+          </a:ln>
+        </p:spPr>
+        <p:txBody>
+          <a:bodyPr anchorCtr="0" anchor="t" bIns="91425" lIns="91425" spcFirstLastPara="1" rIns="91425" wrap="square" tIns="91425">
+            <a:noAutofit/>
+          </a:bodyPr>
+          <a:lstStyle/>
+          <a:p>
+            <a:pPr indent="0" lvl="0" marL="0" marR="0" rtl="0" algn="l">
+              <a:lnSpc>
+                <a:spcPct val="95000"/>
+              </a:lnSpc>
+              <a:spcBef>
+                <a:spcPts val="0"/>
+              </a:spcBef>
+              <a:spcAft>
+                <a:spcPts val="0"/>
+              </a:spcAft>
+              <a:buSzPts val="852"/>
+              <a:buNone/>
+            </a:pPr>
+            <a:r>
+              <a:rPr b="1" lang="en" sz="1207"/>
+              <a:t>✓ Housing</a:t>
+            </a:r>
+            <a:endParaRPr b="1" sz="1207"/>
+          </a:p>
+          <a:p>
+            <a:pPr indent="0" lvl="0" marL="0" marR="0" rtl="0" algn="l">
+              <a:lnSpc>
+                <a:spcPct val="95000"/>
+              </a:lnSpc>
+              <a:spcBef>
+                <a:spcPts val="0"/>
+              </a:spcBef>
+              <a:spcAft>
+                <a:spcPts val="0"/>
+              </a:spcAft>
+              <a:buSzPts val="852"/>
+              <a:buNone/>
+            </a:pPr>
+            <a:r>
+              <a:rPr b="1" lang="en" sz="975">
+                <a:solidFill>
+                  <a:schemeClr val="dk2"/>
+                </a:solidFill>
+              </a:rPr>
+              <a:t>	Median listing price</a:t>
+            </a:r>
+            <a:endParaRPr b="1" sz="975">
+              <a:solidFill>
+                <a:schemeClr val="dk2"/>
+              </a:solidFill>
+            </a:endParaRPr>
+          </a:p>
+          <a:p>
+            <a:pPr indent="457200" lvl="0" marL="0" marR="0" rtl="0" algn="l">
+              <a:lnSpc>
+                <a:spcPct val="95000"/>
+              </a:lnSpc>
+              <a:spcBef>
+                <a:spcPts val="0"/>
+              </a:spcBef>
+              <a:spcAft>
+                <a:spcPts val="0"/>
+              </a:spcAft>
+              <a:buSzPts val="852"/>
+              <a:buNone/>
+            </a:pPr>
+            <a:r>
+              <a:rPr b="1" lang="en" sz="975">
+                <a:solidFill>
+                  <a:schemeClr val="dk2"/>
+                </a:solidFill>
+              </a:rPr>
+              <a:t>Active listing count</a:t>
+            </a:r>
+            <a:endParaRPr b="1" sz="975">
+              <a:solidFill>
+                <a:schemeClr val="dk2"/>
+              </a:solidFill>
+            </a:endParaRPr>
+          </a:p>
+          <a:p>
+            <a:pPr indent="457200" lvl="0" marL="0" marR="0" rtl="0" algn="l">
+              <a:lnSpc>
+                <a:spcPct val="95000"/>
+              </a:lnSpc>
+              <a:spcBef>
+                <a:spcPts val="0"/>
+              </a:spcBef>
+              <a:spcAft>
+                <a:spcPts val="0"/>
+              </a:spcAft>
+              <a:buSzPts val="852"/>
+              <a:buNone/>
+            </a:pPr>
+            <a:r>
+              <a:rPr b="1" lang="en" sz="975">
+                <a:solidFill>
+                  <a:schemeClr val="dk2"/>
+                </a:solidFill>
+              </a:rPr>
+              <a:t>New listing count</a:t>
+            </a:r>
+            <a:endParaRPr b="1" sz="975">
+              <a:solidFill>
+                <a:schemeClr val="dk2"/>
+              </a:solidFill>
+            </a:endParaRPr>
+          </a:p>
+          <a:p>
+            <a:pPr indent="457200" lvl="0" marL="0" marR="0" rtl="0" algn="l">
+              <a:lnSpc>
+                <a:spcPct val="95000"/>
+              </a:lnSpc>
+              <a:spcBef>
+                <a:spcPts val="0"/>
+              </a:spcBef>
+              <a:spcAft>
+                <a:spcPts val="0"/>
+              </a:spcAft>
+              <a:buSzPts val="852"/>
+              <a:buNone/>
+            </a:pPr>
+            <a:r>
+              <a:rPr b="1" lang="en" sz="975">
+                <a:solidFill>
+                  <a:schemeClr val="dk2"/>
+                </a:solidFill>
+              </a:rPr>
+              <a:t>Average listing price</a:t>
+            </a:r>
+            <a:endParaRPr b="1" sz="975">
+              <a:solidFill>
+                <a:schemeClr val="dk2"/>
+              </a:solidFill>
+            </a:endParaRPr>
+          </a:p>
+          <a:p>
+            <a:pPr indent="0" lvl="0" marL="0" marR="0" rtl="0" algn="l">
+              <a:lnSpc>
+                <a:spcPct val="95000"/>
+              </a:lnSpc>
+              <a:spcBef>
+                <a:spcPts val="0"/>
+              </a:spcBef>
+              <a:spcAft>
+                <a:spcPts val="0"/>
+              </a:spcAft>
+              <a:buSzPts val="852"/>
+              <a:buNone/>
+            </a:pPr>
+            <a:r>
+              <a:rPr lang="en" sz="975">
+                <a:solidFill>
+                  <a:schemeClr val="dk2"/>
+                </a:solidFill>
+              </a:rPr>
+              <a:t>	Total listing count</a:t>
+            </a:r>
+            <a:endParaRPr sz="975">
+              <a:solidFill>
+                <a:schemeClr val="dk2"/>
+              </a:solidFill>
+            </a:endParaRPr>
+          </a:p>
+          <a:p>
+            <a:pPr indent="0" lvl="0" marL="0" marR="0" rtl="0" algn="l">
+              <a:lnSpc>
+                <a:spcPct val="95000"/>
+              </a:lnSpc>
+              <a:spcBef>
+                <a:spcPts val="0"/>
+              </a:spcBef>
+              <a:spcAft>
+                <a:spcPts val="0"/>
+              </a:spcAft>
+              <a:buSzPts val="852"/>
+              <a:buNone/>
+            </a:pPr>
+            <a:r>
+              <a:t/>
+            </a:r>
+            <a:endParaRPr b="1" sz="1207"/>
+          </a:p>
+          <a:p>
+            <a:pPr indent="0" lvl="0" marL="0" marR="0" rtl="0" algn="l">
+              <a:lnSpc>
+                <a:spcPct val="95000"/>
+              </a:lnSpc>
+              <a:spcBef>
+                <a:spcPts val="0"/>
+              </a:spcBef>
+              <a:spcAft>
+                <a:spcPts val="0"/>
+              </a:spcAft>
+              <a:buSzPts val="852"/>
+              <a:buNone/>
+            </a:pPr>
+            <a:r>
+              <a:rPr b="1" lang="en" sz="1207"/>
+              <a:t>✓ Income</a:t>
+            </a:r>
+            <a:endParaRPr b="1" sz="1207"/>
+          </a:p>
+          <a:p>
+            <a:pPr indent="0" lvl="0" marL="0" marR="0" rtl="0" algn="l">
+              <a:lnSpc>
+                <a:spcPct val="95000"/>
+              </a:lnSpc>
+              <a:spcBef>
+                <a:spcPts val="0"/>
+              </a:spcBef>
+              <a:spcAft>
+                <a:spcPts val="0"/>
+              </a:spcAft>
+              <a:buSzPts val="852"/>
+              <a:buNone/>
+            </a:pPr>
+            <a:r>
+              <a:rPr b="1" lang="en" sz="1207"/>
+              <a:t> </a:t>
+            </a:r>
+            <a:r>
+              <a:rPr b="1" lang="en" sz="975">
+                <a:solidFill>
+                  <a:schemeClr val="dk2"/>
+                </a:solidFill>
+              </a:rPr>
+              <a:t>	Average income per capita per city</a:t>
+            </a:r>
+            <a:endParaRPr sz="975">
+              <a:solidFill>
+                <a:schemeClr val="dk2"/>
+              </a:solidFill>
+            </a:endParaRPr>
+          </a:p>
+          <a:p>
+            <a:pPr indent="0" lvl="0" marL="0" marR="0" rtl="0" algn="l">
+              <a:lnSpc>
+                <a:spcPct val="95000"/>
+              </a:lnSpc>
+              <a:spcBef>
+                <a:spcPts val="0"/>
+              </a:spcBef>
+              <a:spcAft>
+                <a:spcPts val="0"/>
+              </a:spcAft>
+              <a:buSzPts val="852"/>
+              <a:buNone/>
+            </a:pPr>
+            <a:r>
+              <a:t/>
+            </a:r>
+            <a:endParaRPr b="1" sz="1207"/>
+          </a:p>
+          <a:p>
+            <a:pPr indent="0" lvl="0" marL="0" marR="0" rtl="0" algn="l">
+              <a:lnSpc>
+                <a:spcPct val="95000"/>
+              </a:lnSpc>
+              <a:spcBef>
+                <a:spcPts val="0"/>
+              </a:spcBef>
+              <a:spcAft>
+                <a:spcPts val="0"/>
+              </a:spcAft>
+              <a:buSzPts val="852"/>
+              <a:buNone/>
+            </a:pPr>
+            <a:r>
+              <a:rPr b="1" lang="en" sz="1207"/>
+              <a:t>✓ Population</a:t>
+            </a:r>
+            <a:endParaRPr b="1" sz="1207"/>
+          </a:p>
+          <a:p>
+            <a:pPr indent="0" lvl="0" marL="0" rtl="0" algn="l">
+              <a:lnSpc>
+                <a:spcPct val="95000"/>
+              </a:lnSpc>
+              <a:spcBef>
+                <a:spcPts val="0"/>
+              </a:spcBef>
+              <a:spcAft>
+                <a:spcPts val="0"/>
+              </a:spcAft>
+              <a:buSzPts val="852"/>
+              <a:buNone/>
+            </a:pPr>
+            <a:r>
+              <a:rPr b="1" lang="en" sz="1207"/>
+              <a:t> </a:t>
+            </a:r>
+            <a:r>
+              <a:rPr b="1" lang="en" sz="975">
+                <a:solidFill>
+                  <a:schemeClr val="dk2"/>
+                </a:solidFill>
+              </a:rPr>
+              <a:t>	2019 population of metro area/city</a:t>
+            </a:r>
+            <a:endParaRPr b="1" sz="975">
+              <a:solidFill>
+                <a:schemeClr val="dk2"/>
+              </a:solidFill>
+            </a:endParaRPr>
+          </a:p>
+          <a:p>
+            <a:pPr indent="0" lvl="0" marL="0" rtl="0" algn="l">
+              <a:lnSpc>
+                <a:spcPct val="95000"/>
+              </a:lnSpc>
+              <a:spcBef>
+                <a:spcPts val="0"/>
+              </a:spcBef>
+              <a:spcAft>
+                <a:spcPts val="0"/>
+              </a:spcAft>
+              <a:buSzPts val="852"/>
+              <a:buNone/>
+            </a:pPr>
+            <a:r>
+              <a:t/>
+            </a:r>
+            <a:endParaRPr b="1" sz="975">
+              <a:solidFill>
+                <a:schemeClr val="dk2"/>
+              </a:solidFill>
+            </a:endParaRPr>
+          </a:p>
+          <a:p>
+            <a:pPr indent="0" lvl="0" marL="0" marR="0" rtl="0" algn="l">
+              <a:lnSpc>
+                <a:spcPct val="95000"/>
+              </a:lnSpc>
+              <a:spcBef>
+                <a:spcPts val="0"/>
+              </a:spcBef>
+              <a:spcAft>
+                <a:spcPts val="0"/>
+              </a:spcAft>
+              <a:buSzPts val="852"/>
+              <a:buNone/>
+            </a:pPr>
+            <a:r>
+              <a:t/>
+            </a:r>
+            <a:endParaRPr b="1" sz="1207"/>
+          </a:p>
+          <a:p>
+            <a:pPr indent="0" lvl="0" marL="0" marR="0" rtl="0" algn="l">
+              <a:lnSpc>
+                <a:spcPct val="95000"/>
+              </a:lnSpc>
+              <a:spcBef>
+                <a:spcPts val="0"/>
+              </a:spcBef>
+              <a:spcAft>
+                <a:spcPts val="0"/>
+              </a:spcAft>
+              <a:buSzPts val="852"/>
+              <a:buNone/>
+            </a:pPr>
+            <a:r>
+              <a:rPr b="1" lang="en" sz="1207"/>
+              <a:t>✓ Weather</a:t>
+            </a:r>
+            <a:endParaRPr b="1" sz="1207"/>
+          </a:p>
+          <a:p>
+            <a:pPr indent="0" lvl="0" marL="0" marR="0" rtl="0" algn="l">
+              <a:lnSpc>
+                <a:spcPct val="95000"/>
+              </a:lnSpc>
+              <a:spcBef>
+                <a:spcPts val="0"/>
+              </a:spcBef>
+              <a:spcAft>
+                <a:spcPts val="0"/>
+              </a:spcAft>
+              <a:buSzPts val="852"/>
+              <a:buNone/>
+            </a:pPr>
+            <a:r>
+              <a:rPr b="1" lang="en" sz="1207"/>
+              <a:t>	</a:t>
+            </a:r>
+            <a:r>
+              <a:rPr b="1" lang="en" sz="975">
+                <a:solidFill>
+                  <a:schemeClr val="dk2"/>
+                </a:solidFill>
+              </a:rPr>
+              <a:t>Temperature </a:t>
+            </a:r>
+            <a:endParaRPr b="1" sz="975">
+              <a:solidFill>
+                <a:schemeClr val="dk2"/>
+              </a:solidFill>
+            </a:endParaRPr>
+          </a:p>
+          <a:p>
+            <a:pPr indent="0" lvl="0" marL="0" marR="0" rtl="0" algn="l">
+              <a:lnSpc>
+                <a:spcPct val="95000"/>
+              </a:lnSpc>
+              <a:spcBef>
+                <a:spcPts val="0"/>
+              </a:spcBef>
+              <a:spcAft>
+                <a:spcPts val="0"/>
+              </a:spcAft>
+              <a:buSzPts val="852"/>
+              <a:buNone/>
+            </a:pPr>
+            <a:r>
+              <a:rPr b="1" lang="en" sz="975">
+                <a:solidFill>
+                  <a:schemeClr val="dk2"/>
+                </a:solidFill>
+              </a:rPr>
+              <a:t>	Wind Speed</a:t>
+            </a:r>
+            <a:endParaRPr b="1" sz="975">
+              <a:solidFill>
+                <a:schemeClr val="dk2"/>
+              </a:solidFill>
+            </a:endParaRPr>
+          </a:p>
+          <a:p>
+            <a:pPr indent="0" lvl="0" marL="0" marR="0" rtl="0" algn="l">
+              <a:lnSpc>
+                <a:spcPct val="95000"/>
+              </a:lnSpc>
+              <a:spcBef>
+                <a:spcPts val="0"/>
+              </a:spcBef>
+              <a:spcAft>
+                <a:spcPts val="0"/>
+              </a:spcAft>
+              <a:buSzPts val="852"/>
+              <a:buNone/>
+            </a:pPr>
+            <a:r>
+              <a:rPr b="1" lang="en" sz="975">
+                <a:solidFill>
+                  <a:schemeClr val="dk2"/>
+                </a:solidFill>
+              </a:rPr>
+              <a:t>	Wind Direction</a:t>
+            </a:r>
+            <a:endParaRPr b="1" sz="975">
+              <a:solidFill>
+                <a:schemeClr val="dk2"/>
+              </a:solidFill>
+            </a:endParaRPr>
+          </a:p>
+          <a:p>
+            <a:pPr indent="0" lvl="0" marL="0" marR="0" rtl="0" algn="l">
+              <a:lnSpc>
+                <a:spcPct val="95000"/>
+              </a:lnSpc>
+              <a:spcBef>
+                <a:spcPts val="0"/>
+              </a:spcBef>
+              <a:spcAft>
+                <a:spcPts val="0"/>
+              </a:spcAft>
+              <a:buSzPts val="852"/>
+              <a:buNone/>
+            </a:pPr>
+            <a:r>
+              <a:rPr b="1" lang="en" sz="975">
+                <a:solidFill>
+                  <a:schemeClr val="dk2"/>
+                </a:solidFill>
+              </a:rPr>
+              <a:t>	Dew Point (association to humidity)</a:t>
+            </a:r>
+            <a:endParaRPr b="1" sz="975">
+              <a:solidFill>
+                <a:schemeClr val="dk2"/>
+              </a:solidFill>
+            </a:endParaRPr>
+          </a:p>
+          <a:p>
+            <a:pPr indent="0" lvl="0" marL="0" marR="0" rtl="0" algn="l">
+              <a:lnSpc>
+                <a:spcPct val="95000"/>
+              </a:lnSpc>
+              <a:spcBef>
+                <a:spcPts val="0"/>
+              </a:spcBef>
+              <a:spcAft>
+                <a:spcPts val="0"/>
+              </a:spcAft>
+              <a:buSzPts val="852"/>
+              <a:buNone/>
+            </a:pPr>
+            <a:r>
+              <a:rPr b="1" lang="en" sz="975">
+                <a:solidFill>
+                  <a:schemeClr val="dk2"/>
+                </a:solidFill>
+              </a:rPr>
+              <a:t>	Air Pressure</a:t>
+            </a:r>
+            <a:endParaRPr b="1" sz="975">
+              <a:solidFill>
+                <a:schemeClr val="dk2"/>
+              </a:solidFill>
+            </a:endParaRPr>
+          </a:p>
+          <a:p>
+            <a:pPr indent="0" lvl="0" marL="0" marR="0" rtl="0" algn="l">
+              <a:lnSpc>
+                <a:spcPct val="95000"/>
+              </a:lnSpc>
+              <a:spcBef>
+                <a:spcPts val="0"/>
+              </a:spcBef>
+              <a:spcAft>
+                <a:spcPts val="0"/>
+              </a:spcAft>
+              <a:buSzPts val="852"/>
+              <a:buNone/>
+            </a:pPr>
+            <a:r>
+              <a:t/>
+            </a:r>
+            <a:endParaRPr b="1" sz="1007"/>
+          </a:p>
+          <a:p>
+            <a:pPr indent="0" lvl="0" marL="0" marR="0" rtl="0" algn="l">
+              <a:lnSpc>
+                <a:spcPct val="95000"/>
+              </a:lnSpc>
+              <a:spcBef>
+                <a:spcPts val="0"/>
+              </a:spcBef>
+              <a:spcAft>
+                <a:spcPts val="0"/>
+              </a:spcAft>
+              <a:buSzPts val="852"/>
+              <a:buNone/>
+            </a:pPr>
+            <a:r>
+              <a:rPr b="1" lang="en" sz="907"/>
+              <a:t>*For further breakdown of Data Exploration please refer to the “Data Exploration” section of the README file of our GitHub repository. </a:t>
+            </a:r>
+            <a:endParaRPr b="1" sz="907"/>
+          </a:p>
+        </p:txBody>
+      </p:sp>
+    </p:spTree>
+  </p:cSld>
+  <p:clrMapOvr>
+    <a:masterClrMapping/>
+  </p:clrMapOvr>
+</p:sld>
+</file>
+
+<file path=ppt/slides/slide4.xml><?xml version="1.0" encoding="utf-8"?>
+<p:sld xmlns:a="http://schemas.openxmlformats.org/drawingml/2006/main" xmlns:r="http://schemas.openxmlformats.org/officeDocument/2006/relationships" xmlns:mc="http://schemas.openxmlformats.org/markup-compatibility/2006" xmlns:mv="urn:schemas-microsoft-com:mac:vml" xmlns:p="http://schemas.openxmlformats.org/presentationml/2006/main" xmlns:c="http://schemas.openxmlformats.org/drawingml/2006/chart" xmlns:dgm="http://schemas.openxmlformats.org/drawingml/2006/diagram" xmlns:o="urn:schemas-microsoft-com:office:office" xmlns:v="urn:schemas-microsoft-com:vml" xmlns:pvml="urn:schemas-microsoft-com:office:powerpoint" xmlns:com="http://schemas.openxmlformats.org/drawingml/2006/compatibility" xmlns:p14="http://schemas.microsoft.com/office/powerpoint/2010/main" xmlns:p15="http://schemas.microsoft.com/office/powerpoint/2012/main" xmlns:ahyp="http://schemas.microsoft.com/office/drawing/2018/hyperlinkcolor">
+  <p:cSld>
+    <p:spTree>
+      <p:nvGrpSpPr>
+        <p:cNvPr id="154" name="Shape 154"/>
+        <p:cNvGrpSpPr/>
+        <p:nvPr/>
+      </p:nvGrpSpPr>
+      <p:grpSpPr>
+        <a:xfrm>
+          <a:off x="0" y="0"/>
+          <a:ext cx="0" cy="0"/>
+          <a:chOff x="0" y="0"/>
+          <a:chExt cx="0" cy="0"/>
+        </a:xfrm>
+      </p:grpSpPr>
+      <p:sp>
+        <p:nvSpPr>
+          <p:cNvPr id="155" name="Google Shape;155;p16"/>
+          <p:cNvSpPr txBox="1"/>
+          <p:nvPr>
+            <p:ph type="title"/>
+          </p:nvPr>
+        </p:nvSpPr>
+        <p:spPr>
+          <a:xfrm>
+            <a:off x="1297500" y="393750"/>
+            <a:ext cx="7038900" cy="914100"/>
+          </a:xfrm>
+          <a:prstGeom prst="rect">
+            <a:avLst/>
+          </a:prstGeom>
+        </p:spPr>
+        <p:txBody>
+          <a:bodyPr anchorCtr="0" anchor="t" bIns="91425" lIns="91425" spcFirstLastPara="1" rIns="91425" wrap="square" tIns="91425">
+            <a:normAutofit/>
+          </a:bodyPr>
+          <a:lstStyle/>
+          <a:p>
+            <a:pPr indent="0" lvl="0" marL="0" rtl="0" algn="l">
+              <a:spcBef>
+                <a:spcPts val="0"/>
+              </a:spcBef>
+              <a:spcAft>
+                <a:spcPts val="0"/>
+              </a:spcAft>
+              <a:buNone/>
+            </a:pPr>
+            <a:r>
+              <a:rPr lang="en"/>
+              <a:t>Presentation </a:t>
+            </a:r>
+            <a:endParaRPr/>
+          </a:p>
+          <a:p>
+            <a:pPr indent="0" lvl="0" marL="0" rtl="0" algn="l">
+              <a:spcBef>
+                <a:spcPts val="0"/>
+              </a:spcBef>
+              <a:spcAft>
+                <a:spcPts val="0"/>
+              </a:spcAft>
+              <a:buNone/>
+            </a:pPr>
+            <a:r>
+              <a:rPr lang="en" sz="1288">
+                <a:solidFill>
+                  <a:srgbClr val="B7B7B7"/>
+                </a:solidFill>
+              </a:rPr>
+              <a:t>Data Analysis</a:t>
+            </a:r>
+            <a:endParaRPr sz="1288">
+              <a:solidFill>
+                <a:srgbClr val="B7B7B7"/>
+              </a:solidFill>
+            </a:endParaRPr>
+          </a:p>
+        </p:txBody>
+      </p:sp>
+      <p:sp>
+        <p:nvSpPr>
+          <p:cNvPr id="156" name="Google Shape;156;p16"/>
+          <p:cNvSpPr txBox="1"/>
+          <p:nvPr>
+            <p:ph idx="1" type="body"/>
+          </p:nvPr>
+        </p:nvSpPr>
+        <p:spPr>
+          <a:xfrm>
+            <a:off x="405825" y="1452125"/>
+            <a:ext cx="7930500" cy="3249600"/>
+          </a:xfrm>
+          <a:prstGeom prst="rect">
+            <a:avLst/>
+          </a:prstGeom>
+          <a:ln cap="flat" cmpd="sng" w="9525">
+            <a:solidFill>
+              <a:schemeClr val="lt1"/>
+            </a:solidFill>
+            <a:prstDash val="solid"/>
+            <a:round/>
+            <a:headEnd len="sm" w="sm" type="none"/>
+            <a:tailEnd len="sm" w="sm" type="none"/>
+          </a:ln>
+        </p:spPr>
+        <p:txBody>
+          <a:bodyPr anchorCtr="0" anchor="t" bIns="91425" lIns="91425" spcFirstLastPara="1" rIns="91425" wrap="square" tIns="91425">
+            <a:noAutofit/>
+          </a:bodyPr>
+          <a:lstStyle/>
+          <a:p>
+            <a:pPr indent="0" lvl="0" marL="0" marR="0" rtl="0" algn="l">
+              <a:lnSpc>
+                <a:spcPct val="95000"/>
+              </a:lnSpc>
+              <a:spcBef>
+                <a:spcPts val="0"/>
+              </a:spcBef>
+              <a:spcAft>
+                <a:spcPts val="0"/>
+              </a:spcAft>
+              <a:buSzPts val="852"/>
+              <a:buNone/>
+            </a:pPr>
+            <a:r>
+              <a:rPr b="1" lang="en" sz="1707"/>
+              <a:t>How to evaluate the cluster </a:t>
+            </a:r>
+            <a:r>
+              <a:rPr b="1" lang="en" sz="1707"/>
+              <a:t>analysis…</a:t>
+            </a:r>
+            <a:r>
+              <a:rPr b="1" lang="en" sz="1707"/>
+              <a:t> </a:t>
+            </a:r>
+            <a:endParaRPr b="1" sz="1707"/>
+          </a:p>
+          <a:p>
+            <a:pPr indent="0" lvl="0" marL="0" marR="0" rtl="0" algn="l">
+              <a:lnSpc>
+                <a:spcPct val="95000"/>
+              </a:lnSpc>
+              <a:spcBef>
+                <a:spcPts val="0"/>
+              </a:spcBef>
+              <a:spcAft>
+                <a:spcPts val="0"/>
+              </a:spcAft>
+              <a:buSzPts val="852"/>
+              <a:buNone/>
+            </a:pPr>
+            <a:r>
+              <a:t/>
+            </a:r>
+            <a:endParaRPr b="1" sz="1407"/>
+          </a:p>
+          <a:p>
+            <a:pPr indent="0" lvl="0" marL="0" marR="0" rtl="0" algn="l">
+              <a:lnSpc>
+                <a:spcPct val="95000"/>
+              </a:lnSpc>
+              <a:spcBef>
+                <a:spcPts val="0"/>
+              </a:spcBef>
+              <a:spcAft>
+                <a:spcPts val="0"/>
+              </a:spcAft>
+              <a:buSzPts val="852"/>
+              <a:buNone/>
+            </a:pPr>
+            <a:r>
+              <a:rPr lang="en" sz="1407"/>
+              <a:t>Once the </a:t>
+            </a:r>
+            <a:r>
+              <a:rPr b="1" lang="en" sz="1407"/>
+              <a:t>Kmeans</a:t>
+            </a:r>
+            <a:r>
+              <a:rPr lang="en" sz="1407"/>
+              <a:t> and </a:t>
+            </a:r>
+            <a:r>
+              <a:rPr b="1" lang="en" sz="1407"/>
+              <a:t>Affinity Propagation method</a:t>
+            </a:r>
+            <a:r>
+              <a:rPr lang="en" sz="1407"/>
+              <a:t> have generated there respective clusters, we then </a:t>
+            </a:r>
+            <a:r>
+              <a:rPr lang="en" sz="1407"/>
+              <a:t>incorporate</a:t>
+            </a:r>
+            <a:r>
+              <a:rPr lang="en" sz="1407"/>
+              <a:t> the </a:t>
+            </a:r>
+            <a:r>
+              <a:rPr i="1" lang="en" sz="1407"/>
+              <a:t>classifications</a:t>
+            </a:r>
+            <a:r>
+              <a:rPr lang="en" sz="1407"/>
+              <a:t> with the original dataset so the true values prior to standardization are joined and exported as datasets. </a:t>
+            </a:r>
+            <a:endParaRPr sz="1407"/>
+          </a:p>
+          <a:p>
+            <a:pPr indent="0" lvl="0" marL="0" marR="0" rtl="0" algn="l">
+              <a:lnSpc>
+                <a:spcPct val="95000"/>
+              </a:lnSpc>
+              <a:spcBef>
+                <a:spcPts val="0"/>
+              </a:spcBef>
+              <a:spcAft>
+                <a:spcPts val="0"/>
+              </a:spcAft>
+              <a:buSzPts val="852"/>
+              <a:buNone/>
+            </a:pPr>
+            <a:r>
+              <a:t/>
+            </a:r>
+            <a:endParaRPr sz="1407"/>
+          </a:p>
+          <a:p>
+            <a:pPr indent="0" lvl="0" marL="0" marR="0" rtl="0" algn="l">
+              <a:lnSpc>
+                <a:spcPct val="95000"/>
+              </a:lnSpc>
+              <a:spcBef>
+                <a:spcPts val="0"/>
+              </a:spcBef>
+              <a:spcAft>
+                <a:spcPts val="0"/>
+              </a:spcAft>
+              <a:buSzPts val="852"/>
+              <a:buNone/>
+            </a:pPr>
+            <a:r>
+              <a:rPr lang="en" sz="1407"/>
+              <a:t>With these datasets we can then see which cities were clustered with Austin, TX and compare the original value for housing, income, population, and weather to see if these do indeed share similar traits or have varying values </a:t>
+            </a:r>
+            <a:r>
+              <a:rPr lang="en" sz="1407"/>
+              <a:t>in order</a:t>
+            </a:r>
+            <a:r>
+              <a:rPr lang="en" sz="1407"/>
+              <a:t> to validate the clustering methods. </a:t>
+            </a:r>
+            <a:endParaRPr sz="1407"/>
+          </a:p>
+          <a:p>
+            <a:pPr indent="0" lvl="0" marL="0" marR="0" rtl="0" algn="l">
+              <a:lnSpc>
+                <a:spcPct val="95000"/>
+              </a:lnSpc>
+              <a:spcBef>
+                <a:spcPts val="0"/>
+              </a:spcBef>
+              <a:spcAft>
+                <a:spcPts val="0"/>
+              </a:spcAft>
+              <a:buSzPts val="852"/>
+              <a:buNone/>
+            </a:pPr>
+            <a:r>
+              <a:t/>
+            </a:r>
+            <a:endParaRPr sz="1407"/>
+          </a:p>
+          <a:p>
+            <a:pPr indent="0" lvl="0" marL="0" marR="0" rtl="0" algn="l">
+              <a:lnSpc>
+                <a:spcPct val="95000"/>
+              </a:lnSpc>
+              <a:spcBef>
+                <a:spcPts val="0"/>
+              </a:spcBef>
+              <a:spcAft>
+                <a:spcPts val="0"/>
+              </a:spcAft>
+              <a:buSzPts val="852"/>
+              <a:buNone/>
+            </a:pPr>
+            <a:r>
+              <a:t/>
+            </a:r>
+            <a:endParaRPr sz="1507"/>
+          </a:p>
+          <a:p>
+            <a:pPr indent="0" lvl="0" marL="0" marR="0" rtl="0" algn="l">
+              <a:lnSpc>
+                <a:spcPct val="95000"/>
+              </a:lnSpc>
+              <a:spcBef>
+                <a:spcPts val="0"/>
+              </a:spcBef>
+              <a:spcAft>
+                <a:spcPts val="0"/>
+              </a:spcAft>
+              <a:buSzPts val="852"/>
+              <a:buNone/>
+            </a:pPr>
+            <a:r>
+              <a:rPr lang="en" sz="1107"/>
+              <a:t>*</a:t>
+            </a:r>
+            <a:r>
+              <a:rPr b="1" lang="en" sz="1007"/>
+              <a:t>For further breakdown of Data Analysis  please refer to  the README file of our GitHub repository. </a:t>
+            </a:r>
+            <a:endParaRPr sz="1107"/>
+          </a:p>
+          <a:p>
+            <a:pPr indent="0" lvl="0" marL="0" marR="0" rtl="0" algn="l">
+              <a:lnSpc>
+                <a:spcPct val="95000"/>
+              </a:lnSpc>
+              <a:spcBef>
+                <a:spcPts val="0"/>
+              </a:spcBef>
+              <a:spcAft>
+                <a:spcPts val="0"/>
+              </a:spcAft>
+              <a:buSzPts val="852"/>
+              <a:buNone/>
+            </a:pPr>
+            <a:r>
+              <a:t/>
+            </a:r>
+            <a:endParaRPr sz="1207"/>
+          </a:p>
+          <a:p>
+            <a:pPr indent="0" lvl="0" marL="0" marR="0" rtl="0" algn="l">
+              <a:lnSpc>
+                <a:spcPct val="95000"/>
+              </a:lnSpc>
+              <a:spcBef>
+                <a:spcPts val="0"/>
+              </a:spcBef>
+              <a:spcAft>
+                <a:spcPts val="0"/>
+              </a:spcAft>
+              <a:buSzPts val="852"/>
+              <a:buNone/>
+            </a:pPr>
+            <a:r>
+              <a:t/>
+            </a:r>
+            <a:endParaRPr sz="1207"/>
+          </a:p>
+        </p:txBody>
+      </p:sp>
+    </p:spTree>
+  </p:cSld>
+  <p:clrMapOvr>
+    <a:masterClrMapping/>
+  </p:clrMapOvr>
+</p:sld>
+</file>
+
+<file path=ppt/slides/slide5.xml><?xml version="1.0" encoding="utf-8"?>
+<p:sld xmlns:a="http://schemas.openxmlformats.org/drawingml/2006/main" xmlns:r="http://schemas.openxmlformats.org/officeDocument/2006/relationships" xmlns:mc="http://schemas.openxmlformats.org/markup-compatibility/2006" xmlns:mv="urn:schemas-microsoft-com:mac:vml" xmlns:p="http://schemas.openxmlformats.org/presentationml/2006/main" xmlns:c="http://schemas.openxmlformats.org/drawingml/2006/chart" xmlns:dgm="http://schemas.openxmlformats.org/drawingml/2006/diagram" xmlns:o="urn:schemas-microsoft-com:office:office" xmlns:v="urn:schemas-microsoft-com:vml" xmlns:pvml="urn:schemas-microsoft-com:office:powerpoint" xmlns:com="http://schemas.openxmlformats.org/drawingml/2006/compatibility" xmlns:p14="http://schemas.microsoft.com/office/powerpoint/2010/main" xmlns:p15="http://schemas.microsoft.com/office/powerpoint/2012/main" xmlns:ahyp="http://schemas.microsoft.com/office/drawing/2018/hyperlinkcolor">
+  <p:cSld>
+    <p:spTree>
+      <p:nvGrpSpPr>
+        <p:cNvPr id="160" name="Shape 160"/>
+        <p:cNvGrpSpPr/>
+        <p:nvPr/>
+      </p:nvGrpSpPr>
+      <p:grpSpPr>
+        <a:xfrm>
+          <a:off x="0" y="0"/>
+          <a:ext cx="0" cy="0"/>
+          <a:chOff x="0" y="0"/>
+          <a:chExt cx="0" cy="0"/>
+        </a:xfrm>
+      </p:grpSpPr>
+      <p:sp>
+        <p:nvSpPr>
+          <p:cNvPr id="161" name="Google Shape;161;p17"/>
+          <p:cNvSpPr txBox="1"/>
+          <p:nvPr>
+            <p:ph type="title"/>
+          </p:nvPr>
+        </p:nvSpPr>
+        <p:spPr>
+          <a:xfrm>
+            <a:off x="1297500" y="393750"/>
+            <a:ext cx="7038900" cy="914100"/>
+          </a:xfrm>
+          <a:prstGeom prst="rect">
+            <a:avLst/>
+          </a:prstGeom>
+        </p:spPr>
+        <p:txBody>
+          <a:bodyPr anchorCtr="0" anchor="t" bIns="91425" lIns="91425" spcFirstLastPara="1" rIns="91425" wrap="square" tIns="91425">
+            <a:normAutofit/>
+          </a:bodyPr>
+          <a:lstStyle/>
+          <a:p>
+            <a:pPr indent="0" lvl="0" marL="0" rtl="0" algn="l">
+              <a:spcBef>
+                <a:spcPts val="0"/>
+              </a:spcBef>
+              <a:spcAft>
+                <a:spcPts val="0"/>
+              </a:spcAft>
+              <a:buNone/>
+            </a:pPr>
+            <a:r>
+              <a:rPr lang="en"/>
               <a:t>Data Pipeline Management</a:t>
             </a:r>
             <a:endParaRPr/>
@@ -9991,7 +11447,7 @@
       </p:sp>
       <p:pic>
         <p:nvPicPr>
-          <p:cNvPr id="150" name="Google Shape;150;p15"/>
+          <p:cNvPr id="162" name="Google Shape;162;p17"/>
           <p:cNvPicPr preferRelativeResize="0"/>
           <p:nvPr/>
         </p:nvPicPr>
@@ -10019,7 +11475,7 @@
       </p:pic>
       <p:pic>
         <p:nvPicPr>
-          <p:cNvPr id="151" name="Google Shape;151;p15"/>
+          <p:cNvPr id="163" name="Google Shape;163;p17"/>
           <p:cNvPicPr preferRelativeResize="0"/>
           <p:nvPr/>
         </p:nvPicPr>
@@ -10047,40 +11503,12 @@
       </p:pic>
       <p:pic>
         <p:nvPicPr>
-          <p:cNvPr id="152" name="Google Shape;152;p15"/>
+          <p:cNvPr id="164" name="Google Shape;164;p17"/>
           <p:cNvPicPr preferRelativeResize="0"/>
           <p:nvPr/>
         </p:nvPicPr>
         <p:blipFill>
           <a:blip r:embed="rId5">
-            <a:alphaModFix/>
-          </a:blip>
-          <a:stretch>
-            <a:fillRect/>
-          </a:stretch>
-        </p:blipFill>
-        <p:spPr>
-          <a:xfrm>
-            <a:off x="3108350" y="3571675"/>
-            <a:ext cx="1346125" cy="1346125"/>
-          </a:xfrm>
-          <a:prstGeom prst="rect">
-            <a:avLst/>
-          </a:prstGeom>
-          <a:noFill/>
-          <a:ln>
-            <a:noFill/>
-          </a:ln>
-        </p:spPr>
-      </p:pic>
-      <p:pic>
-        <p:nvPicPr>
-          <p:cNvPr id="153" name="Google Shape;153;p15"/>
-          <p:cNvPicPr preferRelativeResize="0"/>
-          <p:nvPr/>
-        </p:nvPicPr>
-        <p:blipFill>
-          <a:blip r:embed="rId6">
             <a:alphaModFix/>
           </a:blip>
           <a:stretch>
@@ -10103,7 +11531,7 @@
       </p:pic>
       <p:sp>
         <p:nvSpPr>
-          <p:cNvPr id="154" name="Google Shape;154;p15"/>
+          <p:cNvPr id="165" name="Google Shape;165;p17"/>
           <p:cNvSpPr/>
           <p:nvPr/>
         </p:nvSpPr>
@@ -10154,7 +11582,7 @@
       </p:sp>
       <p:grpSp>
         <p:nvGrpSpPr>
-          <p:cNvPr id="155" name="Google Shape;155;p15"/>
+          <p:cNvPr id="166" name="Google Shape;166;p17"/>
           <p:cNvGrpSpPr/>
           <p:nvPr/>
         </p:nvGrpSpPr>
@@ -10168,7 +11596,7 @@
         </p:grpSpPr>
         <p:sp>
           <p:nvSpPr>
-            <p:cNvPr id="156" name="Google Shape;156;p15"/>
+            <p:cNvPr id="167" name="Google Shape;167;p17"/>
             <p:cNvSpPr/>
             <p:nvPr/>
           </p:nvSpPr>
@@ -10215,7 +11643,7 @@
         </p:sp>
         <p:sp>
           <p:nvSpPr>
-            <p:cNvPr id="157" name="Google Shape;157;p15"/>
+            <p:cNvPr id="168" name="Google Shape;168;p17"/>
             <p:cNvSpPr txBox="1"/>
             <p:nvPr/>
           </p:nvSpPr>
@@ -10276,7 +11704,7 @@
         </p:sp>
         <p:sp>
           <p:nvSpPr>
-            <p:cNvPr id="158" name="Google Shape;158;p15"/>
+            <p:cNvPr id="169" name="Google Shape;169;p17"/>
             <p:cNvSpPr txBox="1"/>
             <p:nvPr/>
           </p:nvSpPr>
@@ -10337,7 +11765,7 @@
         </p:sp>
         <p:sp>
           <p:nvSpPr>
-            <p:cNvPr id="159" name="Google Shape;159;p15"/>
+            <p:cNvPr id="170" name="Google Shape;170;p17"/>
             <p:cNvSpPr txBox="1"/>
             <p:nvPr/>
           </p:nvSpPr>
@@ -10399,7 +11827,7 @@
       </p:grpSp>
       <p:sp>
         <p:nvSpPr>
-          <p:cNvPr id="160" name="Google Shape;160;p15"/>
+          <p:cNvPr id="171" name="Google Shape;171;p17"/>
           <p:cNvSpPr/>
           <p:nvPr/>
         </p:nvSpPr>
@@ -10444,7 +11872,7 @@
       </p:sp>
       <p:sp>
         <p:nvSpPr>
-          <p:cNvPr id="161" name="Google Shape;161;p15"/>
+          <p:cNvPr id="172" name="Google Shape;172;p17"/>
           <p:cNvSpPr/>
           <p:nvPr/>
         </p:nvSpPr>
@@ -10489,7 +11917,7 @@
       </p:sp>
       <p:grpSp>
         <p:nvGrpSpPr>
-          <p:cNvPr id="162" name="Google Shape;162;p15"/>
+          <p:cNvPr id="173" name="Google Shape;173;p17"/>
           <p:cNvGrpSpPr/>
           <p:nvPr/>
         </p:nvGrpSpPr>
@@ -10503,7 +11931,7 @@
         </p:grpSpPr>
         <p:sp>
           <p:nvSpPr>
-            <p:cNvPr id="163" name="Google Shape;163;p15"/>
+            <p:cNvPr id="174" name="Google Shape;174;p17"/>
             <p:cNvSpPr/>
             <p:nvPr/>
           </p:nvSpPr>
@@ -10550,7 +11978,7 @@
         </p:sp>
         <p:sp>
           <p:nvSpPr>
-            <p:cNvPr id="164" name="Google Shape;164;p15"/>
+            <p:cNvPr id="175" name="Google Shape;175;p17"/>
             <p:cNvSpPr txBox="1"/>
             <p:nvPr/>
           </p:nvSpPr>
@@ -10611,7 +12039,7 @@
         </p:sp>
         <p:sp>
           <p:nvSpPr>
-            <p:cNvPr id="165" name="Google Shape;165;p15"/>
+            <p:cNvPr id="176" name="Google Shape;176;p17"/>
             <p:cNvSpPr txBox="1"/>
             <p:nvPr/>
           </p:nvSpPr>
@@ -10696,7 +12124,7 @@
         </p:sp>
         <p:sp>
           <p:nvSpPr>
-            <p:cNvPr id="166" name="Google Shape;166;p15"/>
+            <p:cNvPr id="177" name="Google Shape;177;p17"/>
             <p:cNvSpPr txBox="1"/>
             <p:nvPr/>
           </p:nvSpPr>
@@ -10758,7 +12186,7 @@
       </p:grpSp>
       <p:grpSp>
         <p:nvGrpSpPr>
-          <p:cNvPr id="167" name="Google Shape;167;p15"/>
+          <p:cNvPr id="178" name="Google Shape;178;p17"/>
           <p:cNvGrpSpPr/>
           <p:nvPr/>
         </p:nvGrpSpPr>
@@ -10772,7 +12200,7 @@
         </p:grpSpPr>
         <p:sp>
           <p:nvSpPr>
-            <p:cNvPr id="168" name="Google Shape;168;p15"/>
+            <p:cNvPr id="179" name="Google Shape;179;p17"/>
             <p:cNvSpPr/>
             <p:nvPr/>
           </p:nvSpPr>
@@ -10819,7 +12247,7 @@
         </p:sp>
         <p:sp>
           <p:nvSpPr>
-            <p:cNvPr id="169" name="Google Shape;169;p15"/>
+            <p:cNvPr id="180" name="Google Shape;180;p17"/>
             <p:cNvSpPr txBox="1"/>
             <p:nvPr/>
           </p:nvSpPr>
@@ -10880,7 +12308,7 @@
         </p:sp>
         <p:sp>
           <p:nvSpPr>
-            <p:cNvPr id="170" name="Google Shape;170;p15"/>
+            <p:cNvPr id="181" name="Google Shape;181;p17"/>
             <p:cNvSpPr txBox="1"/>
             <p:nvPr/>
           </p:nvSpPr>
@@ -11075,7 +12503,7 @@
         </p:sp>
         <p:sp>
           <p:nvSpPr>
-            <p:cNvPr id="171" name="Google Shape;171;p15"/>
+            <p:cNvPr id="182" name="Google Shape;182;p17"/>
             <p:cNvSpPr txBox="1"/>
             <p:nvPr/>
           </p:nvSpPr>
@@ -11137,7 +12565,7 @@
       </p:grpSp>
       <p:grpSp>
         <p:nvGrpSpPr>
-          <p:cNvPr id="172" name="Google Shape;172;p15"/>
+          <p:cNvPr id="183" name="Google Shape;183;p17"/>
           <p:cNvGrpSpPr/>
           <p:nvPr/>
         </p:nvGrpSpPr>
@@ -11151,7 +12579,7 @@
         </p:grpSpPr>
         <p:sp>
           <p:nvSpPr>
-            <p:cNvPr id="173" name="Google Shape;173;p15"/>
+            <p:cNvPr id="184" name="Google Shape;184;p17"/>
             <p:cNvSpPr/>
             <p:nvPr/>
           </p:nvSpPr>
@@ -11198,7 +12626,7 @@
         </p:sp>
         <p:sp>
           <p:nvSpPr>
-            <p:cNvPr id="174" name="Google Shape;174;p15"/>
+            <p:cNvPr id="185" name="Google Shape;185;p17"/>
             <p:cNvSpPr txBox="1"/>
             <p:nvPr/>
           </p:nvSpPr>
@@ -11259,7 +12687,7 @@
         </p:sp>
         <p:sp>
           <p:nvSpPr>
-            <p:cNvPr id="175" name="Google Shape;175;p15"/>
+            <p:cNvPr id="186" name="Google Shape;186;p17"/>
             <p:cNvSpPr txBox="1"/>
             <p:nvPr/>
           </p:nvSpPr>
@@ -11304,7 +12732,7 @@
                   <a:cs typeface="Roboto"/>
                   <a:sym typeface="Roboto"/>
                 </a:rPr>
-                <a:t>Store raw and cleaned data on MongoDB Atlas Clusters as collections (JSON) </a:t>
+                <a:t>Stored raw files on AWS S3 buckets, and utilizing AWS RDS and Postgres for our Database. </a:t>
               </a:r>
               <a:endParaRPr sz="800">
                 <a:solidFill>
@@ -11320,7 +12748,7 @@
         </p:sp>
         <p:sp>
           <p:nvSpPr>
-            <p:cNvPr id="176" name="Google Shape;176;p15"/>
+            <p:cNvPr id="187" name="Google Shape;187;p17"/>
             <p:cNvSpPr txBox="1"/>
             <p:nvPr/>
           </p:nvSpPr>
@@ -11382,12 +12810,12 @@
       </p:grpSp>
       <p:pic>
         <p:nvPicPr>
-          <p:cNvPr id="177" name="Google Shape;177;p15"/>
+          <p:cNvPr id="188" name="Google Shape;188;p17"/>
           <p:cNvPicPr preferRelativeResize="0"/>
           <p:nvPr/>
         </p:nvPicPr>
         <p:blipFill rotWithShape="1">
-          <a:blip r:embed="rId7">
+          <a:blip r:embed="rId6">
             <a:alphaModFix/>
           </a:blip>
           <a:srcRect b="30171" l="3365" r="4426" t="5511"/>
@@ -11409,12 +12837,12 @@
       </p:pic>
       <p:pic>
         <p:nvPicPr>
-          <p:cNvPr id="178" name="Google Shape;178;p15"/>
+          <p:cNvPr id="189" name="Google Shape;189;p17"/>
           <p:cNvPicPr preferRelativeResize="0"/>
           <p:nvPr/>
         </p:nvPicPr>
         <p:blipFill>
-          <a:blip r:embed="rId8">
+          <a:blip r:embed="rId7">
             <a:alphaModFix/>
           </a:blip>
           <a:stretch>
@@ -11437,12 +12865,12 @@
       </p:pic>
       <p:pic>
         <p:nvPicPr>
-          <p:cNvPr id="179" name="Google Shape;179;p15"/>
+          <p:cNvPr id="190" name="Google Shape;190;p17"/>
           <p:cNvPicPr preferRelativeResize="0"/>
           <p:nvPr/>
         </p:nvPicPr>
         <p:blipFill>
-          <a:blip r:embed="rId9">
+          <a:blip r:embed="rId8">
             <a:alphaModFix/>
           </a:blip>
           <a:stretch>
@@ -11465,12 +12893,12 @@
       </p:pic>
       <p:pic>
         <p:nvPicPr>
-          <p:cNvPr id="180" name="Google Shape;180;p15"/>
+          <p:cNvPr id="191" name="Google Shape;191;p17"/>
           <p:cNvPicPr preferRelativeResize="0"/>
           <p:nvPr/>
         </p:nvPicPr>
         <p:blipFill>
-          <a:blip r:embed="rId10">
+          <a:blip r:embed="rId9">
             <a:alphaModFix/>
           </a:blip>
           <a:stretch>
@@ -11491,6 +12919,3010 @@
           </a:ln>
         </p:spPr>
       </p:pic>
+      <p:pic>
+        <p:nvPicPr>
+          <p:cNvPr id="192" name="Google Shape;192;p17"/>
+          <p:cNvPicPr preferRelativeResize="0"/>
+          <p:nvPr/>
+        </p:nvPicPr>
+        <p:blipFill>
+          <a:blip r:embed="rId10">
+            <a:alphaModFix/>
+          </a:blip>
+          <a:stretch>
+            <a:fillRect/>
+          </a:stretch>
+        </p:blipFill>
+        <p:spPr>
+          <a:xfrm>
+            <a:off x="3162048" y="3773088"/>
+            <a:ext cx="1137250" cy="1137250"/>
+          </a:xfrm>
+          <a:prstGeom prst="rect">
+            <a:avLst/>
+          </a:prstGeom>
+          <a:noFill/>
+          <a:ln>
+            <a:noFill/>
+          </a:ln>
+        </p:spPr>
+      </p:pic>
+    </p:spTree>
+  </p:cSld>
+  <p:clrMapOvr>
+    <a:masterClrMapping/>
+  </p:clrMapOvr>
+</p:sld>
+</file>
+
+<file path=ppt/slides/slide6.xml><?xml version="1.0" encoding="utf-8"?>
+<p:sld xmlns:a="http://schemas.openxmlformats.org/drawingml/2006/main" xmlns:r="http://schemas.openxmlformats.org/officeDocument/2006/relationships" xmlns:mc="http://schemas.openxmlformats.org/markup-compatibility/2006" xmlns:mv="urn:schemas-microsoft-com:mac:vml" xmlns:p="http://schemas.openxmlformats.org/presentationml/2006/main" xmlns:c="http://schemas.openxmlformats.org/drawingml/2006/chart" xmlns:dgm="http://schemas.openxmlformats.org/drawingml/2006/diagram" xmlns:o="urn:schemas-microsoft-com:office:office" xmlns:v="urn:schemas-microsoft-com:vml" xmlns:pvml="urn:schemas-microsoft-com:office:powerpoint" xmlns:com="http://schemas.openxmlformats.org/drawingml/2006/compatibility" xmlns:p14="http://schemas.microsoft.com/office/powerpoint/2010/main" xmlns:p15="http://schemas.microsoft.com/office/powerpoint/2012/main" xmlns:ahyp="http://schemas.microsoft.com/office/drawing/2018/hyperlinkcolor">
+  <p:cSld>
+    <p:spTree>
+      <p:nvGrpSpPr>
+        <p:cNvPr id="196" name="Shape 196"/>
+        <p:cNvGrpSpPr/>
+        <p:nvPr/>
+      </p:nvGrpSpPr>
+      <p:grpSpPr>
+        <a:xfrm>
+          <a:off x="0" y="0"/>
+          <a:ext cx="0" cy="0"/>
+          <a:chOff x="0" y="0"/>
+          <a:chExt cx="0" cy="0"/>
+        </a:xfrm>
+      </p:grpSpPr>
+      <p:sp>
+        <p:nvSpPr>
+          <p:cNvPr id="197" name="Google Shape;197;p18"/>
+          <p:cNvSpPr txBox="1"/>
+          <p:nvPr>
+            <p:ph type="title"/>
+          </p:nvPr>
+        </p:nvSpPr>
+        <p:spPr>
+          <a:xfrm>
+            <a:off x="1297500" y="393750"/>
+            <a:ext cx="7038900" cy="914100"/>
+          </a:xfrm>
+          <a:prstGeom prst="rect">
+            <a:avLst/>
+          </a:prstGeom>
+        </p:spPr>
+        <p:txBody>
+          <a:bodyPr anchorCtr="0" anchor="t" bIns="91425" lIns="91425" spcFirstLastPara="1" rIns="91425" wrap="square" tIns="91425">
+            <a:normAutofit/>
+          </a:bodyPr>
+          <a:lstStyle/>
+          <a:p>
+            <a:pPr indent="0" lvl="0" marL="0" rtl="0" algn="l">
+              <a:spcBef>
+                <a:spcPts val="0"/>
+              </a:spcBef>
+              <a:spcAft>
+                <a:spcPts val="0"/>
+              </a:spcAft>
+              <a:buNone/>
+            </a:pPr>
+            <a:r>
+              <a:rPr lang="en"/>
+              <a:t>Database Structure - Schema</a:t>
+            </a:r>
+            <a:endParaRPr/>
+          </a:p>
+          <a:p>
+            <a:pPr indent="0" lvl="0" marL="0" rtl="0" algn="l">
+              <a:spcBef>
+                <a:spcPts val="0"/>
+              </a:spcBef>
+              <a:spcAft>
+                <a:spcPts val="0"/>
+              </a:spcAft>
+              <a:buNone/>
+            </a:pPr>
+            <a:r>
+              <a:t/>
+            </a:r>
+            <a:endParaRPr sz="1088"/>
+          </a:p>
+        </p:txBody>
+      </p:sp>
+      <p:sp>
+        <p:nvSpPr>
+          <p:cNvPr id="198" name="Google Shape;198;p18"/>
+          <p:cNvSpPr txBox="1"/>
+          <p:nvPr/>
+        </p:nvSpPr>
+        <p:spPr>
+          <a:xfrm>
+            <a:off x="337750" y="1480175"/>
+            <a:ext cx="2915400" cy="2339700"/>
+          </a:xfrm>
+          <a:prstGeom prst="rect">
+            <a:avLst/>
+          </a:prstGeom>
+          <a:noFill/>
+          <a:ln cap="flat" cmpd="sng" w="9525">
+            <a:solidFill>
+              <a:schemeClr val="lt1"/>
+            </a:solidFill>
+            <a:prstDash val="solid"/>
+            <a:round/>
+            <a:headEnd len="sm" w="sm" type="none"/>
+            <a:tailEnd len="sm" w="sm" type="none"/>
+          </a:ln>
+        </p:spPr>
+        <p:txBody>
+          <a:bodyPr anchorCtr="0" anchor="t" bIns="91425" lIns="91425" spcFirstLastPara="1" rIns="91425" wrap="square" tIns="91425">
+            <a:spAutoFit/>
+          </a:bodyPr>
+          <a:lstStyle/>
+          <a:p>
+            <a:pPr indent="0" lvl="0" marL="0" rtl="0" algn="ctr">
+              <a:spcBef>
+                <a:spcPts val="0"/>
+              </a:spcBef>
+              <a:spcAft>
+                <a:spcPts val="0"/>
+              </a:spcAft>
+              <a:buNone/>
+            </a:pPr>
+            <a:r>
+              <a:rPr b="1" lang="en" sz="1000" u="sng">
+                <a:solidFill>
+                  <a:schemeClr val="lt1"/>
+                </a:solidFill>
+                <a:latin typeface="Lato"/>
+                <a:ea typeface="Lato"/>
+                <a:cs typeface="Lato"/>
+                <a:sym typeface="Lato"/>
+              </a:rPr>
+              <a:t>Housing Data</a:t>
+            </a:r>
+            <a:endParaRPr b="1" sz="1000" u="sng">
+              <a:solidFill>
+                <a:schemeClr val="lt1"/>
+              </a:solidFill>
+              <a:latin typeface="Lato"/>
+              <a:ea typeface="Lato"/>
+              <a:cs typeface="Lato"/>
+              <a:sym typeface="Lato"/>
+            </a:endParaRPr>
+          </a:p>
+          <a:p>
+            <a:pPr indent="0" lvl="0" marL="0" rtl="0" algn="ctr">
+              <a:spcBef>
+                <a:spcPts val="0"/>
+              </a:spcBef>
+              <a:spcAft>
+                <a:spcPts val="0"/>
+              </a:spcAft>
+              <a:buNone/>
+            </a:pPr>
+            <a:r>
+              <a:t/>
+            </a:r>
+            <a:endParaRPr b="1" sz="1000" u="sng">
+              <a:solidFill>
+                <a:schemeClr val="lt1"/>
+              </a:solidFill>
+              <a:latin typeface="Lato"/>
+              <a:ea typeface="Lato"/>
+              <a:cs typeface="Lato"/>
+              <a:sym typeface="Lato"/>
+            </a:endParaRPr>
+          </a:p>
+          <a:p>
+            <a:pPr indent="-292100" lvl="0" marL="457200" rtl="0" algn="l">
+              <a:spcBef>
+                <a:spcPts val="0"/>
+              </a:spcBef>
+              <a:spcAft>
+                <a:spcPts val="0"/>
+              </a:spcAft>
+              <a:buClr>
+                <a:schemeClr val="lt1"/>
+              </a:buClr>
+              <a:buSzPts val="1000"/>
+              <a:buFont typeface="Lato"/>
+              <a:buChar char="-"/>
+            </a:pPr>
+            <a:r>
+              <a:rPr lang="en" sz="1000">
+                <a:solidFill>
+                  <a:schemeClr val="lt1"/>
+                </a:solidFill>
+                <a:latin typeface="Lato"/>
+                <a:ea typeface="Lato"/>
+                <a:cs typeface="Lato"/>
+                <a:sym typeface="Lato"/>
+              </a:rPr>
+              <a:t>_id                   			object</a:t>
+            </a:r>
+            <a:endParaRPr sz="1000">
+              <a:solidFill>
+                <a:schemeClr val="lt1"/>
+              </a:solidFill>
+              <a:latin typeface="Lato"/>
+              <a:ea typeface="Lato"/>
+              <a:cs typeface="Lato"/>
+              <a:sym typeface="Lato"/>
+            </a:endParaRPr>
+          </a:p>
+          <a:p>
+            <a:pPr indent="-292100" lvl="0" marL="457200" rtl="0" algn="l">
+              <a:spcBef>
+                <a:spcPts val="0"/>
+              </a:spcBef>
+              <a:spcAft>
+                <a:spcPts val="0"/>
+              </a:spcAft>
+              <a:buClr>
+                <a:schemeClr val="lt1"/>
+              </a:buClr>
+              <a:buSzPts val="1000"/>
+              <a:buFont typeface="Lato"/>
+              <a:buChar char="-"/>
+            </a:pPr>
+            <a:r>
+              <a:rPr lang="en" sz="1000">
+                <a:solidFill>
+                  <a:schemeClr val="lt1"/>
+                </a:solidFill>
+                <a:latin typeface="Lato"/>
+                <a:ea typeface="Lato"/>
+                <a:cs typeface="Lato"/>
+                <a:sym typeface="Lato"/>
+              </a:rPr>
+              <a:t>date                  			object</a:t>
+            </a:r>
+            <a:endParaRPr sz="1000">
+              <a:solidFill>
+                <a:schemeClr val="lt1"/>
+              </a:solidFill>
+              <a:latin typeface="Lato"/>
+              <a:ea typeface="Lato"/>
+              <a:cs typeface="Lato"/>
+              <a:sym typeface="Lato"/>
+            </a:endParaRPr>
+          </a:p>
+          <a:p>
+            <a:pPr indent="-292100" lvl="0" marL="457200" rtl="0" algn="l">
+              <a:spcBef>
+                <a:spcPts val="0"/>
+              </a:spcBef>
+              <a:spcAft>
+                <a:spcPts val="0"/>
+              </a:spcAft>
+              <a:buClr>
+                <a:schemeClr val="lt1"/>
+              </a:buClr>
+              <a:buSzPts val="1000"/>
+              <a:buFont typeface="Lato"/>
+              <a:buChar char="-"/>
+            </a:pPr>
+            <a:r>
+              <a:rPr lang="en" sz="1000">
+                <a:solidFill>
+                  <a:schemeClr val="lt1"/>
+                </a:solidFill>
+                <a:latin typeface="Lato"/>
+                <a:ea typeface="Lato"/>
+                <a:cs typeface="Lato"/>
+                <a:sym typeface="Lato"/>
+              </a:rPr>
+              <a:t>metro_area/city       		object</a:t>
+            </a:r>
+            <a:endParaRPr sz="1000">
+              <a:solidFill>
+                <a:schemeClr val="lt1"/>
+              </a:solidFill>
+              <a:latin typeface="Lato"/>
+              <a:ea typeface="Lato"/>
+              <a:cs typeface="Lato"/>
+              <a:sym typeface="Lato"/>
+            </a:endParaRPr>
+          </a:p>
+          <a:p>
+            <a:pPr indent="-292100" lvl="0" marL="457200" rtl="0" algn="l">
+              <a:spcBef>
+                <a:spcPts val="0"/>
+              </a:spcBef>
+              <a:spcAft>
+                <a:spcPts val="0"/>
+              </a:spcAft>
+              <a:buClr>
+                <a:schemeClr val="lt1"/>
+              </a:buClr>
+              <a:buSzPts val="1000"/>
+              <a:buFont typeface="Lato"/>
+              <a:buChar char="-"/>
+            </a:pPr>
+            <a:r>
+              <a:rPr lang="en" sz="1000">
+                <a:solidFill>
+                  <a:schemeClr val="lt1"/>
+                </a:solidFill>
+                <a:latin typeface="Lato"/>
+                <a:ea typeface="Lato"/>
+                <a:cs typeface="Lato"/>
+                <a:sym typeface="Lato"/>
+              </a:rPr>
+              <a:t>median_listing_price 		float64</a:t>
+            </a:r>
+            <a:endParaRPr sz="1000">
+              <a:solidFill>
+                <a:schemeClr val="lt1"/>
+              </a:solidFill>
+              <a:latin typeface="Lato"/>
+              <a:ea typeface="Lato"/>
+              <a:cs typeface="Lato"/>
+              <a:sym typeface="Lato"/>
+            </a:endParaRPr>
+          </a:p>
+          <a:p>
+            <a:pPr indent="-292100" lvl="0" marL="457200" rtl="0" algn="l">
+              <a:spcBef>
+                <a:spcPts val="0"/>
+              </a:spcBef>
+              <a:spcAft>
+                <a:spcPts val="0"/>
+              </a:spcAft>
+              <a:buClr>
+                <a:schemeClr val="lt1"/>
+              </a:buClr>
+              <a:buSzPts val="1000"/>
+              <a:buFont typeface="Lato"/>
+              <a:buChar char="-"/>
+            </a:pPr>
+            <a:r>
+              <a:rPr lang="en" sz="1000">
+                <a:solidFill>
+                  <a:schemeClr val="lt1"/>
+                </a:solidFill>
+                <a:latin typeface="Lato"/>
+                <a:ea typeface="Lato"/>
+                <a:cs typeface="Lato"/>
+                <a:sym typeface="Lato"/>
+              </a:rPr>
+              <a:t>active_listing_count   		int64</a:t>
+            </a:r>
+            <a:endParaRPr sz="1000">
+              <a:solidFill>
+                <a:schemeClr val="lt1"/>
+              </a:solidFill>
+              <a:latin typeface="Lato"/>
+              <a:ea typeface="Lato"/>
+              <a:cs typeface="Lato"/>
+              <a:sym typeface="Lato"/>
+            </a:endParaRPr>
+          </a:p>
+          <a:p>
+            <a:pPr indent="-292100" lvl="0" marL="457200" rtl="0" algn="l">
+              <a:spcBef>
+                <a:spcPts val="0"/>
+              </a:spcBef>
+              <a:spcAft>
+                <a:spcPts val="0"/>
+              </a:spcAft>
+              <a:buClr>
+                <a:schemeClr val="lt1"/>
+              </a:buClr>
+              <a:buSzPts val="1000"/>
+              <a:buFont typeface="Lato"/>
+              <a:buChar char="-"/>
+            </a:pPr>
+            <a:r>
+              <a:rPr lang="en" sz="1000">
+                <a:solidFill>
+                  <a:schemeClr val="lt1"/>
+                </a:solidFill>
+                <a:latin typeface="Lato"/>
+                <a:ea typeface="Lato"/>
+                <a:cs typeface="Lato"/>
+                <a:sym typeface="Lato"/>
+              </a:rPr>
+              <a:t>median_days_on_market		float64</a:t>
+            </a:r>
+            <a:endParaRPr sz="1000">
+              <a:solidFill>
+                <a:schemeClr val="lt1"/>
+              </a:solidFill>
+              <a:latin typeface="Lato"/>
+              <a:ea typeface="Lato"/>
+              <a:cs typeface="Lato"/>
+              <a:sym typeface="Lato"/>
+            </a:endParaRPr>
+          </a:p>
+          <a:p>
+            <a:pPr indent="-292100" lvl="0" marL="457200" rtl="0" algn="l">
+              <a:spcBef>
+                <a:spcPts val="0"/>
+              </a:spcBef>
+              <a:spcAft>
+                <a:spcPts val="0"/>
+              </a:spcAft>
+              <a:buClr>
+                <a:schemeClr val="lt1"/>
+              </a:buClr>
+              <a:buSzPts val="1000"/>
+              <a:buFont typeface="Lato"/>
+              <a:buChar char="-"/>
+            </a:pPr>
+            <a:r>
+              <a:rPr lang="en" sz="1000">
+                <a:solidFill>
+                  <a:schemeClr val="lt1"/>
+                </a:solidFill>
+                <a:latin typeface="Lato"/>
+                <a:ea typeface="Lato"/>
+                <a:cs typeface="Lato"/>
+                <a:sym typeface="Lato"/>
+              </a:rPr>
+              <a:t>new_listing_count      		int64</a:t>
+            </a:r>
+            <a:endParaRPr sz="1000">
+              <a:solidFill>
+                <a:schemeClr val="lt1"/>
+              </a:solidFill>
+              <a:latin typeface="Lato"/>
+              <a:ea typeface="Lato"/>
+              <a:cs typeface="Lato"/>
+              <a:sym typeface="Lato"/>
+            </a:endParaRPr>
+          </a:p>
+          <a:p>
+            <a:pPr indent="-292100" lvl="0" marL="457200" rtl="0" algn="l">
+              <a:spcBef>
+                <a:spcPts val="0"/>
+              </a:spcBef>
+              <a:spcAft>
+                <a:spcPts val="0"/>
+              </a:spcAft>
+              <a:buClr>
+                <a:schemeClr val="lt1"/>
+              </a:buClr>
+              <a:buSzPts val="1000"/>
+              <a:buFont typeface="Lato"/>
+              <a:buChar char="-"/>
+            </a:pPr>
+            <a:r>
+              <a:rPr lang="en" sz="1000">
+                <a:solidFill>
+                  <a:schemeClr val="lt1"/>
+                </a:solidFill>
+                <a:latin typeface="Lato"/>
+                <a:ea typeface="Lato"/>
+                <a:cs typeface="Lato"/>
+                <a:sym typeface="Lato"/>
+              </a:rPr>
+              <a:t>price_increased_count  		int64</a:t>
+            </a:r>
+            <a:endParaRPr sz="1000">
+              <a:solidFill>
+                <a:schemeClr val="lt1"/>
+              </a:solidFill>
+              <a:latin typeface="Lato"/>
+              <a:ea typeface="Lato"/>
+              <a:cs typeface="Lato"/>
+              <a:sym typeface="Lato"/>
+            </a:endParaRPr>
+          </a:p>
+          <a:p>
+            <a:pPr indent="-292100" lvl="0" marL="457200" rtl="0" algn="l">
+              <a:spcBef>
+                <a:spcPts val="0"/>
+              </a:spcBef>
+              <a:spcAft>
+                <a:spcPts val="0"/>
+              </a:spcAft>
+              <a:buClr>
+                <a:schemeClr val="lt1"/>
+              </a:buClr>
+              <a:buSzPts val="1000"/>
+              <a:buFont typeface="Lato"/>
+              <a:buChar char="-"/>
+            </a:pPr>
+            <a:r>
+              <a:rPr lang="en" sz="1000">
+                <a:solidFill>
+                  <a:schemeClr val="lt1"/>
+                </a:solidFill>
+                <a:latin typeface="Lato"/>
+                <a:ea typeface="Lato"/>
+                <a:cs typeface="Lato"/>
+                <a:sym typeface="Lato"/>
+              </a:rPr>
+              <a:t>price_reduced_count    		int64</a:t>
+            </a:r>
+            <a:endParaRPr sz="1000">
+              <a:solidFill>
+                <a:schemeClr val="lt1"/>
+              </a:solidFill>
+              <a:latin typeface="Lato"/>
+              <a:ea typeface="Lato"/>
+              <a:cs typeface="Lato"/>
+              <a:sym typeface="Lato"/>
+            </a:endParaRPr>
+          </a:p>
+          <a:p>
+            <a:pPr indent="-292100" lvl="0" marL="457200" rtl="0" algn="l">
+              <a:spcBef>
+                <a:spcPts val="0"/>
+              </a:spcBef>
+              <a:spcAft>
+                <a:spcPts val="0"/>
+              </a:spcAft>
+              <a:buClr>
+                <a:schemeClr val="lt1"/>
+              </a:buClr>
+              <a:buSzPts val="1000"/>
+              <a:buFont typeface="Lato"/>
+              <a:buChar char="-"/>
+            </a:pPr>
+            <a:r>
+              <a:rPr lang="en" sz="1000">
+                <a:solidFill>
+                  <a:schemeClr val="lt1"/>
+                </a:solidFill>
+                <a:latin typeface="Lato"/>
+                <a:ea typeface="Lato"/>
+                <a:cs typeface="Lato"/>
+                <a:sym typeface="Lato"/>
+              </a:rPr>
+              <a:t>pending_listing_count  		int64</a:t>
+            </a:r>
+            <a:endParaRPr sz="1000">
+              <a:solidFill>
+                <a:schemeClr val="lt1"/>
+              </a:solidFill>
+              <a:latin typeface="Lato"/>
+              <a:ea typeface="Lato"/>
+              <a:cs typeface="Lato"/>
+              <a:sym typeface="Lato"/>
+            </a:endParaRPr>
+          </a:p>
+          <a:p>
+            <a:pPr indent="-292100" lvl="0" marL="457200" rtl="0" algn="l">
+              <a:spcBef>
+                <a:spcPts val="0"/>
+              </a:spcBef>
+              <a:spcAft>
+                <a:spcPts val="0"/>
+              </a:spcAft>
+              <a:buClr>
+                <a:schemeClr val="lt1"/>
+              </a:buClr>
+              <a:buSzPts val="1000"/>
+              <a:buFont typeface="Lato"/>
+              <a:buChar char="-"/>
+            </a:pPr>
+            <a:r>
+              <a:rPr lang="en" sz="1000">
+                <a:solidFill>
+                  <a:schemeClr val="lt1"/>
+                </a:solidFill>
+                <a:latin typeface="Lato"/>
+                <a:ea typeface="Lato"/>
+                <a:cs typeface="Lato"/>
+                <a:sym typeface="Lato"/>
+              </a:rPr>
+              <a:t>average_listing_price		float64</a:t>
+            </a:r>
+            <a:endParaRPr sz="1000">
+              <a:solidFill>
+                <a:schemeClr val="lt1"/>
+              </a:solidFill>
+              <a:latin typeface="Lato"/>
+              <a:ea typeface="Lato"/>
+              <a:cs typeface="Lato"/>
+              <a:sym typeface="Lato"/>
+            </a:endParaRPr>
+          </a:p>
+          <a:p>
+            <a:pPr indent="-292100" lvl="0" marL="457200" rtl="0" algn="l">
+              <a:spcBef>
+                <a:spcPts val="0"/>
+              </a:spcBef>
+              <a:spcAft>
+                <a:spcPts val="0"/>
+              </a:spcAft>
+              <a:buClr>
+                <a:schemeClr val="lt1"/>
+              </a:buClr>
+              <a:buSzPts val="1000"/>
+              <a:buFont typeface="Lato"/>
+              <a:buChar char="-"/>
+            </a:pPr>
+            <a:r>
+              <a:rPr lang="en" sz="1000">
+                <a:solidFill>
+                  <a:schemeClr val="lt1"/>
+                </a:solidFill>
+                <a:latin typeface="Lato"/>
+                <a:ea typeface="Lato"/>
+                <a:cs typeface="Lato"/>
+                <a:sym typeface="Lato"/>
+              </a:rPr>
+              <a:t>total_listing_count    		int64</a:t>
+            </a:r>
+            <a:endParaRPr sz="1000">
+              <a:solidFill>
+                <a:schemeClr val="lt1"/>
+              </a:solidFill>
+              <a:latin typeface="Lato"/>
+              <a:ea typeface="Lato"/>
+              <a:cs typeface="Lato"/>
+              <a:sym typeface="Lato"/>
+            </a:endParaRPr>
+          </a:p>
+        </p:txBody>
+      </p:sp>
+      <p:sp>
+        <p:nvSpPr>
+          <p:cNvPr id="199" name="Google Shape;199;p18"/>
+          <p:cNvSpPr txBox="1"/>
+          <p:nvPr/>
+        </p:nvSpPr>
+        <p:spPr>
+          <a:xfrm>
+            <a:off x="3791500" y="1150325"/>
+            <a:ext cx="2399700" cy="1015800"/>
+          </a:xfrm>
+          <a:prstGeom prst="rect">
+            <a:avLst/>
+          </a:prstGeom>
+          <a:noFill/>
+          <a:ln cap="flat" cmpd="sng" w="9525">
+            <a:solidFill>
+              <a:schemeClr val="lt1"/>
+            </a:solidFill>
+            <a:prstDash val="solid"/>
+            <a:round/>
+            <a:headEnd len="sm" w="sm" type="none"/>
+            <a:tailEnd len="sm" w="sm" type="none"/>
+          </a:ln>
+        </p:spPr>
+        <p:txBody>
+          <a:bodyPr anchorCtr="0" anchor="t" bIns="91425" lIns="91425" spcFirstLastPara="1" rIns="91425" wrap="square" tIns="91425">
+            <a:spAutoFit/>
+          </a:bodyPr>
+          <a:lstStyle/>
+          <a:p>
+            <a:pPr indent="0" lvl="0" marL="0" rtl="0" algn="ctr">
+              <a:spcBef>
+                <a:spcPts val="0"/>
+              </a:spcBef>
+              <a:spcAft>
+                <a:spcPts val="0"/>
+              </a:spcAft>
+              <a:buNone/>
+            </a:pPr>
+            <a:r>
+              <a:rPr b="1" lang="en" sz="900" u="sng">
+                <a:solidFill>
+                  <a:schemeClr val="lt1"/>
+                </a:solidFill>
+                <a:latin typeface="Lato"/>
+                <a:ea typeface="Lato"/>
+                <a:cs typeface="Lato"/>
+                <a:sym typeface="Lato"/>
+              </a:rPr>
+              <a:t>Population &amp; Income Data</a:t>
+            </a:r>
+            <a:endParaRPr b="1" sz="900" u="sng">
+              <a:solidFill>
+                <a:schemeClr val="lt1"/>
+              </a:solidFill>
+              <a:latin typeface="Lato"/>
+              <a:ea typeface="Lato"/>
+              <a:cs typeface="Lato"/>
+              <a:sym typeface="Lato"/>
+            </a:endParaRPr>
+          </a:p>
+          <a:p>
+            <a:pPr indent="0" lvl="0" marL="0" rtl="0" algn="ctr">
+              <a:spcBef>
+                <a:spcPts val="0"/>
+              </a:spcBef>
+              <a:spcAft>
+                <a:spcPts val="0"/>
+              </a:spcAft>
+              <a:buNone/>
+            </a:pPr>
+            <a:r>
+              <a:t/>
+            </a:r>
+            <a:endParaRPr b="1" sz="900" u="sng">
+              <a:solidFill>
+                <a:schemeClr val="lt1"/>
+              </a:solidFill>
+              <a:latin typeface="Lato"/>
+              <a:ea typeface="Lato"/>
+              <a:cs typeface="Lato"/>
+              <a:sym typeface="Lato"/>
+            </a:endParaRPr>
+          </a:p>
+          <a:p>
+            <a:pPr indent="-285750" lvl="0" marL="457200" rtl="0" algn="l">
+              <a:spcBef>
+                <a:spcPts val="0"/>
+              </a:spcBef>
+              <a:spcAft>
+                <a:spcPts val="0"/>
+              </a:spcAft>
+              <a:buClr>
+                <a:schemeClr val="lt1"/>
+              </a:buClr>
+              <a:buSzPts val="900"/>
+              <a:buFont typeface="Lato"/>
+              <a:buChar char="-"/>
+            </a:pPr>
+            <a:r>
+              <a:rPr lang="en" sz="900">
+                <a:solidFill>
+                  <a:schemeClr val="lt1"/>
+                </a:solidFill>
+                <a:latin typeface="Lato"/>
+                <a:ea typeface="Lato"/>
+                <a:cs typeface="Lato"/>
+                <a:sym typeface="Lato"/>
+              </a:rPr>
+              <a:t>_id                   	object</a:t>
+            </a:r>
+            <a:endParaRPr sz="900">
+              <a:solidFill>
+                <a:schemeClr val="lt1"/>
+              </a:solidFill>
+              <a:latin typeface="Lato"/>
+              <a:ea typeface="Lato"/>
+              <a:cs typeface="Lato"/>
+              <a:sym typeface="Lato"/>
+            </a:endParaRPr>
+          </a:p>
+          <a:p>
+            <a:pPr indent="-285750" lvl="0" marL="457200" rtl="0" algn="l">
+              <a:spcBef>
+                <a:spcPts val="0"/>
+              </a:spcBef>
+              <a:spcAft>
+                <a:spcPts val="0"/>
+              </a:spcAft>
+              <a:buClr>
+                <a:schemeClr val="lt1"/>
+              </a:buClr>
+              <a:buSzPts val="900"/>
+              <a:buFont typeface="Lato"/>
+              <a:buChar char="-"/>
+            </a:pPr>
+            <a:r>
+              <a:rPr lang="en" sz="900">
+                <a:solidFill>
+                  <a:schemeClr val="lt1"/>
+                </a:solidFill>
+                <a:latin typeface="Lato"/>
+                <a:ea typeface="Lato"/>
+                <a:cs typeface="Lato"/>
+                <a:sym typeface="Lato"/>
+              </a:rPr>
+              <a:t>metro_area/city     object</a:t>
+            </a:r>
+            <a:endParaRPr sz="900">
+              <a:solidFill>
+                <a:schemeClr val="lt1"/>
+              </a:solidFill>
+              <a:latin typeface="Lato"/>
+              <a:ea typeface="Lato"/>
+              <a:cs typeface="Lato"/>
+              <a:sym typeface="Lato"/>
+            </a:endParaRPr>
+          </a:p>
+          <a:p>
+            <a:pPr indent="-285750" lvl="0" marL="457200" rtl="0" algn="l">
+              <a:spcBef>
+                <a:spcPts val="0"/>
+              </a:spcBef>
+              <a:spcAft>
+                <a:spcPts val="0"/>
+              </a:spcAft>
+              <a:buClr>
+                <a:schemeClr val="lt1"/>
+              </a:buClr>
+              <a:buSzPts val="900"/>
+              <a:buFont typeface="Lato"/>
+              <a:buChar char="-"/>
+            </a:pPr>
+            <a:r>
+              <a:rPr lang="en" sz="900">
+                <a:solidFill>
+                  <a:schemeClr val="lt1"/>
+                </a:solidFill>
+                <a:latin typeface="Lato"/>
+                <a:ea typeface="Lato"/>
+                <a:cs typeface="Lato"/>
+                <a:sym typeface="Lato"/>
+              </a:rPr>
+              <a:t>i</a:t>
+            </a:r>
+            <a:r>
+              <a:rPr lang="en" sz="900">
+                <a:solidFill>
+                  <a:schemeClr val="lt1"/>
+                </a:solidFill>
+                <a:latin typeface="Lato"/>
+                <a:ea typeface="Lato"/>
+                <a:cs typeface="Lato"/>
+                <a:sym typeface="Lato"/>
+              </a:rPr>
+              <a:t>ncome 		i</a:t>
+            </a:r>
+            <a:r>
+              <a:rPr lang="en" sz="900">
+                <a:solidFill>
+                  <a:schemeClr val="lt1"/>
+                </a:solidFill>
+                <a:latin typeface="Lato"/>
+                <a:ea typeface="Lato"/>
+                <a:cs typeface="Lato"/>
+                <a:sym typeface="Lato"/>
+              </a:rPr>
+              <a:t>nt64</a:t>
+            </a:r>
+            <a:endParaRPr sz="900">
+              <a:solidFill>
+                <a:schemeClr val="lt1"/>
+              </a:solidFill>
+              <a:latin typeface="Lato"/>
+              <a:ea typeface="Lato"/>
+              <a:cs typeface="Lato"/>
+              <a:sym typeface="Lato"/>
+            </a:endParaRPr>
+          </a:p>
+          <a:p>
+            <a:pPr indent="-285750" lvl="0" marL="457200" rtl="0" algn="l">
+              <a:spcBef>
+                <a:spcPts val="0"/>
+              </a:spcBef>
+              <a:spcAft>
+                <a:spcPts val="0"/>
+              </a:spcAft>
+              <a:buClr>
+                <a:schemeClr val="lt1"/>
+              </a:buClr>
+              <a:buSzPts val="900"/>
+              <a:buFont typeface="Lato"/>
+              <a:buChar char="-"/>
+            </a:pPr>
+            <a:r>
+              <a:rPr lang="en" sz="900">
+                <a:solidFill>
+                  <a:schemeClr val="lt1"/>
+                </a:solidFill>
+                <a:latin typeface="Lato"/>
+                <a:ea typeface="Lato"/>
+                <a:cs typeface="Lato"/>
+                <a:sym typeface="Lato"/>
+              </a:rPr>
+              <a:t>Population	int64</a:t>
+            </a:r>
+            <a:endParaRPr sz="900">
+              <a:solidFill>
+                <a:schemeClr val="lt1"/>
+              </a:solidFill>
+              <a:latin typeface="Lato"/>
+              <a:ea typeface="Lato"/>
+              <a:cs typeface="Lato"/>
+              <a:sym typeface="Lato"/>
+            </a:endParaRPr>
+          </a:p>
+        </p:txBody>
+      </p:sp>
+      <p:sp>
+        <p:nvSpPr>
+          <p:cNvPr id="200" name="Google Shape;200;p18"/>
+          <p:cNvSpPr txBox="1"/>
+          <p:nvPr/>
+        </p:nvSpPr>
+        <p:spPr>
+          <a:xfrm>
+            <a:off x="3791500" y="2432550"/>
+            <a:ext cx="2399700" cy="1277400"/>
+          </a:xfrm>
+          <a:prstGeom prst="rect">
+            <a:avLst/>
+          </a:prstGeom>
+          <a:noFill/>
+          <a:ln cap="flat" cmpd="sng" w="9525">
+            <a:solidFill>
+              <a:schemeClr val="lt1"/>
+            </a:solidFill>
+            <a:prstDash val="solid"/>
+            <a:round/>
+            <a:headEnd len="sm" w="sm" type="none"/>
+            <a:tailEnd len="sm" w="sm" type="none"/>
+          </a:ln>
+        </p:spPr>
+        <p:txBody>
+          <a:bodyPr anchorCtr="0" anchor="t" bIns="91425" lIns="91425" spcFirstLastPara="1" rIns="91425" wrap="square" tIns="91425">
+            <a:spAutoFit/>
+          </a:bodyPr>
+          <a:lstStyle/>
+          <a:p>
+            <a:pPr indent="0" lvl="0" marL="0" rtl="0" algn="ctr">
+              <a:spcBef>
+                <a:spcPts val="0"/>
+              </a:spcBef>
+              <a:spcAft>
+                <a:spcPts val="0"/>
+              </a:spcAft>
+              <a:buNone/>
+            </a:pPr>
+            <a:r>
+              <a:rPr b="1" lang="en" sz="900" u="sng">
+                <a:solidFill>
+                  <a:schemeClr val="lt1"/>
+                </a:solidFill>
+                <a:latin typeface="Lato"/>
+                <a:ea typeface="Lato"/>
+                <a:cs typeface="Lato"/>
+                <a:sym typeface="Lato"/>
+              </a:rPr>
+              <a:t>Weather </a:t>
+            </a:r>
+            <a:r>
+              <a:rPr b="1" lang="en" sz="900" u="sng">
+                <a:solidFill>
+                  <a:schemeClr val="lt1"/>
+                </a:solidFill>
+                <a:latin typeface="Lato"/>
+                <a:ea typeface="Lato"/>
+                <a:cs typeface="Lato"/>
+                <a:sym typeface="Lato"/>
+              </a:rPr>
+              <a:t> Data</a:t>
+            </a:r>
+            <a:endParaRPr b="1" sz="900" u="sng">
+              <a:solidFill>
+                <a:schemeClr val="lt1"/>
+              </a:solidFill>
+              <a:latin typeface="Lato"/>
+              <a:ea typeface="Lato"/>
+              <a:cs typeface="Lato"/>
+              <a:sym typeface="Lato"/>
+            </a:endParaRPr>
+          </a:p>
+          <a:p>
+            <a:pPr indent="0" lvl="0" marL="0" rtl="0" algn="ctr">
+              <a:spcBef>
+                <a:spcPts val="0"/>
+              </a:spcBef>
+              <a:spcAft>
+                <a:spcPts val="0"/>
+              </a:spcAft>
+              <a:buNone/>
+            </a:pPr>
+            <a:r>
+              <a:t/>
+            </a:r>
+            <a:endParaRPr b="1" sz="900" u="sng">
+              <a:solidFill>
+                <a:schemeClr val="lt1"/>
+              </a:solidFill>
+              <a:latin typeface="Lato"/>
+              <a:ea typeface="Lato"/>
+              <a:cs typeface="Lato"/>
+              <a:sym typeface="Lato"/>
+            </a:endParaRPr>
+          </a:p>
+          <a:p>
+            <a:pPr indent="-285750" lvl="0" marL="457200" rtl="0" algn="l">
+              <a:spcBef>
+                <a:spcPts val="0"/>
+              </a:spcBef>
+              <a:spcAft>
+                <a:spcPts val="0"/>
+              </a:spcAft>
+              <a:buClr>
+                <a:schemeClr val="lt1"/>
+              </a:buClr>
+              <a:buSzPts val="900"/>
+              <a:buFont typeface="Lato"/>
+              <a:buChar char="-"/>
+            </a:pPr>
+            <a:r>
+              <a:rPr lang="en" sz="900">
+                <a:solidFill>
+                  <a:schemeClr val="lt1"/>
+                </a:solidFill>
+                <a:latin typeface="Lato"/>
+                <a:ea typeface="Lato"/>
+                <a:cs typeface="Lato"/>
+                <a:sym typeface="Lato"/>
+              </a:rPr>
+              <a:t>_id                   	object</a:t>
+            </a:r>
+            <a:endParaRPr sz="900">
+              <a:solidFill>
+                <a:schemeClr val="lt1"/>
+              </a:solidFill>
+              <a:latin typeface="Lato"/>
+              <a:ea typeface="Lato"/>
+              <a:cs typeface="Lato"/>
+              <a:sym typeface="Lato"/>
+            </a:endParaRPr>
+          </a:p>
+          <a:p>
+            <a:pPr indent="-285750" lvl="0" marL="457200" rtl="0" algn="l">
+              <a:spcBef>
+                <a:spcPts val="0"/>
+              </a:spcBef>
+              <a:spcAft>
+                <a:spcPts val="0"/>
+              </a:spcAft>
+              <a:buClr>
+                <a:schemeClr val="lt1"/>
+              </a:buClr>
+              <a:buSzPts val="900"/>
+              <a:buFont typeface="Lato"/>
+              <a:buChar char="-"/>
+            </a:pPr>
+            <a:r>
+              <a:rPr lang="en" sz="900">
+                <a:solidFill>
+                  <a:schemeClr val="lt1"/>
+                </a:solidFill>
+                <a:latin typeface="Lato"/>
+                <a:ea typeface="Lato"/>
+                <a:cs typeface="Lato"/>
+                <a:sym typeface="Lato"/>
+              </a:rPr>
+              <a:t>metro_area/city     object</a:t>
+            </a:r>
+            <a:endParaRPr sz="900">
+              <a:solidFill>
+                <a:schemeClr val="lt1"/>
+              </a:solidFill>
+              <a:latin typeface="Lato"/>
+              <a:ea typeface="Lato"/>
+              <a:cs typeface="Lato"/>
+              <a:sym typeface="Lato"/>
+            </a:endParaRPr>
+          </a:p>
+          <a:p>
+            <a:pPr indent="-285750" lvl="0" marL="457200" rtl="0" algn="l">
+              <a:spcBef>
+                <a:spcPts val="0"/>
+              </a:spcBef>
+              <a:spcAft>
+                <a:spcPts val="0"/>
+              </a:spcAft>
+              <a:buClr>
+                <a:schemeClr val="lt1"/>
+              </a:buClr>
+              <a:buSzPts val="900"/>
+              <a:buFont typeface="Lato"/>
+              <a:buChar char="-"/>
+            </a:pPr>
+            <a:r>
+              <a:rPr lang="en" sz="900">
+                <a:solidFill>
+                  <a:schemeClr val="lt1"/>
+                </a:solidFill>
+                <a:latin typeface="Lato"/>
+                <a:ea typeface="Lato"/>
+                <a:cs typeface="Lato"/>
+                <a:sym typeface="Lato"/>
+              </a:rPr>
+              <a:t>temperature	</a:t>
+            </a:r>
+            <a:r>
+              <a:rPr lang="en" sz="900">
+                <a:solidFill>
+                  <a:schemeClr val="lt1"/>
+                </a:solidFill>
+                <a:latin typeface="Lato"/>
+                <a:ea typeface="Lato"/>
+                <a:cs typeface="Lato"/>
+                <a:sym typeface="Lato"/>
+              </a:rPr>
+              <a:t>int64</a:t>
+            </a:r>
+            <a:endParaRPr sz="900">
+              <a:solidFill>
+                <a:schemeClr val="lt1"/>
+              </a:solidFill>
+              <a:latin typeface="Lato"/>
+              <a:ea typeface="Lato"/>
+              <a:cs typeface="Lato"/>
+              <a:sym typeface="Lato"/>
+            </a:endParaRPr>
+          </a:p>
+          <a:p>
+            <a:pPr indent="-285750" lvl="0" marL="457200" rtl="0" algn="l">
+              <a:spcBef>
+                <a:spcPts val="0"/>
+              </a:spcBef>
+              <a:spcAft>
+                <a:spcPts val="0"/>
+              </a:spcAft>
+              <a:buClr>
+                <a:schemeClr val="lt1"/>
+              </a:buClr>
+              <a:buSzPts val="900"/>
+              <a:buFont typeface="Lato"/>
+              <a:buChar char="-"/>
+            </a:pPr>
+            <a:r>
+              <a:rPr lang="en" sz="900">
+                <a:solidFill>
+                  <a:schemeClr val="lt1"/>
+                </a:solidFill>
+                <a:latin typeface="Lato"/>
+                <a:ea typeface="Lato"/>
+                <a:cs typeface="Lato"/>
+                <a:sym typeface="Lato"/>
+              </a:rPr>
+              <a:t>wind_speed	</a:t>
+            </a:r>
+            <a:r>
+              <a:rPr lang="en" sz="900">
+                <a:solidFill>
+                  <a:schemeClr val="lt1"/>
+                </a:solidFill>
+                <a:latin typeface="Lato"/>
+                <a:ea typeface="Lato"/>
+                <a:cs typeface="Lato"/>
+                <a:sym typeface="Lato"/>
+              </a:rPr>
+              <a:t>int64</a:t>
+            </a:r>
+            <a:endParaRPr sz="900">
+              <a:solidFill>
+                <a:schemeClr val="lt1"/>
+              </a:solidFill>
+              <a:latin typeface="Lato"/>
+              <a:ea typeface="Lato"/>
+              <a:cs typeface="Lato"/>
+              <a:sym typeface="Lato"/>
+            </a:endParaRPr>
+          </a:p>
+          <a:p>
+            <a:pPr indent="-285750" lvl="0" marL="457200" rtl="0" algn="l">
+              <a:spcBef>
+                <a:spcPts val="0"/>
+              </a:spcBef>
+              <a:spcAft>
+                <a:spcPts val="0"/>
+              </a:spcAft>
+              <a:buClr>
+                <a:schemeClr val="lt1"/>
+              </a:buClr>
+              <a:buSzPts val="900"/>
+              <a:buFont typeface="Lato"/>
+              <a:buChar char="-"/>
+            </a:pPr>
+            <a:r>
+              <a:rPr lang="en" sz="900">
+                <a:solidFill>
+                  <a:schemeClr val="lt1"/>
+                </a:solidFill>
+                <a:latin typeface="Lato"/>
+                <a:ea typeface="Lato"/>
+                <a:cs typeface="Lato"/>
+                <a:sym typeface="Lato"/>
+              </a:rPr>
+              <a:t>pressure		</a:t>
+            </a:r>
+            <a:r>
+              <a:rPr lang="en" sz="900">
+                <a:solidFill>
+                  <a:schemeClr val="lt1"/>
+                </a:solidFill>
+                <a:latin typeface="Lato"/>
+                <a:ea typeface="Lato"/>
+                <a:cs typeface="Lato"/>
+                <a:sym typeface="Lato"/>
+              </a:rPr>
+              <a:t>int64</a:t>
+            </a:r>
+            <a:endParaRPr sz="900">
+              <a:solidFill>
+                <a:schemeClr val="lt1"/>
+              </a:solidFill>
+              <a:latin typeface="Lato"/>
+              <a:ea typeface="Lato"/>
+              <a:cs typeface="Lato"/>
+              <a:sym typeface="Lato"/>
+            </a:endParaRPr>
+          </a:p>
+          <a:p>
+            <a:pPr indent="-279400" lvl="0" marL="457200" rtl="0" algn="l">
+              <a:spcBef>
+                <a:spcPts val="0"/>
+              </a:spcBef>
+              <a:spcAft>
+                <a:spcPts val="0"/>
+              </a:spcAft>
+              <a:buClr>
+                <a:schemeClr val="lt1"/>
+              </a:buClr>
+              <a:buSzPts val="800"/>
+              <a:buFont typeface="Lato"/>
+              <a:buChar char="-"/>
+            </a:pPr>
+            <a:r>
+              <a:rPr lang="en" sz="800">
+                <a:solidFill>
+                  <a:schemeClr val="lt1"/>
+                </a:solidFill>
+                <a:latin typeface="Lato"/>
+                <a:ea typeface="Lato"/>
+                <a:cs typeface="Lato"/>
+                <a:sym typeface="Lato"/>
+              </a:rPr>
+              <a:t>		</a:t>
+            </a:r>
+            <a:endParaRPr sz="800">
+              <a:solidFill>
+                <a:schemeClr val="lt1"/>
+              </a:solidFill>
+              <a:latin typeface="Lato"/>
+              <a:ea typeface="Lato"/>
+              <a:cs typeface="Lato"/>
+              <a:sym typeface="Lato"/>
+            </a:endParaRPr>
+          </a:p>
+        </p:txBody>
+      </p:sp>
+      <p:sp>
+        <p:nvSpPr>
+          <p:cNvPr id="201" name="Google Shape;201;p18"/>
+          <p:cNvSpPr txBox="1"/>
+          <p:nvPr/>
+        </p:nvSpPr>
+        <p:spPr>
+          <a:xfrm>
+            <a:off x="337750" y="4058000"/>
+            <a:ext cx="5853300" cy="769500"/>
+          </a:xfrm>
+          <a:prstGeom prst="rect">
+            <a:avLst/>
+          </a:prstGeom>
+          <a:noFill/>
+          <a:ln>
+            <a:noFill/>
+          </a:ln>
+        </p:spPr>
+        <p:txBody>
+          <a:bodyPr anchorCtr="0" anchor="t" bIns="91425" lIns="91425" spcFirstLastPara="1" rIns="91425" wrap="square" tIns="91425">
+            <a:spAutoFit/>
+          </a:bodyPr>
+          <a:lstStyle/>
+          <a:p>
+            <a:pPr indent="0" lvl="0" marL="0" rtl="0" algn="l">
+              <a:spcBef>
+                <a:spcPts val="0"/>
+              </a:spcBef>
+              <a:spcAft>
+                <a:spcPts val="0"/>
+              </a:spcAft>
+              <a:buNone/>
+            </a:pPr>
+            <a:r>
+              <a:rPr b="1" lang="en" sz="1000" u="sng">
+                <a:solidFill>
+                  <a:schemeClr val="lt1"/>
+                </a:solidFill>
+                <a:latin typeface="Lato"/>
+                <a:ea typeface="Lato"/>
+                <a:cs typeface="Lato"/>
+                <a:sym typeface="Lato"/>
+              </a:rPr>
+              <a:t>Data Explanation:</a:t>
+            </a:r>
+            <a:endParaRPr b="1" sz="1000" u="sng">
+              <a:solidFill>
+                <a:schemeClr val="lt1"/>
+              </a:solidFill>
+              <a:latin typeface="Lato"/>
+              <a:ea typeface="Lato"/>
+              <a:cs typeface="Lato"/>
+              <a:sym typeface="Lato"/>
+            </a:endParaRPr>
+          </a:p>
+          <a:p>
+            <a:pPr indent="0" lvl="0" marL="457200" rtl="0" algn="l">
+              <a:spcBef>
+                <a:spcPts val="0"/>
+              </a:spcBef>
+              <a:spcAft>
+                <a:spcPts val="0"/>
+              </a:spcAft>
+              <a:buNone/>
+            </a:pPr>
+            <a:r>
+              <a:t/>
+            </a:r>
+            <a:endParaRPr b="1" sz="800" u="sng">
+              <a:solidFill>
+                <a:schemeClr val="lt1"/>
+              </a:solidFill>
+              <a:latin typeface="Lato"/>
+              <a:ea typeface="Lato"/>
+              <a:cs typeface="Lato"/>
+              <a:sym typeface="Lato"/>
+            </a:endParaRPr>
+          </a:p>
+          <a:p>
+            <a:pPr indent="0" lvl="0" marL="457200" rtl="0" algn="l">
+              <a:spcBef>
+                <a:spcPts val="0"/>
+              </a:spcBef>
+              <a:spcAft>
+                <a:spcPts val="0"/>
+              </a:spcAft>
+              <a:buNone/>
+            </a:pPr>
+            <a:r>
+              <a:t/>
+            </a:r>
+            <a:endParaRPr sz="1000">
+              <a:solidFill>
+                <a:schemeClr val="lt1"/>
+              </a:solidFill>
+              <a:latin typeface="Lato"/>
+              <a:ea typeface="Lato"/>
+              <a:cs typeface="Lato"/>
+              <a:sym typeface="Lato"/>
+            </a:endParaRPr>
+          </a:p>
+          <a:p>
+            <a:pPr indent="0" lvl="0" marL="457200" rtl="0" algn="just">
+              <a:spcBef>
+                <a:spcPts val="0"/>
+              </a:spcBef>
+              <a:spcAft>
+                <a:spcPts val="0"/>
+              </a:spcAft>
+              <a:buNone/>
+            </a:pPr>
+            <a:r>
+              <a:t/>
+            </a:r>
+            <a:endParaRPr sz="1000">
+              <a:solidFill>
+                <a:schemeClr val="lt1"/>
+              </a:solidFill>
+              <a:latin typeface="Lato"/>
+              <a:ea typeface="Lato"/>
+              <a:cs typeface="Lato"/>
+              <a:sym typeface="Lato"/>
+            </a:endParaRPr>
+          </a:p>
+        </p:txBody>
+      </p:sp>
+      <p:cxnSp>
+        <p:nvCxnSpPr>
+          <p:cNvPr id="202" name="Google Shape;202;p18"/>
+          <p:cNvCxnSpPr>
+            <a:stCxn id="198" idx="0"/>
+          </p:cNvCxnSpPr>
+          <p:nvPr/>
+        </p:nvCxnSpPr>
+        <p:spPr>
+          <a:xfrm rot="-5400000">
+            <a:off x="2699050" y="376475"/>
+            <a:ext cx="200100" cy="2007300"/>
+          </a:xfrm>
+          <a:prstGeom prst="bentConnector2">
+            <a:avLst/>
+          </a:prstGeom>
+          <a:noFill/>
+          <a:ln cap="flat" cmpd="sng" w="9525">
+            <a:solidFill>
+              <a:srgbClr val="FF0000"/>
+            </a:solidFill>
+            <a:prstDash val="solid"/>
+            <a:round/>
+            <a:headEnd len="med" w="med" type="none"/>
+            <a:tailEnd len="med" w="med" type="none"/>
+          </a:ln>
+        </p:spPr>
+      </p:cxnSp>
+      <p:cxnSp>
+        <p:nvCxnSpPr>
+          <p:cNvPr id="203" name="Google Shape;203;p18"/>
+          <p:cNvCxnSpPr>
+            <a:stCxn id="198" idx="2"/>
+            <a:endCxn id="200" idx="1"/>
+          </p:cNvCxnSpPr>
+          <p:nvPr/>
+        </p:nvCxnSpPr>
+        <p:spPr>
+          <a:xfrm rot="-5400000">
+            <a:off x="2419300" y="2447525"/>
+            <a:ext cx="748500" cy="1996200"/>
+          </a:xfrm>
+          <a:prstGeom prst="bentConnector4">
+            <a:avLst>
+              <a:gd fmla="val -31814" name="adj1"/>
+              <a:gd fmla="val 86508" name="adj2"/>
+            </a:avLst>
+          </a:prstGeom>
+          <a:noFill/>
+          <a:ln cap="flat" cmpd="sng" w="9525">
+            <a:solidFill>
+              <a:srgbClr val="FF0000"/>
+            </a:solidFill>
+            <a:prstDash val="solid"/>
+            <a:round/>
+            <a:headEnd len="med" w="med" type="none"/>
+            <a:tailEnd len="med" w="med" type="none"/>
+          </a:ln>
+        </p:spPr>
+      </p:cxnSp>
+      <p:sp>
+        <p:nvSpPr>
+          <p:cNvPr id="204" name="Google Shape;204;p18"/>
+          <p:cNvSpPr txBox="1"/>
+          <p:nvPr/>
+        </p:nvSpPr>
+        <p:spPr>
+          <a:xfrm>
+            <a:off x="6729550" y="1569275"/>
+            <a:ext cx="2346600" cy="1693200"/>
+          </a:xfrm>
+          <a:prstGeom prst="rect">
+            <a:avLst/>
+          </a:prstGeom>
+          <a:noFill/>
+          <a:ln cap="flat" cmpd="sng" w="9525">
+            <a:solidFill>
+              <a:schemeClr val="lt1"/>
+            </a:solidFill>
+            <a:prstDash val="solid"/>
+            <a:round/>
+            <a:headEnd len="sm" w="sm" type="none"/>
+            <a:tailEnd len="sm" w="sm" type="none"/>
+          </a:ln>
+        </p:spPr>
+        <p:txBody>
+          <a:bodyPr anchorCtr="0" anchor="t" bIns="91425" lIns="91425" spcFirstLastPara="1" rIns="91425" wrap="square" tIns="91425">
+            <a:spAutoFit/>
+          </a:bodyPr>
+          <a:lstStyle/>
+          <a:p>
+            <a:pPr indent="0" lvl="0" marL="0" rtl="0" algn="ctr">
+              <a:spcBef>
+                <a:spcPts val="0"/>
+              </a:spcBef>
+              <a:spcAft>
+                <a:spcPts val="0"/>
+              </a:spcAft>
+              <a:buNone/>
+            </a:pPr>
+            <a:r>
+              <a:rPr b="1" lang="en" sz="700" u="sng">
+                <a:solidFill>
+                  <a:schemeClr val="lt1"/>
+                </a:solidFill>
+                <a:latin typeface="Lato"/>
+                <a:ea typeface="Lato"/>
+                <a:cs typeface="Lato"/>
+                <a:sym typeface="Lato"/>
+              </a:rPr>
+              <a:t>Final Database</a:t>
+            </a:r>
+            <a:endParaRPr b="1" sz="700" u="sng">
+              <a:solidFill>
+                <a:schemeClr val="lt1"/>
+              </a:solidFill>
+              <a:latin typeface="Lato"/>
+              <a:ea typeface="Lato"/>
+              <a:cs typeface="Lato"/>
+              <a:sym typeface="Lato"/>
+            </a:endParaRPr>
+          </a:p>
+          <a:p>
+            <a:pPr indent="0" lvl="0" marL="0" rtl="0" algn="ctr">
+              <a:spcBef>
+                <a:spcPts val="0"/>
+              </a:spcBef>
+              <a:spcAft>
+                <a:spcPts val="0"/>
+              </a:spcAft>
+              <a:buNone/>
+            </a:pPr>
+            <a:r>
+              <a:t/>
+            </a:r>
+            <a:endParaRPr b="1" sz="700" u="sng">
+              <a:solidFill>
+                <a:schemeClr val="lt1"/>
+              </a:solidFill>
+              <a:latin typeface="Lato"/>
+              <a:ea typeface="Lato"/>
+              <a:cs typeface="Lato"/>
+              <a:sym typeface="Lato"/>
+            </a:endParaRPr>
+          </a:p>
+          <a:p>
+            <a:pPr indent="-273050" lvl="0" marL="457200" rtl="0" algn="l">
+              <a:spcBef>
+                <a:spcPts val="0"/>
+              </a:spcBef>
+              <a:spcAft>
+                <a:spcPts val="0"/>
+              </a:spcAft>
+              <a:buClr>
+                <a:schemeClr val="lt1"/>
+              </a:buClr>
+              <a:buSzPts val="700"/>
+              <a:buFont typeface="Lato"/>
+              <a:buChar char="-"/>
+            </a:pPr>
+            <a:r>
+              <a:rPr lang="en" sz="700">
+                <a:solidFill>
+                  <a:schemeClr val="lt1"/>
+                </a:solidFill>
+                <a:latin typeface="Lato"/>
+                <a:ea typeface="Lato"/>
+                <a:cs typeface="Lato"/>
+                <a:sym typeface="Lato"/>
+              </a:rPr>
+              <a:t>_id                   			object</a:t>
+            </a:r>
+            <a:endParaRPr sz="700">
+              <a:solidFill>
+                <a:schemeClr val="lt1"/>
+              </a:solidFill>
+              <a:latin typeface="Lato"/>
+              <a:ea typeface="Lato"/>
+              <a:cs typeface="Lato"/>
+              <a:sym typeface="Lato"/>
+            </a:endParaRPr>
+          </a:p>
+          <a:p>
+            <a:pPr indent="-273050" lvl="0" marL="457200" rtl="0" algn="l">
+              <a:spcBef>
+                <a:spcPts val="0"/>
+              </a:spcBef>
+              <a:spcAft>
+                <a:spcPts val="0"/>
+              </a:spcAft>
+              <a:buClr>
+                <a:schemeClr val="lt1"/>
+              </a:buClr>
+              <a:buSzPts val="700"/>
+              <a:buFont typeface="Lato"/>
+              <a:buChar char="-"/>
+            </a:pPr>
+            <a:r>
+              <a:rPr lang="en" sz="700">
+                <a:solidFill>
+                  <a:schemeClr val="lt1"/>
+                </a:solidFill>
+                <a:latin typeface="Lato"/>
+                <a:ea typeface="Lato"/>
+                <a:cs typeface="Lato"/>
+                <a:sym typeface="Lato"/>
+              </a:rPr>
+              <a:t>date                  		object</a:t>
+            </a:r>
+            <a:endParaRPr sz="700">
+              <a:solidFill>
+                <a:schemeClr val="lt1"/>
+              </a:solidFill>
+              <a:latin typeface="Lato"/>
+              <a:ea typeface="Lato"/>
+              <a:cs typeface="Lato"/>
+              <a:sym typeface="Lato"/>
+            </a:endParaRPr>
+          </a:p>
+          <a:p>
+            <a:pPr indent="-273050" lvl="0" marL="457200" rtl="0" algn="l">
+              <a:spcBef>
+                <a:spcPts val="0"/>
+              </a:spcBef>
+              <a:spcAft>
+                <a:spcPts val="0"/>
+              </a:spcAft>
+              <a:buClr>
+                <a:schemeClr val="lt1"/>
+              </a:buClr>
+              <a:buSzPts val="700"/>
+              <a:buFont typeface="Lato"/>
+              <a:buChar char="-"/>
+            </a:pPr>
+            <a:r>
+              <a:rPr lang="en" sz="700">
+                <a:solidFill>
+                  <a:schemeClr val="lt1"/>
+                </a:solidFill>
+                <a:latin typeface="Lato"/>
+                <a:ea typeface="Lato"/>
+                <a:cs typeface="Lato"/>
+                <a:sym typeface="Lato"/>
+              </a:rPr>
+              <a:t>metro_area/city       		object</a:t>
+            </a:r>
+            <a:endParaRPr sz="700">
+              <a:solidFill>
+                <a:schemeClr val="lt1"/>
+              </a:solidFill>
+              <a:latin typeface="Lato"/>
+              <a:ea typeface="Lato"/>
+              <a:cs typeface="Lato"/>
+              <a:sym typeface="Lato"/>
+            </a:endParaRPr>
+          </a:p>
+          <a:p>
+            <a:pPr indent="-273050" lvl="0" marL="457200" rtl="0" algn="l">
+              <a:spcBef>
+                <a:spcPts val="0"/>
+              </a:spcBef>
+              <a:spcAft>
+                <a:spcPts val="0"/>
+              </a:spcAft>
+              <a:buClr>
+                <a:schemeClr val="lt1"/>
+              </a:buClr>
+              <a:buSzPts val="700"/>
+              <a:buFont typeface="Lato"/>
+              <a:buChar char="-"/>
+            </a:pPr>
+            <a:r>
+              <a:rPr lang="en" sz="700">
+                <a:solidFill>
+                  <a:schemeClr val="lt1"/>
+                </a:solidFill>
+                <a:latin typeface="Lato"/>
+                <a:ea typeface="Lato"/>
+                <a:cs typeface="Lato"/>
+                <a:sym typeface="Lato"/>
+              </a:rPr>
+              <a:t>median_listing_price</a:t>
+            </a:r>
+            <a:r>
+              <a:rPr lang="en" sz="700">
+                <a:solidFill>
+                  <a:schemeClr val="lt1"/>
+                </a:solidFill>
+                <a:latin typeface="Lato"/>
+                <a:ea typeface="Lato"/>
+                <a:cs typeface="Lato"/>
+                <a:sym typeface="Lato"/>
+              </a:rPr>
+              <a:t> 	         	</a:t>
+            </a:r>
+            <a:r>
+              <a:rPr lang="en" sz="700">
+                <a:solidFill>
+                  <a:schemeClr val="lt1"/>
+                </a:solidFill>
+                <a:latin typeface="Lato"/>
+                <a:ea typeface="Lato"/>
+                <a:cs typeface="Lato"/>
+                <a:sym typeface="Lato"/>
+              </a:rPr>
+              <a:t>float64</a:t>
+            </a:r>
+            <a:endParaRPr sz="700">
+              <a:solidFill>
+                <a:schemeClr val="lt1"/>
+              </a:solidFill>
+              <a:latin typeface="Lato"/>
+              <a:ea typeface="Lato"/>
+              <a:cs typeface="Lato"/>
+              <a:sym typeface="Lato"/>
+            </a:endParaRPr>
+          </a:p>
+          <a:p>
+            <a:pPr indent="-273050" lvl="0" marL="457200" rtl="0" algn="l">
+              <a:spcBef>
+                <a:spcPts val="0"/>
+              </a:spcBef>
+              <a:spcAft>
+                <a:spcPts val="0"/>
+              </a:spcAft>
+              <a:buClr>
+                <a:schemeClr val="lt1"/>
+              </a:buClr>
+              <a:buSzPts val="700"/>
+              <a:buFont typeface="Lato"/>
+              <a:buChar char="-"/>
+            </a:pPr>
+            <a:r>
+              <a:rPr lang="en" sz="700">
+                <a:solidFill>
+                  <a:schemeClr val="lt1"/>
+                </a:solidFill>
+                <a:latin typeface="Lato"/>
+                <a:ea typeface="Lato"/>
+                <a:cs typeface="Lato"/>
+                <a:sym typeface="Lato"/>
+              </a:rPr>
+              <a:t>active_listing_count   		int64</a:t>
+            </a:r>
+            <a:endParaRPr sz="700">
+              <a:solidFill>
+                <a:schemeClr val="lt1"/>
+              </a:solidFill>
+              <a:latin typeface="Lato"/>
+              <a:ea typeface="Lato"/>
+              <a:cs typeface="Lato"/>
+              <a:sym typeface="Lato"/>
+            </a:endParaRPr>
+          </a:p>
+          <a:p>
+            <a:pPr indent="-273050" lvl="0" marL="457200" rtl="0" algn="l">
+              <a:spcBef>
+                <a:spcPts val="0"/>
+              </a:spcBef>
+              <a:spcAft>
+                <a:spcPts val="0"/>
+              </a:spcAft>
+              <a:buClr>
+                <a:schemeClr val="lt1"/>
+              </a:buClr>
+              <a:buSzPts val="700"/>
+              <a:buFont typeface="Lato"/>
+              <a:buChar char="-"/>
+            </a:pPr>
+            <a:r>
+              <a:rPr lang="en" sz="700">
+                <a:solidFill>
+                  <a:schemeClr val="lt1"/>
+                </a:solidFill>
+                <a:latin typeface="Lato"/>
+                <a:ea typeface="Lato"/>
+                <a:cs typeface="Lato"/>
+                <a:sym typeface="Lato"/>
+              </a:rPr>
+              <a:t>median_days_on_market	float64</a:t>
+            </a:r>
+            <a:endParaRPr sz="700">
+              <a:solidFill>
+                <a:schemeClr val="lt1"/>
+              </a:solidFill>
+              <a:latin typeface="Lato"/>
+              <a:ea typeface="Lato"/>
+              <a:cs typeface="Lato"/>
+              <a:sym typeface="Lato"/>
+            </a:endParaRPr>
+          </a:p>
+          <a:p>
+            <a:pPr indent="-273050" lvl="0" marL="457200" rtl="0" algn="l">
+              <a:spcBef>
+                <a:spcPts val="0"/>
+              </a:spcBef>
+              <a:spcAft>
+                <a:spcPts val="0"/>
+              </a:spcAft>
+              <a:buClr>
+                <a:schemeClr val="lt1"/>
+              </a:buClr>
+              <a:buSzPts val="700"/>
+              <a:buFont typeface="Lato"/>
+              <a:buChar char="-"/>
+            </a:pPr>
+            <a:r>
+              <a:rPr lang="en" sz="700">
+                <a:solidFill>
+                  <a:schemeClr val="lt1"/>
+                </a:solidFill>
+                <a:latin typeface="Lato"/>
+                <a:ea typeface="Lato"/>
+                <a:cs typeface="Lato"/>
+                <a:sym typeface="Lato"/>
+              </a:rPr>
+              <a:t>new_listing_count      		int64</a:t>
+            </a:r>
+            <a:endParaRPr sz="700">
+              <a:solidFill>
+                <a:schemeClr val="lt1"/>
+              </a:solidFill>
+              <a:latin typeface="Lato"/>
+              <a:ea typeface="Lato"/>
+              <a:cs typeface="Lato"/>
+              <a:sym typeface="Lato"/>
+            </a:endParaRPr>
+          </a:p>
+          <a:p>
+            <a:pPr indent="-273050" lvl="0" marL="457200" rtl="0" algn="l">
+              <a:spcBef>
+                <a:spcPts val="0"/>
+              </a:spcBef>
+              <a:spcAft>
+                <a:spcPts val="0"/>
+              </a:spcAft>
+              <a:buClr>
+                <a:schemeClr val="lt1"/>
+              </a:buClr>
+              <a:buSzPts val="700"/>
+              <a:buFont typeface="Lato"/>
+              <a:buChar char="-"/>
+            </a:pPr>
+            <a:r>
+              <a:rPr lang="en" sz="700">
+                <a:solidFill>
+                  <a:schemeClr val="lt1"/>
+                </a:solidFill>
+                <a:latin typeface="Lato"/>
+                <a:ea typeface="Lato"/>
+                <a:cs typeface="Lato"/>
+                <a:sym typeface="Lato"/>
+              </a:rPr>
+              <a:t>price_increased_count  		int64</a:t>
+            </a:r>
+            <a:endParaRPr sz="700">
+              <a:solidFill>
+                <a:schemeClr val="lt1"/>
+              </a:solidFill>
+              <a:latin typeface="Lato"/>
+              <a:ea typeface="Lato"/>
+              <a:cs typeface="Lato"/>
+              <a:sym typeface="Lato"/>
+            </a:endParaRPr>
+          </a:p>
+          <a:p>
+            <a:pPr indent="-273050" lvl="0" marL="457200" rtl="0" algn="l">
+              <a:spcBef>
+                <a:spcPts val="0"/>
+              </a:spcBef>
+              <a:spcAft>
+                <a:spcPts val="0"/>
+              </a:spcAft>
+              <a:buClr>
+                <a:schemeClr val="lt1"/>
+              </a:buClr>
+              <a:buSzPts val="700"/>
+              <a:buFont typeface="Lato"/>
+              <a:buChar char="-"/>
+            </a:pPr>
+            <a:r>
+              <a:rPr lang="en" sz="700">
+                <a:solidFill>
+                  <a:schemeClr val="lt1"/>
+                </a:solidFill>
+                <a:latin typeface="Lato"/>
+                <a:ea typeface="Lato"/>
+                <a:cs typeface="Lato"/>
+                <a:sym typeface="Lato"/>
+              </a:rPr>
+              <a:t>price_reduced_count    		int64</a:t>
+            </a:r>
+            <a:endParaRPr sz="700">
+              <a:solidFill>
+                <a:schemeClr val="lt1"/>
+              </a:solidFill>
+              <a:latin typeface="Lato"/>
+              <a:ea typeface="Lato"/>
+              <a:cs typeface="Lato"/>
+              <a:sym typeface="Lato"/>
+            </a:endParaRPr>
+          </a:p>
+          <a:p>
+            <a:pPr indent="-273050" lvl="0" marL="457200" rtl="0" algn="l">
+              <a:spcBef>
+                <a:spcPts val="0"/>
+              </a:spcBef>
+              <a:spcAft>
+                <a:spcPts val="0"/>
+              </a:spcAft>
+              <a:buClr>
+                <a:schemeClr val="lt1"/>
+              </a:buClr>
+              <a:buSzPts val="700"/>
+              <a:buFont typeface="Lato"/>
+              <a:buChar char="-"/>
+            </a:pPr>
+            <a:r>
+              <a:rPr lang="en" sz="700">
+                <a:solidFill>
+                  <a:schemeClr val="lt1"/>
+                </a:solidFill>
+                <a:latin typeface="Lato"/>
+                <a:ea typeface="Lato"/>
+                <a:cs typeface="Lato"/>
+                <a:sym typeface="Lato"/>
+              </a:rPr>
+              <a:t>pending_listing_count  		int64</a:t>
+            </a:r>
+            <a:endParaRPr sz="700">
+              <a:solidFill>
+                <a:schemeClr val="lt1"/>
+              </a:solidFill>
+              <a:latin typeface="Lato"/>
+              <a:ea typeface="Lato"/>
+              <a:cs typeface="Lato"/>
+              <a:sym typeface="Lato"/>
+            </a:endParaRPr>
+          </a:p>
+          <a:p>
+            <a:pPr indent="-273050" lvl="0" marL="457200" rtl="0" algn="l">
+              <a:spcBef>
+                <a:spcPts val="0"/>
+              </a:spcBef>
+              <a:spcAft>
+                <a:spcPts val="0"/>
+              </a:spcAft>
+              <a:buClr>
+                <a:schemeClr val="lt1"/>
+              </a:buClr>
+              <a:buSzPts val="700"/>
+              <a:buFont typeface="Lato"/>
+              <a:buChar char="-"/>
+            </a:pPr>
+            <a:r>
+              <a:rPr lang="en" sz="700">
+                <a:solidFill>
+                  <a:schemeClr val="lt1"/>
+                </a:solidFill>
+                <a:latin typeface="Lato"/>
+                <a:ea typeface="Lato"/>
+                <a:cs typeface="Lato"/>
+                <a:sym typeface="Lato"/>
+              </a:rPr>
+              <a:t>average_listing_price		float64</a:t>
+            </a:r>
+            <a:endParaRPr sz="700">
+              <a:solidFill>
+                <a:schemeClr val="lt1"/>
+              </a:solidFill>
+              <a:latin typeface="Lato"/>
+              <a:ea typeface="Lato"/>
+              <a:cs typeface="Lato"/>
+              <a:sym typeface="Lato"/>
+            </a:endParaRPr>
+          </a:p>
+          <a:p>
+            <a:pPr indent="-273050" lvl="0" marL="457200" rtl="0" algn="l">
+              <a:spcBef>
+                <a:spcPts val="0"/>
+              </a:spcBef>
+              <a:spcAft>
+                <a:spcPts val="0"/>
+              </a:spcAft>
+              <a:buClr>
+                <a:schemeClr val="lt1"/>
+              </a:buClr>
+              <a:buSzPts val="700"/>
+              <a:buFont typeface="Lato"/>
+              <a:buChar char="-"/>
+            </a:pPr>
+            <a:r>
+              <a:rPr lang="en" sz="700">
+                <a:solidFill>
+                  <a:schemeClr val="lt1"/>
+                </a:solidFill>
+                <a:latin typeface="Lato"/>
+                <a:ea typeface="Lato"/>
+                <a:cs typeface="Lato"/>
+                <a:sym typeface="Lato"/>
+              </a:rPr>
+              <a:t>total_listing_count    		int64</a:t>
+            </a:r>
+            <a:endParaRPr sz="700">
+              <a:solidFill>
+                <a:schemeClr val="lt1"/>
+              </a:solidFill>
+              <a:latin typeface="Lato"/>
+              <a:ea typeface="Lato"/>
+              <a:cs typeface="Lato"/>
+              <a:sym typeface="Lato"/>
+            </a:endParaRPr>
+          </a:p>
+        </p:txBody>
+      </p:sp>
+      <p:cxnSp>
+        <p:nvCxnSpPr>
+          <p:cNvPr id="205" name="Google Shape;205;p18"/>
+          <p:cNvCxnSpPr>
+            <a:stCxn id="200" idx="3"/>
+            <a:endCxn id="204" idx="1"/>
+          </p:cNvCxnSpPr>
+          <p:nvPr/>
+        </p:nvCxnSpPr>
+        <p:spPr>
+          <a:xfrm flipH="1" rot="10800000">
+            <a:off x="6191200" y="2415750"/>
+            <a:ext cx="538500" cy="655500"/>
+          </a:xfrm>
+          <a:prstGeom prst="bentConnector3">
+            <a:avLst>
+              <a:gd fmla="val 59656" name="adj1"/>
+            </a:avLst>
+          </a:prstGeom>
+          <a:noFill/>
+          <a:ln cap="flat" cmpd="sng" w="9525">
+            <a:solidFill>
+              <a:srgbClr val="FF0000"/>
+            </a:solidFill>
+            <a:prstDash val="solid"/>
+            <a:round/>
+            <a:headEnd len="med" w="med" type="none"/>
+            <a:tailEnd len="med" w="med" type="none"/>
+          </a:ln>
+        </p:spPr>
+      </p:cxnSp>
+      <p:cxnSp>
+        <p:nvCxnSpPr>
+          <p:cNvPr id="206" name="Google Shape;206;p18"/>
+          <p:cNvCxnSpPr>
+            <a:endCxn id="199" idx="3"/>
+          </p:cNvCxnSpPr>
+          <p:nvPr/>
+        </p:nvCxnSpPr>
+        <p:spPr>
+          <a:xfrm flipH="1" rot="5400000">
+            <a:off x="5819950" y="2029475"/>
+            <a:ext cx="1063800" cy="321300"/>
+          </a:xfrm>
+          <a:prstGeom prst="bentConnector2">
+            <a:avLst/>
+          </a:prstGeom>
+          <a:noFill/>
+          <a:ln cap="flat" cmpd="sng" w="9525">
+            <a:solidFill>
+              <a:srgbClr val="FF0000"/>
+            </a:solidFill>
+            <a:prstDash val="solid"/>
+            <a:round/>
+            <a:headEnd len="med" w="med" type="none"/>
+            <a:tailEnd len="med" w="med" type="none"/>
+          </a:ln>
+        </p:spPr>
+      </p:cxnSp>
+    </p:spTree>
+  </p:cSld>
+  <p:clrMapOvr>
+    <a:masterClrMapping/>
+  </p:clrMapOvr>
+</p:sld>
+</file>
+
+<file path=ppt/slides/slide7.xml><?xml version="1.0" encoding="utf-8"?>
+<p:sld xmlns:a="http://schemas.openxmlformats.org/drawingml/2006/main" xmlns:r="http://schemas.openxmlformats.org/officeDocument/2006/relationships" xmlns:mc="http://schemas.openxmlformats.org/markup-compatibility/2006" xmlns:mv="urn:schemas-microsoft-com:mac:vml" xmlns:p="http://schemas.openxmlformats.org/presentationml/2006/main" xmlns:c="http://schemas.openxmlformats.org/drawingml/2006/chart" xmlns:dgm="http://schemas.openxmlformats.org/drawingml/2006/diagram" xmlns:o="urn:schemas-microsoft-com:office:office" xmlns:v="urn:schemas-microsoft-com:vml" xmlns:pvml="urn:schemas-microsoft-com:office:powerpoint" xmlns:com="http://schemas.openxmlformats.org/drawingml/2006/compatibility" xmlns:p14="http://schemas.microsoft.com/office/powerpoint/2010/main" xmlns:p15="http://schemas.microsoft.com/office/powerpoint/2012/main" xmlns:ahyp="http://schemas.microsoft.com/office/drawing/2018/hyperlinkcolor">
+  <p:cSld>
+    <p:spTree>
+      <p:nvGrpSpPr>
+        <p:cNvPr id="210" name="Shape 210"/>
+        <p:cNvGrpSpPr/>
+        <p:nvPr/>
+      </p:nvGrpSpPr>
+      <p:grpSpPr>
+        <a:xfrm>
+          <a:off x="0" y="0"/>
+          <a:ext cx="0" cy="0"/>
+          <a:chOff x="0" y="0"/>
+          <a:chExt cx="0" cy="0"/>
+        </a:xfrm>
+      </p:grpSpPr>
+      <p:sp>
+        <p:nvSpPr>
+          <p:cNvPr id="211" name="Google Shape;211;p19"/>
+          <p:cNvSpPr txBox="1"/>
+          <p:nvPr>
+            <p:ph type="title"/>
+          </p:nvPr>
+        </p:nvSpPr>
+        <p:spPr>
+          <a:xfrm>
+            <a:off x="1297500" y="393750"/>
+            <a:ext cx="7038900" cy="914100"/>
+          </a:xfrm>
+          <a:prstGeom prst="rect">
+            <a:avLst/>
+          </a:prstGeom>
+        </p:spPr>
+        <p:txBody>
+          <a:bodyPr anchorCtr="0" anchor="t" bIns="91425" lIns="91425" spcFirstLastPara="1" rIns="91425" wrap="square" tIns="91425">
+            <a:normAutofit/>
+          </a:bodyPr>
+          <a:lstStyle/>
+          <a:p>
+            <a:pPr indent="0" lvl="0" marL="0" rtl="0" algn="l">
+              <a:spcBef>
+                <a:spcPts val="0"/>
+              </a:spcBef>
+              <a:spcAft>
+                <a:spcPts val="0"/>
+              </a:spcAft>
+              <a:buNone/>
+            </a:pPr>
+            <a:r>
+              <a:rPr lang="en"/>
+              <a:t>Dashboard Draft</a:t>
+            </a:r>
+            <a:endParaRPr/>
+          </a:p>
+        </p:txBody>
+      </p:sp>
+      <p:sp>
+        <p:nvSpPr>
+          <p:cNvPr id="212" name="Google Shape;212;p19"/>
+          <p:cNvSpPr txBox="1"/>
+          <p:nvPr/>
+        </p:nvSpPr>
+        <p:spPr>
+          <a:xfrm>
+            <a:off x="2776900" y="3282450"/>
+            <a:ext cx="4220400" cy="400200"/>
+          </a:xfrm>
+          <a:prstGeom prst="rect">
+            <a:avLst/>
+          </a:prstGeom>
+          <a:noFill/>
+          <a:ln>
+            <a:noFill/>
+          </a:ln>
+        </p:spPr>
+        <p:txBody>
+          <a:bodyPr anchorCtr="0" anchor="t" bIns="91425" lIns="91425" spcFirstLastPara="1" rIns="91425" wrap="square" tIns="91425">
+            <a:spAutoFit/>
+          </a:bodyPr>
+          <a:lstStyle/>
+          <a:p>
+            <a:pPr indent="0" lvl="0" marL="0" rtl="0" algn="l">
+              <a:spcBef>
+                <a:spcPts val="0"/>
+              </a:spcBef>
+              <a:spcAft>
+                <a:spcPts val="0"/>
+              </a:spcAft>
+              <a:buNone/>
+            </a:pPr>
+            <a:r>
+              <a:t/>
+            </a:r>
+            <a:endParaRPr>
+              <a:latin typeface="Lato"/>
+              <a:ea typeface="Lato"/>
+              <a:cs typeface="Lato"/>
+              <a:sym typeface="Lato"/>
+            </a:endParaRPr>
+          </a:p>
+        </p:txBody>
+      </p:sp>
+      <p:pic>
+        <p:nvPicPr>
+          <p:cNvPr id="213" name="Google Shape;213;p19"/>
+          <p:cNvPicPr preferRelativeResize="0"/>
+          <p:nvPr/>
+        </p:nvPicPr>
+        <p:blipFill>
+          <a:blip r:embed="rId3">
+            <a:alphaModFix/>
+          </a:blip>
+          <a:stretch>
+            <a:fillRect/>
+          </a:stretch>
+        </p:blipFill>
+        <p:spPr>
+          <a:xfrm>
+            <a:off x="268925" y="3590174"/>
+            <a:ext cx="1791424" cy="1305525"/>
+          </a:xfrm>
+          <a:prstGeom prst="rect">
+            <a:avLst/>
+          </a:prstGeom>
+          <a:noFill/>
+          <a:ln>
+            <a:noFill/>
+          </a:ln>
+        </p:spPr>
+      </p:pic>
+      <p:pic>
+        <p:nvPicPr>
+          <p:cNvPr id="214" name="Google Shape;214;p19"/>
+          <p:cNvPicPr preferRelativeResize="0"/>
+          <p:nvPr/>
+        </p:nvPicPr>
+        <p:blipFill>
+          <a:blip r:embed="rId4">
+            <a:alphaModFix/>
+          </a:blip>
+          <a:stretch>
+            <a:fillRect/>
+          </a:stretch>
+        </p:blipFill>
+        <p:spPr>
+          <a:xfrm>
+            <a:off x="4157800" y="3590175"/>
+            <a:ext cx="1791424" cy="1305517"/>
+          </a:xfrm>
+          <a:prstGeom prst="rect">
+            <a:avLst/>
+          </a:prstGeom>
+          <a:noFill/>
+          <a:ln>
+            <a:noFill/>
+          </a:ln>
+        </p:spPr>
+      </p:pic>
+      <p:pic>
+        <p:nvPicPr>
+          <p:cNvPr id="215" name="Google Shape;215;p19"/>
+          <p:cNvPicPr preferRelativeResize="0"/>
+          <p:nvPr/>
+        </p:nvPicPr>
+        <p:blipFill>
+          <a:blip r:embed="rId5">
+            <a:alphaModFix/>
+          </a:blip>
+          <a:stretch>
+            <a:fillRect/>
+          </a:stretch>
+        </p:blipFill>
+        <p:spPr>
+          <a:xfrm>
+            <a:off x="2154225" y="3590175"/>
+            <a:ext cx="1909691" cy="1305525"/>
+          </a:xfrm>
+          <a:prstGeom prst="rect">
+            <a:avLst/>
+          </a:prstGeom>
+          <a:noFill/>
+          <a:ln>
+            <a:noFill/>
+          </a:ln>
+        </p:spPr>
+      </p:pic>
+      <p:sp>
+        <p:nvSpPr>
+          <p:cNvPr id="216" name="Google Shape;216;p19"/>
+          <p:cNvSpPr txBox="1"/>
+          <p:nvPr/>
+        </p:nvSpPr>
+        <p:spPr>
+          <a:xfrm>
+            <a:off x="3963850" y="1181825"/>
+            <a:ext cx="2016600" cy="2124000"/>
+          </a:xfrm>
+          <a:prstGeom prst="rect">
+            <a:avLst/>
+          </a:prstGeom>
+          <a:noFill/>
+          <a:ln cap="flat" cmpd="sng" w="9525">
+            <a:solidFill>
+              <a:schemeClr val="lt1"/>
+            </a:solidFill>
+            <a:prstDash val="solid"/>
+            <a:round/>
+            <a:headEnd len="sm" w="sm" type="none"/>
+            <a:tailEnd len="sm" w="sm" type="none"/>
+          </a:ln>
+        </p:spPr>
+        <p:txBody>
+          <a:bodyPr anchorCtr="0" anchor="t" bIns="91425" lIns="91425" spcFirstLastPara="1" rIns="91425" wrap="square" tIns="91425">
+            <a:spAutoFit/>
+          </a:bodyPr>
+          <a:lstStyle/>
+          <a:p>
+            <a:pPr indent="-317500" lvl="0" marL="457200" rtl="0" algn="l">
+              <a:spcBef>
+                <a:spcPts val="0"/>
+              </a:spcBef>
+              <a:spcAft>
+                <a:spcPts val="0"/>
+              </a:spcAft>
+              <a:buClr>
+                <a:schemeClr val="lt1"/>
+              </a:buClr>
+              <a:buSzPts val="1400"/>
+              <a:buFont typeface="Lato"/>
+              <a:buChar char="❏"/>
+            </a:pPr>
+            <a:r>
+              <a:rPr lang="en">
+                <a:solidFill>
+                  <a:schemeClr val="lt1"/>
+                </a:solidFill>
+                <a:latin typeface="Lato"/>
+                <a:ea typeface="Lato"/>
+                <a:cs typeface="Lato"/>
+                <a:sym typeface="Lato"/>
+              </a:rPr>
+              <a:t>City 1 </a:t>
+            </a:r>
+            <a:endParaRPr>
+              <a:solidFill>
+                <a:schemeClr val="lt1"/>
+              </a:solidFill>
+              <a:latin typeface="Lato"/>
+              <a:ea typeface="Lato"/>
+              <a:cs typeface="Lato"/>
+              <a:sym typeface="Lato"/>
+            </a:endParaRPr>
+          </a:p>
+          <a:p>
+            <a:pPr indent="-317500" lvl="0" marL="457200" rtl="0" algn="l">
+              <a:spcBef>
+                <a:spcPts val="0"/>
+              </a:spcBef>
+              <a:spcAft>
+                <a:spcPts val="0"/>
+              </a:spcAft>
+              <a:buClr>
+                <a:schemeClr val="lt1"/>
+              </a:buClr>
+              <a:buSzPts val="1400"/>
+              <a:buFont typeface="Lato"/>
+              <a:buChar char="❏"/>
+            </a:pPr>
+            <a:r>
+              <a:rPr lang="en">
+                <a:solidFill>
+                  <a:schemeClr val="lt1"/>
+                </a:solidFill>
+                <a:latin typeface="Lato"/>
+                <a:ea typeface="Lato"/>
+                <a:cs typeface="Lato"/>
+                <a:sym typeface="Lato"/>
+              </a:rPr>
+              <a:t>City 2</a:t>
+            </a:r>
+            <a:endParaRPr>
+              <a:solidFill>
+                <a:schemeClr val="lt1"/>
+              </a:solidFill>
+              <a:latin typeface="Lato"/>
+              <a:ea typeface="Lato"/>
+              <a:cs typeface="Lato"/>
+              <a:sym typeface="Lato"/>
+            </a:endParaRPr>
+          </a:p>
+          <a:p>
+            <a:pPr indent="-317500" lvl="0" marL="457200" rtl="0" algn="l">
+              <a:spcBef>
+                <a:spcPts val="0"/>
+              </a:spcBef>
+              <a:spcAft>
+                <a:spcPts val="0"/>
+              </a:spcAft>
+              <a:buClr>
+                <a:schemeClr val="lt1"/>
+              </a:buClr>
+              <a:buSzPts val="1400"/>
+              <a:buFont typeface="Lato"/>
+              <a:buChar char="❏"/>
+            </a:pPr>
+            <a:r>
+              <a:rPr lang="en">
+                <a:solidFill>
+                  <a:schemeClr val="lt1"/>
+                </a:solidFill>
+                <a:latin typeface="Lato"/>
+                <a:ea typeface="Lato"/>
+                <a:cs typeface="Lato"/>
+                <a:sym typeface="Lato"/>
+              </a:rPr>
+              <a:t>City 3 </a:t>
+            </a:r>
+            <a:endParaRPr>
+              <a:solidFill>
+                <a:schemeClr val="lt1"/>
+              </a:solidFill>
+              <a:latin typeface="Lato"/>
+              <a:ea typeface="Lato"/>
+              <a:cs typeface="Lato"/>
+              <a:sym typeface="Lato"/>
+            </a:endParaRPr>
+          </a:p>
+          <a:p>
+            <a:pPr indent="0" lvl="0" marL="457200" rtl="0" algn="l">
+              <a:spcBef>
+                <a:spcPts val="0"/>
+              </a:spcBef>
+              <a:spcAft>
+                <a:spcPts val="0"/>
+              </a:spcAft>
+              <a:buNone/>
+            </a:pPr>
+            <a:r>
+              <a:rPr lang="en">
+                <a:solidFill>
+                  <a:schemeClr val="lt1"/>
+                </a:solidFill>
+                <a:latin typeface="Lato"/>
+                <a:ea typeface="Lato"/>
+                <a:cs typeface="Lato"/>
+                <a:sym typeface="Lato"/>
+              </a:rPr>
+              <a:t>…</a:t>
+            </a:r>
+            <a:endParaRPr>
+              <a:solidFill>
+                <a:schemeClr val="lt1"/>
+              </a:solidFill>
+              <a:latin typeface="Lato"/>
+              <a:ea typeface="Lato"/>
+              <a:cs typeface="Lato"/>
+              <a:sym typeface="Lato"/>
+            </a:endParaRPr>
+          </a:p>
+          <a:p>
+            <a:pPr indent="0" lvl="0" marL="457200" rtl="0" algn="l">
+              <a:spcBef>
+                <a:spcPts val="0"/>
+              </a:spcBef>
+              <a:spcAft>
+                <a:spcPts val="0"/>
+              </a:spcAft>
+              <a:buNone/>
+            </a:pPr>
+            <a:r>
+              <a:t/>
+            </a:r>
+            <a:endParaRPr>
+              <a:solidFill>
+                <a:schemeClr val="lt1"/>
+              </a:solidFill>
+              <a:latin typeface="Lato"/>
+              <a:ea typeface="Lato"/>
+              <a:cs typeface="Lato"/>
+              <a:sym typeface="Lato"/>
+            </a:endParaRPr>
+          </a:p>
+          <a:p>
+            <a:pPr indent="-317500" lvl="0" marL="457200" rtl="0" algn="l">
+              <a:spcBef>
+                <a:spcPts val="0"/>
+              </a:spcBef>
+              <a:spcAft>
+                <a:spcPts val="0"/>
+              </a:spcAft>
+              <a:buClr>
+                <a:schemeClr val="lt1"/>
+              </a:buClr>
+              <a:buSzPts val="1400"/>
+              <a:buFont typeface="Lato"/>
+              <a:buChar char="❏"/>
+            </a:pPr>
+            <a:r>
+              <a:rPr lang="en">
+                <a:solidFill>
+                  <a:schemeClr val="lt1"/>
+                </a:solidFill>
+                <a:latin typeface="Lato"/>
+                <a:ea typeface="Lato"/>
+                <a:cs typeface="Lato"/>
+                <a:sym typeface="Lato"/>
+              </a:rPr>
+              <a:t>Criteria 1 </a:t>
+            </a:r>
+            <a:endParaRPr>
+              <a:solidFill>
+                <a:schemeClr val="lt1"/>
+              </a:solidFill>
+              <a:latin typeface="Lato"/>
+              <a:ea typeface="Lato"/>
+              <a:cs typeface="Lato"/>
+              <a:sym typeface="Lato"/>
+            </a:endParaRPr>
+          </a:p>
+          <a:p>
+            <a:pPr indent="-317500" lvl="0" marL="457200" rtl="0" algn="l">
+              <a:spcBef>
+                <a:spcPts val="0"/>
+              </a:spcBef>
+              <a:spcAft>
+                <a:spcPts val="0"/>
+              </a:spcAft>
+              <a:buClr>
+                <a:schemeClr val="lt1"/>
+              </a:buClr>
+              <a:buSzPts val="1400"/>
+              <a:buFont typeface="Lato"/>
+              <a:buChar char="❏"/>
+            </a:pPr>
+            <a:r>
+              <a:rPr lang="en">
+                <a:solidFill>
+                  <a:schemeClr val="lt1"/>
+                </a:solidFill>
+                <a:latin typeface="Lato"/>
+                <a:ea typeface="Lato"/>
+                <a:cs typeface="Lato"/>
+                <a:sym typeface="Lato"/>
+              </a:rPr>
+              <a:t>Criteria 2 </a:t>
+            </a:r>
+            <a:endParaRPr>
+              <a:solidFill>
+                <a:schemeClr val="lt1"/>
+              </a:solidFill>
+              <a:latin typeface="Lato"/>
+              <a:ea typeface="Lato"/>
+              <a:cs typeface="Lato"/>
+              <a:sym typeface="Lato"/>
+            </a:endParaRPr>
+          </a:p>
+          <a:p>
+            <a:pPr indent="-317500" lvl="0" marL="457200" rtl="0" algn="l">
+              <a:spcBef>
+                <a:spcPts val="0"/>
+              </a:spcBef>
+              <a:spcAft>
+                <a:spcPts val="0"/>
+              </a:spcAft>
+              <a:buClr>
+                <a:schemeClr val="lt1"/>
+              </a:buClr>
+              <a:buSzPts val="1400"/>
+              <a:buFont typeface="Lato"/>
+              <a:buChar char="❏"/>
+            </a:pPr>
+            <a:r>
+              <a:rPr lang="en">
+                <a:solidFill>
+                  <a:schemeClr val="lt1"/>
+                </a:solidFill>
+                <a:latin typeface="Lato"/>
+                <a:ea typeface="Lato"/>
+                <a:cs typeface="Lato"/>
+                <a:sym typeface="Lato"/>
+              </a:rPr>
+              <a:t>Criteria 3</a:t>
+            </a:r>
+            <a:endParaRPr>
+              <a:solidFill>
+                <a:schemeClr val="lt1"/>
+              </a:solidFill>
+              <a:latin typeface="Lato"/>
+              <a:ea typeface="Lato"/>
+              <a:cs typeface="Lato"/>
+              <a:sym typeface="Lato"/>
+            </a:endParaRPr>
+          </a:p>
+          <a:p>
+            <a:pPr indent="0" lvl="0" marL="457200" rtl="0" algn="l">
+              <a:spcBef>
+                <a:spcPts val="0"/>
+              </a:spcBef>
+              <a:spcAft>
+                <a:spcPts val="0"/>
+              </a:spcAft>
+              <a:buNone/>
+            </a:pPr>
+            <a:r>
+              <a:rPr lang="en">
+                <a:solidFill>
+                  <a:schemeClr val="lt1"/>
+                </a:solidFill>
+                <a:latin typeface="Lato"/>
+                <a:ea typeface="Lato"/>
+                <a:cs typeface="Lato"/>
+                <a:sym typeface="Lato"/>
+              </a:rPr>
+              <a:t>….</a:t>
+            </a:r>
+            <a:endParaRPr>
+              <a:solidFill>
+                <a:schemeClr val="lt1"/>
+              </a:solidFill>
+              <a:latin typeface="Lato"/>
+              <a:ea typeface="Lato"/>
+              <a:cs typeface="Lato"/>
+              <a:sym typeface="Lato"/>
+            </a:endParaRPr>
+          </a:p>
+        </p:txBody>
+      </p:sp>
+      <p:pic>
+        <p:nvPicPr>
+          <p:cNvPr id="217" name="Google Shape;217;p19"/>
+          <p:cNvPicPr preferRelativeResize="0"/>
+          <p:nvPr/>
+        </p:nvPicPr>
+        <p:blipFill>
+          <a:blip r:embed="rId6">
+            <a:alphaModFix/>
+          </a:blip>
+          <a:stretch>
+            <a:fillRect/>
+          </a:stretch>
+        </p:blipFill>
+        <p:spPr>
+          <a:xfrm>
+            <a:off x="268925" y="1181825"/>
+            <a:ext cx="3614055" cy="2339700"/>
+          </a:xfrm>
+          <a:prstGeom prst="rect">
+            <a:avLst/>
+          </a:prstGeom>
+          <a:noFill/>
+          <a:ln>
+            <a:noFill/>
+          </a:ln>
+        </p:spPr>
+      </p:pic>
+      <p:sp>
+        <p:nvSpPr>
+          <p:cNvPr id="218" name="Google Shape;218;p19"/>
+          <p:cNvSpPr txBox="1"/>
+          <p:nvPr/>
+        </p:nvSpPr>
+        <p:spPr>
+          <a:xfrm>
+            <a:off x="6166000" y="1181825"/>
+            <a:ext cx="2714100" cy="1708500"/>
+          </a:xfrm>
+          <a:prstGeom prst="rect">
+            <a:avLst/>
+          </a:prstGeom>
+          <a:noFill/>
+          <a:ln>
+            <a:noFill/>
+          </a:ln>
+        </p:spPr>
+        <p:txBody>
+          <a:bodyPr anchorCtr="0" anchor="t" bIns="91425" lIns="91425" spcFirstLastPara="1" rIns="91425" wrap="square" tIns="91425">
+            <a:spAutoFit/>
+          </a:bodyPr>
+          <a:lstStyle/>
+          <a:p>
+            <a:pPr indent="0" lvl="0" marL="0" rtl="0" algn="l">
+              <a:spcBef>
+                <a:spcPts val="0"/>
+              </a:spcBef>
+              <a:spcAft>
+                <a:spcPts val="0"/>
+              </a:spcAft>
+              <a:buNone/>
+            </a:pPr>
+            <a:r>
+              <a:rPr b="1" lang="en" sz="900" u="sng">
+                <a:solidFill>
+                  <a:schemeClr val="lt1"/>
+                </a:solidFill>
+                <a:latin typeface="Lato"/>
+                <a:ea typeface="Lato"/>
+                <a:cs typeface="Lato"/>
+                <a:sym typeface="Lato"/>
+              </a:rPr>
+              <a:t>Map</a:t>
+            </a:r>
+            <a:endParaRPr b="1" sz="900" u="sng">
+              <a:solidFill>
+                <a:schemeClr val="lt1"/>
+              </a:solidFill>
+              <a:latin typeface="Lato"/>
+              <a:ea typeface="Lato"/>
+              <a:cs typeface="Lato"/>
+              <a:sym typeface="Lato"/>
+            </a:endParaRPr>
+          </a:p>
+          <a:p>
+            <a:pPr indent="0" lvl="0" marL="0" rtl="0" algn="l">
+              <a:spcBef>
+                <a:spcPts val="0"/>
+              </a:spcBef>
+              <a:spcAft>
+                <a:spcPts val="0"/>
+              </a:spcAft>
+              <a:buNone/>
+            </a:pPr>
+            <a:r>
+              <a:rPr lang="en" sz="900">
+                <a:solidFill>
+                  <a:schemeClr val="lt1"/>
+                </a:solidFill>
+                <a:latin typeface="Lato"/>
+                <a:ea typeface="Lato"/>
+                <a:cs typeface="Lato"/>
+                <a:sym typeface="Lato"/>
+              </a:rPr>
+              <a:t>Showing all cities </a:t>
+            </a:r>
+            <a:endParaRPr sz="900">
+              <a:solidFill>
+                <a:schemeClr val="lt1"/>
+              </a:solidFill>
+              <a:latin typeface="Lato"/>
+              <a:ea typeface="Lato"/>
+              <a:cs typeface="Lato"/>
+              <a:sym typeface="Lato"/>
+            </a:endParaRPr>
+          </a:p>
+          <a:p>
+            <a:pPr indent="0" lvl="0" marL="0" rtl="0" algn="l">
+              <a:spcBef>
+                <a:spcPts val="0"/>
+              </a:spcBef>
+              <a:spcAft>
+                <a:spcPts val="0"/>
+              </a:spcAft>
+              <a:buNone/>
+            </a:pPr>
+            <a:r>
+              <a:rPr lang="en" sz="900">
+                <a:solidFill>
+                  <a:schemeClr val="lt1"/>
+                </a:solidFill>
+                <a:latin typeface="Lato"/>
+                <a:ea typeface="Lato"/>
+                <a:cs typeface="Lato"/>
+                <a:sym typeface="Lato"/>
+              </a:rPr>
+              <a:t>Filtering criteria: </a:t>
+            </a:r>
+            <a:endParaRPr sz="900">
+              <a:solidFill>
+                <a:schemeClr val="lt1"/>
+              </a:solidFill>
+              <a:latin typeface="Lato"/>
+              <a:ea typeface="Lato"/>
+              <a:cs typeface="Lato"/>
+              <a:sym typeface="Lato"/>
+            </a:endParaRPr>
+          </a:p>
+          <a:p>
+            <a:pPr indent="-285750" lvl="0" marL="457200" rtl="0" algn="l">
+              <a:spcBef>
+                <a:spcPts val="0"/>
+              </a:spcBef>
+              <a:spcAft>
+                <a:spcPts val="0"/>
+              </a:spcAft>
+              <a:buClr>
+                <a:schemeClr val="lt1"/>
+              </a:buClr>
+              <a:buSzPts val="900"/>
+              <a:buFont typeface="Lato"/>
+              <a:buChar char="●"/>
+            </a:pPr>
+            <a:r>
+              <a:rPr lang="en" sz="900">
+                <a:solidFill>
+                  <a:schemeClr val="lt1"/>
+                </a:solidFill>
+                <a:latin typeface="Lato"/>
+                <a:ea typeface="Lato"/>
+                <a:cs typeface="Lato"/>
+                <a:sym typeface="Lato"/>
+              </a:rPr>
+              <a:t>Top 100 </a:t>
+            </a:r>
+            <a:endParaRPr sz="900">
+              <a:solidFill>
+                <a:schemeClr val="lt1"/>
+              </a:solidFill>
+              <a:latin typeface="Lato"/>
+              <a:ea typeface="Lato"/>
+              <a:cs typeface="Lato"/>
+              <a:sym typeface="Lato"/>
+            </a:endParaRPr>
+          </a:p>
+          <a:p>
+            <a:pPr indent="-285750" lvl="0" marL="457200" rtl="0" algn="l">
+              <a:spcBef>
+                <a:spcPts val="0"/>
+              </a:spcBef>
+              <a:spcAft>
+                <a:spcPts val="0"/>
+              </a:spcAft>
+              <a:buClr>
+                <a:schemeClr val="lt1"/>
+              </a:buClr>
+              <a:buSzPts val="900"/>
+              <a:buFont typeface="Lato"/>
+              <a:buChar char="●"/>
+            </a:pPr>
+            <a:r>
+              <a:rPr lang="en" sz="900">
+                <a:solidFill>
+                  <a:schemeClr val="lt1"/>
+                </a:solidFill>
+                <a:latin typeface="Lato"/>
+                <a:ea typeface="Lato"/>
+                <a:cs typeface="Lato"/>
+                <a:sym typeface="Lato"/>
+              </a:rPr>
+              <a:t>Top 50 </a:t>
+            </a:r>
+            <a:endParaRPr sz="900">
+              <a:solidFill>
+                <a:schemeClr val="lt1"/>
+              </a:solidFill>
+              <a:latin typeface="Lato"/>
+              <a:ea typeface="Lato"/>
+              <a:cs typeface="Lato"/>
+              <a:sym typeface="Lato"/>
+            </a:endParaRPr>
+          </a:p>
+          <a:p>
+            <a:pPr indent="-285750" lvl="0" marL="457200" rtl="0" algn="l">
+              <a:spcBef>
+                <a:spcPts val="0"/>
+              </a:spcBef>
+              <a:spcAft>
+                <a:spcPts val="0"/>
+              </a:spcAft>
+              <a:buClr>
+                <a:schemeClr val="lt1"/>
+              </a:buClr>
+              <a:buSzPts val="900"/>
+              <a:buFont typeface="Lato"/>
+              <a:buChar char="●"/>
+            </a:pPr>
+            <a:r>
+              <a:rPr lang="en" sz="900">
+                <a:solidFill>
+                  <a:schemeClr val="lt1"/>
+                </a:solidFill>
+                <a:latin typeface="Lato"/>
+                <a:ea typeface="Lato"/>
+                <a:cs typeface="Lato"/>
+                <a:sym typeface="Lato"/>
+              </a:rPr>
+              <a:t>Top 10 </a:t>
+            </a:r>
+            <a:endParaRPr sz="900">
+              <a:solidFill>
+                <a:schemeClr val="lt1"/>
+              </a:solidFill>
+              <a:latin typeface="Lato"/>
+              <a:ea typeface="Lato"/>
+              <a:cs typeface="Lato"/>
+              <a:sym typeface="Lato"/>
+            </a:endParaRPr>
+          </a:p>
+          <a:p>
+            <a:pPr indent="0" lvl="0" marL="0" rtl="0" algn="l">
+              <a:spcBef>
+                <a:spcPts val="0"/>
+              </a:spcBef>
+              <a:spcAft>
+                <a:spcPts val="0"/>
+              </a:spcAft>
+              <a:buNone/>
+            </a:pPr>
+            <a:r>
+              <a:t/>
+            </a:r>
+            <a:endParaRPr b="1" sz="900" u="sng">
+              <a:solidFill>
+                <a:schemeClr val="lt1"/>
+              </a:solidFill>
+              <a:latin typeface="Lato"/>
+              <a:ea typeface="Lato"/>
+              <a:cs typeface="Lato"/>
+              <a:sym typeface="Lato"/>
+            </a:endParaRPr>
+          </a:p>
+          <a:p>
+            <a:pPr indent="0" lvl="0" marL="0" rtl="0" algn="l">
+              <a:spcBef>
+                <a:spcPts val="0"/>
+              </a:spcBef>
+              <a:spcAft>
+                <a:spcPts val="0"/>
+              </a:spcAft>
+              <a:buNone/>
+            </a:pPr>
+            <a:r>
+              <a:rPr b="1" lang="en" sz="900" u="sng">
+                <a:solidFill>
+                  <a:schemeClr val="lt1"/>
+                </a:solidFill>
+                <a:latin typeface="Lato"/>
+                <a:ea typeface="Lato"/>
+                <a:cs typeface="Lato"/>
+                <a:sym typeface="Lato"/>
+              </a:rPr>
+              <a:t>Line Graph</a:t>
+            </a:r>
+            <a:endParaRPr b="1" sz="900" u="sng">
+              <a:solidFill>
+                <a:schemeClr val="lt1"/>
+              </a:solidFill>
+              <a:latin typeface="Lato"/>
+              <a:ea typeface="Lato"/>
+              <a:cs typeface="Lato"/>
+              <a:sym typeface="Lato"/>
+            </a:endParaRPr>
+          </a:p>
+          <a:p>
+            <a:pPr indent="0" lvl="0" marL="0" rtl="0" algn="l">
+              <a:spcBef>
+                <a:spcPts val="0"/>
+              </a:spcBef>
+              <a:spcAft>
+                <a:spcPts val="0"/>
+              </a:spcAft>
+              <a:buNone/>
+            </a:pPr>
+            <a:r>
+              <a:rPr lang="en" sz="900">
+                <a:solidFill>
+                  <a:schemeClr val="lt1"/>
+                </a:solidFill>
+                <a:latin typeface="Lato"/>
+                <a:ea typeface="Lato"/>
+                <a:cs typeface="Lato"/>
+                <a:sym typeface="Lato"/>
+              </a:rPr>
+              <a:t>Austin as model city</a:t>
+            </a:r>
+            <a:endParaRPr sz="900">
+              <a:solidFill>
+                <a:schemeClr val="lt1"/>
+              </a:solidFill>
+              <a:latin typeface="Lato"/>
+              <a:ea typeface="Lato"/>
+              <a:cs typeface="Lato"/>
+              <a:sym typeface="Lato"/>
+            </a:endParaRPr>
+          </a:p>
+          <a:p>
+            <a:pPr indent="0" lvl="0" marL="0" rtl="0" algn="l">
+              <a:spcBef>
+                <a:spcPts val="0"/>
+              </a:spcBef>
+              <a:spcAft>
+                <a:spcPts val="0"/>
+              </a:spcAft>
+              <a:buNone/>
+            </a:pPr>
+            <a:r>
+              <a:rPr lang="en" sz="900">
+                <a:solidFill>
+                  <a:schemeClr val="lt1"/>
+                </a:solidFill>
+                <a:latin typeface="Lato"/>
+                <a:ea typeface="Lato"/>
+                <a:cs typeface="Lato"/>
+                <a:sym typeface="Lato"/>
+              </a:rPr>
+              <a:t>Weather data over 12 months</a:t>
+            </a:r>
+            <a:endParaRPr sz="900">
+              <a:solidFill>
+                <a:schemeClr val="lt1"/>
+              </a:solidFill>
+              <a:latin typeface="Lato"/>
+              <a:ea typeface="Lato"/>
+              <a:cs typeface="Lato"/>
+              <a:sym typeface="Lato"/>
+            </a:endParaRPr>
+          </a:p>
+          <a:p>
+            <a:pPr indent="0" lvl="0" marL="0" rtl="0" algn="l">
+              <a:spcBef>
+                <a:spcPts val="0"/>
+              </a:spcBef>
+              <a:spcAft>
+                <a:spcPts val="0"/>
+              </a:spcAft>
+              <a:buNone/>
+            </a:pPr>
+            <a:r>
+              <a:rPr lang="en" sz="900">
+                <a:solidFill>
+                  <a:schemeClr val="lt1"/>
+                </a:solidFill>
+                <a:latin typeface="Lato"/>
+                <a:ea typeface="Lato"/>
+                <a:cs typeface="Lato"/>
+                <a:sym typeface="Lato"/>
+              </a:rPr>
+              <a:t>Housing data over 12 months</a:t>
+            </a:r>
+            <a:endParaRPr sz="900">
+              <a:solidFill>
+                <a:schemeClr val="lt1"/>
+              </a:solidFill>
+              <a:latin typeface="Lato"/>
+              <a:ea typeface="Lato"/>
+              <a:cs typeface="Lato"/>
+              <a:sym typeface="Lato"/>
+            </a:endParaRPr>
+          </a:p>
+        </p:txBody>
+      </p:sp>
     </p:spTree>
   </p:cSld>
   <p:clrMapOvr>
@@ -11500,6 +15932,285 @@
 </file>
 
 <file path=ppt/theme/theme1.xml><?xml version="1.0" encoding="utf-8"?>
+<a:theme xmlns:a="http://schemas.openxmlformats.org/drawingml/2006/main" xmlns:r="http://schemas.openxmlformats.org/officeDocument/2006/relationships" name="Focus">
+  <a:themeElements>
+    <a:clrScheme name="Focus">
+      <a:dk1>
+        <a:srgbClr val="1B212C"/>
+      </a:dk1>
+      <a:lt1>
+        <a:srgbClr val="FFFFFF"/>
+      </a:lt1>
+      <a:dk2>
+        <a:srgbClr val="D9D9D9"/>
+      </a:dk2>
+      <a:lt2>
+        <a:srgbClr val="82C7A5"/>
+      </a:lt2>
+      <a:accent1>
+        <a:srgbClr val="0145AC"/>
+      </a:accent1>
+      <a:accent2>
+        <a:srgbClr val="EECE1A"/>
+      </a:accent2>
+      <a:accent3>
+        <a:srgbClr val="4E5567"/>
+      </a:accent3>
+      <a:accent4>
+        <a:srgbClr val="F4D6AD"/>
+      </a:accent4>
+      <a:accent5>
+        <a:srgbClr val="7890CD"/>
+      </a:accent5>
+      <a:accent6>
+        <a:srgbClr val="F15E22"/>
+      </a:accent6>
+      <a:hlink>
+        <a:srgbClr val="7890CD"/>
+      </a:hlink>
+      <a:folHlink>
+        <a:srgbClr val="7890CD"/>
+      </a:folHlink>
+    </a:clrScheme>
+    <a:fontScheme name="Office">
+      <a:majorFont>
+        <a:latin typeface="Arial"/>
+        <a:ea typeface=""/>
+        <a:cs typeface=""/>
+        <a:font script="Jpan" typeface="ＭＳ Ｐゴシック"/>
+        <a:font script="Hang" typeface="맑은 고딕"/>
+        <a:font script="Hans" typeface="宋体"/>
+        <a:font script="Hant" typeface="新細明體"/>
+        <a:font script="Arab" typeface="Times New Roman"/>
+        <a:font script="Hebr" typeface="Times New Roman"/>
+        <a:font script="Thai" typeface="Angsana New"/>
+        <a:font script="Ethi" typeface="Nyala"/>
+        <a:font script="Beng" typeface="Vrinda"/>
+        <a:font script="Gujr" typeface="Shruti"/>
+        <a:font script="Khmr" typeface="MoolBoran"/>
+        <a:font script="Knda" typeface="Tunga"/>
+        <a:font script="Guru" typeface="Raavi"/>
+        <a:font script="Cans" typeface="Euphemia"/>
+        <a:font script="Cher" typeface="Plantagenet Cherokee"/>
+        <a:font script="Yiii" typeface="Microsoft Yi Baiti"/>
+        <a:font script="Tibt" typeface="Microsoft Himalaya"/>
+        <a:font script="Thaa" typeface="MV Boli"/>
+        <a:font script="Deva" typeface="Mangal"/>
+        <a:font script="Telu" typeface="Gautami"/>
+        <a:font script="Taml" typeface="Latha"/>
+        <a:font script="Syrc" typeface="Estrangelo Edessa"/>
+        <a:font script="Orya" typeface="Kalinga"/>
+        <a:font script="Mlym" typeface="Kartika"/>
+        <a:font script="Laoo" typeface="DokChampa"/>
+        <a:font script="Sinh" typeface="Iskoola Pota"/>
+        <a:font script="Mong" typeface="Mongolian Baiti"/>
+        <a:font script="Viet" typeface="Times New Roman"/>
+        <a:font script="Uigh" typeface="Microsoft Uighur"/>
+        <a:font script="Geor" typeface="Sylfaen"/>
+      </a:majorFont>
+      <a:minorFont>
+        <a:latin typeface="Arial"/>
+        <a:ea typeface=""/>
+        <a:cs typeface=""/>
+        <a:font script="Jpan" typeface="ＭＳ Ｐゴシック"/>
+        <a:font script="Hang" typeface="맑은 고딕"/>
+        <a:font script="Hans" typeface="宋体"/>
+        <a:font script="Hant" typeface="新細明體"/>
+        <a:font script="Arab" typeface="Arial"/>
+        <a:font script="Hebr" typeface="Arial"/>
+        <a:font script="Thai" typeface="Cordia New"/>
+        <a:font script="Ethi" typeface="Nyala"/>
+        <a:font script="Beng" typeface="Vrinda"/>
+        <a:font script="Gujr" typeface="Shruti"/>
+        <a:font script="Khmr" typeface="DaunPenh"/>
+        <a:font script="Knda" typeface="Tunga"/>
+        <a:font script="Guru" typeface="Raavi"/>
+        <a:font script="Cans" typeface="Euphemia"/>
+        <a:font script="Cher" typeface="Plantagenet Cherokee"/>
+        <a:font script="Yiii" typeface="Microsoft Yi Baiti"/>
+        <a:font script="Tibt" typeface="Microsoft Himalaya"/>
+        <a:font script="Thaa" typeface="MV Boli"/>
+        <a:font script="Deva" typeface="Mangal"/>
+        <a:font script="Telu" typeface="Gautami"/>
+        <a:font script="Taml" typeface="Latha"/>
+        <a:font script="Syrc" typeface="Estrangelo Edessa"/>
+        <a:font script="Orya" typeface="Kalinga"/>
+        <a:font script="Mlym" typeface="Kartika"/>
+        <a:font script="Laoo" typeface="DokChampa"/>
+        <a:font script="Sinh" typeface="Iskoola Pota"/>
+        <a:font script="Mong" typeface="Mongolian Baiti"/>
+        <a:font script="Viet" typeface="Arial"/>
+        <a:font script="Uigh" typeface="Microsoft Uighur"/>
+        <a:font script="Geor" typeface="Sylfaen"/>
+      </a:minorFont>
+    </a:fontScheme>
+    <a:fmtScheme name="Office">
+      <a:fillStyleLst>
+        <a:solidFill>
+          <a:schemeClr val="phClr"/>
+        </a:solidFill>
+        <a:gradFill rotWithShape="1">
+          <a:gsLst>
+            <a:gs pos="0">
+              <a:schemeClr val="phClr">
+                <a:tint val="50000"/>
+                <a:satMod val="300000"/>
+              </a:schemeClr>
+            </a:gs>
+            <a:gs pos="35000">
+              <a:schemeClr val="phClr">
+                <a:tint val="37000"/>
+                <a:satMod val="300000"/>
+              </a:schemeClr>
+            </a:gs>
+            <a:gs pos="100000">
+              <a:schemeClr val="phClr">
+                <a:tint val="15000"/>
+                <a:satMod val="350000"/>
+              </a:schemeClr>
+            </a:gs>
+          </a:gsLst>
+          <a:lin ang="16200000" scaled="1"/>
+        </a:gradFill>
+        <a:gradFill rotWithShape="1">
+          <a:gsLst>
+            <a:gs pos="0">
+              <a:schemeClr val="phClr">
+                <a:tint val="100000"/>
+                <a:shade val="100000"/>
+                <a:satMod val="130000"/>
+              </a:schemeClr>
+            </a:gs>
+            <a:gs pos="100000">
+              <a:schemeClr val="phClr">
+                <a:tint val="50000"/>
+                <a:shade val="100000"/>
+                <a:satMod val="350000"/>
+              </a:schemeClr>
+            </a:gs>
+          </a:gsLst>
+          <a:lin ang="16200000" scaled="0"/>
+        </a:gradFill>
+      </a:fillStyleLst>
+      <a:lnStyleLst>
+        <a:ln w="9525" cap="flat" cmpd="sng" algn="ctr">
+          <a:solidFill>
+            <a:schemeClr val="phClr">
+              <a:shade val="95000"/>
+              <a:satMod val="105000"/>
+            </a:schemeClr>
+          </a:solidFill>
+          <a:prstDash val="solid"/>
+        </a:ln>
+        <a:ln w="25400" cap="flat" cmpd="sng" algn="ctr">
+          <a:solidFill>
+            <a:schemeClr val="phClr"/>
+          </a:solidFill>
+          <a:prstDash val="solid"/>
+        </a:ln>
+        <a:ln w="38100" cap="flat" cmpd="sng" algn="ctr">
+          <a:solidFill>
+            <a:schemeClr val="phClr"/>
+          </a:solidFill>
+          <a:prstDash val="solid"/>
+        </a:ln>
+      </a:lnStyleLst>
+      <a:effectStyleLst>
+        <a:effectStyle>
+          <a:effectLst>
+            <a:outerShdw blurRad="40000" dist="20000" dir="5400000" rotWithShape="0">
+              <a:srgbClr val="000000">
+                <a:alpha val="38000"/>
+              </a:srgbClr>
+            </a:outerShdw>
+          </a:effectLst>
+        </a:effectStyle>
+        <a:effectStyle>
+          <a:effectLst>
+            <a:outerShdw blurRad="40000" dist="23000" dir="5400000" rotWithShape="0">
+              <a:srgbClr val="000000">
+                <a:alpha val="35000"/>
+              </a:srgbClr>
+            </a:outerShdw>
+          </a:effectLst>
+        </a:effectStyle>
+        <a:effectStyle>
+          <a:effectLst>
+            <a:outerShdw blurRad="40000" dist="23000" dir="5400000" rotWithShape="0">
+              <a:srgbClr val="000000">
+                <a:alpha val="35000"/>
+              </a:srgbClr>
+            </a:outerShdw>
+          </a:effectLst>
+          <a:scene3d>
+            <a:camera prst="orthographicFront">
+              <a:rot lat="0" lon="0" rev="0"/>
+            </a:camera>
+            <a:lightRig rig="threePt" dir="t">
+              <a:rot lat="0" lon="0" rev="1200000"/>
+            </a:lightRig>
+          </a:scene3d>
+          <a:sp3d>
+            <a:bevelT w="63500" h="25400"/>
+          </a:sp3d>
+        </a:effectStyle>
+      </a:effectStyleLst>
+      <a:bgFillStyleLst>
+        <a:solidFill>
+          <a:schemeClr val="phClr"/>
+        </a:solidFill>
+        <a:gradFill rotWithShape="1">
+          <a:gsLst>
+            <a:gs pos="0">
+              <a:schemeClr val="phClr">
+                <a:tint val="40000"/>
+                <a:satMod val="350000"/>
+              </a:schemeClr>
+            </a:gs>
+            <a:gs pos="40000">
+              <a:schemeClr val="phClr">
+                <a:tint val="45000"/>
+                <a:shade val="99000"/>
+                <a:satMod val="350000"/>
+              </a:schemeClr>
+            </a:gs>
+            <a:gs pos="100000">
+              <a:schemeClr val="phClr">
+                <a:shade val="20000"/>
+                <a:satMod val="255000"/>
+              </a:schemeClr>
+            </a:gs>
+          </a:gsLst>
+          <a:path path="circle">
+            <a:fillToRect l="50000" t="-80000" r="50000" b="180000"/>
+          </a:path>
+        </a:gradFill>
+        <a:gradFill rotWithShape="1">
+          <a:gsLst>
+            <a:gs pos="0">
+              <a:schemeClr val="phClr">
+                <a:tint val="80000"/>
+                <a:satMod val="300000"/>
+              </a:schemeClr>
+            </a:gs>
+            <a:gs pos="100000">
+              <a:schemeClr val="phClr">
+                <a:shade val="30000"/>
+                <a:satMod val="200000"/>
+              </a:schemeClr>
+            </a:gs>
+          </a:gsLst>
+          <a:path path="circle">
+            <a:fillToRect l="50000" t="50000" r="50000" b="50000"/>
+          </a:path>
+        </a:gradFill>
+      </a:bgFillStyleLst>
+    </a:fmtScheme>
+  </a:themeElements>
+</a:theme>
+</file>
+
+<file path=ppt/theme/theme2.xml><?xml version="1.0" encoding="utf-8"?>
 <a:theme xmlns:a="http://schemas.openxmlformats.org/drawingml/2006/main" xmlns:r="http://schemas.openxmlformats.org/officeDocument/2006/relationships">
   <a:themeElements>
     <a:clrScheme name="Default">
@@ -11776,283 +16487,4 @@
     </a:fmtScheme>
   </a:themeElements>
 </a:theme>
-</file>
-
-<file path=ppt/theme/theme2.xml><?xml version="1.0" encoding="utf-8"?>
-<a:theme xmlns:a="http://schemas.openxmlformats.org/drawingml/2006/main" xmlns:r="http://schemas.openxmlformats.org/officeDocument/2006/relationships" name="Focus">
-  <a:themeElements>
-    <a:clrScheme name="Focus">
-      <a:dk1>
-        <a:srgbClr val="1B212C"/>
-      </a:dk1>
-      <a:lt1>
-        <a:srgbClr val="FFFFFF"/>
-      </a:lt1>
-      <a:dk2>
-        <a:srgbClr val="D9D9D9"/>
-      </a:dk2>
-      <a:lt2>
-        <a:srgbClr val="82C7A5"/>
-      </a:lt2>
-      <a:accent1>
-        <a:srgbClr val="0145AC"/>
-      </a:accent1>
-      <a:accent2>
-        <a:srgbClr val="EECE1A"/>
-      </a:accent2>
-      <a:accent3>
-        <a:srgbClr val="4E5567"/>
-      </a:accent3>
-      <a:accent4>
-        <a:srgbClr val="F4D6AD"/>
-      </a:accent4>
-      <a:accent5>
-        <a:srgbClr val="7890CD"/>
-      </a:accent5>
-      <a:accent6>
-        <a:srgbClr val="F15E22"/>
-      </a:accent6>
-      <a:hlink>
-        <a:srgbClr val="7890CD"/>
-      </a:hlink>
-      <a:folHlink>
-        <a:srgbClr val="7890CD"/>
-      </a:folHlink>
-    </a:clrScheme>
-    <a:fontScheme name="Office">
-      <a:majorFont>
-        <a:latin typeface="Arial"/>
-        <a:ea typeface=""/>
-        <a:cs typeface=""/>
-        <a:font script="Jpan" typeface="ＭＳ Ｐゴシック"/>
-        <a:font script="Hang" typeface="맑은 고딕"/>
-        <a:font script="Hans" typeface="宋体"/>
-        <a:font script="Hant" typeface="新細明體"/>
-        <a:font script="Arab" typeface="Times New Roman"/>
-        <a:font script="Hebr" typeface="Times New Roman"/>
-        <a:font script="Thai" typeface="Angsana New"/>
-        <a:font script="Ethi" typeface="Nyala"/>
-        <a:font script="Beng" typeface="Vrinda"/>
-        <a:font script="Gujr" typeface="Shruti"/>
-        <a:font script="Khmr" typeface="MoolBoran"/>
-        <a:font script="Knda" typeface="Tunga"/>
-        <a:font script="Guru" typeface="Raavi"/>
-        <a:font script="Cans" typeface="Euphemia"/>
-        <a:font script="Cher" typeface="Plantagenet Cherokee"/>
-        <a:font script="Yiii" typeface="Microsoft Yi Baiti"/>
-        <a:font script="Tibt" typeface="Microsoft Himalaya"/>
-        <a:font script="Thaa" typeface="MV Boli"/>
-        <a:font script="Deva" typeface="Mangal"/>
-        <a:font script="Telu" typeface="Gautami"/>
-        <a:font script="Taml" typeface="Latha"/>
-        <a:font script="Syrc" typeface="Estrangelo Edessa"/>
-        <a:font script="Orya" typeface="Kalinga"/>
-        <a:font script="Mlym" typeface="Kartika"/>
-        <a:font script="Laoo" typeface="DokChampa"/>
-        <a:font script="Sinh" typeface="Iskoola Pota"/>
-        <a:font script="Mong" typeface="Mongolian Baiti"/>
-        <a:font script="Viet" typeface="Times New Roman"/>
-        <a:font script="Uigh" typeface="Microsoft Uighur"/>
-        <a:font script="Geor" typeface="Sylfaen"/>
-      </a:majorFont>
-      <a:minorFont>
-        <a:latin typeface="Arial"/>
-        <a:ea typeface=""/>
-        <a:cs typeface=""/>
-        <a:font script="Jpan" typeface="ＭＳ Ｐゴシック"/>
-        <a:font script="Hang" typeface="맑은 고딕"/>
-        <a:font script="Hans" typeface="宋体"/>
-        <a:font script="Hant" typeface="新細明體"/>
-        <a:font script="Arab" typeface="Arial"/>
-        <a:font script="Hebr" typeface="Arial"/>
-        <a:font script="Thai" typeface="Cordia New"/>
-        <a:font script="Ethi" typeface="Nyala"/>
-        <a:font script="Beng" typeface="Vrinda"/>
-        <a:font script="Gujr" typeface="Shruti"/>
-        <a:font script="Khmr" typeface="DaunPenh"/>
-        <a:font script="Knda" typeface="Tunga"/>
-        <a:font script="Guru" typeface="Raavi"/>
-        <a:font script="Cans" typeface="Euphemia"/>
-        <a:font script="Cher" typeface="Plantagenet Cherokee"/>
-        <a:font script="Yiii" typeface="Microsoft Yi Baiti"/>
-        <a:font script="Tibt" typeface="Microsoft Himalaya"/>
-        <a:font script="Thaa" typeface="MV Boli"/>
-        <a:font script="Deva" typeface="Mangal"/>
-        <a:font script="Telu" typeface="Gautami"/>
-        <a:font script="Taml" typeface="Latha"/>
-        <a:font script="Syrc" typeface="Estrangelo Edessa"/>
-        <a:font script="Orya" typeface="Kalinga"/>
-        <a:font script="Mlym" typeface="Kartika"/>
-        <a:font script="Laoo" typeface="DokChampa"/>
-        <a:font script="Sinh" typeface="Iskoola Pota"/>
-        <a:font script="Mong" typeface="Mongolian Baiti"/>
-        <a:font script="Viet" typeface="Arial"/>
-        <a:font script="Uigh" typeface="Microsoft Uighur"/>
-        <a:font script="Geor" typeface="Sylfaen"/>
-      </a:minorFont>
-    </a:fontScheme>
-    <a:fmtScheme name="Office">
-      <a:fillStyleLst>
-        <a:solidFill>
-          <a:schemeClr val="phClr"/>
-        </a:solidFill>
-        <a:gradFill rotWithShape="1">
-          <a:gsLst>
-            <a:gs pos="0">
-              <a:schemeClr val="phClr">
-                <a:tint val="50000"/>
-                <a:satMod val="300000"/>
-              </a:schemeClr>
-            </a:gs>
-            <a:gs pos="35000">
-              <a:schemeClr val="phClr">
-                <a:tint val="37000"/>
-                <a:satMod val="300000"/>
-              </a:schemeClr>
-            </a:gs>
-            <a:gs pos="100000">
-              <a:schemeClr val="phClr">
-                <a:tint val="15000"/>
-                <a:satMod val="350000"/>
-              </a:schemeClr>
-            </a:gs>
-          </a:gsLst>
-          <a:lin ang="16200000" scaled="1"/>
-        </a:gradFill>
-        <a:gradFill rotWithShape="1">
-          <a:gsLst>
-            <a:gs pos="0">
-              <a:schemeClr val="phClr">
-                <a:tint val="100000"/>
-                <a:shade val="100000"/>
-                <a:satMod val="130000"/>
-              </a:schemeClr>
-            </a:gs>
-            <a:gs pos="100000">
-              <a:schemeClr val="phClr">
-                <a:tint val="50000"/>
-                <a:shade val="100000"/>
-                <a:satMod val="350000"/>
-              </a:schemeClr>
-            </a:gs>
-          </a:gsLst>
-          <a:lin ang="16200000" scaled="0"/>
-        </a:gradFill>
-      </a:fillStyleLst>
-      <a:lnStyleLst>
-        <a:ln w="9525" cap="flat" cmpd="sng" algn="ctr">
-          <a:solidFill>
-            <a:schemeClr val="phClr">
-              <a:shade val="95000"/>
-              <a:satMod val="105000"/>
-            </a:schemeClr>
-          </a:solidFill>
-          <a:prstDash val="solid"/>
-        </a:ln>
-        <a:ln w="25400" cap="flat" cmpd="sng" algn="ctr">
-          <a:solidFill>
-            <a:schemeClr val="phClr"/>
-          </a:solidFill>
-          <a:prstDash val="solid"/>
-        </a:ln>
-        <a:ln w="38100" cap="flat" cmpd="sng" algn="ctr">
-          <a:solidFill>
-            <a:schemeClr val="phClr"/>
-          </a:solidFill>
-          <a:prstDash val="solid"/>
-        </a:ln>
-      </a:lnStyleLst>
-      <a:effectStyleLst>
-        <a:effectStyle>
-          <a:effectLst>
-            <a:outerShdw blurRad="40000" dist="20000" dir="5400000" rotWithShape="0">
-              <a:srgbClr val="000000">
-                <a:alpha val="38000"/>
-              </a:srgbClr>
-            </a:outerShdw>
-          </a:effectLst>
-        </a:effectStyle>
-        <a:effectStyle>
-          <a:effectLst>
-            <a:outerShdw blurRad="40000" dist="23000" dir="5400000" rotWithShape="0">
-              <a:srgbClr val="000000">
-                <a:alpha val="35000"/>
-              </a:srgbClr>
-            </a:outerShdw>
-          </a:effectLst>
-        </a:effectStyle>
-        <a:effectStyle>
-          <a:effectLst>
-            <a:outerShdw blurRad="40000" dist="23000" dir="5400000" rotWithShape="0">
-              <a:srgbClr val="000000">
-                <a:alpha val="35000"/>
-              </a:srgbClr>
-            </a:outerShdw>
-          </a:effectLst>
-          <a:scene3d>
-            <a:camera prst="orthographicFront">
-              <a:rot lat="0" lon="0" rev="0"/>
-            </a:camera>
-            <a:lightRig rig="threePt" dir="t">
-              <a:rot lat="0" lon="0" rev="1200000"/>
-            </a:lightRig>
-          </a:scene3d>
-          <a:sp3d>
-            <a:bevelT w="63500" h="25400"/>
-          </a:sp3d>
-        </a:effectStyle>
-      </a:effectStyleLst>
-      <a:bgFillStyleLst>
-        <a:solidFill>
-          <a:schemeClr val="phClr"/>
-        </a:solidFill>
-        <a:gradFill rotWithShape="1">
-          <a:gsLst>
-            <a:gs pos="0">
-              <a:schemeClr val="phClr">
-                <a:tint val="40000"/>
-                <a:satMod val="350000"/>
-              </a:schemeClr>
-            </a:gs>
-            <a:gs pos="40000">
-              <a:schemeClr val="phClr">
-                <a:tint val="45000"/>
-                <a:shade val="99000"/>
-                <a:satMod val="350000"/>
-              </a:schemeClr>
-            </a:gs>
-            <a:gs pos="100000">
-              <a:schemeClr val="phClr">
-                <a:shade val="20000"/>
-                <a:satMod val="255000"/>
-              </a:schemeClr>
-            </a:gs>
-          </a:gsLst>
-          <a:path path="circle">
-            <a:fillToRect l="50000" t="-80000" r="50000" b="180000"/>
-          </a:path>
-        </a:gradFill>
-        <a:gradFill rotWithShape="1">
-          <a:gsLst>
-            <a:gs pos="0">
-              <a:schemeClr val="phClr">
-                <a:tint val="80000"/>
-                <a:satMod val="300000"/>
-              </a:schemeClr>
-            </a:gs>
-            <a:gs pos="100000">
-              <a:schemeClr val="phClr">
-                <a:shade val="30000"/>
-                <a:satMod val="200000"/>
-              </a:schemeClr>
-            </a:gs>
-          </a:gsLst>
-          <a:path path="circle">
-            <a:fillToRect l="50000" t="50000" r="50000" b="50000"/>
-          </a:path>
-        </a:gradFill>
-      </a:bgFillStyleLst>
-    </a:fmtScheme>
-  </a:themeElements>
-</a:theme>
 </file>
--- a/Resources/Sleeper_Cities_Analysis.pptx
+++ b/Resources/Sleeper_Cities_Analysis.pptx
@@ -11,10 +11,6 @@
     <p:sldId id="256" r:id="rId6"/>
     <p:sldId id="257" r:id="rId7"/>
     <p:sldId id="258" r:id="rId8"/>
-    <p:sldId id="259" r:id="rId9"/>
-    <p:sldId id="260" r:id="rId10"/>
-    <p:sldId id="261" r:id="rId11"/>
-    <p:sldId id="262" r:id="rId12"/>
   </p:sldIdLst>
   <p:sldSz cy="5143500" cx="9144000"/>
   <p:notesSz cx="6858000" cy="9144000"/>
@@ -909,7 +905,7 @@
       </p:grpSpPr>
       <p:sp>
         <p:nvSpPr>
-          <p:cNvPr id="146" name="Google Shape;146;ge75080c5ba_0_1:notes"/>
+          <p:cNvPr id="146" name="Google Shape;146;ge5cc1d5d61_0_139:notes"/>
           <p:cNvSpPr/>
           <p:nvPr>
             <p:ph idx="2" type="sldImg"/>
@@ -944,403 +940,7 @@
       </p:sp>
       <p:sp>
         <p:nvSpPr>
-          <p:cNvPr id="147" name="Google Shape;147;ge75080c5ba_0_1:notes"/>
-          <p:cNvSpPr txBox="1"/>
-          <p:nvPr>
-            <p:ph idx="1" type="body"/>
-          </p:nvPr>
-        </p:nvSpPr>
-        <p:spPr>
-          <a:xfrm>
-            <a:off x="685800" y="4343400"/>
-            <a:ext cx="5486400" cy="4114800"/>
-          </a:xfrm>
-          <a:prstGeom prst="rect">
-            <a:avLst/>
-          </a:prstGeom>
-        </p:spPr>
-        <p:txBody>
-          <a:bodyPr anchorCtr="0" anchor="t" bIns="91425" lIns="91425" spcFirstLastPara="1" rIns="91425" wrap="square" tIns="91425">
-            <a:noAutofit/>
-          </a:bodyPr>
-          <a:lstStyle/>
-          <a:p>
-            <a:pPr indent="0" lvl="0" marL="0" rtl="0" algn="l">
-              <a:spcBef>
-                <a:spcPts val="0"/>
-              </a:spcBef>
-              <a:spcAft>
-                <a:spcPts val="0"/>
-              </a:spcAft>
-              <a:buNone/>
-            </a:pPr>
-            <a:r>
-              <a:t/>
-            </a:r>
-            <a:endParaRPr/>
-          </a:p>
-        </p:txBody>
-      </p:sp>
-    </p:spTree>
-  </p:cSld>
-  <p:clrMapOvr>
-    <a:masterClrMapping/>
-  </p:clrMapOvr>
-</p:notes>
-</file>
-
-<file path=ppt/notesSlides/notesSlide4.xml><?xml version="1.0" encoding="utf-8"?>
-<p:notes xmlns:a="http://schemas.openxmlformats.org/drawingml/2006/main" xmlns:r="http://schemas.openxmlformats.org/officeDocument/2006/relationships" xmlns:mc="http://schemas.openxmlformats.org/markup-compatibility/2006" xmlns:mv="urn:schemas-microsoft-com:mac:vml" xmlns:p="http://schemas.openxmlformats.org/presentationml/2006/main" xmlns:c="http://schemas.openxmlformats.org/drawingml/2006/chart" xmlns:dgm="http://schemas.openxmlformats.org/drawingml/2006/diagram" xmlns:o="urn:schemas-microsoft-com:office:office" xmlns:v="urn:schemas-microsoft-com:vml" xmlns:pvml="urn:schemas-microsoft-com:office:powerpoint" xmlns:com="http://schemas.openxmlformats.org/drawingml/2006/compatibility" xmlns:p14="http://schemas.microsoft.com/office/powerpoint/2010/main" xmlns:p15="http://schemas.microsoft.com/office/powerpoint/2012/main" xmlns:ahyp="http://schemas.microsoft.com/office/drawing/2018/hyperlinkcolor" showMasterPhAnim="0" showMasterSp="0">
-  <p:cSld>
-    <p:spTree>
-      <p:nvGrpSpPr>
-        <p:cNvPr id="151" name="Shape 151"/>
-        <p:cNvGrpSpPr/>
-        <p:nvPr/>
-      </p:nvGrpSpPr>
-      <p:grpSpPr>
-        <a:xfrm>
-          <a:off x="0" y="0"/>
-          <a:ext cx="0" cy="0"/>
-          <a:chOff x="0" y="0"/>
-          <a:chExt cx="0" cy="0"/>
-        </a:xfrm>
-      </p:grpSpPr>
-      <p:sp>
-        <p:nvSpPr>
-          <p:cNvPr id="152" name="Google Shape;152;ge75080c5ba_0_6:notes"/>
-          <p:cNvSpPr/>
-          <p:nvPr>
-            <p:ph idx="2" type="sldImg"/>
-          </p:nvPr>
-        </p:nvSpPr>
-        <p:spPr>
-          <a:xfrm>
-            <a:off x="381300" y="685800"/>
-            <a:ext cx="6096000" cy="3429000"/>
-          </a:xfrm>
-          <a:custGeom>
-            <a:rect b="b" l="l" r="r" t="t"/>
-            <a:pathLst>
-              <a:path extrusionOk="0" h="120000" w="120000">
-                <a:moveTo>
-                  <a:pt x="0" y="0"/>
-                </a:moveTo>
-                <a:lnTo>
-                  <a:pt x="120000" y="0"/>
-                </a:lnTo>
-                <a:lnTo>
-                  <a:pt x="120000" y="120000"/>
-                </a:lnTo>
-                <a:lnTo>
-                  <a:pt x="0" y="120000"/>
-                </a:lnTo>
-                <a:close/>
-              </a:path>
-            </a:pathLst>
-          </a:custGeom>
-        </p:spPr>
-      </p:sp>
-      <p:sp>
-        <p:nvSpPr>
-          <p:cNvPr id="153" name="Google Shape;153;ge75080c5ba_0_6:notes"/>
-          <p:cNvSpPr txBox="1"/>
-          <p:nvPr>
-            <p:ph idx="1" type="body"/>
-          </p:nvPr>
-        </p:nvSpPr>
-        <p:spPr>
-          <a:xfrm>
-            <a:off x="685800" y="4343400"/>
-            <a:ext cx="5486400" cy="4114800"/>
-          </a:xfrm>
-          <a:prstGeom prst="rect">
-            <a:avLst/>
-          </a:prstGeom>
-        </p:spPr>
-        <p:txBody>
-          <a:bodyPr anchorCtr="0" anchor="t" bIns="91425" lIns="91425" spcFirstLastPara="1" rIns="91425" wrap="square" tIns="91425">
-            <a:noAutofit/>
-          </a:bodyPr>
-          <a:lstStyle/>
-          <a:p>
-            <a:pPr indent="0" lvl="0" marL="0" rtl="0" algn="l">
-              <a:spcBef>
-                <a:spcPts val="0"/>
-              </a:spcBef>
-              <a:spcAft>
-                <a:spcPts val="0"/>
-              </a:spcAft>
-              <a:buNone/>
-            </a:pPr>
-            <a:r>
-              <a:t/>
-            </a:r>
-            <a:endParaRPr/>
-          </a:p>
-        </p:txBody>
-      </p:sp>
-    </p:spTree>
-  </p:cSld>
-  <p:clrMapOvr>
-    <a:masterClrMapping/>
-  </p:clrMapOvr>
-</p:notes>
-</file>
-
-<file path=ppt/notesSlides/notesSlide5.xml><?xml version="1.0" encoding="utf-8"?>
-<p:notes xmlns:a="http://schemas.openxmlformats.org/drawingml/2006/main" xmlns:r="http://schemas.openxmlformats.org/officeDocument/2006/relationships" xmlns:mc="http://schemas.openxmlformats.org/markup-compatibility/2006" xmlns:mv="urn:schemas-microsoft-com:mac:vml" xmlns:p="http://schemas.openxmlformats.org/presentationml/2006/main" xmlns:c="http://schemas.openxmlformats.org/drawingml/2006/chart" xmlns:dgm="http://schemas.openxmlformats.org/drawingml/2006/diagram" xmlns:o="urn:schemas-microsoft-com:office:office" xmlns:v="urn:schemas-microsoft-com:vml" xmlns:pvml="urn:schemas-microsoft-com:office:powerpoint" xmlns:com="http://schemas.openxmlformats.org/drawingml/2006/compatibility" xmlns:p14="http://schemas.microsoft.com/office/powerpoint/2010/main" xmlns:p15="http://schemas.microsoft.com/office/powerpoint/2012/main" xmlns:ahyp="http://schemas.microsoft.com/office/drawing/2018/hyperlinkcolor" showMasterPhAnim="0" showMasterSp="0">
-  <p:cSld>
-    <p:spTree>
-      <p:nvGrpSpPr>
-        <p:cNvPr id="157" name="Shape 157"/>
-        <p:cNvGrpSpPr/>
-        <p:nvPr/>
-      </p:nvGrpSpPr>
-      <p:grpSpPr>
-        <a:xfrm>
-          <a:off x="0" y="0"/>
-          <a:ext cx="0" cy="0"/>
-          <a:chOff x="0" y="0"/>
-          <a:chExt cx="0" cy="0"/>
-        </a:xfrm>
-      </p:grpSpPr>
-      <p:sp>
-        <p:nvSpPr>
-          <p:cNvPr id="158" name="Google Shape;158;ge5cc1d5d61_0_139:notes"/>
-          <p:cNvSpPr/>
-          <p:nvPr>
-            <p:ph idx="2" type="sldImg"/>
-          </p:nvPr>
-        </p:nvSpPr>
-        <p:spPr>
-          <a:xfrm>
-            <a:off x="381300" y="685800"/>
-            <a:ext cx="6096000" cy="3429000"/>
-          </a:xfrm>
-          <a:custGeom>
-            <a:rect b="b" l="l" r="r" t="t"/>
-            <a:pathLst>
-              <a:path extrusionOk="0" h="120000" w="120000">
-                <a:moveTo>
-                  <a:pt x="0" y="0"/>
-                </a:moveTo>
-                <a:lnTo>
-                  <a:pt x="120000" y="0"/>
-                </a:lnTo>
-                <a:lnTo>
-                  <a:pt x="120000" y="120000"/>
-                </a:lnTo>
-                <a:lnTo>
-                  <a:pt x="0" y="120000"/>
-                </a:lnTo>
-                <a:close/>
-              </a:path>
-            </a:pathLst>
-          </a:custGeom>
-        </p:spPr>
-      </p:sp>
-      <p:sp>
-        <p:nvSpPr>
-          <p:cNvPr id="159" name="Google Shape;159;ge5cc1d5d61_0_139:notes"/>
-          <p:cNvSpPr txBox="1"/>
-          <p:nvPr>
-            <p:ph idx="1" type="body"/>
-          </p:nvPr>
-        </p:nvSpPr>
-        <p:spPr>
-          <a:xfrm>
-            <a:off x="685800" y="4343400"/>
-            <a:ext cx="5486400" cy="4114800"/>
-          </a:xfrm>
-          <a:prstGeom prst="rect">
-            <a:avLst/>
-          </a:prstGeom>
-        </p:spPr>
-        <p:txBody>
-          <a:bodyPr anchorCtr="0" anchor="t" bIns="91425" lIns="91425" spcFirstLastPara="1" rIns="91425" wrap="square" tIns="91425">
-            <a:noAutofit/>
-          </a:bodyPr>
-          <a:lstStyle/>
-          <a:p>
-            <a:pPr indent="0" lvl="0" marL="0" rtl="0" algn="l">
-              <a:spcBef>
-                <a:spcPts val="0"/>
-              </a:spcBef>
-              <a:spcAft>
-                <a:spcPts val="0"/>
-              </a:spcAft>
-              <a:buNone/>
-            </a:pPr>
-            <a:r>
-              <a:t/>
-            </a:r>
-            <a:endParaRPr/>
-          </a:p>
-        </p:txBody>
-      </p:sp>
-    </p:spTree>
-  </p:cSld>
-  <p:clrMapOvr>
-    <a:masterClrMapping/>
-  </p:clrMapOvr>
-</p:notes>
-</file>
-
-<file path=ppt/notesSlides/notesSlide6.xml><?xml version="1.0" encoding="utf-8"?>
-<p:notes xmlns:a="http://schemas.openxmlformats.org/drawingml/2006/main" xmlns:r="http://schemas.openxmlformats.org/officeDocument/2006/relationships" xmlns:mc="http://schemas.openxmlformats.org/markup-compatibility/2006" xmlns:mv="urn:schemas-microsoft-com:mac:vml" xmlns:p="http://schemas.openxmlformats.org/presentationml/2006/main" xmlns:c="http://schemas.openxmlformats.org/drawingml/2006/chart" xmlns:dgm="http://schemas.openxmlformats.org/drawingml/2006/diagram" xmlns:o="urn:schemas-microsoft-com:office:office" xmlns:v="urn:schemas-microsoft-com:vml" xmlns:pvml="urn:schemas-microsoft-com:office:powerpoint" xmlns:com="http://schemas.openxmlformats.org/drawingml/2006/compatibility" xmlns:p14="http://schemas.microsoft.com/office/powerpoint/2010/main" xmlns:p15="http://schemas.microsoft.com/office/powerpoint/2012/main" xmlns:ahyp="http://schemas.microsoft.com/office/drawing/2018/hyperlinkcolor" showMasterPhAnim="0" showMasterSp="0">
-  <p:cSld>
-    <p:spTree>
-      <p:nvGrpSpPr>
-        <p:cNvPr id="193" name="Shape 193"/>
-        <p:cNvGrpSpPr/>
-        <p:nvPr/>
-      </p:nvGrpSpPr>
-      <p:grpSpPr>
-        <a:xfrm>
-          <a:off x="0" y="0"/>
-          <a:ext cx="0" cy="0"/>
-          <a:chOff x="0" y="0"/>
-          <a:chExt cx="0" cy="0"/>
-        </a:xfrm>
-      </p:grpSpPr>
-      <p:sp>
-        <p:nvSpPr>
-          <p:cNvPr id="194" name="Google Shape;194;ge65aef04d1_0_14:notes"/>
-          <p:cNvSpPr/>
-          <p:nvPr>
-            <p:ph idx="2" type="sldImg"/>
-          </p:nvPr>
-        </p:nvSpPr>
-        <p:spPr>
-          <a:xfrm>
-            <a:off x="381300" y="685800"/>
-            <a:ext cx="6096000" cy="3429000"/>
-          </a:xfrm>
-          <a:custGeom>
-            <a:rect b="b" l="l" r="r" t="t"/>
-            <a:pathLst>
-              <a:path extrusionOk="0" h="120000" w="120000">
-                <a:moveTo>
-                  <a:pt x="0" y="0"/>
-                </a:moveTo>
-                <a:lnTo>
-                  <a:pt x="120000" y="0"/>
-                </a:lnTo>
-                <a:lnTo>
-                  <a:pt x="120000" y="120000"/>
-                </a:lnTo>
-                <a:lnTo>
-                  <a:pt x="0" y="120000"/>
-                </a:lnTo>
-                <a:close/>
-              </a:path>
-            </a:pathLst>
-          </a:custGeom>
-        </p:spPr>
-      </p:sp>
-      <p:sp>
-        <p:nvSpPr>
-          <p:cNvPr id="195" name="Google Shape;195;ge65aef04d1_0_14:notes"/>
-          <p:cNvSpPr txBox="1"/>
-          <p:nvPr>
-            <p:ph idx="1" type="body"/>
-          </p:nvPr>
-        </p:nvSpPr>
-        <p:spPr>
-          <a:xfrm>
-            <a:off x="685800" y="4343400"/>
-            <a:ext cx="5486400" cy="4114800"/>
-          </a:xfrm>
-          <a:prstGeom prst="rect">
-            <a:avLst/>
-          </a:prstGeom>
-        </p:spPr>
-        <p:txBody>
-          <a:bodyPr anchorCtr="0" anchor="t" bIns="91425" lIns="91425" spcFirstLastPara="1" rIns="91425" wrap="square" tIns="91425">
-            <a:noAutofit/>
-          </a:bodyPr>
-          <a:lstStyle/>
-          <a:p>
-            <a:pPr indent="0" lvl="0" marL="0" rtl="0" algn="l">
-              <a:spcBef>
-                <a:spcPts val="0"/>
-              </a:spcBef>
-              <a:spcAft>
-                <a:spcPts val="0"/>
-              </a:spcAft>
-              <a:buNone/>
-            </a:pPr>
-            <a:r>
-              <a:t/>
-            </a:r>
-            <a:endParaRPr/>
-          </a:p>
-        </p:txBody>
-      </p:sp>
-    </p:spTree>
-  </p:cSld>
-  <p:clrMapOvr>
-    <a:masterClrMapping/>
-  </p:clrMapOvr>
-</p:notes>
-</file>
-
-<file path=ppt/notesSlides/notesSlide7.xml><?xml version="1.0" encoding="utf-8"?>
-<p:notes xmlns:a="http://schemas.openxmlformats.org/drawingml/2006/main" xmlns:r="http://schemas.openxmlformats.org/officeDocument/2006/relationships" xmlns:mc="http://schemas.openxmlformats.org/markup-compatibility/2006" xmlns:mv="urn:schemas-microsoft-com:mac:vml" xmlns:p="http://schemas.openxmlformats.org/presentationml/2006/main" xmlns:c="http://schemas.openxmlformats.org/drawingml/2006/chart" xmlns:dgm="http://schemas.openxmlformats.org/drawingml/2006/diagram" xmlns:o="urn:schemas-microsoft-com:office:office" xmlns:v="urn:schemas-microsoft-com:vml" xmlns:pvml="urn:schemas-microsoft-com:office:powerpoint" xmlns:com="http://schemas.openxmlformats.org/drawingml/2006/compatibility" xmlns:p14="http://schemas.microsoft.com/office/powerpoint/2010/main" xmlns:p15="http://schemas.microsoft.com/office/powerpoint/2012/main" xmlns:ahyp="http://schemas.microsoft.com/office/drawing/2018/hyperlinkcolor" showMasterPhAnim="0" showMasterSp="0">
-  <p:cSld>
-    <p:spTree>
-      <p:nvGrpSpPr>
-        <p:cNvPr id="207" name="Shape 207"/>
-        <p:cNvGrpSpPr/>
-        <p:nvPr/>
-      </p:nvGrpSpPr>
-      <p:grpSpPr>
-        <a:xfrm>
-          <a:off x="0" y="0"/>
-          <a:ext cx="0" cy="0"/>
-          <a:chOff x="0" y="0"/>
-          <a:chExt cx="0" cy="0"/>
-        </a:xfrm>
-      </p:grpSpPr>
-      <p:sp>
-        <p:nvSpPr>
-          <p:cNvPr id="208" name="Google Shape;208;ge65aef04d1_0_0:notes"/>
-          <p:cNvSpPr/>
-          <p:nvPr>
-            <p:ph idx="2" type="sldImg"/>
-          </p:nvPr>
-        </p:nvSpPr>
-        <p:spPr>
-          <a:xfrm>
-            <a:off x="381300" y="685800"/>
-            <a:ext cx="6096000" cy="3429000"/>
-          </a:xfrm>
-          <a:custGeom>
-            <a:rect b="b" l="l" r="r" t="t"/>
-            <a:pathLst>
-              <a:path extrusionOk="0" h="120000" w="120000">
-                <a:moveTo>
-                  <a:pt x="0" y="0"/>
-                </a:moveTo>
-                <a:lnTo>
-                  <a:pt x="120000" y="0"/>
-                </a:lnTo>
-                <a:lnTo>
-                  <a:pt x="120000" y="120000"/>
-                </a:lnTo>
-                <a:lnTo>
-                  <a:pt x="0" y="120000"/>
-                </a:lnTo>
-                <a:close/>
-              </a:path>
-            </a:pathLst>
-          </a:custGeom>
-        </p:spPr>
-      </p:sp>
-      <p:sp>
-        <p:nvSpPr>
-          <p:cNvPr id="209" name="Google Shape;209;ge65aef04d1_0_0:notes"/>
+          <p:cNvPr id="147" name="Google Shape;147;ge5cc1d5d61_0_139:notes"/>
           <p:cNvSpPr txBox="1"/>
           <p:nvPr>
             <p:ph idx="1" type="body"/>
@@ -9903,8 +9503,8 @@
         </p:nvSpPr>
         <p:spPr>
           <a:xfrm>
-            <a:off x="520850" y="1437725"/>
-            <a:ext cx="5287500" cy="3163500"/>
+            <a:off x="520850" y="1721550"/>
+            <a:ext cx="5040300" cy="2879700"/>
           </a:xfrm>
           <a:prstGeom prst="rect">
             <a:avLst/>
@@ -10173,28 +9773,9 @@
                   <a:schemeClr val="dk2"/>
                 </a:solidFill>
               </a:rPr>
-              <a:t>	Census.gov, Realtor.com, &amp; more…</a:t>
+              <a:t>	Census.gov, Realtor.com, &amp; more...</a:t>
             </a:r>
-            <a:endParaRPr b="1" sz="1000">
-              <a:solidFill>
-                <a:schemeClr val="dk2"/>
-              </a:solidFill>
-            </a:endParaRPr>
-          </a:p>
-          <a:p>
-            <a:pPr indent="0" lvl="0" marL="0" rtl="0" algn="l">
-              <a:spcBef>
-                <a:spcPts val="0"/>
-              </a:spcBef>
-              <a:spcAft>
-                <a:spcPts val="0"/>
-              </a:spcAft>
-              <a:buNone/>
-            </a:pPr>
-            <a:r>
-              <a:t/>
-            </a:r>
-            <a:endParaRPr b="1" sz="1000">
+            <a:endParaRPr sz="1000">
               <a:solidFill>
                 <a:schemeClr val="dk2"/>
               </a:solidFill>
@@ -10378,1043 +9959,6 @@
             </a:pPr>
             <a:r>
               <a:rPr lang="en"/>
-              <a:t>Presentation </a:t>
-            </a:r>
-            <a:endParaRPr/>
-          </a:p>
-          <a:p>
-            <a:pPr indent="0" lvl="0" marL="0" rtl="0" algn="l">
-              <a:spcBef>
-                <a:spcPts val="0"/>
-              </a:spcBef>
-              <a:spcAft>
-                <a:spcPts val="0"/>
-              </a:spcAft>
-              <a:buNone/>
-            </a:pPr>
-            <a:r>
-              <a:rPr lang="en" sz="1288">
-                <a:solidFill>
-                  <a:srgbClr val="B7B7B7"/>
-                </a:solidFill>
-              </a:rPr>
-              <a:t>Data Exploration</a:t>
-            </a:r>
-            <a:endParaRPr sz="1288">
-              <a:solidFill>
-                <a:srgbClr val="B7B7B7"/>
-              </a:solidFill>
-            </a:endParaRPr>
-          </a:p>
-        </p:txBody>
-      </p:sp>
-      <p:sp>
-        <p:nvSpPr>
-          <p:cNvPr id="150" name="Google Shape;150;p15"/>
-          <p:cNvSpPr txBox="1"/>
-          <p:nvPr>
-            <p:ph idx="1" type="body"/>
-          </p:nvPr>
-        </p:nvSpPr>
-        <p:spPr>
-          <a:xfrm>
-            <a:off x="448975" y="1394125"/>
-            <a:ext cx="7142400" cy="3623700"/>
-          </a:xfrm>
-          <a:prstGeom prst="rect">
-            <a:avLst/>
-          </a:prstGeom>
-          <a:ln cap="flat" cmpd="sng" w="9525">
-            <a:solidFill>
-              <a:schemeClr val="lt1"/>
-            </a:solidFill>
-            <a:prstDash val="solid"/>
-            <a:round/>
-            <a:headEnd len="sm" w="sm" type="none"/>
-            <a:tailEnd len="sm" w="sm" type="none"/>
-          </a:ln>
-        </p:spPr>
-        <p:txBody>
-          <a:bodyPr anchorCtr="0" anchor="t" bIns="91425" lIns="91425" spcFirstLastPara="1" rIns="91425" wrap="square" tIns="91425">
-            <a:noAutofit/>
-          </a:bodyPr>
-          <a:lstStyle/>
-          <a:p>
-            <a:pPr indent="0" lvl="0" marL="0" marR="0" rtl="0" algn="l">
-              <a:lnSpc>
-                <a:spcPct val="95000"/>
-              </a:lnSpc>
-              <a:spcBef>
-                <a:spcPts val="0"/>
-              </a:spcBef>
-              <a:spcAft>
-                <a:spcPts val="0"/>
-              </a:spcAft>
-              <a:buSzPts val="852"/>
-              <a:buNone/>
-            </a:pPr>
-            <a:r>
-              <a:rPr b="1" lang="en" sz="1207"/>
-              <a:t>✓ Housing</a:t>
-            </a:r>
-            <a:endParaRPr b="1" sz="1207"/>
-          </a:p>
-          <a:p>
-            <a:pPr indent="0" lvl="0" marL="0" marR="0" rtl="0" algn="l">
-              <a:lnSpc>
-                <a:spcPct val="95000"/>
-              </a:lnSpc>
-              <a:spcBef>
-                <a:spcPts val="0"/>
-              </a:spcBef>
-              <a:spcAft>
-                <a:spcPts val="0"/>
-              </a:spcAft>
-              <a:buSzPts val="852"/>
-              <a:buNone/>
-            </a:pPr>
-            <a:r>
-              <a:rPr b="1" lang="en" sz="975">
-                <a:solidFill>
-                  <a:schemeClr val="dk2"/>
-                </a:solidFill>
-              </a:rPr>
-              <a:t>	Median listing price</a:t>
-            </a:r>
-            <a:endParaRPr b="1" sz="975">
-              <a:solidFill>
-                <a:schemeClr val="dk2"/>
-              </a:solidFill>
-            </a:endParaRPr>
-          </a:p>
-          <a:p>
-            <a:pPr indent="457200" lvl="0" marL="0" marR="0" rtl="0" algn="l">
-              <a:lnSpc>
-                <a:spcPct val="95000"/>
-              </a:lnSpc>
-              <a:spcBef>
-                <a:spcPts val="0"/>
-              </a:spcBef>
-              <a:spcAft>
-                <a:spcPts val="0"/>
-              </a:spcAft>
-              <a:buSzPts val="852"/>
-              <a:buNone/>
-            </a:pPr>
-            <a:r>
-              <a:rPr b="1" lang="en" sz="975">
-                <a:solidFill>
-                  <a:schemeClr val="dk2"/>
-                </a:solidFill>
-              </a:rPr>
-              <a:t>Active listing count</a:t>
-            </a:r>
-            <a:endParaRPr b="1" sz="975">
-              <a:solidFill>
-                <a:schemeClr val="dk2"/>
-              </a:solidFill>
-            </a:endParaRPr>
-          </a:p>
-          <a:p>
-            <a:pPr indent="457200" lvl="0" marL="0" marR="0" rtl="0" algn="l">
-              <a:lnSpc>
-                <a:spcPct val="95000"/>
-              </a:lnSpc>
-              <a:spcBef>
-                <a:spcPts val="0"/>
-              </a:spcBef>
-              <a:spcAft>
-                <a:spcPts val="0"/>
-              </a:spcAft>
-              <a:buSzPts val="852"/>
-              <a:buNone/>
-            </a:pPr>
-            <a:r>
-              <a:rPr b="1" lang="en" sz="975">
-                <a:solidFill>
-                  <a:schemeClr val="dk2"/>
-                </a:solidFill>
-              </a:rPr>
-              <a:t>New listing count</a:t>
-            </a:r>
-            <a:endParaRPr b="1" sz="975">
-              <a:solidFill>
-                <a:schemeClr val="dk2"/>
-              </a:solidFill>
-            </a:endParaRPr>
-          </a:p>
-          <a:p>
-            <a:pPr indent="457200" lvl="0" marL="0" marR="0" rtl="0" algn="l">
-              <a:lnSpc>
-                <a:spcPct val="95000"/>
-              </a:lnSpc>
-              <a:spcBef>
-                <a:spcPts val="0"/>
-              </a:spcBef>
-              <a:spcAft>
-                <a:spcPts val="0"/>
-              </a:spcAft>
-              <a:buSzPts val="852"/>
-              <a:buNone/>
-            </a:pPr>
-            <a:r>
-              <a:rPr b="1" lang="en" sz="975">
-                <a:solidFill>
-                  <a:schemeClr val="dk2"/>
-                </a:solidFill>
-              </a:rPr>
-              <a:t>Average listing price</a:t>
-            </a:r>
-            <a:endParaRPr b="1" sz="975">
-              <a:solidFill>
-                <a:schemeClr val="dk2"/>
-              </a:solidFill>
-            </a:endParaRPr>
-          </a:p>
-          <a:p>
-            <a:pPr indent="0" lvl="0" marL="0" marR="0" rtl="0" algn="l">
-              <a:lnSpc>
-                <a:spcPct val="95000"/>
-              </a:lnSpc>
-              <a:spcBef>
-                <a:spcPts val="0"/>
-              </a:spcBef>
-              <a:spcAft>
-                <a:spcPts val="0"/>
-              </a:spcAft>
-              <a:buSzPts val="852"/>
-              <a:buNone/>
-            </a:pPr>
-            <a:r>
-              <a:rPr lang="en" sz="975">
-                <a:solidFill>
-                  <a:schemeClr val="dk2"/>
-                </a:solidFill>
-              </a:rPr>
-              <a:t>	Total listing count</a:t>
-            </a:r>
-            <a:endParaRPr sz="975">
-              <a:solidFill>
-                <a:schemeClr val="dk2"/>
-              </a:solidFill>
-            </a:endParaRPr>
-          </a:p>
-          <a:p>
-            <a:pPr indent="0" lvl="0" marL="0" marR="0" rtl="0" algn="l">
-              <a:lnSpc>
-                <a:spcPct val="95000"/>
-              </a:lnSpc>
-              <a:spcBef>
-                <a:spcPts val="0"/>
-              </a:spcBef>
-              <a:spcAft>
-                <a:spcPts val="0"/>
-              </a:spcAft>
-              <a:buSzPts val="852"/>
-              <a:buNone/>
-            </a:pPr>
-            <a:r>
-              <a:t/>
-            </a:r>
-            <a:endParaRPr b="1" sz="1207"/>
-          </a:p>
-          <a:p>
-            <a:pPr indent="0" lvl="0" marL="0" marR="0" rtl="0" algn="l">
-              <a:lnSpc>
-                <a:spcPct val="95000"/>
-              </a:lnSpc>
-              <a:spcBef>
-                <a:spcPts val="0"/>
-              </a:spcBef>
-              <a:spcAft>
-                <a:spcPts val="0"/>
-              </a:spcAft>
-              <a:buSzPts val="852"/>
-              <a:buNone/>
-            </a:pPr>
-            <a:r>
-              <a:rPr b="1" lang="en" sz="1207"/>
-              <a:t>✓ Income</a:t>
-            </a:r>
-            <a:endParaRPr b="1" sz="1207"/>
-          </a:p>
-          <a:p>
-            <a:pPr indent="0" lvl="0" marL="0" marR="0" rtl="0" algn="l">
-              <a:lnSpc>
-                <a:spcPct val="95000"/>
-              </a:lnSpc>
-              <a:spcBef>
-                <a:spcPts val="0"/>
-              </a:spcBef>
-              <a:spcAft>
-                <a:spcPts val="0"/>
-              </a:spcAft>
-              <a:buSzPts val="852"/>
-              <a:buNone/>
-            </a:pPr>
-            <a:r>
-              <a:rPr b="1" lang="en" sz="1207"/>
-              <a:t> </a:t>
-            </a:r>
-            <a:r>
-              <a:rPr b="1" lang="en" sz="975">
-                <a:solidFill>
-                  <a:schemeClr val="dk2"/>
-                </a:solidFill>
-              </a:rPr>
-              <a:t>	Average income per capita per city</a:t>
-            </a:r>
-            <a:endParaRPr sz="975">
-              <a:solidFill>
-                <a:schemeClr val="dk2"/>
-              </a:solidFill>
-            </a:endParaRPr>
-          </a:p>
-          <a:p>
-            <a:pPr indent="0" lvl="0" marL="0" marR="0" rtl="0" algn="l">
-              <a:lnSpc>
-                <a:spcPct val="95000"/>
-              </a:lnSpc>
-              <a:spcBef>
-                <a:spcPts val="0"/>
-              </a:spcBef>
-              <a:spcAft>
-                <a:spcPts val="0"/>
-              </a:spcAft>
-              <a:buSzPts val="852"/>
-              <a:buNone/>
-            </a:pPr>
-            <a:r>
-              <a:t/>
-            </a:r>
-            <a:endParaRPr b="1" sz="1207"/>
-          </a:p>
-          <a:p>
-            <a:pPr indent="0" lvl="0" marL="0" marR="0" rtl="0" algn="l">
-              <a:lnSpc>
-                <a:spcPct val="95000"/>
-              </a:lnSpc>
-              <a:spcBef>
-                <a:spcPts val="0"/>
-              </a:spcBef>
-              <a:spcAft>
-                <a:spcPts val="0"/>
-              </a:spcAft>
-              <a:buSzPts val="852"/>
-              <a:buNone/>
-            </a:pPr>
-            <a:r>
-              <a:rPr b="1" lang="en" sz="1207"/>
-              <a:t>✓ Population</a:t>
-            </a:r>
-            <a:endParaRPr b="1" sz="1207"/>
-          </a:p>
-          <a:p>
-            <a:pPr indent="0" lvl="0" marL="0" rtl="0" algn="l">
-              <a:lnSpc>
-                <a:spcPct val="95000"/>
-              </a:lnSpc>
-              <a:spcBef>
-                <a:spcPts val="0"/>
-              </a:spcBef>
-              <a:spcAft>
-                <a:spcPts val="0"/>
-              </a:spcAft>
-              <a:buSzPts val="852"/>
-              <a:buNone/>
-            </a:pPr>
-            <a:r>
-              <a:rPr b="1" lang="en" sz="1207"/>
-              <a:t> </a:t>
-            </a:r>
-            <a:r>
-              <a:rPr b="1" lang="en" sz="975">
-                <a:solidFill>
-                  <a:schemeClr val="dk2"/>
-                </a:solidFill>
-              </a:rPr>
-              <a:t>	2019 population of metro area/city</a:t>
-            </a:r>
-            <a:endParaRPr b="1" sz="975">
-              <a:solidFill>
-                <a:schemeClr val="dk2"/>
-              </a:solidFill>
-            </a:endParaRPr>
-          </a:p>
-          <a:p>
-            <a:pPr indent="0" lvl="0" marL="0" rtl="0" algn="l">
-              <a:lnSpc>
-                <a:spcPct val="95000"/>
-              </a:lnSpc>
-              <a:spcBef>
-                <a:spcPts val="0"/>
-              </a:spcBef>
-              <a:spcAft>
-                <a:spcPts val="0"/>
-              </a:spcAft>
-              <a:buSzPts val="852"/>
-              <a:buNone/>
-            </a:pPr>
-            <a:r>
-              <a:t/>
-            </a:r>
-            <a:endParaRPr b="1" sz="975">
-              <a:solidFill>
-                <a:schemeClr val="dk2"/>
-              </a:solidFill>
-            </a:endParaRPr>
-          </a:p>
-          <a:p>
-            <a:pPr indent="0" lvl="0" marL="0" marR="0" rtl="0" algn="l">
-              <a:lnSpc>
-                <a:spcPct val="95000"/>
-              </a:lnSpc>
-              <a:spcBef>
-                <a:spcPts val="0"/>
-              </a:spcBef>
-              <a:spcAft>
-                <a:spcPts val="0"/>
-              </a:spcAft>
-              <a:buSzPts val="852"/>
-              <a:buNone/>
-            </a:pPr>
-            <a:r>
-              <a:t/>
-            </a:r>
-            <a:endParaRPr b="1" sz="1207"/>
-          </a:p>
-          <a:p>
-            <a:pPr indent="0" lvl="0" marL="0" marR="0" rtl="0" algn="l">
-              <a:lnSpc>
-                <a:spcPct val="95000"/>
-              </a:lnSpc>
-              <a:spcBef>
-                <a:spcPts val="0"/>
-              </a:spcBef>
-              <a:spcAft>
-                <a:spcPts val="0"/>
-              </a:spcAft>
-              <a:buSzPts val="852"/>
-              <a:buNone/>
-            </a:pPr>
-            <a:r>
-              <a:rPr b="1" lang="en" sz="1207"/>
-              <a:t>✓ Weather</a:t>
-            </a:r>
-            <a:endParaRPr b="1" sz="1207"/>
-          </a:p>
-          <a:p>
-            <a:pPr indent="0" lvl="0" marL="0" marR="0" rtl="0" algn="l">
-              <a:lnSpc>
-                <a:spcPct val="95000"/>
-              </a:lnSpc>
-              <a:spcBef>
-                <a:spcPts val="0"/>
-              </a:spcBef>
-              <a:spcAft>
-                <a:spcPts val="0"/>
-              </a:spcAft>
-              <a:buSzPts val="852"/>
-              <a:buNone/>
-            </a:pPr>
-            <a:r>
-              <a:rPr b="1" lang="en" sz="1207"/>
-              <a:t>	</a:t>
-            </a:r>
-            <a:r>
-              <a:rPr b="1" lang="en" sz="975">
-                <a:solidFill>
-                  <a:schemeClr val="dk2"/>
-                </a:solidFill>
-              </a:rPr>
-              <a:t>Temperature </a:t>
-            </a:r>
-            <a:endParaRPr b="1" sz="975">
-              <a:solidFill>
-                <a:schemeClr val="dk2"/>
-              </a:solidFill>
-            </a:endParaRPr>
-          </a:p>
-          <a:p>
-            <a:pPr indent="0" lvl="0" marL="0" marR="0" rtl="0" algn="l">
-              <a:lnSpc>
-                <a:spcPct val="95000"/>
-              </a:lnSpc>
-              <a:spcBef>
-                <a:spcPts val="0"/>
-              </a:spcBef>
-              <a:spcAft>
-                <a:spcPts val="0"/>
-              </a:spcAft>
-              <a:buSzPts val="852"/>
-              <a:buNone/>
-            </a:pPr>
-            <a:r>
-              <a:rPr b="1" lang="en" sz="975">
-                <a:solidFill>
-                  <a:schemeClr val="dk2"/>
-                </a:solidFill>
-              </a:rPr>
-              <a:t>	Wind Speed</a:t>
-            </a:r>
-            <a:endParaRPr b="1" sz="975">
-              <a:solidFill>
-                <a:schemeClr val="dk2"/>
-              </a:solidFill>
-            </a:endParaRPr>
-          </a:p>
-          <a:p>
-            <a:pPr indent="0" lvl="0" marL="0" marR="0" rtl="0" algn="l">
-              <a:lnSpc>
-                <a:spcPct val="95000"/>
-              </a:lnSpc>
-              <a:spcBef>
-                <a:spcPts val="0"/>
-              </a:spcBef>
-              <a:spcAft>
-                <a:spcPts val="0"/>
-              </a:spcAft>
-              <a:buSzPts val="852"/>
-              <a:buNone/>
-            </a:pPr>
-            <a:r>
-              <a:rPr b="1" lang="en" sz="975">
-                <a:solidFill>
-                  <a:schemeClr val="dk2"/>
-                </a:solidFill>
-              </a:rPr>
-              <a:t>	Wind Direction</a:t>
-            </a:r>
-            <a:endParaRPr b="1" sz="975">
-              <a:solidFill>
-                <a:schemeClr val="dk2"/>
-              </a:solidFill>
-            </a:endParaRPr>
-          </a:p>
-          <a:p>
-            <a:pPr indent="0" lvl="0" marL="0" marR="0" rtl="0" algn="l">
-              <a:lnSpc>
-                <a:spcPct val="95000"/>
-              </a:lnSpc>
-              <a:spcBef>
-                <a:spcPts val="0"/>
-              </a:spcBef>
-              <a:spcAft>
-                <a:spcPts val="0"/>
-              </a:spcAft>
-              <a:buSzPts val="852"/>
-              <a:buNone/>
-            </a:pPr>
-            <a:r>
-              <a:rPr b="1" lang="en" sz="975">
-                <a:solidFill>
-                  <a:schemeClr val="dk2"/>
-                </a:solidFill>
-              </a:rPr>
-              <a:t>	Dew Point (association to humidity)</a:t>
-            </a:r>
-            <a:endParaRPr b="1" sz="975">
-              <a:solidFill>
-                <a:schemeClr val="dk2"/>
-              </a:solidFill>
-            </a:endParaRPr>
-          </a:p>
-          <a:p>
-            <a:pPr indent="0" lvl="0" marL="0" marR="0" rtl="0" algn="l">
-              <a:lnSpc>
-                <a:spcPct val="95000"/>
-              </a:lnSpc>
-              <a:spcBef>
-                <a:spcPts val="0"/>
-              </a:spcBef>
-              <a:spcAft>
-                <a:spcPts val="0"/>
-              </a:spcAft>
-              <a:buSzPts val="852"/>
-              <a:buNone/>
-            </a:pPr>
-            <a:r>
-              <a:rPr b="1" lang="en" sz="975">
-                <a:solidFill>
-                  <a:schemeClr val="dk2"/>
-                </a:solidFill>
-              </a:rPr>
-              <a:t>	Air Pressure</a:t>
-            </a:r>
-            <a:endParaRPr b="1" sz="975">
-              <a:solidFill>
-                <a:schemeClr val="dk2"/>
-              </a:solidFill>
-            </a:endParaRPr>
-          </a:p>
-          <a:p>
-            <a:pPr indent="0" lvl="0" marL="0" marR="0" rtl="0" algn="l">
-              <a:lnSpc>
-                <a:spcPct val="95000"/>
-              </a:lnSpc>
-              <a:spcBef>
-                <a:spcPts val="0"/>
-              </a:spcBef>
-              <a:spcAft>
-                <a:spcPts val="0"/>
-              </a:spcAft>
-              <a:buSzPts val="852"/>
-              <a:buNone/>
-            </a:pPr>
-            <a:r>
-              <a:t/>
-            </a:r>
-            <a:endParaRPr b="1" sz="1007"/>
-          </a:p>
-          <a:p>
-            <a:pPr indent="0" lvl="0" marL="0" marR="0" rtl="0" algn="l">
-              <a:lnSpc>
-                <a:spcPct val="95000"/>
-              </a:lnSpc>
-              <a:spcBef>
-                <a:spcPts val="0"/>
-              </a:spcBef>
-              <a:spcAft>
-                <a:spcPts val="0"/>
-              </a:spcAft>
-              <a:buSzPts val="852"/>
-              <a:buNone/>
-            </a:pPr>
-            <a:r>
-              <a:rPr b="1" lang="en" sz="907"/>
-              <a:t>*For further breakdown of Data Exploration please refer to the “Data Exploration” section of the README file of our GitHub repository. </a:t>
-            </a:r>
-            <a:endParaRPr b="1" sz="907"/>
-          </a:p>
-        </p:txBody>
-      </p:sp>
-    </p:spTree>
-  </p:cSld>
-  <p:clrMapOvr>
-    <a:masterClrMapping/>
-  </p:clrMapOvr>
-</p:sld>
-</file>
-
-<file path=ppt/slides/slide4.xml><?xml version="1.0" encoding="utf-8"?>
-<p:sld xmlns:a="http://schemas.openxmlformats.org/drawingml/2006/main" xmlns:r="http://schemas.openxmlformats.org/officeDocument/2006/relationships" xmlns:mc="http://schemas.openxmlformats.org/markup-compatibility/2006" xmlns:mv="urn:schemas-microsoft-com:mac:vml" xmlns:p="http://schemas.openxmlformats.org/presentationml/2006/main" xmlns:c="http://schemas.openxmlformats.org/drawingml/2006/chart" xmlns:dgm="http://schemas.openxmlformats.org/drawingml/2006/diagram" xmlns:o="urn:schemas-microsoft-com:office:office" xmlns:v="urn:schemas-microsoft-com:vml" xmlns:pvml="urn:schemas-microsoft-com:office:powerpoint" xmlns:com="http://schemas.openxmlformats.org/drawingml/2006/compatibility" xmlns:p14="http://schemas.microsoft.com/office/powerpoint/2010/main" xmlns:p15="http://schemas.microsoft.com/office/powerpoint/2012/main" xmlns:ahyp="http://schemas.microsoft.com/office/drawing/2018/hyperlinkcolor">
-  <p:cSld>
-    <p:spTree>
-      <p:nvGrpSpPr>
-        <p:cNvPr id="154" name="Shape 154"/>
-        <p:cNvGrpSpPr/>
-        <p:nvPr/>
-      </p:nvGrpSpPr>
-      <p:grpSpPr>
-        <a:xfrm>
-          <a:off x="0" y="0"/>
-          <a:ext cx="0" cy="0"/>
-          <a:chOff x="0" y="0"/>
-          <a:chExt cx="0" cy="0"/>
-        </a:xfrm>
-      </p:grpSpPr>
-      <p:sp>
-        <p:nvSpPr>
-          <p:cNvPr id="155" name="Google Shape;155;p16"/>
-          <p:cNvSpPr txBox="1"/>
-          <p:nvPr>
-            <p:ph type="title"/>
-          </p:nvPr>
-        </p:nvSpPr>
-        <p:spPr>
-          <a:xfrm>
-            <a:off x="1297500" y="393750"/>
-            <a:ext cx="7038900" cy="914100"/>
-          </a:xfrm>
-          <a:prstGeom prst="rect">
-            <a:avLst/>
-          </a:prstGeom>
-        </p:spPr>
-        <p:txBody>
-          <a:bodyPr anchorCtr="0" anchor="t" bIns="91425" lIns="91425" spcFirstLastPara="1" rIns="91425" wrap="square" tIns="91425">
-            <a:normAutofit/>
-          </a:bodyPr>
-          <a:lstStyle/>
-          <a:p>
-            <a:pPr indent="0" lvl="0" marL="0" rtl="0" algn="l">
-              <a:spcBef>
-                <a:spcPts val="0"/>
-              </a:spcBef>
-              <a:spcAft>
-                <a:spcPts val="0"/>
-              </a:spcAft>
-              <a:buNone/>
-            </a:pPr>
-            <a:r>
-              <a:rPr lang="en"/>
-              <a:t>Presentation </a:t>
-            </a:r>
-            <a:endParaRPr/>
-          </a:p>
-          <a:p>
-            <a:pPr indent="0" lvl="0" marL="0" rtl="0" algn="l">
-              <a:spcBef>
-                <a:spcPts val="0"/>
-              </a:spcBef>
-              <a:spcAft>
-                <a:spcPts val="0"/>
-              </a:spcAft>
-              <a:buNone/>
-            </a:pPr>
-            <a:r>
-              <a:rPr lang="en" sz="1288">
-                <a:solidFill>
-                  <a:srgbClr val="B7B7B7"/>
-                </a:solidFill>
-              </a:rPr>
-              <a:t>Data Analysis</a:t>
-            </a:r>
-            <a:endParaRPr sz="1288">
-              <a:solidFill>
-                <a:srgbClr val="B7B7B7"/>
-              </a:solidFill>
-            </a:endParaRPr>
-          </a:p>
-        </p:txBody>
-      </p:sp>
-      <p:sp>
-        <p:nvSpPr>
-          <p:cNvPr id="156" name="Google Shape;156;p16"/>
-          <p:cNvSpPr txBox="1"/>
-          <p:nvPr>
-            <p:ph idx="1" type="body"/>
-          </p:nvPr>
-        </p:nvSpPr>
-        <p:spPr>
-          <a:xfrm>
-            <a:off x="405825" y="1452125"/>
-            <a:ext cx="7930500" cy="3249600"/>
-          </a:xfrm>
-          <a:prstGeom prst="rect">
-            <a:avLst/>
-          </a:prstGeom>
-          <a:ln cap="flat" cmpd="sng" w="9525">
-            <a:solidFill>
-              <a:schemeClr val="lt1"/>
-            </a:solidFill>
-            <a:prstDash val="solid"/>
-            <a:round/>
-            <a:headEnd len="sm" w="sm" type="none"/>
-            <a:tailEnd len="sm" w="sm" type="none"/>
-          </a:ln>
-        </p:spPr>
-        <p:txBody>
-          <a:bodyPr anchorCtr="0" anchor="t" bIns="91425" lIns="91425" spcFirstLastPara="1" rIns="91425" wrap="square" tIns="91425">
-            <a:noAutofit/>
-          </a:bodyPr>
-          <a:lstStyle/>
-          <a:p>
-            <a:pPr indent="0" lvl="0" marL="0" marR="0" rtl="0" algn="l">
-              <a:lnSpc>
-                <a:spcPct val="95000"/>
-              </a:lnSpc>
-              <a:spcBef>
-                <a:spcPts val="0"/>
-              </a:spcBef>
-              <a:spcAft>
-                <a:spcPts val="0"/>
-              </a:spcAft>
-              <a:buSzPts val="852"/>
-              <a:buNone/>
-            </a:pPr>
-            <a:r>
-              <a:rPr b="1" lang="en" sz="1707"/>
-              <a:t>How to evaluate the cluster </a:t>
-            </a:r>
-            <a:r>
-              <a:rPr b="1" lang="en" sz="1707"/>
-              <a:t>analysis…</a:t>
-            </a:r>
-            <a:r>
-              <a:rPr b="1" lang="en" sz="1707"/>
-              <a:t> </a:t>
-            </a:r>
-            <a:endParaRPr b="1" sz="1707"/>
-          </a:p>
-          <a:p>
-            <a:pPr indent="0" lvl="0" marL="0" marR="0" rtl="0" algn="l">
-              <a:lnSpc>
-                <a:spcPct val="95000"/>
-              </a:lnSpc>
-              <a:spcBef>
-                <a:spcPts val="0"/>
-              </a:spcBef>
-              <a:spcAft>
-                <a:spcPts val="0"/>
-              </a:spcAft>
-              <a:buSzPts val="852"/>
-              <a:buNone/>
-            </a:pPr>
-            <a:r>
-              <a:t/>
-            </a:r>
-            <a:endParaRPr b="1" sz="1407"/>
-          </a:p>
-          <a:p>
-            <a:pPr indent="0" lvl="0" marL="0" marR="0" rtl="0" algn="l">
-              <a:lnSpc>
-                <a:spcPct val="95000"/>
-              </a:lnSpc>
-              <a:spcBef>
-                <a:spcPts val="0"/>
-              </a:spcBef>
-              <a:spcAft>
-                <a:spcPts val="0"/>
-              </a:spcAft>
-              <a:buSzPts val="852"/>
-              <a:buNone/>
-            </a:pPr>
-            <a:r>
-              <a:rPr lang="en" sz="1407"/>
-              <a:t>Once the </a:t>
-            </a:r>
-            <a:r>
-              <a:rPr b="1" lang="en" sz="1407"/>
-              <a:t>Kmeans</a:t>
-            </a:r>
-            <a:r>
-              <a:rPr lang="en" sz="1407"/>
-              <a:t> and </a:t>
-            </a:r>
-            <a:r>
-              <a:rPr b="1" lang="en" sz="1407"/>
-              <a:t>Affinity Propagation method</a:t>
-            </a:r>
-            <a:r>
-              <a:rPr lang="en" sz="1407"/>
-              <a:t> have generated there respective clusters, we then </a:t>
-            </a:r>
-            <a:r>
-              <a:rPr lang="en" sz="1407"/>
-              <a:t>incorporate</a:t>
-            </a:r>
-            <a:r>
-              <a:rPr lang="en" sz="1407"/>
-              <a:t> the </a:t>
-            </a:r>
-            <a:r>
-              <a:rPr i="1" lang="en" sz="1407"/>
-              <a:t>classifications</a:t>
-            </a:r>
-            <a:r>
-              <a:rPr lang="en" sz="1407"/>
-              <a:t> with the original dataset so the true values prior to standardization are joined and exported as datasets. </a:t>
-            </a:r>
-            <a:endParaRPr sz="1407"/>
-          </a:p>
-          <a:p>
-            <a:pPr indent="0" lvl="0" marL="0" marR="0" rtl="0" algn="l">
-              <a:lnSpc>
-                <a:spcPct val="95000"/>
-              </a:lnSpc>
-              <a:spcBef>
-                <a:spcPts val="0"/>
-              </a:spcBef>
-              <a:spcAft>
-                <a:spcPts val="0"/>
-              </a:spcAft>
-              <a:buSzPts val="852"/>
-              <a:buNone/>
-            </a:pPr>
-            <a:r>
-              <a:t/>
-            </a:r>
-            <a:endParaRPr sz="1407"/>
-          </a:p>
-          <a:p>
-            <a:pPr indent="0" lvl="0" marL="0" marR="0" rtl="0" algn="l">
-              <a:lnSpc>
-                <a:spcPct val="95000"/>
-              </a:lnSpc>
-              <a:spcBef>
-                <a:spcPts val="0"/>
-              </a:spcBef>
-              <a:spcAft>
-                <a:spcPts val="0"/>
-              </a:spcAft>
-              <a:buSzPts val="852"/>
-              <a:buNone/>
-            </a:pPr>
-            <a:r>
-              <a:rPr lang="en" sz="1407"/>
-              <a:t>With these datasets we can then see which cities were clustered with Austin, TX and compare the original value for housing, income, population, and weather to see if these do indeed share similar traits or have varying values </a:t>
-            </a:r>
-            <a:r>
-              <a:rPr lang="en" sz="1407"/>
-              <a:t>in order</a:t>
-            </a:r>
-            <a:r>
-              <a:rPr lang="en" sz="1407"/>
-              <a:t> to validate the clustering methods. </a:t>
-            </a:r>
-            <a:endParaRPr sz="1407"/>
-          </a:p>
-          <a:p>
-            <a:pPr indent="0" lvl="0" marL="0" marR="0" rtl="0" algn="l">
-              <a:lnSpc>
-                <a:spcPct val="95000"/>
-              </a:lnSpc>
-              <a:spcBef>
-                <a:spcPts val="0"/>
-              </a:spcBef>
-              <a:spcAft>
-                <a:spcPts val="0"/>
-              </a:spcAft>
-              <a:buSzPts val="852"/>
-              <a:buNone/>
-            </a:pPr>
-            <a:r>
-              <a:t/>
-            </a:r>
-            <a:endParaRPr sz="1407"/>
-          </a:p>
-          <a:p>
-            <a:pPr indent="0" lvl="0" marL="0" marR="0" rtl="0" algn="l">
-              <a:lnSpc>
-                <a:spcPct val="95000"/>
-              </a:lnSpc>
-              <a:spcBef>
-                <a:spcPts val="0"/>
-              </a:spcBef>
-              <a:spcAft>
-                <a:spcPts val="0"/>
-              </a:spcAft>
-              <a:buSzPts val="852"/>
-              <a:buNone/>
-            </a:pPr>
-            <a:r>
-              <a:t/>
-            </a:r>
-            <a:endParaRPr sz="1507"/>
-          </a:p>
-          <a:p>
-            <a:pPr indent="0" lvl="0" marL="0" marR="0" rtl="0" algn="l">
-              <a:lnSpc>
-                <a:spcPct val="95000"/>
-              </a:lnSpc>
-              <a:spcBef>
-                <a:spcPts val="0"/>
-              </a:spcBef>
-              <a:spcAft>
-                <a:spcPts val="0"/>
-              </a:spcAft>
-              <a:buSzPts val="852"/>
-              <a:buNone/>
-            </a:pPr>
-            <a:r>
-              <a:rPr lang="en" sz="1107"/>
-              <a:t>*</a:t>
-            </a:r>
-            <a:r>
-              <a:rPr b="1" lang="en" sz="1007"/>
-              <a:t>For further breakdown of Data Analysis  please refer to  the README file of our GitHub repository. </a:t>
-            </a:r>
-            <a:endParaRPr sz="1107"/>
-          </a:p>
-          <a:p>
-            <a:pPr indent="0" lvl="0" marL="0" marR="0" rtl="0" algn="l">
-              <a:lnSpc>
-                <a:spcPct val="95000"/>
-              </a:lnSpc>
-              <a:spcBef>
-                <a:spcPts val="0"/>
-              </a:spcBef>
-              <a:spcAft>
-                <a:spcPts val="0"/>
-              </a:spcAft>
-              <a:buSzPts val="852"/>
-              <a:buNone/>
-            </a:pPr>
-            <a:r>
-              <a:t/>
-            </a:r>
-            <a:endParaRPr sz="1207"/>
-          </a:p>
-          <a:p>
-            <a:pPr indent="0" lvl="0" marL="0" marR="0" rtl="0" algn="l">
-              <a:lnSpc>
-                <a:spcPct val="95000"/>
-              </a:lnSpc>
-              <a:spcBef>
-                <a:spcPts val="0"/>
-              </a:spcBef>
-              <a:spcAft>
-                <a:spcPts val="0"/>
-              </a:spcAft>
-              <a:buSzPts val="852"/>
-              <a:buNone/>
-            </a:pPr>
-            <a:r>
-              <a:t/>
-            </a:r>
-            <a:endParaRPr sz="1207"/>
-          </a:p>
-        </p:txBody>
-      </p:sp>
-    </p:spTree>
-  </p:cSld>
-  <p:clrMapOvr>
-    <a:masterClrMapping/>
-  </p:clrMapOvr>
-</p:sld>
-</file>
-
-<file path=ppt/slides/slide5.xml><?xml version="1.0" encoding="utf-8"?>
-<p:sld xmlns:a="http://schemas.openxmlformats.org/drawingml/2006/main" xmlns:r="http://schemas.openxmlformats.org/officeDocument/2006/relationships" xmlns:mc="http://schemas.openxmlformats.org/markup-compatibility/2006" xmlns:mv="urn:schemas-microsoft-com:mac:vml" xmlns:p="http://schemas.openxmlformats.org/presentationml/2006/main" xmlns:c="http://schemas.openxmlformats.org/drawingml/2006/chart" xmlns:dgm="http://schemas.openxmlformats.org/drawingml/2006/diagram" xmlns:o="urn:schemas-microsoft-com:office:office" xmlns:v="urn:schemas-microsoft-com:vml" xmlns:pvml="urn:schemas-microsoft-com:office:powerpoint" xmlns:com="http://schemas.openxmlformats.org/drawingml/2006/compatibility" xmlns:p14="http://schemas.microsoft.com/office/powerpoint/2010/main" xmlns:p15="http://schemas.microsoft.com/office/powerpoint/2012/main" xmlns:ahyp="http://schemas.microsoft.com/office/drawing/2018/hyperlinkcolor">
-  <p:cSld>
-    <p:spTree>
-      <p:nvGrpSpPr>
-        <p:cNvPr id="160" name="Shape 160"/>
-        <p:cNvGrpSpPr/>
-        <p:nvPr/>
-      </p:nvGrpSpPr>
-      <p:grpSpPr>
-        <a:xfrm>
-          <a:off x="0" y="0"/>
-          <a:ext cx="0" cy="0"/>
-          <a:chOff x="0" y="0"/>
-          <a:chExt cx="0" cy="0"/>
-        </a:xfrm>
-      </p:grpSpPr>
-      <p:sp>
-        <p:nvSpPr>
-          <p:cNvPr id="161" name="Google Shape;161;p17"/>
-          <p:cNvSpPr txBox="1"/>
-          <p:nvPr>
-            <p:ph type="title"/>
-          </p:nvPr>
-        </p:nvSpPr>
-        <p:spPr>
-          <a:xfrm>
-            <a:off x="1297500" y="393750"/>
-            <a:ext cx="7038900" cy="914100"/>
-          </a:xfrm>
-          <a:prstGeom prst="rect">
-            <a:avLst/>
-          </a:prstGeom>
-        </p:spPr>
-        <p:txBody>
-          <a:bodyPr anchorCtr="0" anchor="t" bIns="91425" lIns="91425" spcFirstLastPara="1" rIns="91425" wrap="square" tIns="91425">
-            <a:normAutofit/>
-          </a:bodyPr>
-          <a:lstStyle/>
-          <a:p>
-            <a:pPr indent="0" lvl="0" marL="0" rtl="0" algn="l">
-              <a:spcBef>
-                <a:spcPts val="0"/>
-              </a:spcBef>
-              <a:spcAft>
-                <a:spcPts val="0"/>
-              </a:spcAft>
-              <a:buNone/>
-            </a:pPr>
-            <a:r>
-              <a:rPr lang="en"/>
               <a:t>Data Pipeline Management</a:t>
             </a:r>
             <a:endParaRPr/>
@@ -11447,7 +9991,7 @@
       </p:sp>
       <p:pic>
         <p:nvPicPr>
-          <p:cNvPr id="162" name="Google Shape;162;p17"/>
+          <p:cNvPr id="150" name="Google Shape;150;p15"/>
           <p:cNvPicPr preferRelativeResize="0"/>
           <p:nvPr/>
         </p:nvPicPr>
@@ -11475,7 +10019,7 @@
       </p:pic>
       <p:pic>
         <p:nvPicPr>
-          <p:cNvPr id="163" name="Google Shape;163;p17"/>
+          <p:cNvPr id="151" name="Google Shape;151;p15"/>
           <p:cNvPicPr preferRelativeResize="0"/>
           <p:nvPr/>
         </p:nvPicPr>
@@ -11503,12 +10047,40 @@
       </p:pic>
       <p:pic>
         <p:nvPicPr>
-          <p:cNvPr id="164" name="Google Shape;164;p17"/>
+          <p:cNvPr id="152" name="Google Shape;152;p15"/>
           <p:cNvPicPr preferRelativeResize="0"/>
           <p:nvPr/>
         </p:nvPicPr>
         <p:blipFill>
           <a:blip r:embed="rId5">
+            <a:alphaModFix/>
+          </a:blip>
+          <a:stretch>
+            <a:fillRect/>
+          </a:stretch>
+        </p:blipFill>
+        <p:spPr>
+          <a:xfrm>
+            <a:off x="3108350" y="3571675"/>
+            <a:ext cx="1346125" cy="1346125"/>
+          </a:xfrm>
+          <a:prstGeom prst="rect">
+            <a:avLst/>
+          </a:prstGeom>
+          <a:noFill/>
+          <a:ln>
+            <a:noFill/>
+          </a:ln>
+        </p:spPr>
+      </p:pic>
+      <p:pic>
+        <p:nvPicPr>
+          <p:cNvPr id="153" name="Google Shape;153;p15"/>
+          <p:cNvPicPr preferRelativeResize="0"/>
+          <p:nvPr/>
+        </p:nvPicPr>
+        <p:blipFill>
+          <a:blip r:embed="rId6">
             <a:alphaModFix/>
           </a:blip>
           <a:stretch>
@@ -11531,7 +10103,7 @@
       </p:pic>
       <p:sp>
         <p:nvSpPr>
-          <p:cNvPr id="165" name="Google Shape;165;p17"/>
+          <p:cNvPr id="154" name="Google Shape;154;p15"/>
           <p:cNvSpPr/>
           <p:nvPr/>
         </p:nvSpPr>
@@ -11582,7 +10154,7 @@
       </p:sp>
       <p:grpSp>
         <p:nvGrpSpPr>
-          <p:cNvPr id="166" name="Google Shape;166;p17"/>
+          <p:cNvPr id="155" name="Google Shape;155;p15"/>
           <p:cNvGrpSpPr/>
           <p:nvPr/>
         </p:nvGrpSpPr>
@@ -11596,7 +10168,7 @@
         </p:grpSpPr>
         <p:sp>
           <p:nvSpPr>
-            <p:cNvPr id="167" name="Google Shape;167;p17"/>
+            <p:cNvPr id="156" name="Google Shape;156;p15"/>
             <p:cNvSpPr/>
             <p:nvPr/>
           </p:nvSpPr>
@@ -11643,7 +10215,7 @@
         </p:sp>
         <p:sp>
           <p:nvSpPr>
-            <p:cNvPr id="168" name="Google Shape;168;p17"/>
+            <p:cNvPr id="157" name="Google Shape;157;p15"/>
             <p:cNvSpPr txBox="1"/>
             <p:nvPr/>
           </p:nvSpPr>
@@ -11704,7 +10276,7 @@
         </p:sp>
         <p:sp>
           <p:nvSpPr>
-            <p:cNvPr id="169" name="Google Shape;169;p17"/>
+            <p:cNvPr id="158" name="Google Shape;158;p15"/>
             <p:cNvSpPr txBox="1"/>
             <p:nvPr/>
           </p:nvSpPr>
@@ -11765,7 +10337,7 @@
         </p:sp>
         <p:sp>
           <p:nvSpPr>
-            <p:cNvPr id="170" name="Google Shape;170;p17"/>
+            <p:cNvPr id="159" name="Google Shape;159;p15"/>
             <p:cNvSpPr txBox="1"/>
             <p:nvPr/>
           </p:nvSpPr>
@@ -11827,7 +10399,7 @@
       </p:grpSp>
       <p:sp>
         <p:nvSpPr>
-          <p:cNvPr id="171" name="Google Shape;171;p17"/>
+          <p:cNvPr id="160" name="Google Shape;160;p15"/>
           <p:cNvSpPr/>
           <p:nvPr/>
         </p:nvSpPr>
@@ -11872,7 +10444,7 @@
       </p:sp>
       <p:sp>
         <p:nvSpPr>
-          <p:cNvPr id="172" name="Google Shape;172;p17"/>
+          <p:cNvPr id="161" name="Google Shape;161;p15"/>
           <p:cNvSpPr/>
           <p:nvPr/>
         </p:nvSpPr>
@@ -11917,7 +10489,7 @@
       </p:sp>
       <p:grpSp>
         <p:nvGrpSpPr>
-          <p:cNvPr id="173" name="Google Shape;173;p17"/>
+          <p:cNvPr id="162" name="Google Shape;162;p15"/>
           <p:cNvGrpSpPr/>
           <p:nvPr/>
         </p:nvGrpSpPr>
@@ -11931,7 +10503,7 @@
         </p:grpSpPr>
         <p:sp>
           <p:nvSpPr>
-            <p:cNvPr id="174" name="Google Shape;174;p17"/>
+            <p:cNvPr id="163" name="Google Shape;163;p15"/>
             <p:cNvSpPr/>
             <p:nvPr/>
           </p:nvSpPr>
@@ -11978,7 +10550,7 @@
         </p:sp>
         <p:sp>
           <p:nvSpPr>
-            <p:cNvPr id="175" name="Google Shape;175;p17"/>
+            <p:cNvPr id="164" name="Google Shape;164;p15"/>
             <p:cNvSpPr txBox="1"/>
             <p:nvPr/>
           </p:nvSpPr>
@@ -12039,7 +10611,7 @@
         </p:sp>
         <p:sp>
           <p:nvSpPr>
-            <p:cNvPr id="176" name="Google Shape;176;p17"/>
+            <p:cNvPr id="165" name="Google Shape;165;p15"/>
             <p:cNvSpPr txBox="1"/>
             <p:nvPr/>
           </p:nvSpPr>
@@ -12124,7 +10696,7 @@
         </p:sp>
         <p:sp>
           <p:nvSpPr>
-            <p:cNvPr id="177" name="Google Shape;177;p17"/>
+            <p:cNvPr id="166" name="Google Shape;166;p15"/>
             <p:cNvSpPr txBox="1"/>
             <p:nvPr/>
           </p:nvSpPr>
@@ -12186,7 +10758,7 @@
       </p:grpSp>
       <p:grpSp>
         <p:nvGrpSpPr>
-          <p:cNvPr id="178" name="Google Shape;178;p17"/>
+          <p:cNvPr id="167" name="Google Shape;167;p15"/>
           <p:cNvGrpSpPr/>
           <p:nvPr/>
         </p:nvGrpSpPr>
@@ -12200,7 +10772,7 @@
         </p:grpSpPr>
         <p:sp>
           <p:nvSpPr>
-            <p:cNvPr id="179" name="Google Shape;179;p17"/>
+            <p:cNvPr id="168" name="Google Shape;168;p15"/>
             <p:cNvSpPr/>
             <p:nvPr/>
           </p:nvSpPr>
@@ -12247,7 +10819,7 @@
         </p:sp>
         <p:sp>
           <p:nvSpPr>
-            <p:cNvPr id="180" name="Google Shape;180;p17"/>
+            <p:cNvPr id="169" name="Google Shape;169;p15"/>
             <p:cNvSpPr txBox="1"/>
             <p:nvPr/>
           </p:nvSpPr>
@@ -12308,7 +10880,7 @@
         </p:sp>
         <p:sp>
           <p:nvSpPr>
-            <p:cNvPr id="181" name="Google Shape;181;p17"/>
+            <p:cNvPr id="170" name="Google Shape;170;p15"/>
             <p:cNvSpPr txBox="1"/>
             <p:nvPr/>
           </p:nvSpPr>
@@ -12503,7 +11075,7 @@
         </p:sp>
         <p:sp>
           <p:nvSpPr>
-            <p:cNvPr id="182" name="Google Shape;182;p17"/>
+            <p:cNvPr id="171" name="Google Shape;171;p15"/>
             <p:cNvSpPr txBox="1"/>
             <p:nvPr/>
           </p:nvSpPr>
@@ -12565,7 +11137,7 @@
       </p:grpSp>
       <p:grpSp>
         <p:nvGrpSpPr>
-          <p:cNvPr id="183" name="Google Shape;183;p17"/>
+          <p:cNvPr id="172" name="Google Shape;172;p15"/>
           <p:cNvGrpSpPr/>
           <p:nvPr/>
         </p:nvGrpSpPr>
@@ -12579,7 +11151,7 @@
         </p:grpSpPr>
         <p:sp>
           <p:nvSpPr>
-            <p:cNvPr id="184" name="Google Shape;184;p17"/>
+            <p:cNvPr id="173" name="Google Shape;173;p15"/>
             <p:cNvSpPr/>
             <p:nvPr/>
           </p:nvSpPr>
@@ -12626,7 +11198,7 @@
         </p:sp>
         <p:sp>
           <p:nvSpPr>
-            <p:cNvPr id="185" name="Google Shape;185;p17"/>
+            <p:cNvPr id="174" name="Google Shape;174;p15"/>
             <p:cNvSpPr txBox="1"/>
             <p:nvPr/>
           </p:nvSpPr>
@@ -12687,7 +11259,7 @@
         </p:sp>
         <p:sp>
           <p:nvSpPr>
-            <p:cNvPr id="186" name="Google Shape;186;p17"/>
+            <p:cNvPr id="175" name="Google Shape;175;p15"/>
             <p:cNvSpPr txBox="1"/>
             <p:nvPr/>
           </p:nvSpPr>
@@ -12732,7 +11304,7 @@
                   <a:cs typeface="Roboto"/>
                   <a:sym typeface="Roboto"/>
                 </a:rPr>
-                <a:t>Stored raw files on AWS S3 buckets, and utilizing AWS RDS and Postgres for our Database. </a:t>
+                <a:t>Store raw and cleaned data on MongoDB Atlas Clusters as collections (JSON) </a:t>
               </a:r>
               <a:endParaRPr sz="800">
                 <a:solidFill>
@@ -12748,7 +11320,7 @@
         </p:sp>
         <p:sp>
           <p:nvSpPr>
-            <p:cNvPr id="187" name="Google Shape;187;p17"/>
+            <p:cNvPr id="176" name="Google Shape;176;p15"/>
             <p:cNvSpPr txBox="1"/>
             <p:nvPr/>
           </p:nvSpPr>
@@ -12810,12 +11382,12 @@
       </p:grpSp>
       <p:pic>
         <p:nvPicPr>
-          <p:cNvPr id="188" name="Google Shape;188;p17"/>
+          <p:cNvPr id="177" name="Google Shape;177;p15"/>
           <p:cNvPicPr preferRelativeResize="0"/>
           <p:nvPr/>
         </p:nvPicPr>
         <p:blipFill rotWithShape="1">
-          <a:blip r:embed="rId6">
+          <a:blip r:embed="rId7">
             <a:alphaModFix/>
           </a:blip>
           <a:srcRect b="30171" l="3365" r="4426" t="5511"/>
@@ -12837,12 +11409,12 @@
       </p:pic>
       <p:pic>
         <p:nvPicPr>
-          <p:cNvPr id="189" name="Google Shape;189;p17"/>
+          <p:cNvPr id="178" name="Google Shape;178;p15"/>
           <p:cNvPicPr preferRelativeResize="0"/>
           <p:nvPr/>
         </p:nvPicPr>
         <p:blipFill>
-          <a:blip r:embed="rId7">
+          <a:blip r:embed="rId8">
             <a:alphaModFix/>
           </a:blip>
           <a:stretch>
@@ -12865,12 +11437,12 @@
       </p:pic>
       <p:pic>
         <p:nvPicPr>
-          <p:cNvPr id="190" name="Google Shape;190;p17"/>
+          <p:cNvPr id="179" name="Google Shape;179;p15"/>
           <p:cNvPicPr preferRelativeResize="0"/>
           <p:nvPr/>
         </p:nvPicPr>
         <p:blipFill>
-          <a:blip r:embed="rId8">
+          <a:blip r:embed="rId9">
             <a:alphaModFix/>
           </a:blip>
           <a:stretch>
@@ -12893,12 +11465,12 @@
       </p:pic>
       <p:pic>
         <p:nvPicPr>
-          <p:cNvPr id="191" name="Google Shape;191;p17"/>
+          <p:cNvPr id="180" name="Google Shape;180;p15"/>
           <p:cNvPicPr preferRelativeResize="0"/>
           <p:nvPr/>
         </p:nvPicPr>
         <p:blipFill>
-          <a:blip r:embed="rId9">
+          <a:blip r:embed="rId10">
             <a:alphaModFix/>
           </a:blip>
           <a:stretch>
@@ -12919,3010 +11491,6 @@
           </a:ln>
         </p:spPr>
       </p:pic>
-      <p:pic>
-        <p:nvPicPr>
-          <p:cNvPr id="192" name="Google Shape;192;p17"/>
-          <p:cNvPicPr preferRelativeResize="0"/>
-          <p:nvPr/>
-        </p:nvPicPr>
-        <p:blipFill>
-          <a:blip r:embed="rId10">
-            <a:alphaModFix/>
-          </a:blip>
-          <a:stretch>
-            <a:fillRect/>
-          </a:stretch>
-        </p:blipFill>
-        <p:spPr>
-          <a:xfrm>
-            <a:off x="3162048" y="3773088"/>
-            <a:ext cx="1137250" cy="1137250"/>
-          </a:xfrm>
-          <a:prstGeom prst="rect">
-            <a:avLst/>
-          </a:prstGeom>
-          <a:noFill/>
-          <a:ln>
-            <a:noFill/>
-          </a:ln>
-        </p:spPr>
-      </p:pic>
-    </p:spTree>
-  </p:cSld>
-  <p:clrMapOvr>
-    <a:masterClrMapping/>
-  </p:clrMapOvr>
-</p:sld>
-</file>
-
-<file path=ppt/slides/slide6.xml><?xml version="1.0" encoding="utf-8"?>
-<p:sld xmlns:a="http://schemas.openxmlformats.org/drawingml/2006/main" xmlns:r="http://schemas.openxmlformats.org/officeDocument/2006/relationships" xmlns:mc="http://schemas.openxmlformats.org/markup-compatibility/2006" xmlns:mv="urn:schemas-microsoft-com:mac:vml" xmlns:p="http://schemas.openxmlformats.org/presentationml/2006/main" xmlns:c="http://schemas.openxmlformats.org/drawingml/2006/chart" xmlns:dgm="http://schemas.openxmlformats.org/drawingml/2006/diagram" xmlns:o="urn:schemas-microsoft-com:office:office" xmlns:v="urn:schemas-microsoft-com:vml" xmlns:pvml="urn:schemas-microsoft-com:office:powerpoint" xmlns:com="http://schemas.openxmlformats.org/drawingml/2006/compatibility" xmlns:p14="http://schemas.microsoft.com/office/powerpoint/2010/main" xmlns:p15="http://schemas.microsoft.com/office/powerpoint/2012/main" xmlns:ahyp="http://schemas.microsoft.com/office/drawing/2018/hyperlinkcolor">
-  <p:cSld>
-    <p:spTree>
-      <p:nvGrpSpPr>
-        <p:cNvPr id="196" name="Shape 196"/>
-        <p:cNvGrpSpPr/>
-        <p:nvPr/>
-      </p:nvGrpSpPr>
-      <p:grpSpPr>
-        <a:xfrm>
-          <a:off x="0" y="0"/>
-          <a:ext cx="0" cy="0"/>
-          <a:chOff x="0" y="0"/>
-          <a:chExt cx="0" cy="0"/>
-        </a:xfrm>
-      </p:grpSpPr>
-      <p:sp>
-        <p:nvSpPr>
-          <p:cNvPr id="197" name="Google Shape;197;p18"/>
-          <p:cNvSpPr txBox="1"/>
-          <p:nvPr>
-            <p:ph type="title"/>
-          </p:nvPr>
-        </p:nvSpPr>
-        <p:spPr>
-          <a:xfrm>
-            <a:off x="1297500" y="393750"/>
-            <a:ext cx="7038900" cy="914100"/>
-          </a:xfrm>
-          <a:prstGeom prst="rect">
-            <a:avLst/>
-          </a:prstGeom>
-        </p:spPr>
-        <p:txBody>
-          <a:bodyPr anchorCtr="0" anchor="t" bIns="91425" lIns="91425" spcFirstLastPara="1" rIns="91425" wrap="square" tIns="91425">
-            <a:normAutofit/>
-          </a:bodyPr>
-          <a:lstStyle/>
-          <a:p>
-            <a:pPr indent="0" lvl="0" marL="0" rtl="0" algn="l">
-              <a:spcBef>
-                <a:spcPts val="0"/>
-              </a:spcBef>
-              <a:spcAft>
-                <a:spcPts val="0"/>
-              </a:spcAft>
-              <a:buNone/>
-            </a:pPr>
-            <a:r>
-              <a:rPr lang="en"/>
-              <a:t>Database Structure - Schema</a:t>
-            </a:r>
-            <a:endParaRPr/>
-          </a:p>
-          <a:p>
-            <a:pPr indent="0" lvl="0" marL="0" rtl="0" algn="l">
-              <a:spcBef>
-                <a:spcPts val="0"/>
-              </a:spcBef>
-              <a:spcAft>
-                <a:spcPts val="0"/>
-              </a:spcAft>
-              <a:buNone/>
-            </a:pPr>
-            <a:r>
-              <a:t/>
-            </a:r>
-            <a:endParaRPr sz="1088"/>
-          </a:p>
-        </p:txBody>
-      </p:sp>
-      <p:sp>
-        <p:nvSpPr>
-          <p:cNvPr id="198" name="Google Shape;198;p18"/>
-          <p:cNvSpPr txBox="1"/>
-          <p:nvPr/>
-        </p:nvSpPr>
-        <p:spPr>
-          <a:xfrm>
-            <a:off x="337750" y="1480175"/>
-            <a:ext cx="2915400" cy="2339700"/>
-          </a:xfrm>
-          <a:prstGeom prst="rect">
-            <a:avLst/>
-          </a:prstGeom>
-          <a:noFill/>
-          <a:ln cap="flat" cmpd="sng" w="9525">
-            <a:solidFill>
-              <a:schemeClr val="lt1"/>
-            </a:solidFill>
-            <a:prstDash val="solid"/>
-            <a:round/>
-            <a:headEnd len="sm" w="sm" type="none"/>
-            <a:tailEnd len="sm" w="sm" type="none"/>
-          </a:ln>
-        </p:spPr>
-        <p:txBody>
-          <a:bodyPr anchorCtr="0" anchor="t" bIns="91425" lIns="91425" spcFirstLastPara="1" rIns="91425" wrap="square" tIns="91425">
-            <a:spAutoFit/>
-          </a:bodyPr>
-          <a:lstStyle/>
-          <a:p>
-            <a:pPr indent="0" lvl="0" marL="0" rtl="0" algn="ctr">
-              <a:spcBef>
-                <a:spcPts val="0"/>
-              </a:spcBef>
-              <a:spcAft>
-                <a:spcPts val="0"/>
-              </a:spcAft>
-              <a:buNone/>
-            </a:pPr>
-            <a:r>
-              <a:rPr b="1" lang="en" sz="1000" u="sng">
-                <a:solidFill>
-                  <a:schemeClr val="lt1"/>
-                </a:solidFill>
-                <a:latin typeface="Lato"/>
-                <a:ea typeface="Lato"/>
-                <a:cs typeface="Lato"/>
-                <a:sym typeface="Lato"/>
-              </a:rPr>
-              <a:t>Housing Data</a:t>
-            </a:r>
-            <a:endParaRPr b="1" sz="1000" u="sng">
-              <a:solidFill>
-                <a:schemeClr val="lt1"/>
-              </a:solidFill>
-              <a:latin typeface="Lato"/>
-              <a:ea typeface="Lato"/>
-              <a:cs typeface="Lato"/>
-              <a:sym typeface="Lato"/>
-            </a:endParaRPr>
-          </a:p>
-          <a:p>
-            <a:pPr indent="0" lvl="0" marL="0" rtl="0" algn="ctr">
-              <a:spcBef>
-                <a:spcPts val="0"/>
-              </a:spcBef>
-              <a:spcAft>
-                <a:spcPts val="0"/>
-              </a:spcAft>
-              <a:buNone/>
-            </a:pPr>
-            <a:r>
-              <a:t/>
-            </a:r>
-            <a:endParaRPr b="1" sz="1000" u="sng">
-              <a:solidFill>
-                <a:schemeClr val="lt1"/>
-              </a:solidFill>
-              <a:latin typeface="Lato"/>
-              <a:ea typeface="Lato"/>
-              <a:cs typeface="Lato"/>
-              <a:sym typeface="Lato"/>
-            </a:endParaRPr>
-          </a:p>
-          <a:p>
-            <a:pPr indent="-292100" lvl="0" marL="457200" rtl="0" algn="l">
-              <a:spcBef>
-                <a:spcPts val="0"/>
-              </a:spcBef>
-              <a:spcAft>
-                <a:spcPts val="0"/>
-              </a:spcAft>
-              <a:buClr>
-                <a:schemeClr val="lt1"/>
-              </a:buClr>
-              <a:buSzPts val="1000"/>
-              <a:buFont typeface="Lato"/>
-              <a:buChar char="-"/>
-            </a:pPr>
-            <a:r>
-              <a:rPr lang="en" sz="1000">
-                <a:solidFill>
-                  <a:schemeClr val="lt1"/>
-                </a:solidFill>
-                <a:latin typeface="Lato"/>
-                <a:ea typeface="Lato"/>
-                <a:cs typeface="Lato"/>
-                <a:sym typeface="Lato"/>
-              </a:rPr>
-              <a:t>_id                   			object</a:t>
-            </a:r>
-            <a:endParaRPr sz="1000">
-              <a:solidFill>
-                <a:schemeClr val="lt1"/>
-              </a:solidFill>
-              <a:latin typeface="Lato"/>
-              <a:ea typeface="Lato"/>
-              <a:cs typeface="Lato"/>
-              <a:sym typeface="Lato"/>
-            </a:endParaRPr>
-          </a:p>
-          <a:p>
-            <a:pPr indent="-292100" lvl="0" marL="457200" rtl="0" algn="l">
-              <a:spcBef>
-                <a:spcPts val="0"/>
-              </a:spcBef>
-              <a:spcAft>
-                <a:spcPts val="0"/>
-              </a:spcAft>
-              <a:buClr>
-                <a:schemeClr val="lt1"/>
-              </a:buClr>
-              <a:buSzPts val="1000"/>
-              <a:buFont typeface="Lato"/>
-              <a:buChar char="-"/>
-            </a:pPr>
-            <a:r>
-              <a:rPr lang="en" sz="1000">
-                <a:solidFill>
-                  <a:schemeClr val="lt1"/>
-                </a:solidFill>
-                <a:latin typeface="Lato"/>
-                <a:ea typeface="Lato"/>
-                <a:cs typeface="Lato"/>
-                <a:sym typeface="Lato"/>
-              </a:rPr>
-              <a:t>date                  			object</a:t>
-            </a:r>
-            <a:endParaRPr sz="1000">
-              <a:solidFill>
-                <a:schemeClr val="lt1"/>
-              </a:solidFill>
-              <a:latin typeface="Lato"/>
-              <a:ea typeface="Lato"/>
-              <a:cs typeface="Lato"/>
-              <a:sym typeface="Lato"/>
-            </a:endParaRPr>
-          </a:p>
-          <a:p>
-            <a:pPr indent="-292100" lvl="0" marL="457200" rtl="0" algn="l">
-              <a:spcBef>
-                <a:spcPts val="0"/>
-              </a:spcBef>
-              <a:spcAft>
-                <a:spcPts val="0"/>
-              </a:spcAft>
-              <a:buClr>
-                <a:schemeClr val="lt1"/>
-              </a:buClr>
-              <a:buSzPts val="1000"/>
-              <a:buFont typeface="Lato"/>
-              <a:buChar char="-"/>
-            </a:pPr>
-            <a:r>
-              <a:rPr lang="en" sz="1000">
-                <a:solidFill>
-                  <a:schemeClr val="lt1"/>
-                </a:solidFill>
-                <a:latin typeface="Lato"/>
-                <a:ea typeface="Lato"/>
-                <a:cs typeface="Lato"/>
-                <a:sym typeface="Lato"/>
-              </a:rPr>
-              <a:t>metro_area/city       		object</a:t>
-            </a:r>
-            <a:endParaRPr sz="1000">
-              <a:solidFill>
-                <a:schemeClr val="lt1"/>
-              </a:solidFill>
-              <a:latin typeface="Lato"/>
-              <a:ea typeface="Lato"/>
-              <a:cs typeface="Lato"/>
-              <a:sym typeface="Lato"/>
-            </a:endParaRPr>
-          </a:p>
-          <a:p>
-            <a:pPr indent="-292100" lvl="0" marL="457200" rtl="0" algn="l">
-              <a:spcBef>
-                <a:spcPts val="0"/>
-              </a:spcBef>
-              <a:spcAft>
-                <a:spcPts val="0"/>
-              </a:spcAft>
-              <a:buClr>
-                <a:schemeClr val="lt1"/>
-              </a:buClr>
-              <a:buSzPts val="1000"/>
-              <a:buFont typeface="Lato"/>
-              <a:buChar char="-"/>
-            </a:pPr>
-            <a:r>
-              <a:rPr lang="en" sz="1000">
-                <a:solidFill>
-                  <a:schemeClr val="lt1"/>
-                </a:solidFill>
-                <a:latin typeface="Lato"/>
-                <a:ea typeface="Lato"/>
-                <a:cs typeface="Lato"/>
-                <a:sym typeface="Lato"/>
-              </a:rPr>
-              <a:t>median_listing_price 		float64</a:t>
-            </a:r>
-            <a:endParaRPr sz="1000">
-              <a:solidFill>
-                <a:schemeClr val="lt1"/>
-              </a:solidFill>
-              <a:latin typeface="Lato"/>
-              <a:ea typeface="Lato"/>
-              <a:cs typeface="Lato"/>
-              <a:sym typeface="Lato"/>
-            </a:endParaRPr>
-          </a:p>
-          <a:p>
-            <a:pPr indent="-292100" lvl="0" marL="457200" rtl="0" algn="l">
-              <a:spcBef>
-                <a:spcPts val="0"/>
-              </a:spcBef>
-              <a:spcAft>
-                <a:spcPts val="0"/>
-              </a:spcAft>
-              <a:buClr>
-                <a:schemeClr val="lt1"/>
-              </a:buClr>
-              <a:buSzPts val="1000"/>
-              <a:buFont typeface="Lato"/>
-              <a:buChar char="-"/>
-            </a:pPr>
-            <a:r>
-              <a:rPr lang="en" sz="1000">
-                <a:solidFill>
-                  <a:schemeClr val="lt1"/>
-                </a:solidFill>
-                <a:latin typeface="Lato"/>
-                <a:ea typeface="Lato"/>
-                <a:cs typeface="Lato"/>
-                <a:sym typeface="Lato"/>
-              </a:rPr>
-              <a:t>active_listing_count   		int64</a:t>
-            </a:r>
-            <a:endParaRPr sz="1000">
-              <a:solidFill>
-                <a:schemeClr val="lt1"/>
-              </a:solidFill>
-              <a:latin typeface="Lato"/>
-              <a:ea typeface="Lato"/>
-              <a:cs typeface="Lato"/>
-              <a:sym typeface="Lato"/>
-            </a:endParaRPr>
-          </a:p>
-          <a:p>
-            <a:pPr indent="-292100" lvl="0" marL="457200" rtl="0" algn="l">
-              <a:spcBef>
-                <a:spcPts val="0"/>
-              </a:spcBef>
-              <a:spcAft>
-                <a:spcPts val="0"/>
-              </a:spcAft>
-              <a:buClr>
-                <a:schemeClr val="lt1"/>
-              </a:buClr>
-              <a:buSzPts val="1000"/>
-              <a:buFont typeface="Lato"/>
-              <a:buChar char="-"/>
-            </a:pPr>
-            <a:r>
-              <a:rPr lang="en" sz="1000">
-                <a:solidFill>
-                  <a:schemeClr val="lt1"/>
-                </a:solidFill>
-                <a:latin typeface="Lato"/>
-                <a:ea typeface="Lato"/>
-                <a:cs typeface="Lato"/>
-                <a:sym typeface="Lato"/>
-              </a:rPr>
-              <a:t>median_days_on_market		float64</a:t>
-            </a:r>
-            <a:endParaRPr sz="1000">
-              <a:solidFill>
-                <a:schemeClr val="lt1"/>
-              </a:solidFill>
-              <a:latin typeface="Lato"/>
-              <a:ea typeface="Lato"/>
-              <a:cs typeface="Lato"/>
-              <a:sym typeface="Lato"/>
-            </a:endParaRPr>
-          </a:p>
-          <a:p>
-            <a:pPr indent="-292100" lvl="0" marL="457200" rtl="0" algn="l">
-              <a:spcBef>
-                <a:spcPts val="0"/>
-              </a:spcBef>
-              <a:spcAft>
-                <a:spcPts val="0"/>
-              </a:spcAft>
-              <a:buClr>
-                <a:schemeClr val="lt1"/>
-              </a:buClr>
-              <a:buSzPts val="1000"/>
-              <a:buFont typeface="Lato"/>
-              <a:buChar char="-"/>
-            </a:pPr>
-            <a:r>
-              <a:rPr lang="en" sz="1000">
-                <a:solidFill>
-                  <a:schemeClr val="lt1"/>
-                </a:solidFill>
-                <a:latin typeface="Lato"/>
-                <a:ea typeface="Lato"/>
-                <a:cs typeface="Lato"/>
-                <a:sym typeface="Lato"/>
-              </a:rPr>
-              <a:t>new_listing_count      		int64</a:t>
-            </a:r>
-            <a:endParaRPr sz="1000">
-              <a:solidFill>
-                <a:schemeClr val="lt1"/>
-              </a:solidFill>
-              <a:latin typeface="Lato"/>
-              <a:ea typeface="Lato"/>
-              <a:cs typeface="Lato"/>
-              <a:sym typeface="Lato"/>
-            </a:endParaRPr>
-          </a:p>
-          <a:p>
-            <a:pPr indent="-292100" lvl="0" marL="457200" rtl="0" algn="l">
-              <a:spcBef>
-                <a:spcPts val="0"/>
-              </a:spcBef>
-              <a:spcAft>
-                <a:spcPts val="0"/>
-              </a:spcAft>
-              <a:buClr>
-                <a:schemeClr val="lt1"/>
-              </a:buClr>
-              <a:buSzPts val="1000"/>
-              <a:buFont typeface="Lato"/>
-              <a:buChar char="-"/>
-            </a:pPr>
-            <a:r>
-              <a:rPr lang="en" sz="1000">
-                <a:solidFill>
-                  <a:schemeClr val="lt1"/>
-                </a:solidFill>
-                <a:latin typeface="Lato"/>
-                <a:ea typeface="Lato"/>
-                <a:cs typeface="Lato"/>
-                <a:sym typeface="Lato"/>
-              </a:rPr>
-              <a:t>price_increased_count  		int64</a:t>
-            </a:r>
-            <a:endParaRPr sz="1000">
-              <a:solidFill>
-                <a:schemeClr val="lt1"/>
-              </a:solidFill>
-              <a:latin typeface="Lato"/>
-              <a:ea typeface="Lato"/>
-              <a:cs typeface="Lato"/>
-              <a:sym typeface="Lato"/>
-            </a:endParaRPr>
-          </a:p>
-          <a:p>
-            <a:pPr indent="-292100" lvl="0" marL="457200" rtl="0" algn="l">
-              <a:spcBef>
-                <a:spcPts val="0"/>
-              </a:spcBef>
-              <a:spcAft>
-                <a:spcPts val="0"/>
-              </a:spcAft>
-              <a:buClr>
-                <a:schemeClr val="lt1"/>
-              </a:buClr>
-              <a:buSzPts val="1000"/>
-              <a:buFont typeface="Lato"/>
-              <a:buChar char="-"/>
-            </a:pPr>
-            <a:r>
-              <a:rPr lang="en" sz="1000">
-                <a:solidFill>
-                  <a:schemeClr val="lt1"/>
-                </a:solidFill>
-                <a:latin typeface="Lato"/>
-                <a:ea typeface="Lato"/>
-                <a:cs typeface="Lato"/>
-                <a:sym typeface="Lato"/>
-              </a:rPr>
-              <a:t>price_reduced_count    		int64</a:t>
-            </a:r>
-            <a:endParaRPr sz="1000">
-              <a:solidFill>
-                <a:schemeClr val="lt1"/>
-              </a:solidFill>
-              <a:latin typeface="Lato"/>
-              <a:ea typeface="Lato"/>
-              <a:cs typeface="Lato"/>
-              <a:sym typeface="Lato"/>
-            </a:endParaRPr>
-          </a:p>
-          <a:p>
-            <a:pPr indent="-292100" lvl="0" marL="457200" rtl="0" algn="l">
-              <a:spcBef>
-                <a:spcPts val="0"/>
-              </a:spcBef>
-              <a:spcAft>
-                <a:spcPts val="0"/>
-              </a:spcAft>
-              <a:buClr>
-                <a:schemeClr val="lt1"/>
-              </a:buClr>
-              <a:buSzPts val="1000"/>
-              <a:buFont typeface="Lato"/>
-              <a:buChar char="-"/>
-            </a:pPr>
-            <a:r>
-              <a:rPr lang="en" sz="1000">
-                <a:solidFill>
-                  <a:schemeClr val="lt1"/>
-                </a:solidFill>
-                <a:latin typeface="Lato"/>
-                <a:ea typeface="Lato"/>
-                <a:cs typeface="Lato"/>
-                <a:sym typeface="Lato"/>
-              </a:rPr>
-              <a:t>pending_listing_count  		int64</a:t>
-            </a:r>
-            <a:endParaRPr sz="1000">
-              <a:solidFill>
-                <a:schemeClr val="lt1"/>
-              </a:solidFill>
-              <a:latin typeface="Lato"/>
-              <a:ea typeface="Lato"/>
-              <a:cs typeface="Lato"/>
-              <a:sym typeface="Lato"/>
-            </a:endParaRPr>
-          </a:p>
-          <a:p>
-            <a:pPr indent="-292100" lvl="0" marL="457200" rtl="0" algn="l">
-              <a:spcBef>
-                <a:spcPts val="0"/>
-              </a:spcBef>
-              <a:spcAft>
-                <a:spcPts val="0"/>
-              </a:spcAft>
-              <a:buClr>
-                <a:schemeClr val="lt1"/>
-              </a:buClr>
-              <a:buSzPts val="1000"/>
-              <a:buFont typeface="Lato"/>
-              <a:buChar char="-"/>
-            </a:pPr>
-            <a:r>
-              <a:rPr lang="en" sz="1000">
-                <a:solidFill>
-                  <a:schemeClr val="lt1"/>
-                </a:solidFill>
-                <a:latin typeface="Lato"/>
-                <a:ea typeface="Lato"/>
-                <a:cs typeface="Lato"/>
-                <a:sym typeface="Lato"/>
-              </a:rPr>
-              <a:t>average_listing_price		float64</a:t>
-            </a:r>
-            <a:endParaRPr sz="1000">
-              <a:solidFill>
-                <a:schemeClr val="lt1"/>
-              </a:solidFill>
-              <a:latin typeface="Lato"/>
-              <a:ea typeface="Lato"/>
-              <a:cs typeface="Lato"/>
-              <a:sym typeface="Lato"/>
-            </a:endParaRPr>
-          </a:p>
-          <a:p>
-            <a:pPr indent="-292100" lvl="0" marL="457200" rtl="0" algn="l">
-              <a:spcBef>
-                <a:spcPts val="0"/>
-              </a:spcBef>
-              <a:spcAft>
-                <a:spcPts val="0"/>
-              </a:spcAft>
-              <a:buClr>
-                <a:schemeClr val="lt1"/>
-              </a:buClr>
-              <a:buSzPts val="1000"/>
-              <a:buFont typeface="Lato"/>
-              <a:buChar char="-"/>
-            </a:pPr>
-            <a:r>
-              <a:rPr lang="en" sz="1000">
-                <a:solidFill>
-                  <a:schemeClr val="lt1"/>
-                </a:solidFill>
-                <a:latin typeface="Lato"/>
-                <a:ea typeface="Lato"/>
-                <a:cs typeface="Lato"/>
-                <a:sym typeface="Lato"/>
-              </a:rPr>
-              <a:t>total_listing_count    		int64</a:t>
-            </a:r>
-            <a:endParaRPr sz="1000">
-              <a:solidFill>
-                <a:schemeClr val="lt1"/>
-              </a:solidFill>
-              <a:latin typeface="Lato"/>
-              <a:ea typeface="Lato"/>
-              <a:cs typeface="Lato"/>
-              <a:sym typeface="Lato"/>
-            </a:endParaRPr>
-          </a:p>
-        </p:txBody>
-      </p:sp>
-      <p:sp>
-        <p:nvSpPr>
-          <p:cNvPr id="199" name="Google Shape;199;p18"/>
-          <p:cNvSpPr txBox="1"/>
-          <p:nvPr/>
-        </p:nvSpPr>
-        <p:spPr>
-          <a:xfrm>
-            <a:off x="3791500" y="1150325"/>
-            <a:ext cx="2399700" cy="1015800"/>
-          </a:xfrm>
-          <a:prstGeom prst="rect">
-            <a:avLst/>
-          </a:prstGeom>
-          <a:noFill/>
-          <a:ln cap="flat" cmpd="sng" w="9525">
-            <a:solidFill>
-              <a:schemeClr val="lt1"/>
-            </a:solidFill>
-            <a:prstDash val="solid"/>
-            <a:round/>
-            <a:headEnd len="sm" w="sm" type="none"/>
-            <a:tailEnd len="sm" w="sm" type="none"/>
-          </a:ln>
-        </p:spPr>
-        <p:txBody>
-          <a:bodyPr anchorCtr="0" anchor="t" bIns="91425" lIns="91425" spcFirstLastPara="1" rIns="91425" wrap="square" tIns="91425">
-            <a:spAutoFit/>
-          </a:bodyPr>
-          <a:lstStyle/>
-          <a:p>
-            <a:pPr indent="0" lvl="0" marL="0" rtl="0" algn="ctr">
-              <a:spcBef>
-                <a:spcPts val="0"/>
-              </a:spcBef>
-              <a:spcAft>
-                <a:spcPts val="0"/>
-              </a:spcAft>
-              <a:buNone/>
-            </a:pPr>
-            <a:r>
-              <a:rPr b="1" lang="en" sz="900" u="sng">
-                <a:solidFill>
-                  <a:schemeClr val="lt1"/>
-                </a:solidFill>
-                <a:latin typeface="Lato"/>
-                <a:ea typeface="Lato"/>
-                <a:cs typeface="Lato"/>
-                <a:sym typeface="Lato"/>
-              </a:rPr>
-              <a:t>Population &amp; Income Data</a:t>
-            </a:r>
-            <a:endParaRPr b="1" sz="900" u="sng">
-              <a:solidFill>
-                <a:schemeClr val="lt1"/>
-              </a:solidFill>
-              <a:latin typeface="Lato"/>
-              <a:ea typeface="Lato"/>
-              <a:cs typeface="Lato"/>
-              <a:sym typeface="Lato"/>
-            </a:endParaRPr>
-          </a:p>
-          <a:p>
-            <a:pPr indent="0" lvl="0" marL="0" rtl="0" algn="ctr">
-              <a:spcBef>
-                <a:spcPts val="0"/>
-              </a:spcBef>
-              <a:spcAft>
-                <a:spcPts val="0"/>
-              </a:spcAft>
-              <a:buNone/>
-            </a:pPr>
-            <a:r>
-              <a:t/>
-            </a:r>
-            <a:endParaRPr b="1" sz="900" u="sng">
-              <a:solidFill>
-                <a:schemeClr val="lt1"/>
-              </a:solidFill>
-              <a:latin typeface="Lato"/>
-              <a:ea typeface="Lato"/>
-              <a:cs typeface="Lato"/>
-              <a:sym typeface="Lato"/>
-            </a:endParaRPr>
-          </a:p>
-          <a:p>
-            <a:pPr indent="-285750" lvl="0" marL="457200" rtl="0" algn="l">
-              <a:spcBef>
-                <a:spcPts val="0"/>
-              </a:spcBef>
-              <a:spcAft>
-                <a:spcPts val="0"/>
-              </a:spcAft>
-              <a:buClr>
-                <a:schemeClr val="lt1"/>
-              </a:buClr>
-              <a:buSzPts val="900"/>
-              <a:buFont typeface="Lato"/>
-              <a:buChar char="-"/>
-            </a:pPr>
-            <a:r>
-              <a:rPr lang="en" sz="900">
-                <a:solidFill>
-                  <a:schemeClr val="lt1"/>
-                </a:solidFill>
-                <a:latin typeface="Lato"/>
-                <a:ea typeface="Lato"/>
-                <a:cs typeface="Lato"/>
-                <a:sym typeface="Lato"/>
-              </a:rPr>
-              <a:t>_id                   	object</a:t>
-            </a:r>
-            <a:endParaRPr sz="900">
-              <a:solidFill>
-                <a:schemeClr val="lt1"/>
-              </a:solidFill>
-              <a:latin typeface="Lato"/>
-              <a:ea typeface="Lato"/>
-              <a:cs typeface="Lato"/>
-              <a:sym typeface="Lato"/>
-            </a:endParaRPr>
-          </a:p>
-          <a:p>
-            <a:pPr indent="-285750" lvl="0" marL="457200" rtl="0" algn="l">
-              <a:spcBef>
-                <a:spcPts val="0"/>
-              </a:spcBef>
-              <a:spcAft>
-                <a:spcPts val="0"/>
-              </a:spcAft>
-              <a:buClr>
-                <a:schemeClr val="lt1"/>
-              </a:buClr>
-              <a:buSzPts val="900"/>
-              <a:buFont typeface="Lato"/>
-              <a:buChar char="-"/>
-            </a:pPr>
-            <a:r>
-              <a:rPr lang="en" sz="900">
-                <a:solidFill>
-                  <a:schemeClr val="lt1"/>
-                </a:solidFill>
-                <a:latin typeface="Lato"/>
-                <a:ea typeface="Lato"/>
-                <a:cs typeface="Lato"/>
-                <a:sym typeface="Lato"/>
-              </a:rPr>
-              <a:t>metro_area/city     object</a:t>
-            </a:r>
-            <a:endParaRPr sz="900">
-              <a:solidFill>
-                <a:schemeClr val="lt1"/>
-              </a:solidFill>
-              <a:latin typeface="Lato"/>
-              <a:ea typeface="Lato"/>
-              <a:cs typeface="Lato"/>
-              <a:sym typeface="Lato"/>
-            </a:endParaRPr>
-          </a:p>
-          <a:p>
-            <a:pPr indent="-285750" lvl="0" marL="457200" rtl="0" algn="l">
-              <a:spcBef>
-                <a:spcPts val="0"/>
-              </a:spcBef>
-              <a:spcAft>
-                <a:spcPts val="0"/>
-              </a:spcAft>
-              <a:buClr>
-                <a:schemeClr val="lt1"/>
-              </a:buClr>
-              <a:buSzPts val="900"/>
-              <a:buFont typeface="Lato"/>
-              <a:buChar char="-"/>
-            </a:pPr>
-            <a:r>
-              <a:rPr lang="en" sz="900">
-                <a:solidFill>
-                  <a:schemeClr val="lt1"/>
-                </a:solidFill>
-                <a:latin typeface="Lato"/>
-                <a:ea typeface="Lato"/>
-                <a:cs typeface="Lato"/>
-                <a:sym typeface="Lato"/>
-              </a:rPr>
-              <a:t>i</a:t>
-            </a:r>
-            <a:r>
-              <a:rPr lang="en" sz="900">
-                <a:solidFill>
-                  <a:schemeClr val="lt1"/>
-                </a:solidFill>
-                <a:latin typeface="Lato"/>
-                <a:ea typeface="Lato"/>
-                <a:cs typeface="Lato"/>
-                <a:sym typeface="Lato"/>
-              </a:rPr>
-              <a:t>ncome 		i</a:t>
-            </a:r>
-            <a:r>
-              <a:rPr lang="en" sz="900">
-                <a:solidFill>
-                  <a:schemeClr val="lt1"/>
-                </a:solidFill>
-                <a:latin typeface="Lato"/>
-                <a:ea typeface="Lato"/>
-                <a:cs typeface="Lato"/>
-                <a:sym typeface="Lato"/>
-              </a:rPr>
-              <a:t>nt64</a:t>
-            </a:r>
-            <a:endParaRPr sz="900">
-              <a:solidFill>
-                <a:schemeClr val="lt1"/>
-              </a:solidFill>
-              <a:latin typeface="Lato"/>
-              <a:ea typeface="Lato"/>
-              <a:cs typeface="Lato"/>
-              <a:sym typeface="Lato"/>
-            </a:endParaRPr>
-          </a:p>
-          <a:p>
-            <a:pPr indent="-285750" lvl="0" marL="457200" rtl="0" algn="l">
-              <a:spcBef>
-                <a:spcPts val="0"/>
-              </a:spcBef>
-              <a:spcAft>
-                <a:spcPts val="0"/>
-              </a:spcAft>
-              <a:buClr>
-                <a:schemeClr val="lt1"/>
-              </a:buClr>
-              <a:buSzPts val="900"/>
-              <a:buFont typeface="Lato"/>
-              <a:buChar char="-"/>
-            </a:pPr>
-            <a:r>
-              <a:rPr lang="en" sz="900">
-                <a:solidFill>
-                  <a:schemeClr val="lt1"/>
-                </a:solidFill>
-                <a:latin typeface="Lato"/>
-                <a:ea typeface="Lato"/>
-                <a:cs typeface="Lato"/>
-                <a:sym typeface="Lato"/>
-              </a:rPr>
-              <a:t>Population	int64</a:t>
-            </a:r>
-            <a:endParaRPr sz="900">
-              <a:solidFill>
-                <a:schemeClr val="lt1"/>
-              </a:solidFill>
-              <a:latin typeface="Lato"/>
-              <a:ea typeface="Lato"/>
-              <a:cs typeface="Lato"/>
-              <a:sym typeface="Lato"/>
-            </a:endParaRPr>
-          </a:p>
-        </p:txBody>
-      </p:sp>
-      <p:sp>
-        <p:nvSpPr>
-          <p:cNvPr id="200" name="Google Shape;200;p18"/>
-          <p:cNvSpPr txBox="1"/>
-          <p:nvPr/>
-        </p:nvSpPr>
-        <p:spPr>
-          <a:xfrm>
-            <a:off x="3791500" y="2432550"/>
-            <a:ext cx="2399700" cy="1277400"/>
-          </a:xfrm>
-          <a:prstGeom prst="rect">
-            <a:avLst/>
-          </a:prstGeom>
-          <a:noFill/>
-          <a:ln cap="flat" cmpd="sng" w="9525">
-            <a:solidFill>
-              <a:schemeClr val="lt1"/>
-            </a:solidFill>
-            <a:prstDash val="solid"/>
-            <a:round/>
-            <a:headEnd len="sm" w="sm" type="none"/>
-            <a:tailEnd len="sm" w="sm" type="none"/>
-          </a:ln>
-        </p:spPr>
-        <p:txBody>
-          <a:bodyPr anchorCtr="0" anchor="t" bIns="91425" lIns="91425" spcFirstLastPara="1" rIns="91425" wrap="square" tIns="91425">
-            <a:spAutoFit/>
-          </a:bodyPr>
-          <a:lstStyle/>
-          <a:p>
-            <a:pPr indent="0" lvl="0" marL="0" rtl="0" algn="ctr">
-              <a:spcBef>
-                <a:spcPts val="0"/>
-              </a:spcBef>
-              <a:spcAft>
-                <a:spcPts val="0"/>
-              </a:spcAft>
-              <a:buNone/>
-            </a:pPr>
-            <a:r>
-              <a:rPr b="1" lang="en" sz="900" u="sng">
-                <a:solidFill>
-                  <a:schemeClr val="lt1"/>
-                </a:solidFill>
-                <a:latin typeface="Lato"/>
-                <a:ea typeface="Lato"/>
-                <a:cs typeface="Lato"/>
-                <a:sym typeface="Lato"/>
-              </a:rPr>
-              <a:t>Weather </a:t>
-            </a:r>
-            <a:r>
-              <a:rPr b="1" lang="en" sz="900" u="sng">
-                <a:solidFill>
-                  <a:schemeClr val="lt1"/>
-                </a:solidFill>
-                <a:latin typeface="Lato"/>
-                <a:ea typeface="Lato"/>
-                <a:cs typeface="Lato"/>
-                <a:sym typeface="Lato"/>
-              </a:rPr>
-              <a:t> Data</a:t>
-            </a:r>
-            <a:endParaRPr b="1" sz="900" u="sng">
-              <a:solidFill>
-                <a:schemeClr val="lt1"/>
-              </a:solidFill>
-              <a:latin typeface="Lato"/>
-              <a:ea typeface="Lato"/>
-              <a:cs typeface="Lato"/>
-              <a:sym typeface="Lato"/>
-            </a:endParaRPr>
-          </a:p>
-          <a:p>
-            <a:pPr indent="0" lvl="0" marL="0" rtl="0" algn="ctr">
-              <a:spcBef>
-                <a:spcPts val="0"/>
-              </a:spcBef>
-              <a:spcAft>
-                <a:spcPts val="0"/>
-              </a:spcAft>
-              <a:buNone/>
-            </a:pPr>
-            <a:r>
-              <a:t/>
-            </a:r>
-            <a:endParaRPr b="1" sz="900" u="sng">
-              <a:solidFill>
-                <a:schemeClr val="lt1"/>
-              </a:solidFill>
-              <a:latin typeface="Lato"/>
-              <a:ea typeface="Lato"/>
-              <a:cs typeface="Lato"/>
-              <a:sym typeface="Lato"/>
-            </a:endParaRPr>
-          </a:p>
-          <a:p>
-            <a:pPr indent="-285750" lvl="0" marL="457200" rtl="0" algn="l">
-              <a:spcBef>
-                <a:spcPts val="0"/>
-              </a:spcBef>
-              <a:spcAft>
-                <a:spcPts val="0"/>
-              </a:spcAft>
-              <a:buClr>
-                <a:schemeClr val="lt1"/>
-              </a:buClr>
-              <a:buSzPts val="900"/>
-              <a:buFont typeface="Lato"/>
-              <a:buChar char="-"/>
-            </a:pPr>
-            <a:r>
-              <a:rPr lang="en" sz="900">
-                <a:solidFill>
-                  <a:schemeClr val="lt1"/>
-                </a:solidFill>
-                <a:latin typeface="Lato"/>
-                <a:ea typeface="Lato"/>
-                <a:cs typeface="Lato"/>
-                <a:sym typeface="Lato"/>
-              </a:rPr>
-              <a:t>_id                   	object</a:t>
-            </a:r>
-            <a:endParaRPr sz="900">
-              <a:solidFill>
-                <a:schemeClr val="lt1"/>
-              </a:solidFill>
-              <a:latin typeface="Lato"/>
-              <a:ea typeface="Lato"/>
-              <a:cs typeface="Lato"/>
-              <a:sym typeface="Lato"/>
-            </a:endParaRPr>
-          </a:p>
-          <a:p>
-            <a:pPr indent="-285750" lvl="0" marL="457200" rtl="0" algn="l">
-              <a:spcBef>
-                <a:spcPts val="0"/>
-              </a:spcBef>
-              <a:spcAft>
-                <a:spcPts val="0"/>
-              </a:spcAft>
-              <a:buClr>
-                <a:schemeClr val="lt1"/>
-              </a:buClr>
-              <a:buSzPts val="900"/>
-              <a:buFont typeface="Lato"/>
-              <a:buChar char="-"/>
-            </a:pPr>
-            <a:r>
-              <a:rPr lang="en" sz="900">
-                <a:solidFill>
-                  <a:schemeClr val="lt1"/>
-                </a:solidFill>
-                <a:latin typeface="Lato"/>
-                <a:ea typeface="Lato"/>
-                <a:cs typeface="Lato"/>
-                <a:sym typeface="Lato"/>
-              </a:rPr>
-              <a:t>metro_area/city     object</a:t>
-            </a:r>
-            <a:endParaRPr sz="900">
-              <a:solidFill>
-                <a:schemeClr val="lt1"/>
-              </a:solidFill>
-              <a:latin typeface="Lato"/>
-              <a:ea typeface="Lato"/>
-              <a:cs typeface="Lato"/>
-              <a:sym typeface="Lato"/>
-            </a:endParaRPr>
-          </a:p>
-          <a:p>
-            <a:pPr indent="-285750" lvl="0" marL="457200" rtl="0" algn="l">
-              <a:spcBef>
-                <a:spcPts val="0"/>
-              </a:spcBef>
-              <a:spcAft>
-                <a:spcPts val="0"/>
-              </a:spcAft>
-              <a:buClr>
-                <a:schemeClr val="lt1"/>
-              </a:buClr>
-              <a:buSzPts val="900"/>
-              <a:buFont typeface="Lato"/>
-              <a:buChar char="-"/>
-            </a:pPr>
-            <a:r>
-              <a:rPr lang="en" sz="900">
-                <a:solidFill>
-                  <a:schemeClr val="lt1"/>
-                </a:solidFill>
-                <a:latin typeface="Lato"/>
-                <a:ea typeface="Lato"/>
-                <a:cs typeface="Lato"/>
-                <a:sym typeface="Lato"/>
-              </a:rPr>
-              <a:t>temperature	</a:t>
-            </a:r>
-            <a:r>
-              <a:rPr lang="en" sz="900">
-                <a:solidFill>
-                  <a:schemeClr val="lt1"/>
-                </a:solidFill>
-                <a:latin typeface="Lato"/>
-                <a:ea typeface="Lato"/>
-                <a:cs typeface="Lato"/>
-                <a:sym typeface="Lato"/>
-              </a:rPr>
-              <a:t>int64</a:t>
-            </a:r>
-            <a:endParaRPr sz="900">
-              <a:solidFill>
-                <a:schemeClr val="lt1"/>
-              </a:solidFill>
-              <a:latin typeface="Lato"/>
-              <a:ea typeface="Lato"/>
-              <a:cs typeface="Lato"/>
-              <a:sym typeface="Lato"/>
-            </a:endParaRPr>
-          </a:p>
-          <a:p>
-            <a:pPr indent="-285750" lvl="0" marL="457200" rtl="0" algn="l">
-              <a:spcBef>
-                <a:spcPts val="0"/>
-              </a:spcBef>
-              <a:spcAft>
-                <a:spcPts val="0"/>
-              </a:spcAft>
-              <a:buClr>
-                <a:schemeClr val="lt1"/>
-              </a:buClr>
-              <a:buSzPts val="900"/>
-              <a:buFont typeface="Lato"/>
-              <a:buChar char="-"/>
-            </a:pPr>
-            <a:r>
-              <a:rPr lang="en" sz="900">
-                <a:solidFill>
-                  <a:schemeClr val="lt1"/>
-                </a:solidFill>
-                <a:latin typeface="Lato"/>
-                <a:ea typeface="Lato"/>
-                <a:cs typeface="Lato"/>
-                <a:sym typeface="Lato"/>
-              </a:rPr>
-              <a:t>wind_speed	</a:t>
-            </a:r>
-            <a:r>
-              <a:rPr lang="en" sz="900">
-                <a:solidFill>
-                  <a:schemeClr val="lt1"/>
-                </a:solidFill>
-                <a:latin typeface="Lato"/>
-                <a:ea typeface="Lato"/>
-                <a:cs typeface="Lato"/>
-                <a:sym typeface="Lato"/>
-              </a:rPr>
-              <a:t>int64</a:t>
-            </a:r>
-            <a:endParaRPr sz="900">
-              <a:solidFill>
-                <a:schemeClr val="lt1"/>
-              </a:solidFill>
-              <a:latin typeface="Lato"/>
-              <a:ea typeface="Lato"/>
-              <a:cs typeface="Lato"/>
-              <a:sym typeface="Lato"/>
-            </a:endParaRPr>
-          </a:p>
-          <a:p>
-            <a:pPr indent="-285750" lvl="0" marL="457200" rtl="0" algn="l">
-              <a:spcBef>
-                <a:spcPts val="0"/>
-              </a:spcBef>
-              <a:spcAft>
-                <a:spcPts val="0"/>
-              </a:spcAft>
-              <a:buClr>
-                <a:schemeClr val="lt1"/>
-              </a:buClr>
-              <a:buSzPts val="900"/>
-              <a:buFont typeface="Lato"/>
-              <a:buChar char="-"/>
-            </a:pPr>
-            <a:r>
-              <a:rPr lang="en" sz="900">
-                <a:solidFill>
-                  <a:schemeClr val="lt1"/>
-                </a:solidFill>
-                <a:latin typeface="Lato"/>
-                <a:ea typeface="Lato"/>
-                <a:cs typeface="Lato"/>
-                <a:sym typeface="Lato"/>
-              </a:rPr>
-              <a:t>pressure		</a:t>
-            </a:r>
-            <a:r>
-              <a:rPr lang="en" sz="900">
-                <a:solidFill>
-                  <a:schemeClr val="lt1"/>
-                </a:solidFill>
-                <a:latin typeface="Lato"/>
-                <a:ea typeface="Lato"/>
-                <a:cs typeface="Lato"/>
-                <a:sym typeface="Lato"/>
-              </a:rPr>
-              <a:t>int64</a:t>
-            </a:r>
-            <a:endParaRPr sz="900">
-              <a:solidFill>
-                <a:schemeClr val="lt1"/>
-              </a:solidFill>
-              <a:latin typeface="Lato"/>
-              <a:ea typeface="Lato"/>
-              <a:cs typeface="Lato"/>
-              <a:sym typeface="Lato"/>
-            </a:endParaRPr>
-          </a:p>
-          <a:p>
-            <a:pPr indent="-279400" lvl="0" marL="457200" rtl="0" algn="l">
-              <a:spcBef>
-                <a:spcPts val="0"/>
-              </a:spcBef>
-              <a:spcAft>
-                <a:spcPts val="0"/>
-              </a:spcAft>
-              <a:buClr>
-                <a:schemeClr val="lt1"/>
-              </a:buClr>
-              <a:buSzPts val="800"/>
-              <a:buFont typeface="Lato"/>
-              <a:buChar char="-"/>
-            </a:pPr>
-            <a:r>
-              <a:rPr lang="en" sz="800">
-                <a:solidFill>
-                  <a:schemeClr val="lt1"/>
-                </a:solidFill>
-                <a:latin typeface="Lato"/>
-                <a:ea typeface="Lato"/>
-                <a:cs typeface="Lato"/>
-                <a:sym typeface="Lato"/>
-              </a:rPr>
-              <a:t>		</a:t>
-            </a:r>
-            <a:endParaRPr sz="800">
-              <a:solidFill>
-                <a:schemeClr val="lt1"/>
-              </a:solidFill>
-              <a:latin typeface="Lato"/>
-              <a:ea typeface="Lato"/>
-              <a:cs typeface="Lato"/>
-              <a:sym typeface="Lato"/>
-            </a:endParaRPr>
-          </a:p>
-        </p:txBody>
-      </p:sp>
-      <p:sp>
-        <p:nvSpPr>
-          <p:cNvPr id="201" name="Google Shape;201;p18"/>
-          <p:cNvSpPr txBox="1"/>
-          <p:nvPr/>
-        </p:nvSpPr>
-        <p:spPr>
-          <a:xfrm>
-            <a:off x="337750" y="4058000"/>
-            <a:ext cx="5853300" cy="769500"/>
-          </a:xfrm>
-          <a:prstGeom prst="rect">
-            <a:avLst/>
-          </a:prstGeom>
-          <a:noFill/>
-          <a:ln>
-            <a:noFill/>
-          </a:ln>
-        </p:spPr>
-        <p:txBody>
-          <a:bodyPr anchorCtr="0" anchor="t" bIns="91425" lIns="91425" spcFirstLastPara="1" rIns="91425" wrap="square" tIns="91425">
-            <a:spAutoFit/>
-          </a:bodyPr>
-          <a:lstStyle/>
-          <a:p>
-            <a:pPr indent="0" lvl="0" marL="0" rtl="0" algn="l">
-              <a:spcBef>
-                <a:spcPts val="0"/>
-              </a:spcBef>
-              <a:spcAft>
-                <a:spcPts val="0"/>
-              </a:spcAft>
-              <a:buNone/>
-            </a:pPr>
-            <a:r>
-              <a:rPr b="1" lang="en" sz="1000" u="sng">
-                <a:solidFill>
-                  <a:schemeClr val="lt1"/>
-                </a:solidFill>
-                <a:latin typeface="Lato"/>
-                <a:ea typeface="Lato"/>
-                <a:cs typeface="Lato"/>
-                <a:sym typeface="Lato"/>
-              </a:rPr>
-              <a:t>Data Explanation:</a:t>
-            </a:r>
-            <a:endParaRPr b="1" sz="1000" u="sng">
-              <a:solidFill>
-                <a:schemeClr val="lt1"/>
-              </a:solidFill>
-              <a:latin typeface="Lato"/>
-              <a:ea typeface="Lato"/>
-              <a:cs typeface="Lato"/>
-              <a:sym typeface="Lato"/>
-            </a:endParaRPr>
-          </a:p>
-          <a:p>
-            <a:pPr indent="0" lvl="0" marL="457200" rtl="0" algn="l">
-              <a:spcBef>
-                <a:spcPts val="0"/>
-              </a:spcBef>
-              <a:spcAft>
-                <a:spcPts val="0"/>
-              </a:spcAft>
-              <a:buNone/>
-            </a:pPr>
-            <a:r>
-              <a:t/>
-            </a:r>
-            <a:endParaRPr b="1" sz="800" u="sng">
-              <a:solidFill>
-                <a:schemeClr val="lt1"/>
-              </a:solidFill>
-              <a:latin typeface="Lato"/>
-              <a:ea typeface="Lato"/>
-              <a:cs typeface="Lato"/>
-              <a:sym typeface="Lato"/>
-            </a:endParaRPr>
-          </a:p>
-          <a:p>
-            <a:pPr indent="0" lvl="0" marL="457200" rtl="0" algn="l">
-              <a:spcBef>
-                <a:spcPts val="0"/>
-              </a:spcBef>
-              <a:spcAft>
-                <a:spcPts val="0"/>
-              </a:spcAft>
-              <a:buNone/>
-            </a:pPr>
-            <a:r>
-              <a:t/>
-            </a:r>
-            <a:endParaRPr sz="1000">
-              <a:solidFill>
-                <a:schemeClr val="lt1"/>
-              </a:solidFill>
-              <a:latin typeface="Lato"/>
-              <a:ea typeface="Lato"/>
-              <a:cs typeface="Lato"/>
-              <a:sym typeface="Lato"/>
-            </a:endParaRPr>
-          </a:p>
-          <a:p>
-            <a:pPr indent="0" lvl="0" marL="457200" rtl="0" algn="just">
-              <a:spcBef>
-                <a:spcPts val="0"/>
-              </a:spcBef>
-              <a:spcAft>
-                <a:spcPts val="0"/>
-              </a:spcAft>
-              <a:buNone/>
-            </a:pPr>
-            <a:r>
-              <a:t/>
-            </a:r>
-            <a:endParaRPr sz="1000">
-              <a:solidFill>
-                <a:schemeClr val="lt1"/>
-              </a:solidFill>
-              <a:latin typeface="Lato"/>
-              <a:ea typeface="Lato"/>
-              <a:cs typeface="Lato"/>
-              <a:sym typeface="Lato"/>
-            </a:endParaRPr>
-          </a:p>
-        </p:txBody>
-      </p:sp>
-      <p:cxnSp>
-        <p:nvCxnSpPr>
-          <p:cNvPr id="202" name="Google Shape;202;p18"/>
-          <p:cNvCxnSpPr>
-            <a:stCxn id="198" idx="0"/>
-          </p:cNvCxnSpPr>
-          <p:nvPr/>
-        </p:nvCxnSpPr>
-        <p:spPr>
-          <a:xfrm rot="-5400000">
-            <a:off x="2699050" y="376475"/>
-            <a:ext cx="200100" cy="2007300"/>
-          </a:xfrm>
-          <a:prstGeom prst="bentConnector2">
-            <a:avLst/>
-          </a:prstGeom>
-          <a:noFill/>
-          <a:ln cap="flat" cmpd="sng" w="9525">
-            <a:solidFill>
-              <a:srgbClr val="FF0000"/>
-            </a:solidFill>
-            <a:prstDash val="solid"/>
-            <a:round/>
-            <a:headEnd len="med" w="med" type="none"/>
-            <a:tailEnd len="med" w="med" type="none"/>
-          </a:ln>
-        </p:spPr>
-      </p:cxnSp>
-      <p:cxnSp>
-        <p:nvCxnSpPr>
-          <p:cNvPr id="203" name="Google Shape;203;p18"/>
-          <p:cNvCxnSpPr>
-            <a:stCxn id="198" idx="2"/>
-            <a:endCxn id="200" idx="1"/>
-          </p:cNvCxnSpPr>
-          <p:nvPr/>
-        </p:nvCxnSpPr>
-        <p:spPr>
-          <a:xfrm rot="-5400000">
-            <a:off x="2419300" y="2447525"/>
-            <a:ext cx="748500" cy="1996200"/>
-          </a:xfrm>
-          <a:prstGeom prst="bentConnector4">
-            <a:avLst>
-              <a:gd fmla="val -31814" name="adj1"/>
-              <a:gd fmla="val 86508" name="adj2"/>
-            </a:avLst>
-          </a:prstGeom>
-          <a:noFill/>
-          <a:ln cap="flat" cmpd="sng" w="9525">
-            <a:solidFill>
-              <a:srgbClr val="FF0000"/>
-            </a:solidFill>
-            <a:prstDash val="solid"/>
-            <a:round/>
-            <a:headEnd len="med" w="med" type="none"/>
-            <a:tailEnd len="med" w="med" type="none"/>
-          </a:ln>
-        </p:spPr>
-      </p:cxnSp>
-      <p:sp>
-        <p:nvSpPr>
-          <p:cNvPr id="204" name="Google Shape;204;p18"/>
-          <p:cNvSpPr txBox="1"/>
-          <p:nvPr/>
-        </p:nvSpPr>
-        <p:spPr>
-          <a:xfrm>
-            <a:off x="6729550" y="1569275"/>
-            <a:ext cx="2346600" cy="1693200"/>
-          </a:xfrm>
-          <a:prstGeom prst="rect">
-            <a:avLst/>
-          </a:prstGeom>
-          <a:noFill/>
-          <a:ln cap="flat" cmpd="sng" w="9525">
-            <a:solidFill>
-              <a:schemeClr val="lt1"/>
-            </a:solidFill>
-            <a:prstDash val="solid"/>
-            <a:round/>
-            <a:headEnd len="sm" w="sm" type="none"/>
-            <a:tailEnd len="sm" w="sm" type="none"/>
-          </a:ln>
-        </p:spPr>
-        <p:txBody>
-          <a:bodyPr anchorCtr="0" anchor="t" bIns="91425" lIns="91425" spcFirstLastPara="1" rIns="91425" wrap="square" tIns="91425">
-            <a:spAutoFit/>
-          </a:bodyPr>
-          <a:lstStyle/>
-          <a:p>
-            <a:pPr indent="0" lvl="0" marL="0" rtl="0" algn="ctr">
-              <a:spcBef>
-                <a:spcPts val="0"/>
-              </a:spcBef>
-              <a:spcAft>
-                <a:spcPts val="0"/>
-              </a:spcAft>
-              <a:buNone/>
-            </a:pPr>
-            <a:r>
-              <a:rPr b="1" lang="en" sz="700" u="sng">
-                <a:solidFill>
-                  <a:schemeClr val="lt1"/>
-                </a:solidFill>
-                <a:latin typeface="Lato"/>
-                <a:ea typeface="Lato"/>
-                <a:cs typeface="Lato"/>
-                <a:sym typeface="Lato"/>
-              </a:rPr>
-              <a:t>Final Database</a:t>
-            </a:r>
-            <a:endParaRPr b="1" sz="700" u="sng">
-              <a:solidFill>
-                <a:schemeClr val="lt1"/>
-              </a:solidFill>
-              <a:latin typeface="Lato"/>
-              <a:ea typeface="Lato"/>
-              <a:cs typeface="Lato"/>
-              <a:sym typeface="Lato"/>
-            </a:endParaRPr>
-          </a:p>
-          <a:p>
-            <a:pPr indent="0" lvl="0" marL="0" rtl="0" algn="ctr">
-              <a:spcBef>
-                <a:spcPts val="0"/>
-              </a:spcBef>
-              <a:spcAft>
-                <a:spcPts val="0"/>
-              </a:spcAft>
-              <a:buNone/>
-            </a:pPr>
-            <a:r>
-              <a:t/>
-            </a:r>
-            <a:endParaRPr b="1" sz="700" u="sng">
-              <a:solidFill>
-                <a:schemeClr val="lt1"/>
-              </a:solidFill>
-              <a:latin typeface="Lato"/>
-              <a:ea typeface="Lato"/>
-              <a:cs typeface="Lato"/>
-              <a:sym typeface="Lato"/>
-            </a:endParaRPr>
-          </a:p>
-          <a:p>
-            <a:pPr indent="-273050" lvl="0" marL="457200" rtl="0" algn="l">
-              <a:spcBef>
-                <a:spcPts val="0"/>
-              </a:spcBef>
-              <a:spcAft>
-                <a:spcPts val="0"/>
-              </a:spcAft>
-              <a:buClr>
-                <a:schemeClr val="lt1"/>
-              </a:buClr>
-              <a:buSzPts val="700"/>
-              <a:buFont typeface="Lato"/>
-              <a:buChar char="-"/>
-            </a:pPr>
-            <a:r>
-              <a:rPr lang="en" sz="700">
-                <a:solidFill>
-                  <a:schemeClr val="lt1"/>
-                </a:solidFill>
-                <a:latin typeface="Lato"/>
-                <a:ea typeface="Lato"/>
-                <a:cs typeface="Lato"/>
-                <a:sym typeface="Lato"/>
-              </a:rPr>
-              <a:t>_id                   			object</a:t>
-            </a:r>
-            <a:endParaRPr sz="700">
-              <a:solidFill>
-                <a:schemeClr val="lt1"/>
-              </a:solidFill>
-              <a:latin typeface="Lato"/>
-              <a:ea typeface="Lato"/>
-              <a:cs typeface="Lato"/>
-              <a:sym typeface="Lato"/>
-            </a:endParaRPr>
-          </a:p>
-          <a:p>
-            <a:pPr indent="-273050" lvl="0" marL="457200" rtl="0" algn="l">
-              <a:spcBef>
-                <a:spcPts val="0"/>
-              </a:spcBef>
-              <a:spcAft>
-                <a:spcPts val="0"/>
-              </a:spcAft>
-              <a:buClr>
-                <a:schemeClr val="lt1"/>
-              </a:buClr>
-              <a:buSzPts val="700"/>
-              <a:buFont typeface="Lato"/>
-              <a:buChar char="-"/>
-            </a:pPr>
-            <a:r>
-              <a:rPr lang="en" sz="700">
-                <a:solidFill>
-                  <a:schemeClr val="lt1"/>
-                </a:solidFill>
-                <a:latin typeface="Lato"/>
-                <a:ea typeface="Lato"/>
-                <a:cs typeface="Lato"/>
-                <a:sym typeface="Lato"/>
-              </a:rPr>
-              <a:t>date                  		object</a:t>
-            </a:r>
-            <a:endParaRPr sz="700">
-              <a:solidFill>
-                <a:schemeClr val="lt1"/>
-              </a:solidFill>
-              <a:latin typeface="Lato"/>
-              <a:ea typeface="Lato"/>
-              <a:cs typeface="Lato"/>
-              <a:sym typeface="Lato"/>
-            </a:endParaRPr>
-          </a:p>
-          <a:p>
-            <a:pPr indent="-273050" lvl="0" marL="457200" rtl="0" algn="l">
-              <a:spcBef>
-                <a:spcPts val="0"/>
-              </a:spcBef>
-              <a:spcAft>
-                <a:spcPts val="0"/>
-              </a:spcAft>
-              <a:buClr>
-                <a:schemeClr val="lt1"/>
-              </a:buClr>
-              <a:buSzPts val="700"/>
-              <a:buFont typeface="Lato"/>
-              <a:buChar char="-"/>
-            </a:pPr>
-            <a:r>
-              <a:rPr lang="en" sz="700">
-                <a:solidFill>
-                  <a:schemeClr val="lt1"/>
-                </a:solidFill>
-                <a:latin typeface="Lato"/>
-                <a:ea typeface="Lato"/>
-                <a:cs typeface="Lato"/>
-                <a:sym typeface="Lato"/>
-              </a:rPr>
-              <a:t>metro_area/city       		object</a:t>
-            </a:r>
-            <a:endParaRPr sz="700">
-              <a:solidFill>
-                <a:schemeClr val="lt1"/>
-              </a:solidFill>
-              <a:latin typeface="Lato"/>
-              <a:ea typeface="Lato"/>
-              <a:cs typeface="Lato"/>
-              <a:sym typeface="Lato"/>
-            </a:endParaRPr>
-          </a:p>
-          <a:p>
-            <a:pPr indent="-273050" lvl="0" marL="457200" rtl="0" algn="l">
-              <a:spcBef>
-                <a:spcPts val="0"/>
-              </a:spcBef>
-              <a:spcAft>
-                <a:spcPts val="0"/>
-              </a:spcAft>
-              <a:buClr>
-                <a:schemeClr val="lt1"/>
-              </a:buClr>
-              <a:buSzPts val="700"/>
-              <a:buFont typeface="Lato"/>
-              <a:buChar char="-"/>
-            </a:pPr>
-            <a:r>
-              <a:rPr lang="en" sz="700">
-                <a:solidFill>
-                  <a:schemeClr val="lt1"/>
-                </a:solidFill>
-                <a:latin typeface="Lato"/>
-                <a:ea typeface="Lato"/>
-                <a:cs typeface="Lato"/>
-                <a:sym typeface="Lato"/>
-              </a:rPr>
-              <a:t>median_listing_price</a:t>
-            </a:r>
-            <a:r>
-              <a:rPr lang="en" sz="700">
-                <a:solidFill>
-                  <a:schemeClr val="lt1"/>
-                </a:solidFill>
-                <a:latin typeface="Lato"/>
-                <a:ea typeface="Lato"/>
-                <a:cs typeface="Lato"/>
-                <a:sym typeface="Lato"/>
-              </a:rPr>
-              <a:t> 	         	</a:t>
-            </a:r>
-            <a:r>
-              <a:rPr lang="en" sz="700">
-                <a:solidFill>
-                  <a:schemeClr val="lt1"/>
-                </a:solidFill>
-                <a:latin typeface="Lato"/>
-                <a:ea typeface="Lato"/>
-                <a:cs typeface="Lato"/>
-                <a:sym typeface="Lato"/>
-              </a:rPr>
-              <a:t>float64</a:t>
-            </a:r>
-            <a:endParaRPr sz="700">
-              <a:solidFill>
-                <a:schemeClr val="lt1"/>
-              </a:solidFill>
-              <a:latin typeface="Lato"/>
-              <a:ea typeface="Lato"/>
-              <a:cs typeface="Lato"/>
-              <a:sym typeface="Lato"/>
-            </a:endParaRPr>
-          </a:p>
-          <a:p>
-            <a:pPr indent="-273050" lvl="0" marL="457200" rtl="0" algn="l">
-              <a:spcBef>
-                <a:spcPts val="0"/>
-              </a:spcBef>
-              <a:spcAft>
-                <a:spcPts val="0"/>
-              </a:spcAft>
-              <a:buClr>
-                <a:schemeClr val="lt1"/>
-              </a:buClr>
-              <a:buSzPts val="700"/>
-              <a:buFont typeface="Lato"/>
-              <a:buChar char="-"/>
-            </a:pPr>
-            <a:r>
-              <a:rPr lang="en" sz="700">
-                <a:solidFill>
-                  <a:schemeClr val="lt1"/>
-                </a:solidFill>
-                <a:latin typeface="Lato"/>
-                <a:ea typeface="Lato"/>
-                <a:cs typeface="Lato"/>
-                <a:sym typeface="Lato"/>
-              </a:rPr>
-              <a:t>active_listing_count   		int64</a:t>
-            </a:r>
-            <a:endParaRPr sz="700">
-              <a:solidFill>
-                <a:schemeClr val="lt1"/>
-              </a:solidFill>
-              <a:latin typeface="Lato"/>
-              <a:ea typeface="Lato"/>
-              <a:cs typeface="Lato"/>
-              <a:sym typeface="Lato"/>
-            </a:endParaRPr>
-          </a:p>
-          <a:p>
-            <a:pPr indent="-273050" lvl="0" marL="457200" rtl="0" algn="l">
-              <a:spcBef>
-                <a:spcPts val="0"/>
-              </a:spcBef>
-              <a:spcAft>
-                <a:spcPts val="0"/>
-              </a:spcAft>
-              <a:buClr>
-                <a:schemeClr val="lt1"/>
-              </a:buClr>
-              <a:buSzPts val="700"/>
-              <a:buFont typeface="Lato"/>
-              <a:buChar char="-"/>
-            </a:pPr>
-            <a:r>
-              <a:rPr lang="en" sz="700">
-                <a:solidFill>
-                  <a:schemeClr val="lt1"/>
-                </a:solidFill>
-                <a:latin typeface="Lato"/>
-                <a:ea typeface="Lato"/>
-                <a:cs typeface="Lato"/>
-                <a:sym typeface="Lato"/>
-              </a:rPr>
-              <a:t>median_days_on_market	float64</a:t>
-            </a:r>
-            <a:endParaRPr sz="700">
-              <a:solidFill>
-                <a:schemeClr val="lt1"/>
-              </a:solidFill>
-              <a:latin typeface="Lato"/>
-              <a:ea typeface="Lato"/>
-              <a:cs typeface="Lato"/>
-              <a:sym typeface="Lato"/>
-            </a:endParaRPr>
-          </a:p>
-          <a:p>
-            <a:pPr indent="-273050" lvl="0" marL="457200" rtl="0" algn="l">
-              <a:spcBef>
-                <a:spcPts val="0"/>
-              </a:spcBef>
-              <a:spcAft>
-                <a:spcPts val="0"/>
-              </a:spcAft>
-              <a:buClr>
-                <a:schemeClr val="lt1"/>
-              </a:buClr>
-              <a:buSzPts val="700"/>
-              <a:buFont typeface="Lato"/>
-              <a:buChar char="-"/>
-            </a:pPr>
-            <a:r>
-              <a:rPr lang="en" sz="700">
-                <a:solidFill>
-                  <a:schemeClr val="lt1"/>
-                </a:solidFill>
-                <a:latin typeface="Lato"/>
-                <a:ea typeface="Lato"/>
-                <a:cs typeface="Lato"/>
-                <a:sym typeface="Lato"/>
-              </a:rPr>
-              <a:t>new_listing_count      		int64</a:t>
-            </a:r>
-            <a:endParaRPr sz="700">
-              <a:solidFill>
-                <a:schemeClr val="lt1"/>
-              </a:solidFill>
-              <a:latin typeface="Lato"/>
-              <a:ea typeface="Lato"/>
-              <a:cs typeface="Lato"/>
-              <a:sym typeface="Lato"/>
-            </a:endParaRPr>
-          </a:p>
-          <a:p>
-            <a:pPr indent="-273050" lvl="0" marL="457200" rtl="0" algn="l">
-              <a:spcBef>
-                <a:spcPts val="0"/>
-              </a:spcBef>
-              <a:spcAft>
-                <a:spcPts val="0"/>
-              </a:spcAft>
-              <a:buClr>
-                <a:schemeClr val="lt1"/>
-              </a:buClr>
-              <a:buSzPts val="700"/>
-              <a:buFont typeface="Lato"/>
-              <a:buChar char="-"/>
-            </a:pPr>
-            <a:r>
-              <a:rPr lang="en" sz="700">
-                <a:solidFill>
-                  <a:schemeClr val="lt1"/>
-                </a:solidFill>
-                <a:latin typeface="Lato"/>
-                <a:ea typeface="Lato"/>
-                <a:cs typeface="Lato"/>
-                <a:sym typeface="Lato"/>
-              </a:rPr>
-              <a:t>price_increased_count  		int64</a:t>
-            </a:r>
-            <a:endParaRPr sz="700">
-              <a:solidFill>
-                <a:schemeClr val="lt1"/>
-              </a:solidFill>
-              <a:latin typeface="Lato"/>
-              <a:ea typeface="Lato"/>
-              <a:cs typeface="Lato"/>
-              <a:sym typeface="Lato"/>
-            </a:endParaRPr>
-          </a:p>
-          <a:p>
-            <a:pPr indent="-273050" lvl="0" marL="457200" rtl="0" algn="l">
-              <a:spcBef>
-                <a:spcPts val="0"/>
-              </a:spcBef>
-              <a:spcAft>
-                <a:spcPts val="0"/>
-              </a:spcAft>
-              <a:buClr>
-                <a:schemeClr val="lt1"/>
-              </a:buClr>
-              <a:buSzPts val="700"/>
-              <a:buFont typeface="Lato"/>
-              <a:buChar char="-"/>
-            </a:pPr>
-            <a:r>
-              <a:rPr lang="en" sz="700">
-                <a:solidFill>
-                  <a:schemeClr val="lt1"/>
-                </a:solidFill>
-                <a:latin typeface="Lato"/>
-                <a:ea typeface="Lato"/>
-                <a:cs typeface="Lato"/>
-                <a:sym typeface="Lato"/>
-              </a:rPr>
-              <a:t>price_reduced_count    		int64</a:t>
-            </a:r>
-            <a:endParaRPr sz="700">
-              <a:solidFill>
-                <a:schemeClr val="lt1"/>
-              </a:solidFill>
-              <a:latin typeface="Lato"/>
-              <a:ea typeface="Lato"/>
-              <a:cs typeface="Lato"/>
-              <a:sym typeface="Lato"/>
-            </a:endParaRPr>
-          </a:p>
-          <a:p>
-            <a:pPr indent="-273050" lvl="0" marL="457200" rtl="0" algn="l">
-              <a:spcBef>
-                <a:spcPts val="0"/>
-              </a:spcBef>
-              <a:spcAft>
-                <a:spcPts val="0"/>
-              </a:spcAft>
-              <a:buClr>
-                <a:schemeClr val="lt1"/>
-              </a:buClr>
-              <a:buSzPts val="700"/>
-              <a:buFont typeface="Lato"/>
-              <a:buChar char="-"/>
-            </a:pPr>
-            <a:r>
-              <a:rPr lang="en" sz="700">
-                <a:solidFill>
-                  <a:schemeClr val="lt1"/>
-                </a:solidFill>
-                <a:latin typeface="Lato"/>
-                <a:ea typeface="Lato"/>
-                <a:cs typeface="Lato"/>
-                <a:sym typeface="Lato"/>
-              </a:rPr>
-              <a:t>pending_listing_count  		int64</a:t>
-            </a:r>
-            <a:endParaRPr sz="700">
-              <a:solidFill>
-                <a:schemeClr val="lt1"/>
-              </a:solidFill>
-              <a:latin typeface="Lato"/>
-              <a:ea typeface="Lato"/>
-              <a:cs typeface="Lato"/>
-              <a:sym typeface="Lato"/>
-            </a:endParaRPr>
-          </a:p>
-          <a:p>
-            <a:pPr indent="-273050" lvl="0" marL="457200" rtl="0" algn="l">
-              <a:spcBef>
-                <a:spcPts val="0"/>
-              </a:spcBef>
-              <a:spcAft>
-                <a:spcPts val="0"/>
-              </a:spcAft>
-              <a:buClr>
-                <a:schemeClr val="lt1"/>
-              </a:buClr>
-              <a:buSzPts val="700"/>
-              <a:buFont typeface="Lato"/>
-              <a:buChar char="-"/>
-            </a:pPr>
-            <a:r>
-              <a:rPr lang="en" sz="700">
-                <a:solidFill>
-                  <a:schemeClr val="lt1"/>
-                </a:solidFill>
-                <a:latin typeface="Lato"/>
-                <a:ea typeface="Lato"/>
-                <a:cs typeface="Lato"/>
-                <a:sym typeface="Lato"/>
-              </a:rPr>
-              <a:t>average_listing_price		float64</a:t>
-            </a:r>
-            <a:endParaRPr sz="700">
-              <a:solidFill>
-                <a:schemeClr val="lt1"/>
-              </a:solidFill>
-              <a:latin typeface="Lato"/>
-              <a:ea typeface="Lato"/>
-              <a:cs typeface="Lato"/>
-              <a:sym typeface="Lato"/>
-            </a:endParaRPr>
-          </a:p>
-          <a:p>
-            <a:pPr indent="-273050" lvl="0" marL="457200" rtl="0" algn="l">
-              <a:spcBef>
-                <a:spcPts val="0"/>
-              </a:spcBef>
-              <a:spcAft>
-                <a:spcPts val="0"/>
-              </a:spcAft>
-              <a:buClr>
-                <a:schemeClr val="lt1"/>
-              </a:buClr>
-              <a:buSzPts val="700"/>
-              <a:buFont typeface="Lato"/>
-              <a:buChar char="-"/>
-            </a:pPr>
-            <a:r>
-              <a:rPr lang="en" sz="700">
-                <a:solidFill>
-                  <a:schemeClr val="lt1"/>
-                </a:solidFill>
-                <a:latin typeface="Lato"/>
-                <a:ea typeface="Lato"/>
-                <a:cs typeface="Lato"/>
-                <a:sym typeface="Lato"/>
-              </a:rPr>
-              <a:t>total_listing_count    		int64</a:t>
-            </a:r>
-            <a:endParaRPr sz="700">
-              <a:solidFill>
-                <a:schemeClr val="lt1"/>
-              </a:solidFill>
-              <a:latin typeface="Lato"/>
-              <a:ea typeface="Lato"/>
-              <a:cs typeface="Lato"/>
-              <a:sym typeface="Lato"/>
-            </a:endParaRPr>
-          </a:p>
-        </p:txBody>
-      </p:sp>
-      <p:cxnSp>
-        <p:nvCxnSpPr>
-          <p:cNvPr id="205" name="Google Shape;205;p18"/>
-          <p:cNvCxnSpPr>
-            <a:stCxn id="200" idx="3"/>
-            <a:endCxn id="204" idx="1"/>
-          </p:cNvCxnSpPr>
-          <p:nvPr/>
-        </p:nvCxnSpPr>
-        <p:spPr>
-          <a:xfrm flipH="1" rot="10800000">
-            <a:off x="6191200" y="2415750"/>
-            <a:ext cx="538500" cy="655500"/>
-          </a:xfrm>
-          <a:prstGeom prst="bentConnector3">
-            <a:avLst>
-              <a:gd fmla="val 59656" name="adj1"/>
-            </a:avLst>
-          </a:prstGeom>
-          <a:noFill/>
-          <a:ln cap="flat" cmpd="sng" w="9525">
-            <a:solidFill>
-              <a:srgbClr val="FF0000"/>
-            </a:solidFill>
-            <a:prstDash val="solid"/>
-            <a:round/>
-            <a:headEnd len="med" w="med" type="none"/>
-            <a:tailEnd len="med" w="med" type="none"/>
-          </a:ln>
-        </p:spPr>
-      </p:cxnSp>
-      <p:cxnSp>
-        <p:nvCxnSpPr>
-          <p:cNvPr id="206" name="Google Shape;206;p18"/>
-          <p:cNvCxnSpPr>
-            <a:endCxn id="199" idx="3"/>
-          </p:cNvCxnSpPr>
-          <p:nvPr/>
-        </p:nvCxnSpPr>
-        <p:spPr>
-          <a:xfrm flipH="1" rot="5400000">
-            <a:off x="5819950" y="2029475"/>
-            <a:ext cx="1063800" cy="321300"/>
-          </a:xfrm>
-          <a:prstGeom prst="bentConnector2">
-            <a:avLst/>
-          </a:prstGeom>
-          <a:noFill/>
-          <a:ln cap="flat" cmpd="sng" w="9525">
-            <a:solidFill>
-              <a:srgbClr val="FF0000"/>
-            </a:solidFill>
-            <a:prstDash val="solid"/>
-            <a:round/>
-            <a:headEnd len="med" w="med" type="none"/>
-            <a:tailEnd len="med" w="med" type="none"/>
-          </a:ln>
-        </p:spPr>
-      </p:cxnSp>
-    </p:spTree>
-  </p:cSld>
-  <p:clrMapOvr>
-    <a:masterClrMapping/>
-  </p:clrMapOvr>
-</p:sld>
-</file>
-
-<file path=ppt/slides/slide7.xml><?xml version="1.0" encoding="utf-8"?>
-<p:sld xmlns:a="http://schemas.openxmlformats.org/drawingml/2006/main" xmlns:r="http://schemas.openxmlformats.org/officeDocument/2006/relationships" xmlns:mc="http://schemas.openxmlformats.org/markup-compatibility/2006" xmlns:mv="urn:schemas-microsoft-com:mac:vml" xmlns:p="http://schemas.openxmlformats.org/presentationml/2006/main" xmlns:c="http://schemas.openxmlformats.org/drawingml/2006/chart" xmlns:dgm="http://schemas.openxmlformats.org/drawingml/2006/diagram" xmlns:o="urn:schemas-microsoft-com:office:office" xmlns:v="urn:schemas-microsoft-com:vml" xmlns:pvml="urn:schemas-microsoft-com:office:powerpoint" xmlns:com="http://schemas.openxmlformats.org/drawingml/2006/compatibility" xmlns:p14="http://schemas.microsoft.com/office/powerpoint/2010/main" xmlns:p15="http://schemas.microsoft.com/office/powerpoint/2012/main" xmlns:ahyp="http://schemas.microsoft.com/office/drawing/2018/hyperlinkcolor">
-  <p:cSld>
-    <p:spTree>
-      <p:nvGrpSpPr>
-        <p:cNvPr id="210" name="Shape 210"/>
-        <p:cNvGrpSpPr/>
-        <p:nvPr/>
-      </p:nvGrpSpPr>
-      <p:grpSpPr>
-        <a:xfrm>
-          <a:off x="0" y="0"/>
-          <a:ext cx="0" cy="0"/>
-          <a:chOff x="0" y="0"/>
-          <a:chExt cx="0" cy="0"/>
-        </a:xfrm>
-      </p:grpSpPr>
-      <p:sp>
-        <p:nvSpPr>
-          <p:cNvPr id="211" name="Google Shape;211;p19"/>
-          <p:cNvSpPr txBox="1"/>
-          <p:nvPr>
-            <p:ph type="title"/>
-          </p:nvPr>
-        </p:nvSpPr>
-        <p:spPr>
-          <a:xfrm>
-            <a:off x="1297500" y="393750"/>
-            <a:ext cx="7038900" cy="914100"/>
-          </a:xfrm>
-          <a:prstGeom prst="rect">
-            <a:avLst/>
-          </a:prstGeom>
-        </p:spPr>
-        <p:txBody>
-          <a:bodyPr anchorCtr="0" anchor="t" bIns="91425" lIns="91425" spcFirstLastPara="1" rIns="91425" wrap="square" tIns="91425">
-            <a:normAutofit/>
-          </a:bodyPr>
-          <a:lstStyle/>
-          <a:p>
-            <a:pPr indent="0" lvl="0" marL="0" rtl="0" algn="l">
-              <a:spcBef>
-                <a:spcPts val="0"/>
-              </a:spcBef>
-              <a:spcAft>
-                <a:spcPts val="0"/>
-              </a:spcAft>
-              <a:buNone/>
-            </a:pPr>
-            <a:r>
-              <a:rPr lang="en"/>
-              <a:t>Dashboard Draft</a:t>
-            </a:r>
-            <a:endParaRPr/>
-          </a:p>
-        </p:txBody>
-      </p:sp>
-      <p:sp>
-        <p:nvSpPr>
-          <p:cNvPr id="212" name="Google Shape;212;p19"/>
-          <p:cNvSpPr txBox="1"/>
-          <p:nvPr/>
-        </p:nvSpPr>
-        <p:spPr>
-          <a:xfrm>
-            <a:off x="2776900" y="3282450"/>
-            <a:ext cx="4220400" cy="400200"/>
-          </a:xfrm>
-          <a:prstGeom prst="rect">
-            <a:avLst/>
-          </a:prstGeom>
-          <a:noFill/>
-          <a:ln>
-            <a:noFill/>
-          </a:ln>
-        </p:spPr>
-        <p:txBody>
-          <a:bodyPr anchorCtr="0" anchor="t" bIns="91425" lIns="91425" spcFirstLastPara="1" rIns="91425" wrap="square" tIns="91425">
-            <a:spAutoFit/>
-          </a:bodyPr>
-          <a:lstStyle/>
-          <a:p>
-            <a:pPr indent="0" lvl="0" marL="0" rtl="0" algn="l">
-              <a:spcBef>
-                <a:spcPts val="0"/>
-              </a:spcBef>
-              <a:spcAft>
-                <a:spcPts val="0"/>
-              </a:spcAft>
-              <a:buNone/>
-            </a:pPr>
-            <a:r>
-              <a:t/>
-            </a:r>
-            <a:endParaRPr>
-              <a:latin typeface="Lato"/>
-              <a:ea typeface="Lato"/>
-              <a:cs typeface="Lato"/>
-              <a:sym typeface="Lato"/>
-            </a:endParaRPr>
-          </a:p>
-        </p:txBody>
-      </p:sp>
-      <p:pic>
-        <p:nvPicPr>
-          <p:cNvPr id="213" name="Google Shape;213;p19"/>
-          <p:cNvPicPr preferRelativeResize="0"/>
-          <p:nvPr/>
-        </p:nvPicPr>
-        <p:blipFill>
-          <a:blip r:embed="rId3">
-            <a:alphaModFix/>
-          </a:blip>
-          <a:stretch>
-            <a:fillRect/>
-          </a:stretch>
-        </p:blipFill>
-        <p:spPr>
-          <a:xfrm>
-            <a:off x="268925" y="3590174"/>
-            <a:ext cx="1791424" cy="1305525"/>
-          </a:xfrm>
-          <a:prstGeom prst="rect">
-            <a:avLst/>
-          </a:prstGeom>
-          <a:noFill/>
-          <a:ln>
-            <a:noFill/>
-          </a:ln>
-        </p:spPr>
-      </p:pic>
-      <p:pic>
-        <p:nvPicPr>
-          <p:cNvPr id="214" name="Google Shape;214;p19"/>
-          <p:cNvPicPr preferRelativeResize="0"/>
-          <p:nvPr/>
-        </p:nvPicPr>
-        <p:blipFill>
-          <a:blip r:embed="rId4">
-            <a:alphaModFix/>
-          </a:blip>
-          <a:stretch>
-            <a:fillRect/>
-          </a:stretch>
-        </p:blipFill>
-        <p:spPr>
-          <a:xfrm>
-            <a:off x="4157800" y="3590175"/>
-            <a:ext cx="1791424" cy="1305517"/>
-          </a:xfrm>
-          <a:prstGeom prst="rect">
-            <a:avLst/>
-          </a:prstGeom>
-          <a:noFill/>
-          <a:ln>
-            <a:noFill/>
-          </a:ln>
-        </p:spPr>
-      </p:pic>
-      <p:pic>
-        <p:nvPicPr>
-          <p:cNvPr id="215" name="Google Shape;215;p19"/>
-          <p:cNvPicPr preferRelativeResize="0"/>
-          <p:nvPr/>
-        </p:nvPicPr>
-        <p:blipFill>
-          <a:blip r:embed="rId5">
-            <a:alphaModFix/>
-          </a:blip>
-          <a:stretch>
-            <a:fillRect/>
-          </a:stretch>
-        </p:blipFill>
-        <p:spPr>
-          <a:xfrm>
-            <a:off x="2154225" y="3590175"/>
-            <a:ext cx="1909691" cy="1305525"/>
-          </a:xfrm>
-          <a:prstGeom prst="rect">
-            <a:avLst/>
-          </a:prstGeom>
-          <a:noFill/>
-          <a:ln>
-            <a:noFill/>
-          </a:ln>
-        </p:spPr>
-      </p:pic>
-      <p:sp>
-        <p:nvSpPr>
-          <p:cNvPr id="216" name="Google Shape;216;p19"/>
-          <p:cNvSpPr txBox="1"/>
-          <p:nvPr/>
-        </p:nvSpPr>
-        <p:spPr>
-          <a:xfrm>
-            <a:off x="3963850" y="1181825"/>
-            <a:ext cx="2016600" cy="2124000"/>
-          </a:xfrm>
-          <a:prstGeom prst="rect">
-            <a:avLst/>
-          </a:prstGeom>
-          <a:noFill/>
-          <a:ln cap="flat" cmpd="sng" w="9525">
-            <a:solidFill>
-              <a:schemeClr val="lt1"/>
-            </a:solidFill>
-            <a:prstDash val="solid"/>
-            <a:round/>
-            <a:headEnd len="sm" w="sm" type="none"/>
-            <a:tailEnd len="sm" w="sm" type="none"/>
-          </a:ln>
-        </p:spPr>
-        <p:txBody>
-          <a:bodyPr anchorCtr="0" anchor="t" bIns="91425" lIns="91425" spcFirstLastPara="1" rIns="91425" wrap="square" tIns="91425">
-            <a:spAutoFit/>
-          </a:bodyPr>
-          <a:lstStyle/>
-          <a:p>
-            <a:pPr indent="-317500" lvl="0" marL="457200" rtl="0" algn="l">
-              <a:spcBef>
-                <a:spcPts val="0"/>
-              </a:spcBef>
-              <a:spcAft>
-                <a:spcPts val="0"/>
-              </a:spcAft>
-              <a:buClr>
-                <a:schemeClr val="lt1"/>
-              </a:buClr>
-              <a:buSzPts val="1400"/>
-              <a:buFont typeface="Lato"/>
-              <a:buChar char="❏"/>
-            </a:pPr>
-            <a:r>
-              <a:rPr lang="en">
-                <a:solidFill>
-                  <a:schemeClr val="lt1"/>
-                </a:solidFill>
-                <a:latin typeface="Lato"/>
-                <a:ea typeface="Lato"/>
-                <a:cs typeface="Lato"/>
-                <a:sym typeface="Lato"/>
-              </a:rPr>
-              <a:t>City 1 </a:t>
-            </a:r>
-            <a:endParaRPr>
-              <a:solidFill>
-                <a:schemeClr val="lt1"/>
-              </a:solidFill>
-              <a:latin typeface="Lato"/>
-              <a:ea typeface="Lato"/>
-              <a:cs typeface="Lato"/>
-              <a:sym typeface="Lato"/>
-            </a:endParaRPr>
-          </a:p>
-          <a:p>
-            <a:pPr indent="-317500" lvl="0" marL="457200" rtl="0" algn="l">
-              <a:spcBef>
-                <a:spcPts val="0"/>
-              </a:spcBef>
-              <a:spcAft>
-                <a:spcPts val="0"/>
-              </a:spcAft>
-              <a:buClr>
-                <a:schemeClr val="lt1"/>
-              </a:buClr>
-              <a:buSzPts val="1400"/>
-              <a:buFont typeface="Lato"/>
-              <a:buChar char="❏"/>
-            </a:pPr>
-            <a:r>
-              <a:rPr lang="en">
-                <a:solidFill>
-                  <a:schemeClr val="lt1"/>
-                </a:solidFill>
-                <a:latin typeface="Lato"/>
-                <a:ea typeface="Lato"/>
-                <a:cs typeface="Lato"/>
-                <a:sym typeface="Lato"/>
-              </a:rPr>
-              <a:t>City 2</a:t>
-            </a:r>
-            <a:endParaRPr>
-              <a:solidFill>
-                <a:schemeClr val="lt1"/>
-              </a:solidFill>
-              <a:latin typeface="Lato"/>
-              <a:ea typeface="Lato"/>
-              <a:cs typeface="Lato"/>
-              <a:sym typeface="Lato"/>
-            </a:endParaRPr>
-          </a:p>
-          <a:p>
-            <a:pPr indent="-317500" lvl="0" marL="457200" rtl="0" algn="l">
-              <a:spcBef>
-                <a:spcPts val="0"/>
-              </a:spcBef>
-              <a:spcAft>
-                <a:spcPts val="0"/>
-              </a:spcAft>
-              <a:buClr>
-                <a:schemeClr val="lt1"/>
-              </a:buClr>
-              <a:buSzPts val="1400"/>
-              <a:buFont typeface="Lato"/>
-              <a:buChar char="❏"/>
-            </a:pPr>
-            <a:r>
-              <a:rPr lang="en">
-                <a:solidFill>
-                  <a:schemeClr val="lt1"/>
-                </a:solidFill>
-                <a:latin typeface="Lato"/>
-                <a:ea typeface="Lato"/>
-                <a:cs typeface="Lato"/>
-                <a:sym typeface="Lato"/>
-              </a:rPr>
-              <a:t>City 3 </a:t>
-            </a:r>
-            <a:endParaRPr>
-              <a:solidFill>
-                <a:schemeClr val="lt1"/>
-              </a:solidFill>
-              <a:latin typeface="Lato"/>
-              <a:ea typeface="Lato"/>
-              <a:cs typeface="Lato"/>
-              <a:sym typeface="Lato"/>
-            </a:endParaRPr>
-          </a:p>
-          <a:p>
-            <a:pPr indent="0" lvl="0" marL="457200" rtl="0" algn="l">
-              <a:spcBef>
-                <a:spcPts val="0"/>
-              </a:spcBef>
-              <a:spcAft>
-                <a:spcPts val="0"/>
-              </a:spcAft>
-              <a:buNone/>
-            </a:pPr>
-            <a:r>
-              <a:rPr lang="en">
-                <a:solidFill>
-                  <a:schemeClr val="lt1"/>
-                </a:solidFill>
-                <a:latin typeface="Lato"/>
-                <a:ea typeface="Lato"/>
-                <a:cs typeface="Lato"/>
-                <a:sym typeface="Lato"/>
-              </a:rPr>
-              <a:t>…</a:t>
-            </a:r>
-            <a:endParaRPr>
-              <a:solidFill>
-                <a:schemeClr val="lt1"/>
-              </a:solidFill>
-              <a:latin typeface="Lato"/>
-              <a:ea typeface="Lato"/>
-              <a:cs typeface="Lato"/>
-              <a:sym typeface="Lato"/>
-            </a:endParaRPr>
-          </a:p>
-          <a:p>
-            <a:pPr indent="0" lvl="0" marL="457200" rtl="0" algn="l">
-              <a:spcBef>
-                <a:spcPts val="0"/>
-              </a:spcBef>
-              <a:spcAft>
-                <a:spcPts val="0"/>
-              </a:spcAft>
-              <a:buNone/>
-            </a:pPr>
-            <a:r>
-              <a:t/>
-            </a:r>
-            <a:endParaRPr>
-              <a:solidFill>
-                <a:schemeClr val="lt1"/>
-              </a:solidFill>
-              <a:latin typeface="Lato"/>
-              <a:ea typeface="Lato"/>
-              <a:cs typeface="Lato"/>
-              <a:sym typeface="Lato"/>
-            </a:endParaRPr>
-          </a:p>
-          <a:p>
-            <a:pPr indent="-317500" lvl="0" marL="457200" rtl="0" algn="l">
-              <a:spcBef>
-                <a:spcPts val="0"/>
-              </a:spcBef>
-              <a:spcAft>
-                <a:spcPts val="0"/>
-              </a:spcAft>
-              <a:buClr>
-                <a:schemeClr val="lt1"/>
-              </a:buClr>
-              <a:buSzPts val="1400"/>
-              <a:buFont typeface="Lato"/>
-              <a:buChar char="❏"/>
-            </a:pPr>
-            <a:r>
-              <a:rPr lang="en">
-                <a:solidFill>
-                  <a:schemeClr val="lt1"/>
-                </a:solidFill>
-                <a:latin typeface="Lato"/>
-                <a:ea typeface="Lato"/>
-                <a:cs typeface="Lato"/>
-                <a:sym typeface="Lato"/>
-              </a:rPr>
-              <a:t>Criteria 1 </a:t>
-            </a:r>
-            <a:endParaRPr>
-              <a:solidFill>
-                <a:schemeClr val="lt1"/>
-              </a:solidFill>
-              <a:latin typeface="Lato"/>
-              <a:ea typeface="Lato"/>
-              <a:cs typeface="Lato"/>
-              <a:sym typeface="Lato"/>
-            </a:endParaRPr>
-          </a:p>
-          <a:p>
-            <a:pPr indent="-317500" lvl="0" marL="457200" rtl="0" algn="l">
-              <a:spcBef>
-                <a:spcPts val="0"/>
-              </a:spcBef>
-              <a:spcAft>
-                <a:spcPts val="0"/>
-              </a:spcAft>
-              <a:buClr>
-                <a:schemeClr val="lt1"/>
-              </a:buClr>
-              <a:buSzPts val="1400"/>
-              <a:buFont typeface="Lato"/>
-              <a:buChar char="❏"/>
-            </a:pPr>
-            <a:r>
-              <a:rPr lang="en">
-                <a:solidFill>
-                  <a:schemeClr val="lt1"/>
-                </a:solidFill>
-                <a:latin typeface="Lato"/>
-                <a:ea typeface="Lato"/>
-                <a:cs typeface="Lato"/>
-                <a:sym typeface="Lato"/>
-              </a:rPr>
-              <a:t>Criteria 2 </a:t>
-            </a:r>
-            <a:endParaRPr>
-              <a:solidFill>
-                <a:schemeClr val="lt1"/>
-              </a:solidFill>
-              <a:latin typeface="Lato"/>
-              <a:ea typeface="Lato"/>
-              <a:cs typeface="Lato"/>
-              <a:sym typeface="Lato"/>
-            </a:endParaRPr>
-          </a:p>
-          <a:p>
-            <a:pPr indent="-317500" lvl="0" marL="457200" rtl="0" algn="l">
-              <a:spcBef>
-                <a:spcPts val="0"/>
-              </a:spcBef>
-              <a:spcAft>
-                <a:spcPts val="0"/>
-              </a:spcAft>
-              <a:buClr>
-                <a:schemeClr val="lt1"/>
-              </a:buClr>
-              <a:buSzPts val="1400"/>
-              <a:buFont typeface="Lato"/>
-              <a:buChar char="❏"/>
-            </a:pPr>
-            <a:r>
-              <a:rPr lang="en">
-                <a:solidFill>
-                  <a:schemeClr val="lt1"/>
-                </a:solidFill>
-                <a:latin typeface="Lato"/>
-                <a:ea typeface="Lato"/>
-                <a:cs typeface="Lato"/>
-                <a:sym typeface="Lato"/>
-              </a:rPr>
-              <a:t>Criteria 3</a:t>
-            </a:r>
-            <a:endParaRPr>
-              <a:solidFill>
-                <a:schemeClr val="lt1"/>
-              </a:solidFill>
-              <a:latin typeface="Lato"/>
-              <a:ea typeface="Lato"/>
-              <a:cs typeface="Lato"/>
-              <a:sym typeface="Lato"/>
-            </a:endParaRPr>
-          </a:p>
-          <a:p>
-            <a:pPr indent="0" lvl="0" marL="457200" rtl="0" algn="l">
-              <a:spcBef>
-                <a:spcPts val="0"/>
-              </a:spcBef>
-              <a:spcAft>
-                <a:spcPts val="0"/>
-              </a:spcAft>
-              <a:buNone/>
-            </a:pPr>
-            <a:r>
-              <a:rPr lang="en">
-                <a:solidFill>
-                  <a:schemeClr val="lt1"/>
-                </a:solidFill>
-                <a:latin typeface="Lato"/>
-                <a:ea typeface="Lato"/>
-                <a:cs typeface="Lato"/>
-                <a:sym typeface="Lato"/>
-              </a:rPr>
-              <a:t>….</a:t>
-            </a:r>
-            <a:endParaRPr>
-              <a:solidFill>
-                <a:schemeClr val="lt1"/>
-              </a:solidFill>
-              <a:latin typeface="Lato"/>
-              <a:ea typeface="Lato"/>
-              <a:cs typeface="Lato"/>
-              <a:sym typeface="Lato"/>
-            </a:endParaRPr>
-          </a:p>
-        </p:txBody>
-      </p:sp>
-      <p:pic>
-        <p:nvPicPr>
-          <p:cNvPr id="217" name="Google Shape;217;p19"/>
-          <p:cNvPicPr preferRelativeResize="0"/>
-          <p:nvPr/>
-        </p:nvPicPr>
-        <p:blipFill>
-          <a:blip r:embed="rId6">
-            <a:alphaModFix/>
-          </a:blip>
-          <a:stretch>
-            <a:fillRect/>
-          </a:stretch>
-        </p:blipFill>
-        <p:spPr>
-          <a:xfrm>
-            <a:off x="268925" y="1181825"/>
-            <a:ext cx="3614055" cy="2339700"/>
-          </a:xfrm>
-          <a:prstGeom prst="rect">
-            <a:avLst/>
-          </a:prstGeom>
-          <a:noFill/>
-          <a:ln>
-            <a:noFill/>
-          </a:ln>
-        </p:spPr>
-      </p:pic>
-      <p:sp>
-        <p:nvSpPr>
-          <p:cNvPr id="218" name="Google Shape;218;p19"/>
-          <p:cNvSpPr txBox="1"/>
-          <p:nvPr/>
-        </p:nvSpPr>
-        <p:spPr>
-          <a:xfrm>
-            <a:off x="6166000" y="1181825"/>
-            <a:ext cx="2714100" cy="1708500"/>
-          </a:xfrm>
-          <a:prstGeom prst="rect">
-            <a:avLst/>
-          </a:prstGeom>
-          <a:noFill/>
-          <a:ln>
-            <a:noFill/>
-          </a:ln>
-        </p:spPr>
-        <p:txBody>
-          <a:bodyPr anchorCtr="0" anchor="t" bIns="91425" lIns="91425" spcFirstLastPara="1" rIns="91425" wrap="square" tIns="91425">
-            <a:spAutoFit/>
-          </a:bodyPr>
-          <a:lstStyle/>
-          <a:p>
-            <a:pPr indent="0" lvl="0" marL="0" rtl="0" algn="l">
-              <a:spcBef>
-                <a:spcPts val="0"/>
-              </a:spcBef>
-              <a:spcAft>
-                <a:spcPts val="0"/>
-              </a:spcAft>
-              <a:buNone/>
-            </a:pPr>
-            <a:r>
-              <a:rPr b="1" lang="en" sz="900" u="sng">
-                <a:solidFill>
-                  <a:schemeClr val="lt1"/>
-                </a:solidFill>
-                <a:latin typeface="Lato"/>
-                <a:ea typeface="Lato"/>
-                <a:cs typeface="Lato"/>
-                <a:sym typeface="Lato"/>
-              </a:rPr>
-              <a:t>Map</a:t>
-            </a:r>
-            <a:endParaRPr b="1" sz="900" u="sng">
-              <a:solidFill>
-                <a:schemeClr val="lt1"/>
-              </a:solidFill>
-              <a:latin typeface="Lato"/>
-              <a:ea typeface="Lato"/>
-              <a:cs typeface="Lato"/>
-              <a:sym typeface="Lato"/>
-            </a:endParaRPr>
-          </a:p>
-          <a:p>
-            <a:pPr indent="0" lvl="0" marL="0" rtl="0" algn="l">
-              <a:spcBef>
-                <a:spcPts val="0"/>
-              </a:spcBef>
-              <a:spcAft>
-                <a:spcPts val="0"/>
-              </a:spcAft>
-              <a:buNone/>
-            </a:pPr>
-            <a:r>
-              <a:rPr lang="en" sz="900">
-                <a:solidFill>
-                  <a:schemeClr val="lt1"/>
-                </a:solidFill>
-                <a:latin typeface="Lato"/>
-                <a:ea typeface="Lato"/>
-                <a:cs typeface="Lato"/>
-                <a:sym typeface="Lato"/>
-              </a:rPr>
-              <a:t>Showing all cities </a:t>
-            </a:r>
-            <a:endParaRPr sz="900">
-              <a:solidFill>
-                <a:schemeClr val="lt1"/>
-              </a:solidFill>
-              <a:latin typeface="Lato"/>
-              <a:ea typeface="Lato"/>
-              <a:cs typeface="Lato"/>
-              <a:sym typeface="Lato"/>
-            </a:endParaRPr>
-          </a:p>
-          <a:p>
-            <a:pPr indent="0" lvl="0" marL="0" rtl="0" algn="l">
-              <a:spcBef>
-                <a:spcPts val="0"/>
-              </a:spcBef>
-              <a:spcAft>
-                <a:spcPts val="0"/>
-              </a:spcAft>
-              <a:buNone/>
-            </a:pPr>
-            <a:r>
-              <a:rPr lang="en" sz="900">
-                <a:solidFill>
-                  <a:schemeClr val="lt1"/>
-                </a:solidFill>
-                <a:latin typeface="Lato"/>
-                <a:ea typeface="Lato"/>
-                <a:cs typeface="Lato"/>
-                <a:sym typeface="Lato"/>
-              </a:rPr>
-              <a:t>Filtering criteria: </a:t>
-            </a:r>
-            <a:endParaRPr sz="900">
-              <a:solidFill>
-                <a:schemeClr val="lt1"/>
-              </a:solidFill>
-              <a:latin typeface="Lato"/>
-              <a:ea typeface="Lato"/>
-              <a:cs typeface="Lato"/>
-              <a:sym typeface="Lato"/>
-            </a:endParaRPr>
-          </a:p>
-          <a:p>
-            <a:pPr indent="-285750" lvl="0" marL="457200" rtl="0" algn="l">
-              <a:spcBef>
-                <a:spcPts val="0"/>
-              </a:spcBef>
-              <a:spcAft>
-                <a:spcPts val="0"/>
-              </a:spcAft>
-              <a:buClr>
-                <a:schemeClr val="lt1"/>
-              </a:buClr>
-              <a:buSzPts val="900"/>
-              <a:buFont typeface="Lato"/>
-              <a:buChar char="●"/>
-            </a:pPr>
-            <a:r>
-              <a:rPr lang="en" sz="900">
-                <a:solidFill>
-                  <a:schemeClr val="lt1"/>
-                </a:solidFill>
-                <a:latin typeface="Lato"/>
-                <a:ea typeface="Lato"/>
-                <a:cs typeface="Lato"/>
-                <a:sym typeface="Lato"/>
-              </a:rPr>
-              <a:t>Top 100 </a:t>
-            </a:r>
-            <a:endParaRPr sz="900">
-              <a:solidFill>
-                <a:schemeClr val="lt1"/>
-              </a:solidFill>
-              <a:latin typeface="Lato"/>
-              <a:ea typeface="Lato"/>
-              <a:cs typeface="Lato"/>
-              <a:sym typeface="Lato"/>
-            </a:endParaRPr>
-          </a:p>
-          <a:p>
-            <a:pPr indent="-285750" lvl="0" marL="457200" rtl="0" algn="l">
-              <a:spcBef>
-                <a:spcPts val="0"/>
-              </a:spcBef>
-              <a:spcAft>
-                <a:spcPts val="0"/>
-              </a:spcAft>
-              <a:buClr>
-                <a:schemeClr val="lt1"/>
-              </a:buClr>
-              <a:buSzPts val="900"/>
-              <a:buFont typeface="Lato"/>
-              <a:buChar char="●"/>
-            </a:pPr>
-            <a:r>
-              <a:rPr lang="en" sz="900">
-                <a:solidFill>
-                  <a:schemeClr val="lt1"/>
-                </a:solidFill>
-                <a:latin typeface="Lato"/>
-                <a:ea typeface="Lato"/>
-                <a:cs typeface="Lato"/>
-                <a:sym typeface="Lato"/>
-              </a:rPr>
-              <a:t>Top 50 </a:t>
-            </a:r>
-            <a:endParaRPr sz="900">
-              <a:solidFill>
-                <a:schemeClr val="lt1"/>
-              </a:solidFill>
-              <a:latin typeface="Lato"/>
-              <a:ea typeface="Lato"/>
-              <a:cs typeface="Lato"/>
-              <a:sym typeface="Lato"/>
-            </a:endParaRPr>
-          </a:p>
-          <a:p>
-            <a:pPr indent="-285750" lvl="0" marL="457200" rtl="0" algn="l">
-              <a:spcBef>
-                <a:spcPts val="0"/>
-              </a:spcBef>
-              <a:spcAft>
-                <a:spcPts val="0"/>
-              </a:spcAft>
-              <a:buClr>
-                <a:schemeClr val="lt1"/>
-              </a:buClr>
-              <a:buSzPts val="900"/>
-              <a:buFont typeface="Lato"/>
-              <a:buChar char="●"/>
-            </a:pPr>
-            <a:r>
-              <a:rPr lang="en" sz="900">
-                <a:solidFill>
-                  <a:schemeClr val="lt1"/>
-                </a:solidFill>
-                <a:latin typeface="Lato"/>
-                <a:ea typeface="Lato"/>
-                <a:cs typeface="Lato"/>
-                <a:sym typeface="Lato"/>
-              </a:rPr>
-              <a:t>Top 10 </a:t>
-            </a:r>
-            <a:endParaRPr sz="900">
-              <a:solidFill>
-                <a:schemeClr val="lt1"/>
-              </a:solidFill>
-              <a:latin typeface="Lato"/>
-              <a:ea typeface="Lato"/>
-              <a:cs typeface="Lato"/>
-              <a:sym typeface="Lato"/>
-            </a:endParaRPr>
-          </a:p>
-          <a:p>
-            <a:pPr indent="0" lvl="0" marL="0" rtl="0" algn="l">
-              <a:spcBef>
-                <a:spcPts val="0"/>
-              </a:spcBef>
-              <a:spcAft>
-                <a:spcPts val="0"/>
-              </a:spcAft>
-              <a:buNone/>
-            </a:pPr>
-            <a:r>
-              <a:t/>
-            </a:r>
-            <a:endParaRPr b="1" sz="900" u="sng">
-              <a:solidFill>
-                <a:schemeClr val="lt1"/>
-              </a:solidFill>
-              <a:latin typeface="Lato"/>
-              <a:ea typeface="Lato"/>
-              <a:cs typeface="Lato"/>
-              <a:sym typeface="Lato"/>
-            </a:endParaRPr>
-          </a:p>
-          <a:p>
-            <a:pPr indent="0" lvl="0" marL="0" rtl="0" algn="l">
-              <a:spcBef>
-                <a:spcPts val="0"/>
-              </a:spcBef>
-              <a:spcAft>
-                <a:spcPts val="0"/>
-              </a:spcAft>
-              <a:buNone/>
-            </a:pPr>
-            <a:r>
-              <a:rPr b="1" lang="en" sz="900" u="sng">
-                <a:solidFill>
-                  <a:schemeClr val="lt1"/>
-                </a:solidFill>
-                <a:latin typeface="Lato"/>
-                <a:ea typeface="Lato"/>
-                <a:cs typeface="Lato"/>
-                <a:sym typeface="Lato"/>
-              </a:rPr>
-              <a:t>Line Graph</a:t>
-            </a:r>
-            <a:endParaRPr b="1" sz="900" u="sng">
-              <a:solidFill>
-                <a:schemeClr val="lt1"/>
-              </a:solidFill>
-              <a:latin typeface="Lato"/>
-              <a:ea typeface="Lato"/>
-              <a:cs typeface="Lato"/>
-              <a:sym typeface="Lato"/>
-            </a:endParaRPr>
-          </a:p>
-          <a:p>
-            <a:pPr indent="0" lvl="0" marL="0" rtl="0" algn="l">
-              <a:spcBef>
-                <a:spcPts val="0"/>
-              </a:spcBef>
-              <a:spcAft>
-                <a:spcPts val="0"/>
-              </a:spcAft>
-              <a:buNone/>
-            </a:pPr>
-            <a:r>
-              <a:rPr lang="en" sz="900">
-                <a:solidFill>
-                  <a:schemeClr val="lt1"/>
-                </a:solidFill>
-                <a:latin typeface="Lato"/>
-                <a:ea typeface="Lato"/>
-                <a:cs typeface="Lato"/>
-                <a:sym typeface="Lato"/>
-              </a:rPr>
-              <a:t>Austin as model city</a:t>
-            </a:r>
-            <a:endParaRPr sz="900">
-              <a:solidFill>
-                <a:schemeClr val="lt1"/>
-              </a:solidFill>
-              <a:latin typeface="Lato"/>
-              <a:ea typeface="Lato"/>
-              <a:cs typeface="Lato"/>
-              <a:sym typeface="Lato"/>
-            </a:endParaRPr>
-          </a:p>
-          <a:p>
-            <a:pPr indent="0" lvl="0" marL="0" rtl="0" algn="l">
-              <a:spcBef>
-                <a:spcPts val="0"/>
-              </a:spcBef>
-              <a:spcAft>
-                <a:spcPts val="0"/>
-              </a:spcAft>
-              <a:buNone/>
-            </a:pPr>
-            <a:r>
-              <a:rPr lang="en" sz="900">
-                <a:solidFill>
-                  <a:schemeClr val="lt1"/>
-                </a:solidFill>
-                <a:latin typeface="Lato"/>
-                <a:ea typeface="Lato"/>
-                <a:cs typeface="Lato"/>
-                <a:sym typeface="Lato"/>
-              </a:rPr>
-              <a:t>Weather data over 12 months</a:t>
-            </a:r>
-            <a:endParaRPr sz="900">
-              <a:solidFill>
-                <a:schemeClr val="lt1"/>
-              </a:solidFill>
-              <a:latin typeface="Lato"/>
-              <a:ea typeface="Lato"/>
-              <a:cs typeface="Lato"/>
-              <a:sym typeface="Lato"/>
-            </a:endParaRPr>
-          </a:p>
-          <a:p>
-            <a:pPr indent="0" lvl="0" marL="0" rtl="0" algn="l">
-              <a:spcBef>
-                <a:spcPts val="0"/>
-              </a:spcBef>
-              <a:spcAft>
-                <a:spcPts val="0"/>
-              </a:spcAft>
-              <a:buNone/>
-            </a:pPr>
-            <a:r>
-              <a:rPr lang="en" sz="900">
-                <a:solidFill>
-                  <a:schemeClr val="lt1"/>
-                </a:solidFill>
-                <a:latin typeface="Lato"/>
-                <a:ea typeface="Lato"/>
-                <a:cs typeface="Lato"/>
-                <a:sym typeface="Lato"/>
-              </a:rPr>
-              <a:t>Housing data over 12 months</a:t>
-            </a:r>
-            <a:endParaRPr sz="900">
-              <a:solidFill>
-                <a:schemeClr val="lt1"/>
-              </a:solidFill>
-              <a:latin typeface="Lato"/>
-              <a:ea typeface="Lato"/>
-              <a:cs typeface="Lato"/>
-              <a:sym typeface="Lato"/>
-            </a:endParaRPr>
-          </a:p>
-        </p:txBody>
-      </p:sp>
     </p:spTree>
   </p:cSld>
   <p:clrMapOvr>
@@ -15932,6 +11500,285 @@
 </file>
 
 <file path=ppt/theme/theme1.xml><?xml version="1.0" encoding="utf-8"?>
+<a:theme xmlns:a="http://schemas.openxmlformats.org/drawingml/2006/main" xmlns:r="http://schemas.openxmlformats.org/officeDocument/2006/relationships">
+  <a:themeElements>
+    <a:clrScheme name="Default">
+      <a:dk1>
+        <a:srgbClr val="000000"/>
+      </a:dk1>
+      <a:lt1>
+        <a:srgbClr val="FFFFFF"/>
+      </a:lt1>
+      <a:dk2>
+        <a:srgbClr val="158158"/>
+      </a:dk2>
+      <a:lt2>
+        <a:srgbClr val="F3F3F3"/>
+      </a:lt2>
+      <a:accent1>
+        <a:srgbClr val="058DC7"/>
+      </a:accent1>
+      <a:accent2>
+        <a:srgbClr val="50B432"/>
+      </a:accent2>
+      <a:accent3>
+        <a:srgbClr val="ED561B"/>
+      </a:accent3>
+      <a:accent4>
+        <a:srgbClr val="EDEF00"/>
+      </a:accent4>
+      <a:accent5>
+        <a:srgbClr val="24CBE5"/>
+      </a:accent5>
+      <a:accent6>
+        <a:srgbClr val="64E572"/>
+      </a:accent6>
+      <a:hlink>
+        <a:srgbClr val="2200CC"/>
+      </a:hlink>
+      <a:folHlink>
+        <a:srgbClr val="551A8B"/>
+      </a:folHlink>
+    </a:clrScheme>
+    <a:fontScheme name="Office">
+      <a:majorFont>
+        <a:latin typeface="Arial"/>
+        <a:ea typeface=""/>
+        <a:cs typeface=""/>
+        <a:font script="Jpan" typeface="ＭＳ Ｐゴシック"/>
+        <a:font script="Hang" typeface="맑은 고딕"/>
+        <a:font script="Hans" typeface="宋体"/>
+        <a:font script="Hant" typeface="新細明體"/>
+        <a:font script="Arab" typeface="Times New Roman"/>
+        <a:font script="Hebr" typeface="Times New Roman"/>
+        <a:font script="Thai" typeface="Angsana New"/>
+        <a:font script="Ethi" typeface="Nyala"/>
+        <a:font script="Beng" typeface="Vrinda"/>
+        <a:font script="Gujr" typeface="Shruti"/>
+        <a:font script="Khmr" typeface="MoolBoran"/>
+        <a:font script="Knda" typeface="Tunga"/>
+        <a:font script="Guru" typeface="Raavi"/>
+        <a:font script="Cans" typeface="Euphemia"/>
+        <a:font script="Cher" typeface="Plantagenet Cherokee"/>
+        <a:font script="Yiii" typeface="Microsoft Yi Baiti"/>
+        <a:font script="Tibt" typeface="Microsoft Himalaya"/>
+        <a:font script="Thaa" typeface="MV Boli"/>
+        <a:font script="Deva" typeface="Mangal"/>
+        <a:font script="Telu" typeface="Gautami"/>
+        <a:font script="Taml" typeface="Latha"/>
+        <a:font script="Syrc" typeface="Estrangelo Edessa"/>
+        <a:font script="Orya" typeface="Kalinga"/>
+        <a:font script="Mlym" typeface="Kartika"/>
+        <a:font script="Laoo" typeface="DokChampa"/>
+        <a:font script="Sinh" typeface="Iskoola Pota"/>
+        <a:font script="Mong" typeface="Mongolian Baiti"/>
+        <a:font script="Viet" typeface="Times New Roman"/>
+        <a:font script="Uigh" typeface="Microsoft Uighur"/>
+        <a:font script="Geor" typeface="Sylfaen"/>
+      </a:majorFont>
+      <a:minorFont>
+        <a:latin typeface="Arial"/>
+        <a:ea typeface=""/>
+        <a:cs typeface=""/>
+        <a:font script="Jpan" typeface="ＭＳ Ｐゴシック"/>
+        <a:font script="Hang" typeface="맑은 고딕"/>
+        <a:font script="Hans" typeface="宋体"/>
+        <a:font script="Hant" typeface="新細明體"/>
+        <a:font script="Arab" typeface="Arial"/>
+        <a:font script="Hebr" typeface="Arial"/>
+        <a:font script="Thai" typeface="Cordia New"/>
+        <a:font script="Ethi" typeface="Nyala"/>
+        <a:font script="Beng" typeface="Vrinda"/>
+        <a:font script="Gujr" typeface="Shruti"/>
+        <a:font script="Khmr" typeface="DaunPenh"/>
+        <a:font script="Knda" typeface="Tunga"/>
+        <a:font script="Guru" typeface="Raavi"/>
+        <a:font script="Cans" typeface="Euphemia"/>
+        <a:font script="Cher" typeface="Plantagenet Cherokee"/>
+        <a:font script="Yiii" typeface="Microsoft Yi Baiti"/>
+        <a:font script="Tibt" typeface="Microsoft Himalaya"/>
+        <a:font script="Thaa" typeface="MV Boli"/>
+        <a:font script="Deva" typeface="Mangal"/>
+        <a:font script="Telu" typeface="Gautami"/>
+        <a:font script="Taml" typeface="Latha"/>
+        <a:font script="Syrc" typeface="Estrangelo Edessa"/>
+        <a:font script="Orya" typeface="Kalinga"/>
+        <a:font script="Mlym" typeface="Kartika"/>
+        <a:font script="Laoo" typeface="DokChampa"/>
+        <a:font script="Sinh" typeface="Iskoola Pota"/>
+        <a:font script="Mong" typeface="Mongolian Baiti"/>
+        <a:font script="Viet" typeface="Arial"/>
+        <a:font script="Uigh" typeface="Microsoft Uighur"/>
+        <a:font script="Geor" typeface="Sylfaen"/>
+      </a:minorFont>
+    </a:fontScheme>
+    <a:fmtScheme name="Office">
+      <a:fillStyleLst>
+        <a:solidFill>
+          <a:schemeClr val="phClr"/>
+        </a:solidFill>
+        <a:gradFill rotWithShape="1">
+          <a:gsLst>
+            <a:gs pos="0">
+              <a:schemeClr val="phClr">
+                <a:tint val="50000"/>
+                <a:satMod val="300000"/>
+              </a:schemeClr>
+            </a:gs>
+            <a:gs pos="35000">
+              <a:schemeClr val="phClr">
+                <a:tint val="37000"/>
+                <a:satMod val="300000"/>
+              </a:schemeClr>
+            </a:gs>
+            <a:gs pos="100000">
+              <a:schemeClr val="phClr">
+                <a:tint val="15000"/>
+                <a:satMod val="350000"/>
+              </a:schemeClr>
+            </a:gs>
+          </a:gsLst>
+          <a:lin ang="16200000" scaled="1"/>
+        </a:gradFill>
+        <a:gradFill rotWithShape="1">
+          <a:gsLst>
+            <a:gs pos="0">
+              <a:schemeClr val="phClr">
+                <a:tint val="100000"/>
+                <a:shade val="100000"/>
+                <a:satMod val="130000"/>
+              </a:schemeClr>
+            </a:gs>
+            <a:gs pos="100000">
+              <a:schemeClr val="phClr">
+                <a:tint val="50000"/>
+                <a:shade val="100000"/>
+                <a:satMod val="350000"/>
+              </a:schemeClr>
+            </a:gs>
+          </a:gsLst>
+          <a:lin ang="16200000" scaled="0"/>
+        </a:gradFill>
+      </a:fillStyleLst>
+      <a:lnStyleLst>
+        <a:ln w="9525" cap="flat" cmpd="sng" algn="ctr">
+          <a:solidFill>
+            <a:schemeClr val="phClr">
+              <a:shade val="95000"/>
+              <a:satMod val="105000"/>
+            </a:schemeClr>
+          </a:solidFill>
+          <a:prstDash val="solid"/>
+        </a:ln>
+        <a:ln w="25400" cap="flat" cmpd="sng" algn="ctr">
+          <a:solidFill>
+            <a:schemeClr val="phClr"/>
+          </a:solidFill>
+          <a:prstDash val="solid"/>
+        </a:ln>
+        <a:ln w="38100" cap="flat" cmpd="sng" algn="ctr">
+          <a:solidFill>
+            <a:schemeClr val="phClr"/>
+          </a:solidFill>
+          <a:prstDash val="solid"/>
+        </a:ln>
+      </a:lnStyleLst>
+      <a:effectStyleLst>
+        <a:effectStyle>
+          <a:effectLst>
+            <a:outerShdw blurRad="40000" dist="20000" dir="5400000" rotWithShape="0">
+              <a:srgbClr val="000000">
+                <a:alpha val="38000"/>
+              </a:srgbClr>
+            </a:outerShdw>
+          </a:effectLst>
+        </a:effectStyle>
+        <a:effectStyle>
+          <a:effectLst>
+            <a:outerShdw blurRad="40000" dist="23000" dir="5400000" rotWithShape="0">
+              <a:srgbClr val="000000">
+                <a:alpha val="35000"/>
+              </a:srgbClr>
+            </a:outerShdw>
+          </a:effectLst>
+        </a:effectStyle>
+        <a:effectStyle>
+          <a:effectLst>
+            <a:outerShdw blurRad="40000" dist="23000" dir="5400000" rotWithShape="0">
+              <a:srgbClr val="000000">
+                <a:alpha val="35000"/>
+              </a:srgbClr>
+            </a:outerShdw>
+          </a:effectLst>
+          <a:scene3d>
+            <a:camera prst="orthographicFront">
+              <a:rot lat="0" lon="0" rev="0"/>
+            </a:camera>
+            <a:lightRig rig="threePt" dir="t">
+              <a:rot lat="0" lon="0" rev="1200000"/>
+            </a:lightRig>
+          </a:scene3d>
+          <a:sp3d>
+            <a:bevelT w="63500" h="25400"/>
+          </a:sp3d>
+        </a:effectStyle>
+      </a:effectStyleLst>
+      <a:bgFillStyleLst>
+        <a:solidFill>
+          <a:schemeClr val="phClr"/>
+        </a:solidFill>
+        <a:gradFill rotWithShape="1">
+          <a:gsLst>
+            <a:gs pos="0">
+              <a:schemeClr val="phClr">
+                <a:tint val="40000"/>
+                <a:satMod val="350000"/>
+              </a:schemeClr>
+            </a:gs>
+            <a:gs pos="40000">
+              <a:schemeClr val="phClr">
+                <a:tint val="45000"/>
+                <a:shade val="99000"/>
+                <a:satMod val="350000"/>
+              </a:schemeClr>
+            </a:gs>
+            <a:gs pos="100000">
+              <a:schemeClr val="phClr">
+                <a:shade val="20000"/>
+                <a:satMod val="255000"/>
+              </a:schemeClr>
+            </a:gs>
+          </a:gsLst>
+          <a:path path="circle">
+            <a:fillToRect l="50000" t="-80000" r="50000" b="180000"/>
+          </a:path>
+        </a:gradFill>
+        <a:gradFill rotWithShape="1">
+          <a:gsLst>
+            <a:gs pos="0">
+              <a:schemeClr val="phClr">
+                <a:tint val="80000"/>
+                <a:satMod val="300000"/>
+              </a:schemeClr>
+            </a:gs>
+            <a:gs pos="100000">
+              <a:schemeClr val="phClr">
+                <a:shade val="30000"/>
+                <a:satMod val="200000"/>
+              </a:schemeClr>
+            </a:gs>
+          </a:gsLst>
+          <a:path path="circle">
+            <a:fillToRect l="50000" t="50000" r="50000" b="50000"/>
+          </a:path>
+        </a:gradFill>
+      </a:bgFillStyleLst>
+    </a:fmtScheme>
+  </a:themeElements>
+</a:theme>
+</file>
+
+<file path=ppt/theme/theme2.xml><?xml version="1.0" encoding="utf-8"?>
 <a:theme xmlns:a="http://schemas.openxmlformats.org/drawingml/2006/main" xmlns:r="http://schemas.openxmlformats.org/officeDocument/2006/relationships" name="Focus">
   <a:themeElements>
     <a:clrScheme name="Focus">
@@ -16208,283 +12055,4 @@
     </a:fmtScheme>
   </a:themeElements>
 </a:theme>
-</file>
-
-<file path=ppt/theme/theme2.xml><?xml version="1.0" encoding="utf-8"?>
-<a:theme xmlns:a="http://schemas.openxmlformats.org/drawingml/2006/main" xmlns:r="http://schemas.openxmlformats.org/officeDocument/2006/relationships">
-  <a:themeElements>
-    <a:clrScheme name="Default">
-      <a:dk1>
-        <a:srgbClr val="000000"/>
-      </a:dk1>
-      <a:lt1>
-        <a:srgbClr val="FFFFFF"/>
-      </a:lt1>
-      <a:dk2>
-        <a:srgbClr val="158158"/>
-      </a:dk2>
-      <a:lt2>
-        <a:srgbClr val="F3F3F3"/>
-      </a:lt2>
-      <a:accent1>
-        <a:srgbClr val="058DC7"/>
-      </a:accent1>
-      <a:accent2>
-        <a:srgbClr val="50B432"/>
-      </a:accent2>
-      <a:accent3>
-        <a:srgbClr val="ED561B"/>
-      </a:accent3>
-      <a:accent4>
-        <a:srgbClr val="EDEF00"/>
-      </a:accent4>
-      <a:accent5>
-        <a:srgbClr val="24CBE5"/>
-      </a:accent5>
-      <a:accent6>
-        <a:srgbClr val="64E572"/>
-      </a:accent6>
-      <a:hlink>
-        <a:srgbClr val="2200CC"/>
-      </a:hlink>
-      <a:folHlink>
-        <a:srgbClr val="551A8B"/>
-      </a:folHlink>
-    </a:clrScheme>
-    <a:fontScheme name="Office">
-      <a:majorFont>
-        <a:latin typeface="Arial"/>
-        <a:ea typeface=""/>
-        <a:cs typeface=""/>
-        <a:font script="Jpan" typeface="ＭＳ Ｐゴシック"/>
-        <a:font script="Hang" typeface="맑은 고딕"/>
-        <a:font script="Hans" typeface="宋体"/>
-        <a:font script="Hant" typeface="新細明體"/>
-        <a:font script="Arab" typeface="Times New Roman"/>
-        <a:font script="Hebr" typeface="Times New Roman"/>
-        <a:font script="Thai" typeface="Angsana New"/>
-        <a:font script="Ethi" typeface="Nyala"/>
-        <a:font script="Beng" typeface="Vrinda"/>
-        <a:font script="Gujr" typeface="Shruti"/>
-        <a:font script="Khmr" typeface="MoolBoran"/>
-        <a:font script="Knda" typeface="Tunga"/>
-        <a:font script="Guru" typeface="Raavi"/>
-        <a:font script="Cans" typeface="Euphemia"/>
-        <a:font script="Cher" typeface="Plantagenet Cherokee"/>
-        <a:font script="Yiii" typeface="Microsoft Yi Baiti"/>
-        <a:font script="Tibt" typeface="Microsoft Himalaya"/>
-        <a:font script="Thaa" typeface="MV Boli"/>
-        <a:font script="Deva" typeface="Mangal"/>
-        <a:font script="Telu" typeface="Gautami"/>
-        <a:font script="Taml" typeface="Latha"/>
-        <a:font script="Syrc" typeface="Estrangelo Edessa"/>
-        <a:font script="Orya" typeface="Kalinga"/>
-        <a:font script="Mlym" typeface="Kartika"/>
-        <a:font script="Laoo" typeface="DokChampa"/>
-        <a:font script="Sinh" typeface="Iskoola Pota"/>
-        <a:font script="Mong" typeface="Mongolian Baiti"/>
-        <a:font script="Viet" typeface="Times New Roman"/>
-        <a:font script="Uigh" typeface="Microsoft Uighur"/>
-        <a:font script="Geor" typeface="Sylfaen"/>
-      </a:majorFont>
-      <a:minorFont>
-        <a:latin typeface="Arial"/>
-        <a:ea typeface=""/>
-        <a:cs typeface=""/>
-        <a:font script="Jpan" typeface="ＭＳ Ｐゴシック"/>
-        <a:font script="Hang" typeface="맑은 고딕"/>
-        <a:font script="Hans" typeface="宋体"/>
-        <a:font script="Hant" typeface="新細明體"/>
-        <a:font script="Arab" typeface="Arial"/>
-        <a:font script="Hebr" typeface="Arial"/>
-        <a:font script="Thai" typeface="Cordia New"/>
-        <a:font script="Ethi" typeface="Nyala"/>
-        <a:font script="Beng" typeface="Vrinda"/>
-        <a:font script="Gujr" typeface="Shruti"/>
-        <a:font script="Khmr" typeface="DaunPenh"/>
-        <a:font script="Knda" typeface="Tunga"/>
-        <a:font script="Guru" typeface="Raavi"/>
-        <a:font script="Cans" typeface="Euphemia"/>
-        <a:font script="Cher" typeface="Plantagenet Cherokee"/>
-        <a:font script="Yiii" typeface="Microsoft Yi Baiti"/>
-        <a:font script="Tibt" typeface="Microsoft Himalaya"/>
-        <a:font script="Thaa" typeface="MV Boli"/>
-        <a:font script="Deva" typeface="Mangal"/>
-        <a:font script="Telu" typeface="Gautami"/>
-        <a:font script="Taml" typeface="Latha"/>
-        <a:font script="Syrc" typeface="Estrangelo Edessa"/>
-        <a:font script="Orya" typeface="Kalinga"/>
-        <a:font script="Mlym" typeface="Kartika"/>
-        <a:font script="Laoo" typeface="DokChampa"/>
-        <a:font script="Sinh" typeface="Iskoola Pota"/>
-        <a:font script="Mong" typeface="Mongolian Baiti"/>
-        <a:font script="Viet" typeface="Arial"/>
-        <a:font script="Uigh" typeface="Microsoft Uighur"/>
-        <a:font script="Geor" typeface="Sylfaen"/>
-      </a:minorFont>
-    </a:fontScheme>
-    <a:fmtScheme name="Office">
-      <a:fillStyleLst>
-        <a:solidFill>
-          <a:schemeClr val="phClr"/>
-        </a:solidFill>
-        <a:gradFill rotWithShape="1">
-          <a:gsLst>
-            <a:gs pos="0">
-              <a:schemeClr val="phClr">
-                <a:tint val="50000"/>
-                <a:satMod val="300000"/>
-              </a:schemeClr>
-            </a:gs>
-            <a:gs pos="35000">
-              <a:schemeClr val="phClr">
-                <a:tint val="37000"/>
-                <a:satMod val="300000"/>
-              </a:schemeClr>
-            </a:gs>
-            <a:gs pos="100000">
-              <a:schemeClr val="phClr">
-                <a:tint val="15000"/>
-                <a:satMod val="350000"/>
-              </a:schemeClr>
-            </a:gs>
-          </a:gsLst>
-          <a:lin ang="16200000" scaled="1"/>
-        </a:gradFill>
-        <a:gradFill rotWithShape="1">
-          <a:gsLst>
-            <a:gs pos="0">
-              <a:schemeClr val="phClr">
-                <a:tint val="100000"/>
-                <a:shade val="100000"/>
-                <a:satMod val="130000"/>
-              </a:schemeClr>
-            </a:gs>
-            <a:gs pos="100000">
-              <a:schemeClr val="phClr">
-                <a:tint val="50000"/>
-                <a:shade val="100000"/>
-                <a:satMod val="350000"/>
-              </a:schemeClr>
-            </a:gs>
-          </a:gsLst>
-          <a:lin ang="16200000" scaled="0"/>
-        </a:gradFill>
-      </a:fillStyleLst>
-      <a:lnStyleLst>
-        <a:ln w="9525" cap="flat" cmpd="sng" algn="ctr">
-          <a:solidFill>
-            <a:schemeClr val="phClr">
-              <a:shade val="95000"/>
-              <a:satMod val="105000"/>
-            </a:schemeClr>
-          </a:solidFill>
-          <a:prstDash val="solid"/>
-        </a:ln>
-        <a:ln w="25400" cap="flat" cmpd="sng" algn="ctr">
-          <a:solidFill>
-            <a:schemeClr val="phClr"/>
-          </a:solidFill>
-          <a:prstDash val="solid"/>
-        </a:ln>
-        <a:ln w="38100" cap="flat" cmpd="sng" algn="ctr">
-          <a:solidFill>
-            <a:schemeClr val="phClr"/>
-          </a:solidFill>
-          <a:prstDash val="solid"/>
-        </a:ln>
-      </a:lnStyleLst>
-      <a:effectStyleLst>
-        <a:effectStyle>
-          <a:effectLst>
-            <a:outerShdw blurRad="40000" dist="20000" dir="5400000" rotWithShape="0">
-              <a:srgbClr val="000000">
-                <a:alpha val="38000"/>
-              </a:srgbClr>
-            </a:outerShdw>
-          </a:effectLst>
-        </a:effectStyle>
-        <a:effectStyle>
-          <a:effectLst>
-            <a:outerShdw blurRad="40000" dist="23000" dir="5400000" rotWithShape="0">
-              <a:srgbClr val="000000">
-                <a:alpha val="35000"/>
-              </a:srgbClr>
-            </a:outerShdw>
-          </a:effectLst>
-        </a:effectStyle>
-        <a:effectStyle>
-          <a:effectLst>
-            <a:outerShdw blurRad="40000" dist="23000" dir="5400000" rotWithShape="0">
-              <a:srgbClr val="000000">
-                <a:alpha val="35000"/>
-              </a:srgbClr>
-            </a:outerShdw>
-          </a:effectLst>
-          <a:scene3d>
-            <a:camera prst="orthographicFront">
-              <a:rot lat="0" lon="0" rev="0"/>
-            </a:camera>
-            <a:lightRig rig="threePt" dir="t">
-              <a:rot lat="0" lon="0" rev="1200000"/>
-            </a:lightRig>
-          </a:scene3d>
-          <a:sp3d>
-            <a:bevelT w="63500" h="25400"/>
-          </a:sp3d>
-        </a:effectStyle>
-      </a:effectStyleLst>
-      <a:bgFillStyleLst>
-        <a:solidFill>
-          <a:schemeClr val="phClr"/>
-        </a:solidFill>
-        <a:gradFill rotWithShape="1">
-          <a:gsLst>
-            <a:gs pos="0">
-              <a:schemeClr val="phClr">
-                <a:tint val="40000"/>
-                <a:satMod val="350000"/>
-              </a:schemeClr>
-            </a:gs>
-            <a:gs pos="40000">
-              <a:schemeClr val="phClr">
-                <a:tint val="45000"/>
-                <a:shade val="99000"/>
-                <a:satMod val="350000"/>
-              </a:schemeClr>
-            </a:gs>
-            <a:gs pos="100000">
-              <a:schemeClr val="phClr">
-                <a:shade val="20000"/>
-                <a:satMod val="255000"/>
-              </a:schemeClr>
-            </a:gs>
-          </a:gsLst>
-          <a:path path="circle">
-            <a:fillToRect l="50000" t="-80000" r="50000" b="180000"/>
-          </a:path>
-        </a:gradFill>
-        <a:gradFill rotWithShape="1">
-          <a:gsLst>
-            <a:gs pos="0">
-              <a:schemeClr val="phClr">
-                <a:tint val="80000"/>
-                <a:satMod val="300000"/>
-              </a:schemeClr>
-            </a:gs>
-            <a:gs pos="100000">
-              <a:schemeClr val="phClr">
-                <a:shade val="30000"/>
-                <a:satMod val="200000"/>
-              </a:schemeClr>
-            </a:gs>
-          </a:gsLst>
-          <a:path path="circle">
-            <a:fillToRect l="50000" t="50000" r="50000" b="50000"/>
-          </a:path>
-        </a:gradFill>
-      </a:bgFillStyleLst>
-    </a:fmtScheme>
-  </a:themeElements>
-</a:theme>
 </file>